--- a/docs/src/Juliacon2024/slides_juliacon2024.pptx
+++ b/docs/src/Juliacon2024/slides_juliacon2024.pptx
@@ -29,7 +29,6 @@
     <p:sldId id="272" r:id="rId22"/>
     <p:sldId id="273" r:id="rId23"/>
     <p:sldId id="274" r:id="rId24"/>
-    <p:sldId id="275" r:id="rId25"/>
   </p:sldIdLst>
   <p:sldSz cx="10080625" cy="5670550"/>
   <p:notesSz cx="7559675" cy="10691813"/>
@@ -360,7 +359,7 @@
             <a:pPr indent="0" algn="r">
               <a:buNone/>
             </a:pPr>
-            <a:fld id="{2F10AD48-F0BC-439F-9804-B0DA1C8967D5}" type="slidenum">
+            <a:fld id="{2A63DD58-6F09-4473-877E-8D355489B6E2}" type="slidenum">
               <a:rPr b="0" lang="en-US" sz="1400" spc="-1" strike="noStrike">
                 <a:solidFill>
                   <a:srgbClr val="000000"/>
@@ -403,7 +402,7 @@
       </p:grpSpPr>
       <p:sp>
         <p:nvSpPr>
-          <p:cNvPr id="139" name="PlaceHolder 1"/>
+          <p:cNvPr id="136" name="PlaceHolder 1"/>
           <p:cNvSpPr>
             <a:spLocks noGrp="1"/>
           </p:cNvSpPr>
@@ -414,7 +413,7 @@
         <p:spPr>
           <a:xfrm>
             <a:off x="216000" y="812520"/>
-            <a:ext cx="7126560" cy="4008240"/>
+            <a:ext cx="7126200" cy="4007880"/>
           </a:xfrm>
           <a:prstGeom prst="rect">
             <a:avLst/>
@@ -426,7 +425,7 @@
       </p:sp>
       <p:sp>
         <p:nvSpPr>
-          <p:cNvPr id="140" name="PlaceHolder 2"/>
+          <p:cNvPr id="137" name="PlaceHolder 2"/>
           <p:cNvSpPr>
             <a:spLocks noGrp="1"/>
           </p:cNvSpPr>
@@ -437,7 +436,7 @@
         <p:spPr>
           <a:xfrm>
             <a:off x="756000" y="5078520"/>
-            <a:ext cx="6046920" cy="4810320"/>
+            <a:ext cx="6046560" cy="4809960"/>
           </a:xfrm>
           <a:prstGeom prst="rect">
             <a:avLst/>
@@ -624,7 +623,7 @@
       </p:grpSpPr>
       <p:sp>
         <p:nvSpPr>
-          <p:cNvPr id="157" name="PlaceHolder 1"/>
+          <p:cNvPr id="154" name="PlaceHolder 1"/>
           <p:cNvSpPr>
             <a:spLocks noGrp="1"/>
           </p:cNvSpPr>
@@ -635,7 +634,7 @@
         <p:spPr>
           <a:xfrm>
             <a:off x="216000" y="812520"/>
-            <a:ext cx="7126920" cy="4008600"/>
+            <a:ext cx="7126560" cy="4008240"/>
           </a:xfrm>
           <a:prstGeom prst="rect">
             <a:avLst/>
@@ -647,7 +646,7 @@
       </p:sp>
       <p:sp>
         <p:nvSpPr>
-          <p:cNvPr id="158" name="PlaceHolder 2"/>
+          <p:cNvPr id="155" name="PlaceHolder 2"/>
           <p:cNvSpPr>
             <a:spLocks noGrp="1"/>
           </p:cNvSpPr>
@@ -658,7 +657,7 @@
         <p:spPr>
           <a:xfrm>
             <a:off x="756000" y="5078520"/>
-            <a:ext cx="6047280" cy="4810680"/>
+            <a:ext cx="6046920" cy="4810320"/>
           </a:xfrm>
           <a:prstGeom prst="rect">
             <a:avLst/>
@@ -879,7 +878,7 @@
       </p:grpSpPr>
       <p:sp>
         <p:nvSpPr>
-          <p:cNvPr id="159" name="PlaceHolder 1"/>
+          <p:cNvPr id="156" name="PlaceHolder 1"/>
           <p:cNvSpPr>
             <a:spLocks noGrp="1"/>
           </p:cNvSpPr>
@@ -890,7 +889,7 @@
         <p:spPr>
           <a:xfrm>
             <a:off x="216000" y="812520"/>
-            <a:ext cx="7126920" cy="4008600"/>
+            <a:ext cx="7126560" cy="4008240"/>
           </a:xfrm>
           <a:prstGeom prst="rect">
             <a:avLst/>
@@ -902,7 +901,7 @@
       </p:sp>
       <p:sp>
         <p:nvSpPr>
-          <p:cNvPr id="160" name="PlaceHolder 2"/>
+          <p:cNvPr id="157" name="PlaceHolder 2"/>
           <p:cNvSpPr>
             <a:spLocks noGrp="1"/>
           </p:cNvSpPr>
@@ -913,7 +912,7 @@
         <p:spPr>
           <a:xfrm>
             <a:off x="756000" y="5078520"/>
-            <a:ext cx="6047280" cy="4810680"/>
+            <a:ext cx="6046920" cy="4810320"/>
           </a:xfrm>
           <a:prstGeom prst="rect">
             <a:avLst/>
@@ -1103,6 +1102,201 @@
                 <a:latin typeface="Arial"/>
               </a:rPr>
               <a:t>F# pun.</a:t>
+            </a:r>
+            <a:endParaRPr b="0" lang="en-US" sz="2000" spc="-1" strike="noStrike">
+              <a:solidFill>
+                <a:srgbClr val="000000"/>
+              </a:solidFill>
+              <a:latin typeface="Arial"/>
+            </a:endParaRPr>
+          </a:p>
+          <a:p>
+            <a:pPr marL="216000" indent="-216000">
+              <a:lnSpc>
+                <a:spcPct val="100000"/>
+              </a:lnSpc>
+              <a:buNone/>
+              <a:tabLst>
+                <a:tab algn="l" pos="0"/>
+              </a:tabLst>
+            </a:pPr>
+            <a:endParaRPr b="0" lang="en-US" sz="2000" spc="-1" strike="noStrike">
+              <a:solidFill>
+                <a:srgbClr val="000000"/>
+              </a:solidFill>
+              <a:latin typeface="Arial"/>
+            </a:endParaRPr>
+          </a:p>
+        </p:txBody>
+      </p:sp>
+    </p:spTree>
+  </p:cSld>
+</p:notes>
+</file>
+
+<file path=ppt/notesSlides/notesSlide12.xml><?xml version="1.0" encoding="utf-8"?>
+<p:notes xmlns:a="http://schemas.openxmlformats.org/drawingml/2006/main" xmlns:p="http://schemas.openxmlformats.org/presentationml/2006/main" xmlns:r="http://schemas.openxmlformats.org/officeDocument/2006/relationships" xmlns:p14="http://schemas.microsoft.com/office/powerpoint/2010/main" xmlns:p15="http://schemas.microsoft.com/office/powerpoint/2012/main" xmlns:mc="http://schemas.openxmlformats.org/markup-compatibility/2006">
+  <p:cSld>
+    <p:spTree>
+      <p:nvGrpSpPr>
+        <p:cNvPr id="1" name=""/>
+        <p:cNvGrpSpPr/>
+        <p:nvPr/>
+      </p:nvGrpSpPr>
+      <p:grpSpPr>
+        <a:xfrm>
+          <a:off x="0" y="0"/>
+          <a:ext cx="0" cy="0"/>
+          <a:chOff x="0" y="0"/>
+          <a:chExt cx="0" cy="0"/>
+        </a:xfrm>
+      </p:grpSpPr>
+      <p:sp>
+        <p:nvSpPr>
+          <p:cNvPr id="158" name="PlaceHolder 1"/>
+          <p:cNvSpPr>
+            <a:spLocks noGrp="1"/>
+          </p:cNvSpPr>
+          <p:nvPr>
+            <p:ph type="sldImg"/>
+          </p:nvPr>
+        </p:nvSpPr>
+        <p:spPr>
+          <a:xfrm>
+            <a:off x="216000" y="812520"/>
+            <a:ext cx="7126560" cy="4008240"/>
+          </a:xfrm>
+          <a:prstGeom prst="rect">
+            <a:avLst/>
+          </a:prstGeom>
+          <a:ln w="0">
+            <a:noFill/>
+          </a:ln>
+        </p:spPr>
+      </p:sp>
+      <p:sp>
+        <p:nvSpPr>
+          <p:cNvPr id="159" name="PlaceHolder 2"/>
+          <p:cNvSpPr>
+            <a:spLocks noGrp="1"/>
+          </p:cNvSpPr>
+          <p:nvPr>
+            <p:ph type="body"/>
+          </p:nvPr>
+        </p:nvSpPr>
+        <p:spPr>
+          <a:xfrm>
+            <a:off x="810720" y="5078520"/>
+            <a:ext cx="6046920" cy="4810320"/>
+          </a:xfrm>
+          <a:prstGeom prst="rect">
+            <a:avLst/>
+          </a:prstGeom>
+          <a:noFill/>
+          <a:ln w="0">
+            <a:noFill/>
+          </a:ln>
+        </p:spPr>
+        <p:txBody>
+          <a:bodyPr lIns="0" rIns="0" tIns="0" bIns="0" anchor="t">
+            <a:noAutofit/>
+          </a:bodyPr>
+          <a:p>
+            <a:pPr marL="216000" indent="-216000">
+              <a:lnSpc>
+                <a:spcPct val="100000"/>
+              </a:lnSpc>
+              <a:buNone/>
+              <a:tabLst>
+                <a:tab algn="l" pos="0"/>
+              </a:tabLst>
+            </a:pPr>
+            <a:r>
+              <a:rPr b="0" lang="da-DK" sz="2000" spc="-1" strike="noStrike">
+                <a:solidFill>
+                  <a:srgbClr val="000000"/>
+                </a:solidFill>
+                <a:latin typeface="Arial"/>
+              </a:rPr>
+              <a:t>So equal temper is not perfect (fifths are off, thirds are worse, we come to those)</a:t>
+            </a:r>
+            <a:endParaRPr b="0" lang="en-US" sz="2000" spc="-1" strike="noStrike">
+              <a:solidFill>
+                <a:srgbClr val="000000"/>
+              </a:solidFill>
+              <a:latin typeface="Arial"/>
+            </a:endParaRPr>
+          </a:p>
+          <a:p>
+            <a:pPr marL="216000" indent="-216000">
+              <a:lnSpc>
+                <a:spcPct val="100000"/>
+              </a:lnSpc>
+              <a:buNone/>
+              <a:tabLst>
+                <a:tab algn="l" pos="0"/>
+              </a:tabLst>
+            </a:pPr>
+            <a:r>
+              <a:rPr b="0" lang="da-DK" sz="2000" spc="-1" strike="noStrike">
+                <a:solidFill>
+                  <a:srgbClr val="000000"/>
+                </a:solidFill>
+                <a:latin typeface="Arial"/>
+              </a:rPr>
+              <a:t>Pythagorean is not perfect: (the octave is off!)</a:t>
+            </a:r>
+            <a:endParaRPr b="0" lang="en-US" sz="2000" spc="-1" strike="noStrike">
+              <a:solidFill>
+                <a:srgbClr val="000000"/>
+              </a:solidFill>
+              <a:latin typeface="Arial"/>
+            </a:endParaRPr>
+          </a:p>
+          <a:p>
+            <a:pPr marL="216000" indent="-216000">
+              <a:lnSpc>
+                <a:spcPct val="100000"/>
+              </a:lnSpc>
+              <a:buNone/>
+              <a:tabLst>
+                <a:tab algn="l" pos="0"/>
+              </a:tabLst>
+            </a:pPr>
+            <a:r>
+              <a:rPr b="0" lang="da-DK" sz="2000" spc="-1" strike="noStrike">
+                <a:solidFill>
+                  <a:srgbClr val="000000"/>
+                </a:solidFill>
+                <a:latin typeface="Arial"/>
+              </a:rPr>
+              <a:t>What to do?</a:t>
+            </a:r>
+            <a:endParaRPr b="0" lang="en-US" sz="2000" spc="-1" strike="noStrike">
+              <a:solidFill>
+                <a:srgbClr val="000000"/>
+              </a:solidFill>
+              <a:latin typeface="Arial"/>
+            </a:endParaRPr>
+          </a:p>
+          <a:p>
+            <a:pPr marL="216000" indent="-216000">
+              <a:lnSpc>
+                <a:spcPct val="100000"/>
+              </a:lnSpc>
+              <a:buNone/>
+              <a:tabLst>
+                <a:tab algn="l" pos="0"/>
+              </a:tabLst>
+            </a:pPr>
+            <a:r>
+              <a:rPr b="0" lang="da-DK" sz="2000" spc="-1" strike="noStrike">
+                <a:solidFill>
+                  <a:srgbClr val="000000"/>
+                </a:solidFill>
+                <a:latin typeface="Arial"/>
+              </a:rPr>
+              <a:t>Just intonation gives 12 semi-tones all in simple fractions of multipla of 2, 3, and 5 (5-limit tuning).</a:t>
             </a:r>
             <a:endParaRPr b="0" lang="en-US" sz="2000" spc="-1" strike="noStrike">
               <a:solidFill>
@@ -1154,7 +1348,7 @@
       </p:grpSpPr>
       <p:sp>
         <p:nvSpPr>
-          <p:cNvPr id="161" name="PlaceHolder 1"/>
+          <p:cNvPr id="160" name="PlaceHolder 1"/>
           <p:cNvSpPr>
             <a:spLocks noGrp="1"/>
           </p:cNvSpPr>
@@ -1165,7 +1359,7 @@
         <p:spPr>
           <a:xfrm>
             <a:off x="216000" y="812520"/>
-            <a:ext cx="7126920" cy="4008600"/>
+            <a:ext cx="7126560" cy="4008240"/>
           </a:xfrm>
           <a:prstGeom prst="rect">
             <a:avLst/>
@@ -1177,7 +1371,7 @@
       </p:sp>
       <p:sp>
         <p:nvSpPr>
-          <p:cNvPr id="162" name="PlaceHolder 2"/>
+          <p:cNvPr id="161" name="PlaceHolder 2"/>
           <p:cNvSpPr>
             <a:spLocks noGrp="1"/>
           </p:cNvSpPr>
@@ -1187,8 +1381,8 @@
         </p:nvSpPr>
         <p:spPr>
           <a:xfrm>
-            <a:off x="810720" y="5078520"/>
-            <a:ext cx="6047280" cy="4810680"/>
+            <a:off x="756000" y="5078520"/>
+            <a:ext cx="6046920" cy="4810320"/>
           </a:xfrm>
           <a:prstGeom prst="rect">
             <a:avLst/>
@@ -1219,7 +1413,7 @@
                 </a:solidFill>
                 <a:latin typeface="Arial"/>
               </a:rPr>
-              <a:t>So equal temper is not perfect (fifths are off, thirds are worse, we come to those)</a:t>
+              <a:t>TuningSystems.jl has a function for plotting tunings on a cent axes (log freqency).</a:t>
             </a:r>
             <a:endParaRPr b="0" lang="en-US" sz="2000" spc="-1" strike="noStrike">
               <a:solidFill>
@@ -1238,6 +1432,23 @@
                 <a:tab algn="l" pos="0"/>
               </a:tabLst>
             </a:pPr>
+            <a:endParaRPr b="0" lang="en-US" sz="2000" spc="-1" strike="noStrike">
+              <a:solidFill>
+                <a:srgbClr val="000000"/>
+              </a:solidFill>
+              <a:latin typeface="Arial"/>
+            </a:endParaRPr>
+          </a:p>
+          <a:p>
+            <a:pPr marL="216000" indent="-216000">
+              <a:lnSpc>
+                <a:spcPct val="100000"/>
+              </a:lnSpc>
+              <a:buNone/>
+              <a:tabLst>
+                <a:tab algn="l" pos="0"/>
+              </a:tabLst>
+            </a:pPr>
             <a:r>
               <a:rPr b="0" lang="da-DK" sz="2000" spc="-1" strike="noStrike">
                 <a:solidFill>
@@ -1245,7 +1456,7 @@
                 </a:solidFill>
                 <a:latin typeface="Arial"/>
               </a:rPr>
-              <a:t>Pythagorean is not perfect: (the octave is off!)</a:t>
+              <a:t>We note that both just and pythagorean are not as equally spaced as the equal tempered (obviously), but the “clustering pattern” looks a bit diferent.</a:t>
             </a:r>
             <a:endParaRPr b="0" lang="en-US" sz="2000" spc="-1" strike="noStrike">
               <a:solidFill>
@@ -1264,6 +1475,23 @@
                 <a:tab algn="l" pos="0"/>
               </a:tabLst>
             </a:pPr>
+            <a:endParaRPr b="0" lang="en-US" sz="2000" spc="-1" strike="noStrike">
+              <a:solidFill>
+                <a:srgbClr val="000000"/>
+              </a:solidFill>
+              <a:latin typeface="Arial"/>
+            </a:endParaRPr>
+          </a:p>
+          <a:p>
+            <a:pPr marL="216000" indent="-216000">
+              <a:lnSpc>
+                <a:spcPct val="100000"/>
+              </a:lnSpc>
+              <a:buNone/>
+              <a:tabLst>
+                <a:tab algn="l" pos="0"/>
+              </a:tabLst>
+            </a:pPr>
             <a:r>
               <a:rPr b="0" lang="da-DK" sz="2000" spc="-1" strike="noStrike">
                 <a:solidFill>
@@ -1271,7 +1499,7 @@
                 </a:solidFill>
                 <a:latin typeface="Arial"/>
               </a:rPr>
-              <a:t>What to do?</a:t>
+              <a:t>Pythagorean uses only fractions of powers of 2 and 3 (3 limit tuning).</a:t>
             </a:r>
             <a:endParaRPr b="0" lang="en-US" sz="2000" spc="-1" strike="noStrike">
               <a:solidFill>
@@ -1290,6 +1518,23 @@
                 <a:tab algn="l" pos="0"/>
               </a:tabLst>
             </a:pPr>
+            <a:endParaRPr b="0" lang="en-US" sz="2000" spc="-1" strike="noStrike">
+              <a:solidFill>
+                <a:srgbClr val="000000"/>
+              </a:solidFill>
+              <a:latin typeface="Arial"/>
+            </a:endParaRPr>
+          </a:p>
+          <a:p>
+            <a:pPr marL="216000" indent="-216000">
+              <a:lnSpc>
+                <a:spcPct val="100000"/>
+              </a:lnSpc>
+              <a:buNone/>
+              <a:tabLst>
+                <a:tab algn="l" pos="0"/>
+              </a:tabLst>
+            </a:pPr>
             <a:r>
               <a:rPr b="0" lang="da-DK" sz="2000" spc="-1" strike="noStrike">
                 <a:solidFill>
@@ -1297,25 +1542,8 @@
                 </a:solidFill>
                 <a:latin typeface="Arial"/>
               </a:rPr>
-              <a:t>Just intonation gives 12 semi-tones all in simple fractions of multipla of 2, 3, and 5 (5-limit tuning).</a:t>
-            </a:r>
-            <a:endParaRPr b="0" lang="en-US" sz="2000" spc="-1" strike="noStrike">
-              <a:solidFill>
-                <a:srgbClr val="000000"/>
-              </a:solidFill>
-              <a:latin typeface="Arial"/>
-            </a:endParaRPr>
-          </a:p>
-          <a:p>
-            <a:pPr marL="216000" indent="-216000">
-              <a:lnSpc>
-                <a:spcPct val="100000"/>
-              </a:lnSpc>
-              <a:buNone/>
-              <a:tabLst>
-                <a:tab algn="l" pos="0"/>
-              </a:tabLst>
-            </a:pPr>
+              <a:t>Just uses powers of 2, 3, 5 (5 limit tuning)</a:t>
+            </a:r>
             <a:endParaRPr b="0" lang="en-US" sz="2000" spc="-1" strike="noStrike">
               <a:solidFill>
                 <a:srgbClr val="000000"/>
@@ -1349,7 +1577,7 @@
       </p:grpSpPr>
       <p:sp>
         <p:nvSpPr>
-          <p:cNvPr id="163" name="PlaceHolder 1"/>
+          <p:cNvPr id="162" name="PlaceHolder 1"/>
           <p:cNvSpPr>
             <a:spLocks noGrp="1"/>
           </p:cNvSpPr>
@@ -1360,7 +1588,7 @@
         <p:spPr>
           <a:xfrm>
             <a:off x="216000" y="812520"/>
-            <a:ext cx="7126920" cy="4008600"/>
+            <a:ext cx="7126560" cy="4008240"/>
           </a:xfrm>
           <a:prstGeom prst="rect">
             <a:avLst/>
@@ -1372,7 +1600,7 @@
       </p:sp>
       <p:sp>
         <p:nvSpPr>
-          <p:cNvPr id="164" name="PlaceHolder 2"/>
+          <p:cNvPr id="163" name="PlaceHolder 2"/>
           <p:cNvSpPr>
             <a:spLocks noGrp="1"/>
           </p:cNvSpPr>
@@ -1383,7 +1611,7 @@
         <p:spPr>
           <a:xfrm>
             <a:off x="756000" y="5078520"/>
-            <a:ext cx="6047280" cy="4810680"/>
+            <a:ext cx="6046920" cy="4810320"/>
           </a:xfrm>
           <a:prstGeom prst="rect">
             <a:avLst/>
@@ -1414,7 +1642,7 @@
                 </a:solidFill>
                 <a:latin typeface="Arial"/>
               </a:rPr>
-              <a:t>TuningSystems.jl has a function for plotting tunings on a cent axes (log freqency).</a:t>
+              <a:t>Let’s look at the harmonic series.</a:t>
             </a:r>
             <a:endParaRPr b="0" lang="en-US" sz="2000" spc="-1" strike="noStrike">
               <a:solidFill>
@@ -1457,7 +1685,7 @@
                 </a:solidFill>
                 <a:latin typeface="Arial"/>
               </a:rPr>
-              <a:t>We note that both just and pythagorean are not as equally spaced as the equal tempered (obviously), but the “clustering pattern” looks a bit diferent.</a:t>
+              <a:t>Strings and wind instruments naturally produce overtones. Here are the first 6.</a:t>
             </a:r>
             <a:endParaRPr b="0" lang="en-US" sz="2000" spc="-1" strike="noStrike">
               <a:solidFill>
@@ -1500,7 +1728,7 @@
                 </a:solidFill>
                 <a:latin typeface="Arial"/>
               </a:rPr>
-              <a:t>Pythagorean uses only fractions of powers of 2 and 3 (3 limit tuning).</a:t>
+              <a:t>Overtones are positive integer multipla of the fundamental frequency of the string.</a:t>
             </a:r>
             <a:endParaRPr b="0" lang="en-US" sz="2000" spc="-1" strike="noStrike">
               <a:solidFill>
@@ -1543,7 +1771,7 @@
                 </a:solidFill>
                 <a:latin typeface="Arial"/>
               </a:rPr>
-              <a:t>Just uses powers of 2, 3, 5 (5 limit tuning)</a:t>
+              <a:t>Play it! </a:t>
             </a:r>
             <a:endParaRPr b="0" lang="en-US" sz="2000" spc="-1" strike="noStrike">
               <a:solidFill>
@@ -1578,7 +1806,7 @@
       </p:grpSpPr>
       <p:sp>
         <p:nvSpPr>
-          <p:cNvPr id="165" name="PlaceHolder 1"/>
+          <p:cNvPr id="164" name="PlaceHolder 1"/>
           <p:cNvSpPr>
             <a:spLocks noGrp="1"/>
           </p:cNvSpPr>
@@ -1589,7 +1817,7 @@
         <p:spPr>
           <a:xfrm>
             <a:off x="216000" y="812520"/>
-            <a:ext cx="7126920" cy="4008600"/>
+            <a:ext cx="7126560" cy="4008240"/>
           </a:xfrm>
           <a:prstGeom prst="rect">
             <a:avLst/>
@@ -1601,7 +1829,7 @@
       </p:sp>
       <p:sp>
         <p:nvSpPr>
-          <p:cNvPr id="166" name="PlaceHolder 2"/>
+          <p:cNvPr id="165" name="PlaceHolder 2"/>
           <p:cNvSpPr>
             <a:spLocks noGrp="1"/>
           </p:cNvSpPr>
@@ -1612,7 +1840,7 @@
         <p:spPr>
           <a:xfrm>
             <a:off x="756000" y="5078520"/>
-            <a:ext cx="6047280" cy="4810680"/>
+            <a:ext cx="6046920" cy="4810320"/>
           </a:xfrm>
           <a:prstGeom prst="rect">
             <a:avLst/>
@@ -1643,7 +1871,7 @@
                 </a:solidFill>
                 <a:latin typeface="Arial"/>
               </a:rPr>
-              <a:t>Let’s look at the harmonic series.</a:t>
+              <a:t>We see that the first 5 overtones form the “major triad” if we look at the pitch classes.</a:t>
             </a:r>
             <a:endParaRPr b="0" lang="en-US" sz="2000" spc="-1" strike="noStrike">
               <a:solidFill>
@@ -1686,7 +1914,7 @@
                 </a:solidFill>
                 <a:latin typeface="Arial"/>
               </a:rPr>
-              <a:t>Strings and wind instruments naturally produce overtones. Here are the first 6.</a:t>
+              <a:t>From the plot, we see that</a:t>
             </a:r>
             <a:endParaRPr b="0" lang="en-US" sz="2000" spc="-1" strike="noStrike">
               <a:solidFill>
@@ -1705,6 +1933,15 @@
                 <a:tab algn="l" pos="0"/>
               </a:tabLst>
             </a:pPr>
+            <a:r>
+              <a:rPr b="0" lang="da-DK" sz="2000" spc="-1" strike="noStrike">
+                <a:solidFill>
+                  <a:srgbClr val="000000"/>
+                </a:solidFill>
+                <a:latin typeface="Arial"/>
+              </a:rPr>
+              <a:t>Pythagorean has the fifth, but is off at the thrid.</a:t>
+            </a:r>
             <a:endParaRPr b="0" lang="en-US" sz="2000" spc="-1" strike="noStrike">
               <a:solidFill>
                 <a:srgbClr val="000000"/>
@@ -1729,50 +1966,7 @@
                 </a:solidFill>
                 <a:latin typeface="Arial"/>
               </a:rPr>
-              <a:t>Overtones are positive integer multipla of the fundamental frequency of the string.</a:t>
-            </a:r>
-            <a:endParaRPr b="0" lang="en-US" sz="2000" spc="-1" strike="noStrike">
-              <a:solidFill>
-                <a:srgbClr val="000000"/>
-              </a:solidFill>
-              <a:latin typeface="Arial"/>
-            </a:endParaRPr>
-          </a:p>
-          <a:p>
-            <a:pPr marL="216000" indent="-216000">
-              <a:lnSpc>
-                <a:spcPct val="100000"/>
-              </a:lnSpc>
-              <a:buNone/>
-              <a:tabLst>
-                <a:tab algn="l" pos="0"/>
-              </a:tabLst>
-            </a:pPr>
-            <a:endParaRPr b="0" lang="en-US" sz="2000" spc="-1" strike="noStrike">
-              <a:solidFill>
-                <a:srgbClr val="000000"/>
-              </a:solidFill>
-              <a:latin typeface="Arial"/>
-            </a:endParaRPr>
-          </a:p>
-          <a:p>
-            <a:pPr marL="216000" indent="-216000">
-              <a:lnSpc>
-                <a:spcPct val="100000"/>
-              </a:lnSpc>
-              <a:buNone/>
-              <a:tabLst>
-                <a:tab algn="l" pos="0"/>
-              </a:tabLst>
-            </a:pPr>
-            <a:r>
-              <a:rPr b="0" lang="da-DK" sz="2000" spc="-1" strike="noStrike">
-                <a:solidFill>
-                  <a:srgbClr val="000000"/>
-                </a:solidFill>
-                <a:latin typeface="Arial"/>
-              </a:rPr>
-              <a:t>Play it! </a:t>
+              <a:t>12 tone equal temper (12TET) is also off at the third, but less so.</a:t>
             </a:r>
             <a:endParaRPr b="0" lang="en-US" sz="2000" spc="-1" strike="noStrike">
               <a:solidFill>
@@ -1807,7 +2001,7 @@
       </p:grpSpPr>
       <p:sp>
         <p:nvSpPr>
-          <p:cNvPr id="167" name="PlaceHolder 1"/>
+          <p:cNvPr id="166" name="PlaceHolder 1"/>
           <p:cNvSpPr>
             <a:spLocks noGrp="1"/>
           </p:cNvSpPr>
@@ -1818,7 +2012,7 @@
         <p:spPr>
           <a:xfrm>
             <a:off x="216000" y="812520"/>
-            <a:ext cx="7126920" cy="4008600"/>
+            <a:ext cx="7126560" cy="4008240"/>
           </a:xfrm>
           <a:prstGeom prst="rect">
             <a:avLst/>
@@ -1830,7 +2024,7 @@
       </p:sp>
       <p:sp>
         <p:nvSpPr>
-          <p:cNvPr id="168" name="PlaceHolder 2"/>
+          <p:cNvPr id="167" name="PlaceHolder 2"/>
           <p:cNvSpPr>
             <a:spLocks noGrp="1"/>
           </p:cNvSpPr>
@@ -1841,7 +2035,7 @@
         <p:spPr>
           <a:xfrm>
             <a:off x="756000" y="5078520"/>
-            <a:ext cx="6047280" cy="4810680"/>
+            <a:ext cx="6046920" cy="4810320"/>
           </a:xfrm>
           <a:prstGeom prst="rect">
             <a:avLst/>
@@ -1872,7 +2066,7 @@
                 </a:solidFill>
                 <a:latin typeface="Arial"/>
               </a:rPr>
-              <a:t>We see that the first 5 overtones form the “major triad” if we look at the pitch classes.</a:t>
+              <a:t>Can we make a tuning system out of the pitch-classes of the harmonic series?</a:t>
             </a:r>
             <a:endParaRPr b="0" lang="en-US" sz="2000" spc="-1" strike="noStrike">
               <a:solidFill>
@@ -1915,7 +2109,7 @@
                 </a:solidFill>
                 <a:latin typeface="Arial"/>
               </a:rPr>
-              <a:t>From the plot, we see that</a:t>
+              <a:t>The 24 first harmonics gives 12 different tones.</a:t>
             </a:r>
             <a:endParaRPr b="0" lang="en-US" sz="2000" spc="-1" strike="noStrike">
               <a:solidFill>
@@ -1941,33 +2135,7 @@
                 </a:solidFill>
                 <a:latin typeface="Arial"/>
               </a:rPr>
-              <a:t>Pythagorean has the fifth, but is off at the thrid.</a:t>
-            </a:r>
-            <a:endParaRPr b="0" lang="en-US" sz="2000" spc="-1" strike="noStrike">
-              <a:solidFill>
-                <a:srgbClr val="000000"/>
-              </a:solidFill>
-              <a:latin typeface="Arial"/>
-            </a:endParaRPr>
-          </a:p>
-          <a:p>
-            <a:pPr marL="216000" indent="-216000">
-              <a:lnSpc>
-                <a:spcPct val="100000"/>
-              </a:lnSpc>
-              <a:buNone/>
-              <a:tabLst>
-                <a:tab algn="l" pos="0"/>
-              </a:tabLst>
-            </a:pPr>
-            <a:r>
-              <a:rPr b="0" lang="da-DK" sz="2000" spc="-1" strike="noStrike">
-                <a:solidFill>
-                  <a:srgbClr val="000000"/>
-                </a:solidFill>
-                <a:latin typeface="Arial"/>
-              </a:rPr>
-              <a:t>12 tone equal temper (12TET) is also off at the third, but less so.</a:t>
+              <a:t>But they are not equally spaced.</a:t>
             </a:r>
             <a:endParaRPr b="0" lang="en-US" sz="2000" spc="-1" strike="noStrike">
               <a:solidFill>
@@ -2002,7 +2170,7 @@
       </p:grpSpPr>
       <p:sp>
         <p:nvSpPr>
-          <p:cNvPr id="169" name="PlaceHolder 1"/>
+          <p:cNvPr id="168" name="PlaceHolder 1"/>
           <p:cNvSpPr>
             <a:spLocks noGrp="1"/>
           </p:cNvSpPr>
@@ -2013,7 +2181,7 @@
         <p:spPr>
           <a:xfrm>
             <a:off x="216000" y="812520"/>
-            <a:ext cx="7126920" cy="4008600"/>
+            <a:ext cx="7126560" cy="4008240"/>
           </a:xfrm>
           <a:prstGeom prst="rect">
             <a:avLst/>
@@ -2025,7 +2193,7 @@
       </p:sp>
       <p:sp>
         <p:nvSpPr>
-          <p:cNvPr id="170" name="PlaceHolder 2"/>
+          <p:cNvPr id="169" name="PlaceHolder 2"/>
           <p:cNvSpPr>
             <a:spLocks noGrp="1"/>
           </p:cNvSpPr>
@@ -2036,7 +2204,7 @@
         <p:spPr>
           <a:xfrm>
             <a:off x="756000" y="5078520"/>
-            <a:ext cx="6047280" cy="4810680"/>
+            <a:ext cx="6046920" cy="4810320"/>
           </a:xfrm>
           <a:prstGeom prst="rect">
             <a:avLst/>
@@ -2067,7 +2235,7 @@
                 </a:solidFill>
                 <a:latin typeface="Arial"/>
               </a:rPr>
-              <a:t>Can we make a tuning system out of the pitch-classes of the harmonic series?</a:t>
+              <a:t>Using sub-harmonics, we can get something that is quite close the the just intonation. But we need the 45th harmonics for F# and we can not ever get the A (5/3). TODO: can we get it using FlexiJoins.jl?</a:t>
             </a:r>
             <a:endParaRPr b="0" lang="en-US" sz="2000" spc="-1" strike="noStrike">
               <a:solidFill>
@@ -2110,7 +2278,7 @@
                 </a:solidFill>
                 <a:latin typeface="Arial"/>
               </a:rPr>
-              <a:t>The 24 first harmonics gives 12 different tones.</a:t>
+              <a:t>Subharmonics play the same trick as with pythagorean tuning: Invert the fractions.</a:t>
             </a:r>
             <a:endParaRPr b="0" lang="en-US" sz="2000" spc="-1" strike="noStrike">
               <a:solidFill>
@@ -2129,6 +2297,23 @@
                 <a:tab algn="l" pos="0"/>
               </a:tabLst>
             </a:pPr>
+            <a:endParaRPr b="0" lang="en-US" sz="2000" spc="-1" strike="noStrike">
+              <a:solidFill>
+                <a:srgbClr val="000000"/>
+              </a:solidFill>
+              <a:latin typeface="Arial"/>
+            </a:endParaRPr>
+          </a:p>
+          <a:p>
+            <a:pPr marL="216000" indent="-216000">
+              <a:lnSpc>
+                <a:spcPct val="100000"/>
+              </a:lnSpc>
+              <a:buNone/>
+              <a:tabLst>
+                <a:tab algn="l" pos="0"/>
+              </a:tabLst>
+            </a:pPr>
             <a:r>
               <a:rPr b="0" lang="da-DK" sz="2000" spc="-1" strike="noStrike">
                 <a:solidFill>
@@ -2136,7 +2321,112 @@
                 </a:solidFill>
                 <a:latin typeface="Arial"/>
               </a:rPr>
-              <a:t>But they are not equally spaced.</a:t>
+              <a:t>However, </a:t>
+            </a:r>
+            <a:endParaRPr b="0" lang="en-US" sz="2000" spc="-1" strike="noStrike">
+              <a:solidFill>
+                <a:srgbClr val="000000"/>
+              </a:solidFill>
+              <a:latin typeface="Arial"/>
+            </a:endParaRPr>
+          </a:p>
+          <a:p>
+            <a:pPr marL="216000" indent="-216000">
+              <a:lnSpc>
+                <a:spcPct val="100000"/>
+              </a:lnSpc>
+              <a:buClr>
+                <a:srgbClr val="000000"/>
+              </a:buClr>
+              <a:buSzPct val="45000"/>
+              <a:buFont typeface="Wingdings" charset="2"/>
+              <a:buChar char=""/>
+              <a:tabLst>
+                <a:tab algn="l" pos="0"/>
+              </a:tabLst>
+            </a:pPr>
+            <a:r>
+              <a:rPr b="0" lang="da-DK" sz="2000" spc="-1" strike="noStrike">
+                <a:solidFill>
+                  <a:srgbClr val="000000"/>
+                </a:solidFill>
+                <a:latin typeface="Arial"/>
+              </a:rPr>
+              <a:t>overtones (intger multipla of fundamental frequency) occur spontaniously</a:t>
+            </a:r>
+            <a:endParaRPr b="0" lang="en-US" sz="2000" spc="-1" strike="noStrike">
+              <a:solidFill>
+                <a:srgbClr val="000000"/>
+              </a:solidFill>
+              <a:latin typeface="Arial"/>
+            </a:endParaRPr>
+          </a:p>
+          <a:p>
+            <a:pPr marL="216000" indent="-216000">
+              <a:lnSpc>
+                <a:spcPct val="100000"/>
+              </a:lnSpc>
+              <a:buClr>
+                <a:srgbClr val="000000"/>
+              </a:buClr>
+              <a:buSzPct val="45000"/>
+              <a:buFont typeface="Wingdings" charset="2"/>
+              <a:buChar char=""/>
+              <a:tabLst>
+                <a:tab algn="l" pos="0"/>
+              </a:tabLst>
+            </a:pPr>
+            <a:r>
+              <a:rPr b="0" lang="da-DK" sz="2000" spc="-1" strike="noStrike">
+                <a:solidFill>
+                  <a:srgbClr val="000000"/>
+                </a:solidFill>
+                <a:latin typeface="Arial"/>
+              </a:rPr>
+              <a:t>undertones do not occur spontaniously</a:t>
+            </a:r>
+            <a:endParaRPr b="0" lang="en-US" sz="2000" spc="-1" strike="noStrike">
+              <a:solidFill>
+                <a:srgbClr val="000000"/>
+              </a:solidFill>
+              <a:latin typeface="Arial"/>
+            </a:endParaRPr>
+          </a:p>
+          <a:p>
+            <a:pPr marL="216000" indent="-216000">
+              <a:lnSpc>
+                <a:spcPct val="100000"/>
+              </a:lnSpc>
+              <a:buNone/>
+              <a:tabLst>
+                <a:tab algn="l" pos="0"/>
+              </a:tabLst>
+            </a:pPr>
+            <a:endParaRPr b="0" lang="en-US" sz="2000" spc="-1" strike="noStrike">
+              <a:solidFill>
+                <a:srgbClr val="000000"/>
+              </a:solidFill>
+              <a:latin typeface="Arial"/>
+            </a:endParaRPr>
+          </a:p>
+          <a:p>
+            <a:pPr marL="216000" indent="-216000">
+              <a:lnSpc>
+                <a:spcPct val="100000"/>
+              </a:lnSpc>
+              <a:buNone/>
+              <a:tabLst>
+                <a:tab algn="l" pos="0"/>
+              </a:tabLst>
+            </a:pPr>
+            <a:r>
+              <a:rPr b="0" lang="da-DK" sz="2000" spc="-1" strike="noStrike">
+                <a:solidFill>
+                  <a:srgbClr val="000000"/>
+                </a:solidFill>
+                <a:latin typeface="Arial"/>
+              </a:rPr>
+              <a:t>Note: The harmonics avoid the tritone (F#)</a:t>
             </a:r>
             <a:endParaRPr b="0" lang="en-US" sz="2000" spc="-1" strike="noStrike">
               <a:solidFill>
@@ -2171,7 +2461,7 @@
       </p:grpSpPr>
       <p:sp>
         <p:nvSpPr>
-          <p:cNvPr id="171" name="PlaceHolder 1"/>
+          <p:cNvPr id="170" name="PlaceHolder 1"/>
           <p:cNvSpPr>
             <a:spLocks noGrp="1"/>
           </p:cNvSpPr>
@@ -2182,7 +2472,7 @@
         <p:spPr>
           <a:xfrm>
             <a:off x="216000" y="812520"/>
-            <a:ext cx="7126920" cy="4008600"/>
+            <a:ext cx="7126560" cy="4008240"/>
           </a:xfrm>
           <a:prstGeom prst="rect">
             <a:avLst/>
@@ -2194,7 +2484,7 @@
       </p:sp>
       <p:sp>
         <p:nvSpPr>
-          <p:cNvPr id="172" name="PlaceHolder 2"/>
+          <p:cNvPr id="171" name="PlaceHolder 2"/>
           <p:cNvSpPr>
             <a:spLocks noGrp="1"/>
           </p:cNvSpPr>
@@ -2205,7 +2495,7 @@
         <p:spPr>
           <a:xfrm>
             <a:off x="756000" y="5078520"/>
-            <a:ext cx="6047280" cy="4810680"/>
+            <a:ext cx="6046920" cy="4810320"/>
           </a:xfrm>
           <a:prstGeom prst="rect">
             <a:avLst/>
@@ -2236,93 +2526,7 @@
                 </a:solidFill>
                 <a:latin typeface="Arial"/>
               </a:rPr>
-              <a:t>Using sub-harmonics, we can get something that is quite close the the just intonation. But we need the 45th harmonics for F# and we can not ever get the A (5/3). TODO: can we get it using FlexiJoins.jl?</a:t>
-            </a:r>
-            <a:endParaRPr b="0" lang="en-US" sz="2000" spc="-1" strike="noStrike">
-              <a:solidFill>
-                <a:srgbClr val="000000"/>
-              </a:solidFill>
-              <a:latin typeface="Arial"/>
-            </a:endParaRPr>
-          </a:p>
-          <a:p>
-            <a:pPr marL="216000" indent="-216000">
-              <a:lnSpc>
-                <a:spcPct val="100000"/>
-              </a:lnSpc>
-              <a:buNone/>
-              <a:tabLst>
-                <a:tab algn="l" pos="0"/>
-              </a:tabLst>
-            </a:pPr>
-            <a:endParaRPr b="0" lang="en-US" sz="2000" spc="-1" strike="noStrike">
-              <a:solidFill>
-                <a:srgbClr val="000000"/>
-              </a:solidFill>
-              <a:latin typeface="Arial"/>
-            </a:endParaRPr>
-          </a:p>
-          <a:p>
-            <a:pPr marL="216000" indent="-216000">
-              <a:lnSpc>
-                <a:spcPct val="100000"/>
-              </a:lnSpc>
-              <a:buNone/>
-              <a:tabLst>
-                <a:tab algn="l" pos="0"/>
-              </a:tabLst>
-            </a:pPr>
-            <a:r>
-              <a:rPr b="0" lang="da-DK" sz="2000" spc="-1" strike="noStrike">
-                <a:solidFill>
-                  <a:srgbClr val="000000"/>
-                </a:solidFill>
-                <a:latin typeface="Arial"/>
-              </a:rPr>
-              <a:t>Subharmonics play the same trick as with pythagorean tuning: Invert the fractions.</a:t>
-            </a:r>
-            <a:endParaRPr b="0" lang="en-US" sz="2000" spc="-1" strike="noStrike">
-              <a:solidFill>
-                <a:srgbClr val="000000"/>
-              </a:solidFill>
-              <a:latin typeface="Arial"/>
-            </a:endParaRPr>
-          </a:p>
-          <a:p>
-            <a:pPr marL="216000" indent="-216000">
-              <a:lnSpc>
-                <a:spcPct val="100000"/>
-              </a:lnSpc>
-              <a:buNone/>
-              <a:tabLst>
-                <a:tab algn="l" pos="0"/>
-              </a:tabLst>
-            </a:pPr>
-            <a:endParaRPr b="0" lang="en-US" sz="2000" spc="-1" strike="noStrike">
-              <a:solidFill>
-                <a:srgbClr val="000000"/>
-              </a:solidFill>
-              <a:latin typeface="Arial"/>
-            </a:endParaRPr>
-          </a:p>
-          <a:p>
-            <a:pPr marL="216000" indent="-216000">
-              <a:lnSpc>
-                <a:spcPct val="100000"/>
-              </a:lnSpc>
-              <a:buNone/>
-              <a:tabLst>
-                <a:tab algn="l" pos="0"/>
-              </a:tabLst>
-            </a:pPr>
-            <a:r>
-              <a:rPr b="0" lang="da-DK" sz="2000" spc="-1" strike="noStrike">
-                <a:solidFill>
-                  <a:srgbClr val="000000"/>
-                </a:solidFill>
-                <a:latin typeface="Arial"/>
-              </a:rPr>
-              <a:t>However, </a:t>
+              <a:t>The whole notes of the just intonation are defined by requring the major triads of</a:t>
             </a:r>
             <a:endParaRPr b="0" lang="en-US" sz="2000" spc="-1" strike="noStrike">
               <a:solidFill>
@@ -2353,7 +2557,7 @@
                 </a:solidFill>
                 <a:latin typeface="Arial"/>
               </a:rPr>
-              <a:t>overtones (intger multipla of fundamental frequency) occur spontaniously</a:t>
+              <a:t>Tonica</a:t>
             </a:r>
             <a:endParaRPr b="0" lang="en-US" sz="2000" spc="-1" strike="noStrike">
               <a:solidFill>
@@ -2384,7 +2588,7 @@
                 </a:solidFill>
                 <a:latin typeface="Arial"/>
               </a:rPr>
-              <a:t>undertones do not occur spontaniously</a:t>
+              <a:t>Dominant</a:t>
             </a:r>
             <a:endParaRPr b="0" lang="en-US" sz="2000" spc="-1" strike="noStrike">
               <a:solidFill>
@@ -2398,11 +2602,25 @@
               <a:lnSpc>
                 <a:spcPct val="100000"/>
               </a:lnSpc>
-              <a:buNone/>
-              <a:tabLst>
-                <a:tab algn="l" pos="0"/>
-              </a:tabLst>
-            </a:pPr>
+              <a:buClr>
+                <a:srgbClr val="000000"/>
+              </a:buClr>
+              <a:buSzPct val="45000"/>
+              <a:buFont typeface="Wingdings" charset="2"/>
+              <a:buChar char=""/>
+              <a:tabLst>
+                <a:tab algn="l" pos="0"/>
+              </a:tabLst>
+            </a:pPr>
+            <a:r>
+              <a:rPr b="0" lang="da-DK" sz="2000" spc="-1" strike="noStrike">
+                <a:solidFill>
+                  <a:srgbClr val="000000"/>
+                </a:solidFill>
+                <a:latin typeface="Arial"/>
+              </a:rPr>
+              <a:t>Subdominant</a:t>
+            </a:r>
             <a:endParaRPr b="0" lang="en-US" sz="2000" spc="-1" strike="noStrike">
               <a:solidFill>
                 <a:srgbClr val="000000"/>
@@ -2427,7 +2645,102 @@
                 </a:solidFill>
                 <a:latin typeface="Arial"/>
               </a:rPr>
-              <a:t>Note: The harmonics avoid the tritone (F#)</a:t>
+              <a:t>are all in ratio 4:5:6</a:t>
+            </a:r>
+            <a:endParaRPr b="0" lang="en-US" sz="2000" spc="-1" strike="noStrike">
+              <a:solidFill>
+                <a:srgbClr val="000000"/>
+              </a:solidFill>
+              <a:latin typeface="Arial"/>
+            </a:endParaRPr>
+          </a:p>
+          <a:p>
+            <a:pPr marL="216000" indent="-216000">
+              <a:lnSpc>
+                <a:spcPct val="100000"/>
+              </a:lnSpc>
+              <a:buNone/>
+              <a:tabLst>
+                <a:tab algn="l" pos="0"/>
+              </a:tabLst>
+            </a:pPr>
+            <a:endParaRPr b="0" lang="en-US" sz="2000" spc="-1" strike="noStrike">
+              <a:solidFill>
+                <a:srgbClr val="000000"/>
+              </a:solidFill>
+              <a:latin typeface="Arial"/>
+            </a:endParaRPr>
+          </a:p>
+          <a:p>
+            <a:pPr marL="216000" indent="-216000">
+              <a:lnSpc>
+                <a:spcPct val="100000"/>
+              </a:lnSpc>
+              <a:buNone/>
+              <a:tabLst>
+                <a:tab algn="l" pos="0"/>
+              </a:tabLst>
+            </a:pPr>
+            <a:r>
+              <a:rPr b="0" lang="da-DK" sz="2000" spc="-1" strike="noStrike">
+                <a:solidFill>
+                  <a:srgbClr val="000000"/>
+                </a:solidFill>
+                <a:latin typeface="Arial"/>
+              </a:rPr>
+              <a:t>Play them!</a:t>
+            </a:r>
+            <a:endParaRPr b="0" lang="en-US" sz="2000" spc="-1" strike="noStrike">
+              <a:solidFill>
+                <a:srgbClr val="000000"/>
+              </a:solidFill>
+              <a:latin typeface="Arial"/>
+            </a:endParaRPr>
+          </a:p>
+          <a:p>
+            <a:pPr marL="216000" indent="-216000">
+              <a:lnSpc>
+                <a:spcPct val="100000"/>
+              </a:lnSpc>
+              <a:buNone/>
+              <a:tabLst>
+                <a:tab algn="l" pos="0"/>
+              </a:tabLst>
+            </a:pPr>
+            <a:r>
+              <a:rPr b="0" lang="da-DK" sz="2000" spc="-1" strike="noStrike">
+                <a:solidFill>
+                  <a:srgbClr val="000000"/>
+                </a:solidFill>
+                <a:latin typeface="Arial"/>
+              </a:rPr>
+              <a:t>So Just intonation has a lot of nice properties. But is doe snot mesh well with modulations or playing in different keys, as equal temperement does. But that is mainly a problem for physical instruments that take a long time to re-tune. A computer instrument can adapt the tuning in real time to changes to key.</a:t>
+            </a:r>
+            <a:endParaRPr b="0" lang="en-US" sz="2000" spc="-1" strike="noStrike">
+              <a:solidFill>
+                <a:srgbClr val="000000"/>
+              </a:solidFill>
+              <a:latin typeface="Arial"/>
+            </a:endParaRPr>
+          </a:p>
+          <a:p>
+            <a:pPr marL="216000" indent="-216000">
+              <a:lnSpc>
+                <a:spcPct val="100000"/>
+              </a:lnSpc>
+              <a:buNone/>
+              <a:tabLst>
+                <a:tab algn="l" pos="0"/>
+              </a:tabLst>
+            </a:pPr>
+            <a:r>
+              <a:rPr b="0" lang="da-DK" sz="2000" spc="-1" strike="noStrike">
+                <a:solidFill>
+                  <a:srgbClr val="000000"/>
+                </a:solidFill>
+                <a:latin typeface="Arial"/>
+              </a:rPr>
+              <a:t>I think just intonation is about to have a comback in electronic music, and TuningSystems can help enable this by making it quick and easy to change tuning on the fly.</a:t>
             </a:r>
             <a:endParaRPr b="0" lang="en-US" sz="2000" spc="-1" strike="noStrike">
               <a:solidFill>
@@ -2462,7 +2775,7 @@
       </p:grpSpPr>
       <p:sp>
         <p:nvSpPr>
-          <p:cNvPr id="173" name="PlaceHolder 1"/>
+          <p:cNvPr id="172" name="PlaceHolder 1"/>
           <p:cNvSpPr>
             <a:spLocks noGrp="1"/>
           </p:cNvSpPr>
@@ -2473,7 +2786,7 @@
         <p:spPr>
           <a:xfrm>
             <a:off x="216000" y="812520"/>
-            <a:ext cx="7126920" cy="4008600"/>
+            <a:ext cx="7126560" cy="4008240"/>
           </a:xfrm>
           <a:prstGeom prst="rect">
             <a:avLst/>
@@ -2485,7 +2798,7 @@
       </p:sp>
       <p:sp>
         <p:nvSpPr>
-          <p:cNvPr id="174" name="PlaceHolder 2"/>
+          <p:cNvPr id="173" name="PlaceHolder 2"/>
           <p:cNvSpPr>
             <a:spLocks noGrp="1"/>
           </p:cNvSpPr>
@@ -2496,7 +2809,7 @@
         <p:spPr>
           <a:xfrm>
             <a:off x="756000" y="5078520"/>
-            <a:ext cx="6047280" cy="4810680"/>
+            <a:ext cx="6046920" cy="5666040"/>
           </a:xfrm>
           <a:prstGeom prst="rect">
             <a:avLst/>
@@ -2527,7 +2840,7 @@
                 </a:solidFill>
                 <a:latin typeface="Arial"/>
               </a:rPr>
-              <a:t>The whole notes of the just intonation are defined by requring the major triads of</a:t>
+              <a:t>This work was very much inspired by a series of blog posts by John Baez on different tuning systems. They are worth reading.</a:t>
             </a:r>
             <a:endParaRPr b="0" lang="en-US" sz="2000" spc="-1" strike="noStrike">
               <a:solidFill>
@@ -2541,12 +2854,7 @@
               <a:lnSpc>
                 <a:spcPct val="100000"/>
               </a:lnSpc>
-              <a:buClr>
-                <a:srgbClr val="000000"/>
-              </a:buClr>
-              <a:buSzPct val="45000"/>
-              <a:buFont typeface="Wingdings" charset="2"/>
-              <a:buChar char=""/>
+              <a:buNone/>
               <a:tabLst>
                 <a:tab algn="l" pos="0"/>
               </a:tabLst>
@@ -2558,7 +2866,7 @@
                 </a:solidFill>
                 <a:latin typeface="Arial"/>
               </a:rPr>
-              <a:t>Tonica</a:t>
+              <a:t>Shoutout to JuliaMusic (George Datseris of DrWatson.jl fame)</a:t>
             </a:r>
             <a:endParaRPr b="0" lang="en-US" sz="2000" spc="-1" strike="noStrike">
               <a:solidFill>
@@ -2572,12 +2880,7 @@
               <a:lnSpc>
                 <a:spcPct val="100000"/>
               </a:lnSpc>
-              <a:buClr>
-                <a:srgbClr val="000000"/>
-              </a:buClr>
-              <a:buSzPct val="45000"/>
-              <a:buFont typeface="Wingdings" charset="2"/>
-              <a:buChar char=""/>
+              <a:buNone/>
               <a:tabLst>
                 <a:tab algn="l" pos="0"/>
               </a:tabLst>
@@ -2589,7 +2892,7 @@
                 </a:solidFill>
                 <a:latin typeface="Arial"/>
               </a:rPr>
-              <a:t>Dominant</a:t>
+              <a:t>and WAV.jl by Daniel Casimiro</a:t>
             </a:r>
             <a:endParaRPr b="0" lang="en-US" sz="2000" spc="-1" strike="noStrike">
               <a:solidFill>
@@ -2603,12 +2906,7 @@
               <a:lnSpc>
                 <a:spcPct val="100000"/>
               </a:lnSpc>
-              <a:buClr>
-                <a:srgbClr val="000000"/>
-              </a:buClr>
-              <a:buSzPct val="45000"/>
-              <a:buFont typeface="Wingdings" charset="2"/>
-              <a:buChar char=""/>
+              <a:buNone/>
               <a:tabLst>
                 <a:tab algn="l" pos="0"/>
               </a:tabLst>
@@ -2620,7 +2918,7 @@
                 </a:solidFill>
                 <a:latin typeface="Arial"/>
               </a:rPr>
-              <a:t>Subdominant</a:t>
+              <a:t>MusicTheory (by David P. Sanders) came out after I submitted abstract. Does not overlap (much)</a:t>
             </a:r>
             <a:endParaRPr b="0" lang="en-US" sz="2000" spc="-1" strike="noStrike">
               <a:solidFill>
@@ -2646,7 +2944,7 @@
                 </a:solidFill>
                 <a:latin typeface="Arial"/>
               </a:rPr>
-              <a:t>are all in ratio 4:5:6</a:t>
+              <a:t>Jeffrey A Fessler has a cource at University of Michgan on Music Signal Processing.</a:t>
             </a:r>
             <a:endParaRPr b="0" lang="en-US" sz="2000" spc="-1" strike="noStrike">
               <a:solidFill>
@@ -2665,6 +2963,26 @@
                 <a:tab algn="l" pos="0"/>
               </a:tabLst>
             </a:pPr>
+            <a:r>
+              <a:rPr b="0" lang="da-DK" sz="2000" spc="-1" strike="noStrike">
+                <a:solidFill>
+                  <a:srgbClr val="000000"/>
+                </a:solidFill>
+                <a:latin typeface="Arial"/>
+              </a:rPr>
+              <a:t>He also has a book coming up: </a:t>
+            </a:r>
+            <a:r>
+              <a:rPr b="0" lang="da-DK" sz="2000" spc="-1" strike="noStrike" u="sng">
+                <a:solidFill>
+                  <a:srgbClr val="000000"/>
+                </a:solidFill>
+                <a:uFillTx/>
+                <a:latin typeface="Arial"/>
+                <a:hlinkClick r:id="rId1"/>
+              </a:rPr>
+              <a:t>https://github.com/JeffFessler/book-la-demo</a:t>
+            </a:r>
             <a:endParaRPr b="0" lang="en-US" sz="2000" spc="-1" strike="noStrike">
               <a:solidFill>
                 <a:srgbClr val="000000"/>
@@ -2683,13 +3001,24 @@
               </a:tabLst>
             </a:pPr>
             <a:r>
+              <a:rPr b="0" lang="da-DK" sz="2000" spc="-1" strike="noStrike" u="sng">
+                <a:solidFill>
+                  <a:srgbClr val="000000"/>
+                </a:solidFill>
+                <a:uFillTx/>
+                <a:latin typeface="Arial"/>
+                <a:hlinkClick r:id="rId2"/>
+              </a:rPr>
+              <a:t>https://www.cambridge.org/highereducation/books/linear-algebra-for-data-science-machine-learning-and-signal-processing/1D558680AF26ED577DBD9C4B5F1D0FED#overview</a:t>
+            </a:r>
+            <a:r>
               <a:rPr b="0" lang="da-DK" sz="2000" spc="-1" strike="noStrike">
                 <a:solidFill>
                   <a:srgbClr val="000000"/>
                 </a:solidFill>
                 <a:latin typeface="Arial"/>
               </a:rPr>
-              <a:t>Play them!</a:t>
+              <a:t> </a:t>
             </a:r>
             <a:endParaRPr b="0" lang="en-US" sz="2000" spc="-1" strike="noStrike">
               <a:solidFill>
@@ -2700,17 +3029,14 @@
           </a:p>
           <a:p>
             <a:pPr marL="216000" indent="-216000">
-              <a:buNone/>
-            </a:pPr>
-            <a:r>
-              <a:rPr b="0" lang="da-DK" sz="2000" spc="-1" strike="noStrike">
-                <a:solidFill>
-                  <a:srgbClr val="000000"/>
-                </a:solidFill>
-                <a:latin typeface="Arial"/>
-              </a:rPr>
-              <a:t>So Just intonation has a lot of nice properties. But is doe snot mesh well with modulations or playing in different keys, as equal temperement does. But that is mainly a problem for physical instruments that take a long time to re-tune. A computer instrument can adapt the tuning in real time to changes to key.</a:t>
-            </a:r>
+              <a:lnSpc>
+                <a:spcPct val="100000"/>
+              </a:lnSpc>
+              <a:buNone/>
+              <a:tabLst>
+                <a:tab algn="l" pos="0"/>
+              </a:tabLst>
+            </a:pPr>
             <a:endParaRPr b="0" lang="en-US" sz="2000" spc="-1" strike="noStrike">
               <a:solidFill>
                 <a:srgbClr val="000000"/>
@@ -2720,17 +3046,82 @@
           </a:p>
           <a:p>
             <a:pPr marL="216000" indent="-216000">
-              <a:buNone/>
-            </a:pPr>
-            <a:r>
-              <a:rPr b="0" lang="da-DK" sz="2000" spc="-1" strike="noStrike">
-                <a:solidFill>
-                  <a:srgbClr val="000000"/>
-                </a:solidFill>
-                <a:latin typeface="Arial"/>
-              </a:rPr>
-              <a:t>I think just intonation is about to have a comback in electronic music, and TuningSystems can help enable this by making it quick and easy to change tuning on the fly.</a:t>
-            </a:r>
+              <a:lnSpc>
+                <a:spcPct val="100000"/>
+              </a:lnSpc>
+              <a:buNone/>
+              <a:tabLst>
+                <a:tab algn="l" pos="0"/>
+              </a:tabLst>
+            </a:pPr>
+            <a:endParaRPr b="0" lang="en-US" sz="2000" spc="-1" strike="noStrike">
+              <a:solidFill>
+                <a:srgbClr val="000000"/>
+              </a:solidFill>
+              <a:latin typeface="Arial"/>
+            </a:endParaRPr>
+          </a:p>
+          <a:p>
+            <a:pPr marL="216000" indent="-216000">
+              <a:lnSpc>
+                <a:spcPct val="100000"/>
+              </a:lnSpc>
+              <a:buNone/>
+              <a:tabLst>
+                <a:tab algn="l" pos="0"/>
+              </a:tabLst>
+            </a:pPr>
+            <a:endParaRPr b="0" lang="en-US" sz="2000" spc="-1" strike="noStrike">
+              <a:solidFill>
+                <a:srgbClr val="000000"/>
+              </a:solidFill>
+              <a:latin typeface="Arial"/>
+            </a:endParaRPr>
+          </a:p>
+          <a:p>
+            <a:pPr marL="216000" indent="-216000">
+              <a:lnSpc>
+                <a:spcPct val="100000"/>
+              </a:lnSpc>
+              <a:buNone/>
+              <a:tabLst>
+                <a:tab algn="l" pos="0"/>
+              </a:tabLst>
+            </a:pPr>
+            <a:endParaRPr b="0" lang="en-US" sz="2000" spc="-1" strike="noStrike">
+              <a:solidFill>
+                <a:srgbClr val="000000"/>
+              </a:solidFill>
+              <a:latin typeface="Arial"/>
+            </a:endParaRPr>
+          </a:p>
+          <a:p>
+            <a:pPr marL="216000" indent="-216000">
+              <a:lnSpc>
+                <a:spcPct val="100000"/>
+              </a:lnSpc>
+              <a:buNone/>
+              <a:tabLst>
+                <a:tab algn="l" pos="0"/>
+              </a:tabLst>
+            </a:pPr>
+            <a:endParaRPr b="0" lang="en-US" sz="2000" spc="-1" strike="noStrike">
+              <a:solidFill>
+                <a:srgbClr val="000000"/>
+              </a:solidFill>
+              <a:latin typeface="Arial"/>
+            </a:endParaRPr>
+          </a:p>
+          <a:p>
+            <a:pPr marL="216000" indent="-216000">
+              <a:lnSpc>
+                <a:spcPct val="100000"/>
+              </a:lnSpc>
+              <a:buNone/>
+              <a:tabLst>
+                <a:tab algn="l" pos="0"/>
+              </a:tabLst>
+            </a:pPr>
             <a:endParaRPr b="0" lang="en-US" sz="2000" spc="-1" strike="noStrike">
               <a:solidFill>
                 <a:srgbClr val="000000"/>
@@ -2764,7 +3155,7 @@
       </p:grpSpPr>
       <p:sp>
         <p:nvSpPr>
-          <p:cNvPr id="141" name="PlaceHolder 1"/>
+          <p:cNvPr id="138" name="PlaceHolder 1"/>
           <p:cNvSpPr>
             <a:spLocks noGrp="1"/>
           </p:cNvSpPr>
@@ -2775,7 +3166,7 @@
         <p:spPr>
           <a:xfrm>
             <a:off x="216000" y="812520"/>
-            <a:ext cx="7126920" cy="4008600"/>
+            <a:ext cx="7126560" cy="4008240"/>
           </a:xfrm>
           <a:prstGeom prst="rect">
             <a:avLst/>
@@ -2787,7 +3178,7 @@
       </p:sp>
       <p:sp>
         <p:nvSpPr>
-          <p:cNvPr id="142" name="PlaceHolder 2"/>
+          <p:cNvPr id="139" name="PlaceHolder 2"/>
           <p:cNvSpPr>
             <a:spLocks noGrp="1"/>
           </p:cNvSpPr>
@@ -2798,7 +3189,7 @@
         <p:spPr>
           <a:xfrm>
             <a:off x="756000" y="5078520"/>
-            <a:ext cx="6047280" cy="4810680"/>
+            <a:ext cx="6046920" cy="4810320"/>
           </a:xfrm>
           <a:prstGeom prst="rect">
             <a:avLst/>
@@ -2909,386 +3300,6 @@
               </a:rPr>
               <a:t>At 440Hz the distance to the next semitone is about 26 Hz</a:t>
             </a:r>
-            <a:endParaRPr b="0" lang="en-US" sz="2000" spc="-1" strike="noStrike">
-              <a:solidFill>
-                <a:srgbClr val="000000"/>
-              </a:solidFill>
-              <a:latin typeface="Arial"/>
-            </a:endParaRPr>
-          </a:p>
-        </p:txBody>
-      </p:sp>
-    </p:spTree>
-  </p:cSld>
-</p:notes>
-</file>
-
-<file path=ppt/notesSlides/notesSlide20.xml><?xml version="1.0" encoding="utf-8"?>
-<p:notes xmlns:a="http://schemas.openxmlformats.org/drawingml/2006/main" xmlns:p="http://schemas.openxmlformats.org/presentationml/2006/main" xmlns:r="http://schemas.openxmlformats.org/officeDocument/2006/relationships" xmlns:p14="http://schemas.microsoft.com/office/powerpoint/2010/main" xmlns:p15="http://schemas.microsoft.com/office/powerpoint/2012/main" xmlns:mc="http://schemas.openxmlformats.org/markup-compatibility/2006">
-  <p:cSld>
-    <p:spTree>
-      <p:nvGrpSpPr>
-        <p:cNvPr id="1" name=""/>
-        <p:cNvGrpSpPr/>
-        <p:nvPr/>
-      </p:nvGrpSpPr>
-      <p:grpSpPr>
-        <a:xfrm>
-          <a:off x="0" y="0"/>
-          <a:ext cx="0" cy="0"/>
-          <a:chOff x="0" y="0"/>
-          <a:chExt cx="0" cy="0"/>
-        </a:xfrm>
-      </p:grpSpPr>
-      <p:sp>
-        <p:nvSpPr>
-          <p:cNvPr id="175" name="PlaceHolder 1"/>
-          <p:cNvSpPr>
-            <a:spLocks noGrp="1"/>
-          </p:cNvSpPr>
-          <p:nvPr>
-            <p:ph type="sldImg"/>
-          </p:nvPr>
-        </p:nvSpPr>
-        <p:spPr>
-          <a:xfrm>
-            <a:off x="216000" y="812520"/>
-            <a:ext cx="7126920" cy="4008600"/>
-          </a:xfrm>
-          <a:prstGeom prst="rect">
-            <a:avLst/>
-          </a:prstGeom>
-          <a:ln w="0">
-            <a:noFill/>
-          </a:ln>
-        </p:spPr>
-      </p:sp>
-      <p:sp>
-        <p:nvSpPr>
-          <p:cNvPr id="176" name="PlaceHolder 2"/>
-          <p:cNvSpPr>
-            <a:spLocks noGrp="1"/>
-          </p:cNvSpPr>
-          <p:nvPr>
-            <p:ph type="body"/>
-          </p:nvPr>
-        </p:nvSpPr>
-        <p:spPr>
-          <a:xfrm>
-            <a:off x="756000" y="5078520"/>
-            <a:ext cx="6047280" cy="5666400"/>
-          </a:xfrm>
-          <a:prstGeom prst="rect">
-            <a:avLst/>
-          </a:prstGeom>
-          <a:noFill/>
-          <a:ln w="0">
-            <a:noFill/>
-          </a:ln>
-        </p:spPr>
-        <p:txBody>
-          <a:bodyPr lIns="0" rIns="0" tIns="0" bIns="0" anchor="t">
-            <a:noAutofit/>
-          </a:bodyPr>
-          <a:p>
-            <a:pPr marL="216000" indent="-216000">
-              <a:lnSpc>
-                <a:spcPct val="100000"/>
-              </a:lnSpc>
-              <a:buNone/>
-              <a:tabLst>
-                <a:tab algn="l" pos="0"/>
-              </a:tabLst>
-            </a:pPr>
-            <a:r>
-              <a:rPr b="0" lang="da-DK" sz="2000" spc="-1" strike="noStrike">
-                <a:solidFill>
-                  <a:srgbClr val="000000"/>
-                </a:solidFill>
-                <a:latin typeface="Arial"/>
-              </a:rPr>
-              <a:t>This work was very much inspired by a series of blog posts by John Baez on different tuning systems. They are worth reading.</a:t>
-            </a:r>
-            <a:endParaRPr b="0" lang="en-US" sz="2000" spc="-1" strike="noStrike">
-              <a:solidFill>
-                <a:srgbClr val="000000"/>
-              </a:solidFill>
-              <a:latin typeface="Arial"/>
-            </a:endParaRPr>
-          </a:p>
-          <a:p>
-            <a:pPr marL="216000" indent="-216000">
-              <a:lnSpc>
-                <a:spcPct val="100000"/>
-              </a:lnSpc>
-              <a:buNone/>
-              <a:tabLst>
-                <a:tab algn="l" pos="0"/>
-              </a:tabLst>
-            </a:pPr>
-            <a:r>
-              <a:rPr b="0" lang="da-DK" sz="2000" spc="-1" strike="noStrike">
-                <a:solidFill>
-                  <a:srgbClr val="000000"/>
-                </a:solidFill>
-                <a:latin typeface="Arial"/>
-              </a:rPr>
-              <a:t>Shoutout to JuliaMusic (George Datseris of DrWatson.jl fame)</a:t>
-            </a:r>
-            <a:endParaRPr b="0" lang="en-US" sz="2000" spc="-1" strike="noStrike">
-              <a:solidFill>
-                <a:srgbClr val="000000"/>
-              </a:solidFill>
-              <a:latin typeface="Arial"/>
-            </a:endParaRPr>
-          </a:p>
-          <a:p>
-            <a:pPr marL="216000" indent="-216000">
-              <a:lnSpc>
-                <a:spcPct val="100000"/>
-              </a:lnSpc>
-              <a:buNone/>
-              <a:tabLst>
-                <a:tab algn="l" pos="0"/>
-              </a:tabLst>
-            </a:pPr>
-            <a:r>
-              <a:rPr b="0" lang="da-DK" sz="2000" spc="-1" strike="noStrike">
-                <a:solidFill>
-                  <a:srgbClr val="000000"/>
-                </a:solidFill>
-                <a:latin typeface="Arial"/>
-              </a:rPr>
-              <a:t>and WAV.jl by Daniel Casimiro</a:t>
-            </a:r>
-            <a:endParaRPr b="0" lang="en-US" sz="2000" spc="-1" strike="noStrike">
-              <a:solidFill>
-                <a:srgbClr val="000000"/>
-              </a:solidFill>
-              <a:latin typeface="Arial"/>
-            </a:endParaRPr>
-          </a:p>
-          <a:p>
-            <a:pPr marL="216000" indent="-216000">
-              <a:lnSpc>
-                <a:spcPct val="100000"/>
-              </a:lnSpc>
-              <a:buNone/>
-              <a:tabLst>
-                <a:tab algn="l" pos="0"/>
-              </a:tabLst>
-            </a:pPr>
-            <a:r>
-              <a:rPr b="0" lang="da-DK" sz="2000" spc="-1" strike="noStrike">
-                <a:solidFill>
-                  <a:srgbClr val="000000"/>
-                </a:solidFill>
-                <a:latin typeface="Arial"/>
-              </a:rPr>
-              <a:t>MusicTheory (by David P. Sanders) came out after I submitted abstract. Does not overlap (much)</a:t>
-            </a:r>
-            <a:endParaRPr b="0" lang="en-US" sz="2000" spc="-1" strike="noStrike">
-              <a:solidFill>
-                <a:srgbClr val="000000"/>
-              </a:solidFill>
-              <a:latin typeface="Arial"/>
-            </a:endParaRPr>
-          </a:p>
-          <a:p>
-            <a:pPr marL="216000" indent="-216000">
-              <a:lnSpc>
-                <a:spcPct val="100000"/>
-              </a:lnSpc>
-              <a:buNone/>
-              <a:tabLst>
-                <a:tab algn="l" pos="0"/>
-              </a:tabLst>
-            </a:pPr>
-            <a:r>
-              <a:rPr b="0" lang="da-DK" sz="2000" spc="-1" strike="noStrike">
-                <a:solidFill>
-                  <a:srgbClr val="000000"/>
-                </a:solidFill>
-                <a:latin typeface="Arial"/>
-              </a:rPr>
-              <a:t>Jeffrey A Fessler has a cource at University of Michgan on Music Signal Processing.</a:t>
-            </a:r>
-            <a:endParaRPr b="0" lang="en-US" sz="2000" spc="-1" strike="noStrike">
-              <a:solidFill>
-                <a:srgbClr val="000000"/>
-              </a:solidFill>
-              <a:latin typeface="Arial"/>
-            </a:endParaRPr>
-          </a:p>
-          <a:p>
-            <a:pPr marL="216000" indent="-216000">
-              <a:lnSpc>
-                <a:spcPct val="100000"/>
-              </a:lnSpc>
-              <a:buNone/>
-              <a:tabLst>
-                <a:tab algn="l" pos="0"/>
-              </a:tabLst>
-            </a:pPr>
-            <a:r>
-              <a:rPr b="0" lang="da-DK" sz="2000" spc="-1" strike="noStrike">
-                <a:solidFill>
-                  <a:srgbClr val="000000"/>
-                </a:solidFill>
-                <a:latin typeface="Arial"/>
-              </a:rPr>
-              <a:t>He also has a book coming up: </a:t>
-            </a:r>
-            <a:r>
-              <a:rPr b="0" lang="da-DK" sz="2000" spc="-1" strike="noStrike" u="sng">
-                <a:solidFill>
-                  <a:srgbClr val="000000"/>
-                </a:solidFill>
-                <a:uFillTx/>
-                <a:latin typeface="Arial"/>
-                <a:hlinkClick r:id="rId1"/>
-              </a:rPr>
-              <a:t>https://github.com/JeffFessler/book-la-demo</a:t>
-            </a:r>
-            <a:endParaRPr b="0" lang="en-US" sz="2000" spc="-1" strike="noStrike">
-              <a:solidFill>
-                <a:srgbClr val="000000"/>
-              </a:solidFill>
-              <a:latin typeface="Arial"/>
-            </a:endParaRPr>
-          </a:p>
-          <a:p>
-            <a:pPr marL="216000" indent="-216000">
-              <a:lnSpc>
-                <a:spcPct val="100000"/>
-              </a:lnSpc>
-              <a:buNone/>
-              <a:tabLst>
-                <a:tab algn="l" pos="0"/>
-              </a:tabLst>
-            </a:pPr>
-            <a:r>
-              <a:rPr b="0" lang="da-DK" sz="2000" spc="-1" strike="noStrike" u="sng">
-                <a:solidFill>
-                  <a:srgbClr val="000000"/>
-                </a:solidFill>
-                <a:uFillTx/>
-                <a:latin typeface="Arial"/>
-                <a:hlinkClick r:id="rId2"/>
-              </a:rPr>
-              <a:t>https://www.cambridge.org/highereducation/books/linear-algebra-for-data-science-machine-learning-and-signal-processing/1D558680AF26ED577DBD9C4B5F1D0FED#overview</a:t>
-            </a:r>
-            <a:r>
-              <a:rPr b="0" lang="da-DK" sz="2000" spc="-1" strike="noStrike">
-                <a:solidFill>
-                  <a:srgbClr val="000000"/>
-                </a:solidFill>
-                <a:latin typeface="Arial"/>
-              </a:rPr>
-              <a:t> </a:t>
-            </a:r>
-            <a:endParaRPr b="0" lang="en-US" sz="2000" spc="-1" strike="noStrike">
-              <a:solidFill>
-                <a:srgbClr val="000000"/>
-              </a:solidFill>
-              <a:latin typeface="Arial"/>
-            </a:endParaRPr>
-          </a:p>
-          <a:p>
-            <a:pPr marL="216000" indent="-216000">
-              <a:lnSpc>
-                <a:spcPct val="100000"/>
-              </a:lnSpc>
-              <a:buNone/>
-              <a:tabLst>
-                <a:tab algn="l" pos="0"/>
-              </a:tabLst>
-            </a:pPr>
-            <a:endParaRPr b="0" lang="en-US" sz="2000" spc="-1" strike="noStrike">
-              <a:solidFill>
-                <a:srgbClr val="000000"/>
-              </a:solidFill>
-              <a:latin typeface="Arial"/>
-            </a:endParaRPr>
-          </a:p>
-          <a:p>
-            <a:pPr marL="216000" indent="-216000">
-              <a:lnSpc>
-                <a:spcPct val="100000"/>
-              </a:lnSpc>
-              <a:buNone/>
-              <a:tabLst>
-                <a:tab algn="l" pos="0"/>
-              </a:tabLst>
-            </a:pPr>
-            <a:endParaRPr b="0" lang="en-US" sz="2000" spc="-1" strike="noStrike">
-              <a:solidFill>
-                <a:srgbClr val="000000"/>
-              </a:solidFill>
-              <a:latin typeface="Arial"/>
-            </a:endParaRPr>
-          </a:p>
-          <a:p>
-            <a:pPr marL="216000" indent="-216000">
-              <a:lnSpc>
-                <a:spcPct val="100000"/>
-              </a:lnSpc>
-              <a:buNone/>
-              <a:tabLst>
-                <a:tab algn="l" pos="0"/>
-              </a:tabLst>
-            </a:pPr>
-            <a:endParaRPr b="0" lang="en-US" sz="2000" spc="-1" strike="noStrike">
-              <a:solidFill>
-                <a:srgbClr val="000000"/>
-              </a:solidFill>
-              <a:latin typeface="Arial"/>
-            </a:endParaRPr>
-          </a:p>
-          <a:p>
-            <a:pPr marL="216000" indent="-216000">
-              <a:lnSpc>
-                <a:spcPct val="100000"/>
-              </a:lnSpc>
-              <a:buNone/>
-              <a:tabLst>
-                <a:tab algn="l" pos="0"/>
-              </a:tabLst>
-            </a:pPr>
-            <a:endParaRPr b="0" lang="en-US" sz="2000" spc="-1" strike="noStrike">
-              <a:solidFill>
-                <a:srgbClr val="000000"/>
-              </a:solidFill>
-              <a:latin typeface="Arial"/>
-            </a:endParaRPr>
-          </a:p>
-          <a:p>
-            <a:pPr marL="216000" indent="-216000">
-              <a:lnSpc>
-                <a:spcPct val="100000"/>
-              </a:lnSpc>
-              <a:buNone/>
-              <a:tabLst>
-                <a:tab algn="l" pos="0"/>
-              </a:tabLst>
-            </a:pPr>
-            <a:endParaRPr b="0" lang="en-US" sz="2000" spc="-1" strike="noStrike">
-              <a:solidFill>
-                <a:srgbClr val="000000"/>
-              </a:solidFill>
-              <a:latin typeface="Arial"/>
-            </a:endParaRPr>
-          </a:p>
-          <a:p>
-            <a:pPr marL="216000" indent="-216000">
-              <a:lnSpc>
-                <a:spcPct val="100000"/>
-              </a:lnSpc>
-              <a:buNone/>
-              <a:tabLst>
-                <a:tab algn="l" pos="0"/>
-              </a:tabLst>
-            </a:pPr>
             <a:endParaRPr b="0" lang="en-US" sz="2000" spc="-1" strike="noStrike">
               <a:solidFill>
                 <a:srgbClr val="000000"/>
@@ -3322,7 +3333,7 @@
       </p:grpSpPr>
       <p:sp>
         <p:nvSpPr>
-          <p:cNvPr id="143" name="PlaceHolder 1"/>
+          <p:cNvPr id="140" name="PlaceHolder 1"/>
           <p:cNvSpPr>
             <a:spLocks noGrp="1"/>
           </p:cNvSpPr>
@@ -3333,7 +3344,7 @@
         <p:spPr>
           <a:xfrm>
             <a:off x="216000" y="812520"/>
-            <a:ext cx="7126920" cy="4008600"/>
+            <a:ext cx="7126560" cy="4008240"/>
           </a:xfrm>
           <a:prstGeom prst="rect">
             <a:avLst/>
@@ -3345,7 +3356,7 @@
       </p:sp>
       <p:sp>
         <p:nvSpPr>
-          <p:cNvPr id="144" name="PlaceHolder 2"/>
+          <p:cNvPr id="141" name="PlaceHolder 2"/>
           <p:cNvSpPr>
             <a:spLocks noGrp="1"/>
           </p:cNvSpPr>
@@ -3356,7 +3367,7 @@
         <p:spPr>
           <a:xfrm>
             <a:off x="756000" y="5078520"/>
-            <a:ext cx="6047280" cy="4810680"/>
+            <a:ext cx="6046920" cy="4810320"/>
           </a:xfrm>
           <a:prstGeom prst="rect">
             <a:avLst/>
@@ -3551,7 +3562,7 @@
       </p:grpSpPr>
       <p:sp>
         <p:nvSpPr>
-          <p:cNvPr id="145" name="PlaceHolder 1"/>
+          <p:cNvPr id="142" name="PlaceHolder 1"/>
           <p:cNvSpPr>
             <a:spLocks noGrp="1"/>
           </p:cNvSpPr>
@@ -3562,7 +3573,7 @@
         <p:spPr>
           <a:xfrm>
             <a:off x="216000" y="812520"/>
-            <a:ext cx="7126920" cy="4008600"/>
+            <a:ext cx="7126560" cy="4008240"/>
           </a:xfrm>
           <a:prstGeom prst="rect">
             <a:avLst/>
@@ -3574,7 +3585,7 @@
       </p:sp>
       <p:sp>
         <p:nvSpPr>
-          <p:cNvPr id="146" name="PlaceHolder 2"/>
+          <p:cNvPr id="143" name="PlaceHolder 2"/>
           <p:cNvSpPr>
             <a:spLocks noGrp="1"/>
           </p:cNvSpPr>
@@ -3585,7 +3596,7 @@
         <p:spPr>
           <a:xfrm>
             <a:off x="756000" y="5078520"/>
-            <a:ext cx="6047280" cy="4810680"/>
+            <a:ext cx="6046920" cy="4810320"/>
           </a:xfrm>
           <a:prstGeom prst="rect">
             <a:avLst/>
@@ -3677,7 +3688,7 @@
       </p:grpSpPr>
       <p:sp>
         <p:nvSpPr>
-          <p:cNvPr id="147" name="PlaceHolder 1"/>
+          <p:cNvPr id="144" name="PlaceHolder 1"/>
           <p:cNvSpPr>
             <a:spLocks noGrp="1"/>
           </p:cNvSpPr>
@@ -3688,7 +3699,7 @@
         <p:spPr>
           <a:xfrm>
             <a:off x="216000" y="812520"/>
-            <a:ext cx="7126920" cy="4008600"/>
+            <a:ext cx="7126560" cy="4008240"/>
           </a:xfrm>
           <a:prstGeom prst="rect">
             <a:avLst/>
@@ -3700,7 +3711,7 @@
       </p:sp>
       <p:sp>
         <p:nvSpPr>
-          <p:cNvPr id="148" name="PlaceHolder 2"/>
+          <p:cNvPr id="145" name="PlaceHolder 2"/>
           <p:cNvSpPr>
             <a:spLocks noGrp="1"/>
           </p:cNvSpPr>
@@ -3711,7 +3722,7 @@
         <p:spPr>
           <a:xfrm>
             <a:off x="756000" y="5078520"/>
-            <a:ext cx="6047280" cy="4810680"/>
+            <a:ext cx="6046920" cy="4810320"/>
           </a:xfrm>
           <a:prstGeom prst="rect">
             <a:avLst/>
@@ -3872,7 +3883,7 @@
       </p:grpSpPr>
       <p:sp>
         <p:nvSpPr>
-          <p:cNvPr id="149" name="PlaceHolder 1"/>
+          <p:cNvPr id="146" name="PlaceHolder 1"/>
           <p:cNvSpPr>
             <a:spLocks noGrp="1"/>
           </p:cNvSpPr>
@@ -3883,7 +3894,7 @@
         <p:spPr>
           <a:xfrm>
             <a:off x="216000" y="812520"/>
-            <a:ext cx="7126920" cy="4008600"/>
+            <a:ext cx="7126560" cy="4008240"/>
           </a:xfrm>
           <a:prstGeom prst="rect">
             <a:avLst/>
@@ -3895,7 +3906,7 @@
       </p:sp>
       <p:sp>
         <p:nvSpPr>
-          <p:cNvPr id="150" name="PlaceHolder 2"/>
+          <p:cNvPr id="147" name="PlaceHolder 2"/>
           <p:cNvSpPr>
             <a:spLocks noGrp="1"/>
           </p:cNvSpPr>
@@ -3906,7 +3917,7 @@
         <p:spPr>
           <a:xfrm>
             <a:off x="756000" y="5078520"/>
-            <a:ext cx="6047280" cy="4810680"/>
+            <a:ext cx="6046920" cy="4810320"/>
           </a:xfrm>
           <a:prstGeom prst="rect">
             <a:avLst/>
@@ -4110,7 +4121,7 @@
       </p:grpSpPr>
       <p:sp>
         <p:nvSpPr>
-          <p:cNvPr id="151" name="PlaceHolder 1"/>
+          <p:cNvPr id="148" name="PlaceHolder 1"/>
           <p:cNvSpPr>
             <a:spLocks noGrp="1"/>
           </p:cNvSpPr>
@@ -4121,7 +4132,7 @@
         <p:spPr>
           <a:xfrm>
             <a:off x="216000" y="812520"/>
-            <a:ext cx="7126920" cy="4008600"/>
+            <a:ext cx="7126560" cy="4008240"/>
           </a:xfrm>
           <a:prstGeom prst="rect">
             <a:avLst/>
@@ -4133,7 +4144,7 @@
       </p:sp>
       <p:sp>
         <p:nvSpPr>
-          <p:cNvPr id="152" name="PlaceHolder 2"/>
+          <p:cNvPr id="149" name="PlaceHolder 2"/>
           <p:cNvSpPr>
             <a:spLocks noGrp="1"/>
           </p:cNvSpPr>
@@ -4144,7 +4155,7 @@
         <p:spPr>
           <a:xfrm>
             <a:off x="756000" y="5078520"/>
-            <a:ext cx="6047280" cy="4810680"/>
+            <a:ext cx="6046920" cy="4810320"/>
           </a:xfrm>
           <a:prstGeom prst="rect">
             <a:avLst/>
@@ -4270,7 +4281,7 @@
       </p:grpSpPr>
       <p:sp>
         <p:nvSpPr>
-          <p:cNvPr id="153" name="PlaceHolder 1"/>
+          <p:cNvPr id="150" name="PlaceHolder 1"/>
           <p:cNvSpPr>
             <a:spLocks noGrp="1"/>
           </p:cNvSpPr>
@@ -4281,7 +4292,7 @@
         <p:spPr>
           <a:xfrm>
             <a:off x="216000" y="812520"/>
-            <a:ext cx="7126920" cy="4008600"/>
+            <a:ext cx="7126560" cy="4008240"/>
           </a:xfrm>
           <a:prstGeom prst="rect">
             <a:avLst/>
@@ -4293,7 +4304,7 @@
       </p:sp>
       <p:sp>
         <p:nvSpPr>
-          <p:cNvPr id="154" name="PlaceHolder 2"/>
+          <p:cNvPr id="151" name="PlaceHolder 2"/>
           <p:cNvSpPr>
             <a:spLocks noGrp="1"/>
           </p:cNvSpPr>
@@ -4304,7 +4315,7 @@
         <p:spPr>
           <a:xfrm>
             <a:off x="756000" y="5078520"/>
-            <a:ext cx="6047280" cy="4810680"/>
+            <a:ext cx="6046920" cy="4810320"/>
           </a:xfrm>
           <a:prstGeom prst="rect">
             <a:avLst/>
@@ -4542,7 +4553,7 @@
       </p:grpSpPr>
       <p:sp>
         <p:nvSpPr>
-          <p:cNvPr id="155" name="PlaceHolder 1"/>
+          <p:cNvPr id="152" name="PlaceHolder 1"/>
           <p:cNvSpPr>
             <a:spLocks noGrp="1"/>
           </p:cNvSpPr>
@@ -4553,7 +4564,7 @@
         <p:spPr>
           <a:xfrm>
             <a:off x="216000" y="812520"/>
-            <a:ext cx="7126920" cy="4008600"/>
+            <a:ext cx="7126560" cy="4008240"/>
           </a:xfrm>
           <a:prstGeom prst="rect">
             <a:avLst/>
@@ -4565,7 +4576,7 @@
       </p:sp>
       <p:sp>
         <p:nvSpPr>
-          <p:cNvPr id="156" name="PlaceHolder 2"/>
+          <p:cNvPr id="153" name="PlaceHolder 2"/>
           <p:cNvSpPr>
             <a:spLocks noGrp="1"/>
           </p:cNvSpPr>
@@ -4576,7 +4587,7 @@
         <p:spPr>
           <a:xfrm>
             <a:off x="756000" y="5078520"/>
-            <a:ext cx="6047280" cy="4810680"/>
+            <a:ext cx="6046920" cy="4810320"/>
           </a:xfrm>
           <a:prstGeom prst="rect">
             <a:avLst/>
@@ -4739,7 +4750,7 @@
         <p:spPr>
           <a:xfrm>
             <a:off x="504000" y="226080"/>
-            <a:ext cx="9070920" cy="945720"/>
+            <a:ext cx="9070560" cy="945360"/>
           </a:xfrm>
           <a:prstGeom prst="rect">
             <a:avLst/>
@@ -4779,7 +4790,7 @@
         <p:spPr>
           <a:xfrm>
             <a:off x="504000" y="1326600"/>
-            <a:ext cx="2159640" cy="747720"/>
+            <a:ext cx="1053720" cy="356400"/>
           </a:xfrm>
           <a:prstGeom prst="rect">
             <a:avLst/>
@@ -4791,7 +4802,7 @@
         </p:spPr>
         <p:txBody>
           <a:bodyPr lIns="0" rIns="0" tIns="0" bIns="0" anchor="t">
-            <a:normAutofit fontScale="81242"/>
+            <a:normAutofit fontScale="40621"/>
           </a:bodyPr>
           <a:p>
             <a:pPr indent="0">
@@ -4821,8 +4832,8 @@
         </p:nvSpPr>
         <p:spPr>
           <a:xfrm>
-            <a:off x="2772000" y="1326600"/>
-            <a:ext cx="2159640" cy="747720"/>
+            <a:off x="1610640" y="1326600"/>
+            <a:ext cx="1053720" cy="356400"/>
           </a:xfrm>
           <a:prstGeom prst="rect">
             <a:avLst/>
@@ -4834,7 +4845,7 @@
         </p:spPr>
         <p:txBody>
           <a:bodyPr lIns="0" rIns="0" tIns="0" bIns="0" anchor="t">
-            <a:normAutofit fontScale="81242"/>
+            <a:normAutofit fontScale="40621"/>
           </a:bodyPr>
           <a:p>
             <a:pPr indent="0">
@@ -4864,8 +4875,8 @@
         </p:nvSpPr>
         <p:spPr>
           <a:xfrm>
-            <a:off x="504000" y="2145600"/>
-            <a:ext cx="2159640" cy="747720"/>
+            <a:off x="504000" y="1717200"/>
+            <a:ext cx="1053720" cy="356400"/>
           </a:xfrm>
           <a:prstGeom prst="rect">
             <a:avLst/>
@@ -4877,7 +4888,7 @@
         </p:spPr>
         <p:txBody>
           <a:bodyPr lIns="0" rIns="0" tIns="0" bIns="0" anchor="t">
-            <a:normAutofit fontScale="81242"/>
+            <a:normAutofit fontScale="40621"/>
           </a:bodyPr>
           <a:p>
             <a:pPr indent="0">
@@ -4907,8 +4918,8 @@
         </p:nvSpPr>
         <p:spPr>
           <a:xfrm>
-            <a:off x="2772000" y="2145600"/>
-            <a:ext cx="2159640" cy="747720"/>
+            <a:off x="1610640" y="1717200"/>
+            <a:ext cx="1053720" cy="356400"/>
           </a:xfrm>
           <a:prstGeom prst="rect">
             <a:avLst/>
@@ -4920,7 +4931,7 @@
         </p:spPr>
         <p:txBody>
           <a:bodyPr lIns="0" rIns="0" tIns="0" bIns="0" anchor="t">
-            <a:normAutofit fontScale="81242"/>
+            <a:normAutofit fontScale="40621"/>
           </a:bodyPr>
           <a:p>
             <a:pPr indent="0">
@@ -4972,7 +4983,7 @@
         <p:txBody>
           <a:bodyPr/>
           <a:p>
-            <a:fld id="{10FC0D17-F7E9-4D25-BDE6-8A972B812D80}" type="slidenum">
+            <a:fld id="{136F03F5-7964-4D76-9B01-8452D9C0EDB5}" type="slidenum">
               <a:t>&lt;#&gt;</a:t>
             </a:fld>
           </a:p>
@@ -5034,7 +5045,7 @@
         <p:spPr>
           <a:xfrm>
             <a:off x="504000" y="226080"/>
-            <a:ext cx="9070920" cy="945720"/>
+            <a:ext cx="9070560" cy="945360"/>
           </a:xfrm>
           <a:prstGeom prst="rect">
             <a:avLst/>
@@ -5074,7 +5085,7 @@
         <p:spPr>
           <a:xfrm>
             <a:off x="504000" y="1326600"/>
-            <a:ext cx="4426200" cy="1567800"/>
+            <a:ext cx="2159280" cy="747360"/>
           </a:xfrm>
           <a:prstGeom prst="rect">
             <a:avLst/>
@@ -5086,7 +5097,7 @@
         </p:spPr>
         <p:txBody>
           <a:bodyPr lIns="0" rIns="0" tIns="0" bIns="0" anchor="t">
-            <a:normAutofit/>
+            <a:normAutofit fontScale="81242"/>
           </a:bodyPr>
           <a:p>
             <a:pPr indent="0">
@@ -5138,7 +5149,7 @@
         <p:txBody>
           <a:bodyPr/>
           <a:p>
-            <a:fld id="{730E149C-FEA0-4EEB-AB4D-7A55A6B12B9F}" type="slidenum">
+            <a:fld id="{E35AAF58-6224-4A13-9FED-48099E94A78C}" type="slidenum">
               <a:t>&lt;#&gt;</a:t>
             </a:fld>
           </a:p>
@@ -5200,7 +5211,7 @@
         <p:spPr>
           <a:xfrm>
             <a:off x="504000" y="226080"/>
-            <a:ext cx="9070920" cy="945720"/>
+            <a:ext cx="9070560" cy="945360"/>
           </a:xfrm>
           <a:prstGeom prst="rect">
             <a:avLst/>
@@ -5239,8 +5250,8 @@
         </p:nvSpPr>
         <p:spPr>
           <a:xfrm>
-            <a:off x="504000" y="1326600"/>
-            <a:ext cx="4426200" cy="1567800"/>
+            <a:off x="504000" y="1244520"/>
+            <a:ext cx="2159280" cy="911880"/>
           </a:xfrm>
           <a:prstGeom prst="rect">
             <a:avLst/>
@@ -5301,7 +5312,7 @@
         <p:txBody>
           <a:bodyPr/>
           <a:p>
-            <a:fld id="{8F338C97-7CCE-4C26-B60F-CE665E88ED3E}" type="slidenum">
+            <a:fld id="{688A6A51-53B9-454C-9FF2-E3A0299EF4B8}" type="slidenum">
               <a:t>&lt;#&gt;</a:t>
             </a:fld>
           </a:p>
@@ -5363,7 +5374,7 @@
         <p:spPr>
           <a:xfrm>
             <a:off x="504000" y="226080"/>
-            <a:ext cx="9070920" cy="945720"/>
+            <a:ext cx="9070560" cy="945360"/>
           </a:xfrm>
           <a:prstGeom prst="rect">
             <a:avLst/>
@@ -5388,7 +5399,16 @@
                 </a:solidFill>
                 <a:latin typeface="Arial"/>
               </a:rPr>
-              <a:t>Click to edit the title text format</a:t>
+              <a:t>Click to edit the title text </a:t>
+            </a:r>
+            <a:r>
+              <a:rPr b="0" lang="en-US" sz="1800" spc="-1" strike="noStrike">
+                <a:solidFill>
+                  <a:srgbClr val="000000"/>
+                </a:solidFill>
+                <a:latin typeface="Arial"/>
+              </a:rPr>
+              <a:t>format</a:t>
             </a:r>
             <a:endParaRPr b="0" lang="en-US" sz="1800" spc="-1" strike="noStrike">
               <a:solidFill>
@@ -5412,7 +5432,7 @@
         <p:spPr>
           <a:xfrm>
             <a:off x="504000" y="1326600"/>
-            <a:ext cx="4426200" cy="1567800"/>
+            <a:ext cx="2159280" cy="747360"/>
           </a:xfrm>
           <a:prstGeom prst="rect">
             <a:avLst/>
@@ -5424,7 +5444,7 @@
         </p:spPr>
         <p:txBody>
           <a:bodyPr lIns="0" rIns="0" tIns="0" bIns="0" anchor="t">
-            <a:normAutofit fontScale="56111"/>
+            <a:normAutofit fontScale="1111"/>
           </a:bodyPr>
           <a:p>
             <a:pPr marL="432000" indent="-324000">
@@ -5636,8 +5656,8 @@
         </p:nvSpPr>
         <p:spPr>
           <a:xfrm>
-            <a:off x="5152320" y="1326600"/>
-            <a:ext cx="4426200" cy="1567800"/>
+            <a:off x="2772000" y="1326600"/>
+            <a:ext cx="2159280" cy="747360"/>
           </a:xfrm>
           <a:prstGeom prst="rect">
             <a:avLst/>
@@ -5649,7 +5669,7 @@
         </p:spPr>
         <p:txBody>
           <a:bodyPr lIns="0" rIns="0" tIns="0" bIns="0" anchor="t">
-            <a:normAutofit fontScale="56111"/>
+            <a:normAutofit fontScale="1111"/>
           </a:bodyPr>
           <a:p>
             <a:pPr marL="432000" indent="-324000">
@@ -5670,7 +5690,16 @@
                 </a:solidFill>
                 <a:latin typeface="Arial"/>
               </a:rPr>
-              <a:t>Click to edit the outline text format</a:t>
+              <a:t>Click to edit the outline </a:t>
+            </a:r>
+            <a:r>
+              <a:rPr b="0" lang="en-US" sz="1800" spc="-1" strike="noStrike">
+                <a:solidFill>
+                  <a:srgbClr val="000000"/>
+                </a:solidFill>
+                <a:latin typeface="Arial"/>
+              </a:rPr>
+              <a:t>text format</a:t>
             </a:r>
             <a:endParaRPr b="0" lang="en-US" sz="1800" spc="-1" strike="noStrike">
               <a:solidFill>
@@ -5698,7 +5727,16 @@
                 </a:solidFill>
                 <a:latin typeface="Arial"/>
               </a:rPr>
-              <a:t>Second Outline Level</a:t>
+              <a:t>Second Outline </a:t>
+            </a:r>
+            <a:r>
+              <a:rPr b="0" lang="en-US" sz="1800" spc="-1" strike="noStrike">
+                <a:solidFill>
+                  <a:srgbClr val="000000"/>
+                </a:solidFill>
+                <a:latin typeface="Arial"/>
+              </a:rPr>
+              <a:t>Level</a:t>
             </a:r>
             <a:endParaRPr b="0" lang="en-US" sz="1800" spc="-1" strike="noStrike">
               <a:solidFill>
@@ -5726,7 +5764,16 @@
                 </a:solidFill>
                 <a:latin typeface="Arial"/>
               </a:rPr>
-              <a:t>Third Outline Level</a:t>
+              <a:t>Third Outline </a:t>
+            </a:r>
+            <a:r>
+              <a:rPr b="0" lang="en-US" sz="1800" spc="-1" strike="noStrike">
+                <a:solidFill>
+                  <a:srgbClr val="000000"/>
+                </a:solidFill>
+                <a:latin typeface="Arial"/>
+              </a:rPr>
+              <a:t>Level</a:t>
             </a:r>
             <a:endParaRPr b="0" lang="en-US" sz="1800" spc="-1" strike="noStrike">
               <a:solidFill>
@@ -5754,7 +5801,25 @@
                 </a:solidFill>
                 <a:latin typeface="Arial"/>
               </a:rPr>
-              <a:t>Fourth Outline Level</a:t>
+              <a:t>Fourth </a:t>
+            </a:r>
+            <a:r>
+              <a:rPr b="0" lang="en-US" sz="1800" spc="-1" strike="noStrike">
+                <a:solidFill>
+                  <a:srgbClr val="000000"/>
+                </a:solidFill>
+                <a:latin typeface="Arial"/>
+              </a:rPr>
+              <a:t>Outline </a:t>
+            </a:r>
+            <a:r>
+              <a:rPr b="0" lang="en-US" sz="1800" spc="-1" strike="noStrike">
+                <a:solidFill>
+                  <a:srgbClr val="000000"/>
+                </a:solidFill>
+                <a:latin typeface="Arial"/>
+              </a:rPr>
+              <a:t>Level</a:t>
             </a:r>
             <a:endParaRPr b="0" lang="en-US" sz="1800" spc="-1" strike="noStrike">
               <a:solidFill>
@@ -5782,7 +5847,25 @@
                 </a:solidFill>
                 <a:latin typeface="Arial"/>
               </a:rPr>
-              <a:t>Fifth Outline Level</a:t>
+              <a:t>Fifth </a:t>
+            </a:r>
+            <a:r>
+              <a:rPr b="0" lang="en-US" sz="1800" spc="-1" strike="noStrike">
+                <a:solidFill>
+                  <a:srgbClr val="000000"/>
+                </a:solidFill>
+                <a:latin typeface="Arial"/>
+              </a:rPr>
+              <a:t>Outline </a:t>
+            </a:r>
+            <a:r>
+              <a:rPr b="0" lang="en-US" sz="1800" spc="-1" strike="noStrike">
+                <a:solidFill>
+                  <a:srgbClr val="000000"/>
+                </a:solidFill>
+                <a:latin typeface="Arial"/>
+              </a:rPr>
+              <a:t>Level</a:t>
             </a:r>
             <a:endParaRPr b="0" lang="en-US" sz="1800" spc="-1" strike="noStrike">
               <a:solidFill>
@@ -5810,7 +5893,61 @@
                 </a:solidFill>
                 <a:latin typeface="Arial"/>
               </a:rPr>
-              <a:t>Sixth Outline Level</a:t>
+              <a:t>Six</a:t>
+            </a:r>
+            <a:r>
+              <a:rPr b="0" lang="en-US" sz="1800" spc="-1" strike="noStrike">
+                <a:solidFill>
+                  <a:srgbClr val="000000"/>
+                </a:solidFill>
+                <a:latin typeface="Arial"/>
+              </a:rPr>
+              <a:t>th </a:t>
+            </a:r>
+            <a:r>
+              <a:rPr b="0" lang="en-US" sz="1800" spc="-1" strike="noStrike">
+                <a:solidFill>
+                  <a:srgbClr val="000000"/>
+                </a:solidFill>
+                <a:latin typeface="Arial"/>
+              </a:rPr>
+              <a:t>Ou</a:t>
+            </a:r>
+            <a:r>
+              <a:rPr b="0" lang="en-US" sz="1800" spc="-1" strike="noStrike">
+                <a:solidFill>
+                  <a:srgbClr val="000000"/>
+                </a:solidFill>
+                <a:latin typeface="Arial"/>
+              </a:rPr>
+              <a:t>tlin</a:t>
+            </a:r>
+            <a:r>
+              <a:rPr b="0" lang="en-US" sz="1800" spc="-1" strike="noStrike">
+                <a:solidFill>
+                  <a:srgbClr val="000000"/>
+                </a:solidFill>
+                <a:latin typeface="Arial"/>
+              </a:rPr>
+              <a:t>e </a:t>
+            </a:r>
+            <a:r>
+              <a:rPr b="0" lang="en-US" sz="1800" spc="-1" strike="noStrike">
+                <a:solidFill>
+                  <a:srgbClr val="000000"/>
+                </a:solidFill>
+                <a:latin typeface="Arial"/>
+              </a:rPr>
+              <a:t>Le</a:t>
+            </a:r>
+            <a:r>
+              <a:rPr b="0" lang="en-US" sz="1800" spc="-1" strike="noStrike">
+                <a:solidFill>
+                  <a:srgbClr val="000000"/>
+                </a:solidFill>
+                <a:latin typeface="Arial"/>
+              </a:rPr>
+              <a:t>vel</a:t>
             </a:r>
             <a:endParaRPr b="0" lang="en-US" sz="1800" spc="-1" strike="noStrike">
               <a:solidFill>
@@ -5838,7 +5975,187 @@
                 </a:solidFill>
                 <a:latin typeface="Arial"/>
               </a:rPr>
-              <a:t>Seventh Outline Level</a:t>
+              <a:t>S</a:t>
+            </a:r>
+            <a:r>
+              <a:rPr b="0" lang="en-US" sz="1800" spc="-1" strike="noStrike">
+                <a:solidFill>
+                  <a:srgbClr val="000000"/>
+                </a:solidFill>
+                <a:latin typeface="Arial"/>
+              </a:rPr>
+              <a:t>e</a:t>
+            </a:r>
+            <a:r>
+              <a:rPr b="0" lang="en-US" sz="1800" spc="-1" strike="noStrike">
+                <a:solidFill>
+                  <a:srgbClr val="000000"/>
+                </a:solidFill>
+                <a:latin typeface="Arial"/>
+              </a:rPr>
+              <a:t>v</a:t>
+            </a:r>
+            <a:r>
+              <a:rPr b="0" lang="en-US" sz="1800" spc="-1" strike="noStrike">
+                <a:solidFill>
+                  <a:srgbClr val="000000"/>
+                </a:solidFill>
+                <a:latin typeface="Arial"/>
+              </a:rPr>
+              <a:t>e</a:t>
+            </a:r>
+            <a:r>
+              <a:rPr b="0" lang="en-US" sz="1800" spc="-1" strike="noStrike">
+                <a:solidFill>
+                  <a:srgbClr val="000000"/>
+                </a:solidFill>
+                <a:latin typeface="Arial"/>
+              </a:rPr>
+              <a:t>n</a:t>
+            </a:r>
+            <a:r>
+              <a:rPr b="0" lang="en-US" sz="1800" spc="-1" strike="noStrike">
+                <a:solidFill>
+                  <a:srgbClr val="000000"/>
+                </a:solidFill>
+                <a:latin typeface="Arial"/>
+              </a:rPr>
+              <a:t>t</a:t>
+            </a:r>
+            <a:r>
+              <a:rPr b="0" lang="en-US" sz="1800" spc="-1" strike="noStrike">
+                <a:solidFill>
+                  <a:srgbClr val="000000"/>
+                </a:solidFill>
+                <a:latin typeface="Arial"/>
+              </a:rPr>
+              <a:t>h</a:t>
+            </a:r>
+            <a:r>
+              <a:rPr b="0" lang="en-US" sz="1800" spc="-1" strike="noStrike">
+                <a:solidFill>
+                  <a:srgbClr val="000000"/>
+                </a:solidFill>
+                <a:latin typeface="Arial"/>
+              </a:rPr>
+              <a:t> </a:t>
+            </a:r>
+            <a:r>
+              <a:rPr b="0" lang="en-US" sz="1800" spc="-1" strike="noStrike">
+                <a:solidFill>
+                  <a:srgbClr val="000000"/>
+                </a:solidFill>
+                <a:latin typeface="Arial"/>
+              </a:rPr>
+              <a:t>O</a:t>
+            </a:r>
+            <a:r>
+              <a:rPr b="0" lang="en-US" sz="1800" spc="-1" strike="noStrike">
+                <a:solidFill>
+                  <a:srgbClr val="000000"/>
+                </a:solidFill>
+                <a:latin typeface="Arial"/>
+              </a:rPr>
+              <a:t>u</a:t>
+            </a:r>
+            <a:r>
+              <a:rPr b="0" lang="en-US" sz="1800" spc="-1" strike="noStrike">
+                <a:solidFill>
+                  <a:srgbClr val="000000"/>
+                </a:solidFill>
+                <a:latin typeface="Arial"/>
+              </a:rPr>
+              <a:t>t</a:t>
+            </a:r>
+            <a:r>
+              <a:rPr b="0" lang="en-US" sz="1800" spc="-1" strike="noStrike">
+                <a:solidFill>
+                  <a:srgbClr val="000000"/>
+                </a:solidFill>
+                <a:latin typeface="Arial"/>
+              </a:rPr>
+              <a:t>l</a:t>
+            </a:r>
+            <a:r>
+              <a:rPr b="0" lang="en-US" sz="1800" spc="-1" strike="noStrike">
+                <a:solidFill>
+                  <a:srgbClr val="000000"/>
+                </a:solidFill>
+                <a:latin typeface="Arial"/>
+              </a:rPr>
+              <a:t>i</a:t>
+            </a:r>
+            <a:r>
+              <a:rPr b="0" lang="en-US" sz="1800" spc="-1" strike="noStrike">
+                <a:solidFill>
+                  <a:srgbClr val="000000"/>
+                </a:solidFill>
+                <a:latin typeface="Arial"/>
+              </a:rPr>
+              <a:t>n</a:t>
+            </a:r>
+            <a:r>
+              <a:rPr b="0" lang="en-US" sz="1800" spc="-1" strike="noStrike">
+                <a:solidFill>
+                  <a:srgbClr val="000000"/>
+                </a:solidFill>
+                <a:latin typeface="Arial"/>
+              </a:rPr>
+              <a:t>e</a:t>
+            </a:r>
+            <a:r>
+              <a:rPr b="0" lang="en-US" sz="1800" spc="-1" strike="noStrike">
+                <a:solidFill>
+                  <a:srgbClr val="000000"/>
+                </a:solidFill>
+                <a:latin typeface="Arial"/>
+              </a:rPr>
+              <a:t> </a:t>
+            </a:r>
+            <a:r>
+              <a:rPr b="0" lang="en-US" sz="1800" spc="-1" strike="noStrike">
+                <a:solidFill>
+                  <a:srgbClr val="000000"/>
+                </a:solidFill>
+                <a:latin typeface="Arial"/>
+              </a:rPr>
+              <a:t>L</a:t>
+            </a:r>
+            <a:r>
+              <a:rPr b="0" lang="en-US" sz="1800" spc="-1" strike="noStrike">
+                <a:solidFill>
+                  <a:srgbClr val="000000"/>
+                </a:solidFill>
+                <a:latin typeface="Arial"/>
+              </a:rPr>
+              <a:t>e</a:t>
+            </a:r>
+            <a:r>
+              <a:rPr b="0" lang="en-US" sz="1800" spc="-1" strike="noStrike">
+                <a:solidFill>
+                  <a:srgbClr val="000000"/>
+                </a:solidFill>
+                <a:latin typeface="Arial"/>
+              </a:rPr>
+              <a:t>v</a:t>
+            </a:r>
+            <a:r>
+              <a:rPr b="0" lang="en-US" sz="1800" spc="-1" strike="noStrike">
+                <a:solidFill>
+                  <a:srgbClr val="000000"/>
+                </a:solidFill>
+                <a:latin typeface="Arial"/>
+              </a:rPr>
+              <a:t>e</a:t>
+            </a:r>
+            <a:r>
+              <a:rPr b="0" lang="en-US" sz="1800" spc="-1" strike="noStrike">
+                <a:solidFill>
+                  <a:srgbClr val="000000"/>
+                </a:solidFill>
+                <a:latin typeface="Arial"/>
+              </a:rPr>
+              <a:t>l</a:t>
             </a:r>
             <a:endParaRPr b="0" lang="en-US" sz="1800" spc="-1" strike="noStrike">
               <a:solidFill>
@@ -5861,8 +6178,8 @@
         </p:nvSpPr>
         <p:spPr>
           <a:xfrm>
-            <a:off x="504000" y="3044160"/>
-            <a:ext cx="4426200" cy="1567800"/>
+            <a:off x="504000" y="2145600"/>
+            <a:ext cx="2159280" cy="747360"/>
           </a:xfrm>
           <a:prstGeom prst="rect">
             <a:avLst/>
@@ -5874,7 +6191,7 @@
         </p:spPr>
         <p:txBody>
           <a:bodyPr lIns="0" rIns="0" tIns="0" bIns="0" anchor="t">
-            <a:normAutofit fontScale="56111"/>
+            <a:normAutofit fontScale="1111"/>
           </a:bodyPr>
           <a:p>
             <a:pPr marL="432000" indent="-324000">
@@ -6086,8 +6403,8 @@
         </p:nvSpPr>
         <p:spPr>
           <a:xfrm>
-            <a:off x="5152320" y="3044160"/>
-            <a:ext cx="4426200" cy="1567800"/>
+            <a:off x="2772000" y="2145600"/>
+            <a:ext cx="2159280" cy="747360"/>
           </a:xfrm>
           <a:prstGeom prst="rect">
             <a:avLst/>
@@ -6099,7 +6416,7 @@
         </p:spPr>
         <p:txBody>
           <a:bodyPr lIns="0" rIns="0" tIns="0" bIns="0" anchor="t">
-            <a:normAutofit fontScale="56111"/>
+            <a:normAutofit fontScale="1111"/>
           </a:bodyPr>
           <a:p>
             <a:pPr marL="432000" indent="-324000">
@@ -6312,7 +6629,7 @@
         <p:spPr>
           <a:xfrm>
             <a:off x="3447360" y="5165280"/>
-            <a:ext cx="3194280" cy="389880"/>
+            <a:ext cx="3193920" cy="389520"/>
           </a:xfrm>
           <a:prstGeom prst="rect">
             <a:avLst/>
@@ -6384,7 +6701,7 @@
         <p:spPr>
           <a:xfrm>
             <a:off x="7227360" y="5165280"/>
-            <a:ext cx="2347560" cy="389880"/>
+            <a:ext cx="2347200" cy="389520"/>
           </a:xfrm>
           <a:prstGeom prst="rect">
             <a:avLst/>
@@ -6425,7 +6742,7 @@
                 <a:tab algn="l" pos="0"/>
               </a:tabLst>
             </a:pPr>
-            <a:fld id="{33BE0407-D491-43F9-84F7-1B8F4E71B0B6}" type="slidenum">
+            <a:fld id="{F58C5A3F-9D1F-4768-9BB4-8097356586C1}" type="slidenum">
               <a:rPr b="0" lang="da-DK" sz="1400" spc="-1" strike="noStrike">
                 <a:solidFill>
                   <a:srgbClr val="000000"/>
@@ -6456,7 +6773,7 @@
         <p:spPr>
           <a:xfrm>
             <a:off x="504000" y="5165280"/>
-            <a:ext cx="2347560" cy="389880"/>
+            <a:ext cx="2347200" cy="389520"/>
           </a:xfrm>
           <a:prstGeom prst="rect">
             <a:avLst/>
@@ -6542,7 +6859,7 @@
         <p:spPr>
           <a:xfrm>
             <a:off x="504000" y="226080"/>
-            <a:ext cx="9070920" cy="945720"/>
+            <a:ext cx="9070560" cy="945360"/>
           </a:xfrm>
           <a:prstGeom prst="rect">
             <a:avLst/>
@@ -6591,7 +6908,7 @@
         <p:spPr>
           <a:xfrm>
             <a:off x="504000" y="1326600"/>
-            <a:ext cx="9070920" cy="3287520"/>
+            <a:ext cx="4425840" cy="1567440"/>
           </a:xfrm>
           <a:prstGeom prst="rect">
             <a:avLst/>
@@ -6603,7 +6920,7 @@
         </p:spPr>
         <p:txBody>
           <a:bodyPr lIns="0" rIns="0" tIns="0" bIns="0" anchor="t">
-            <a:normAutofit/>
+            <a:normAutofit fontScale="56111"/>
           </a:bodyPr>
           <a:p>
             <a:pPr marL="432000" indent="-324000">
@@ -6816,7 +7133,7 @@
         <p:spPr>
           <a:xfrm>
             <a:off x="3447360" y="5165280"/>
-            <a:ext cx="3194280" cy="389880"/>
+            <a:ext cx="3193920" cy="389520"/>
           </a:xfrm>
           <a:prstGeom prst="rect">
             <a:avLst/>
@@ -6888,7 +7205,7 @@
         <p:spPr>
           <a:xfrm>
             <a:off x="7227360" y="5165280"/>
-            <a:ext cx="2347560" cy="389880"/>
+            <a:ext cx="2347200" cy="389520"/>
           </a:xfrm>
           <a:prstGeom prst="rect">
             <a:avLst/>
@@ -6929,7 +7246,7 @@
                 <a:tab algn="l" pos="0"/>
               </a:tabLst>
             </a:pPr>
-            <a:fld id="{EBCF8527-2CDC-481F-89C6-4877FC1136F1}" type="slidenum">
+            <a:fld id="{895DB494-9D71-4D8C-B474-731256F8AC70}" type="slidenum">
               <a:rPr b="0" lang="da-DK" sz="1400" spc="-1" strike="noStrike">
                 <a:solidFill>
                   <a:srgbClr val="000000"/>
@@ -6960,7 +7277,7 @@
         <p:spPr>
           <a:xfrm>
             <a:off x="504000" y="5165280"/>
-            <a:ext cx="2347560" cy="389880"/>
+            <a:ext cx="2347200" cy="389520"/>
           </a:xfrm>
           <a:prstGeom prst="rect">
             <a:avLst/>
@@ -7046,7 +7363,7 @@
         <p:spPr>
           <a:xfrm>
             <a:off x="504000" y="226080"/>
-            <a:ext cx="9070920" cy="945720"/>
+            <a:ext cx="9070560" cy="945360"/>
           </a:xfrm>
           <a:prstGeom prst="rect">
             <a:avLst/>
@@ -7095,7 +7412,7 @@
         <p:spPr>
           <a:xfrm>
             <a:off x="3447360" y="5165280"/>
-            <a:ext cx="3194280" cy="389880"/>
+            <a:ext cx="3193920" cy="389520"/>
           </a:xfrm>
           <a:prstGeom prst="rect">
             <a:avLst/>
@@ -7167,7 +7484,7 @@
         <p:spPr>
           <a:xfrm>
             <a:off x="7227360" y="5165280"/>
-            <a:ext cx="2347560" cy="389880"/>
+            <a:ext cx="2347200" cy="389520"/>
           </a:xfrm>
           <a:prstGeom prst="rect">
             <a:avLst/>
@@ -7208,7 +7525,7 @@
                 <a:tab algn="l" pos="0"/>
               </a:tabLst>
             </a:pPr>
-            <a:fld id="{91C868F5-332D-4612-9311-5B87B97E9DB3}" type="slidenum">
+            <a:fld id="{01443299-F9A2-4FA4-9A29-7359F5B1472B}" type="slidenum">
               <a:rPr b="0" lang="da-DK" sz="1400" spc="-1" strike="noStrike">
                 <a:solidFill>
                   <a:srgbClr val="000000"/>
@@ -7239,7 +7556,7 @@
         <p:spPr>
           <a:xfrm>
             <a:off x="504000" y="5165280"/>
-            <a:ext cx="2347560" cy="389880"/>
+            <a:ext cx="2347200" cy="389520"/>
           </a:xfrm>
           <a:prstGeom prst="rect">
             <a:avLst/>
@@ -7550,7 +7867,7 @@
         <p:spPr>
           <a:xfrm>
             <a:off x="504000" y="226080"/>
-            <a:ext cx="9070920" cy="945720"/>
+            <a:ext cx="9070560" cy="945360"/>
           </a:xfrm>
           <a:prstGeom prst="rect">
             <a:avLst/>
@@ -7605,7 +7922,7 @@
         <p:spPr>
           <a:xfrm>
             <a:off x="504000" y="1362600"/>
-            <a:ext cx="9070920" cy="3287520"/>
+            <a:ext cx="9070560" cy="3287160"/>
           </a:xfrm>
           <a:prstGeom prst="rect">
             <a:avLst/>
@@ -7712,7 +8029,7 @@
         <p:spPr>
           <a:xfrm>
             <a:off x="20880" y="20880"/>
-            <a:ext cx="878400" cy="878400"/>
+            <a:ext cx="878040" cy="878040"/>
           </a:xfrm>
           <a:prstGeom prst="rect">
             <a:avLst/>
@@ -7735,7 +8052,7 @@
         <p:spPr>
           <a:xfrm>
             <a:off x="360" y="4615200"/>
-            <a:ext cx="2958480" cy="1002600"/>
+            <a:ext cx="2958120" cy="1002240"/>
           </a:xfrm>
           <a:prstGeom prst="rect">
             <a:avLst/>
@@ -7758,7 +8075,7 @@
         <p:spPr>
           <a:xfrm>
             <a:off x="9144360" y="360"/>
-            <a:ext cx="923400" cy="923400"/>
+            <a:ext cx="923040" cy="923040"/>
           </a:xfrm>
           <a:prstGeom prst="rect">
             <a:avLst/>
@@ -7781,7 +8098,7 @@
         <p:spPr>
           <a:xfrm>
             <a:off x="3853440" y="3313440"/>
-            <a:ext cx="466200" cy="466200"/>
+            <a:ext cx="465840" cy="465840"/>
           </a:xfrm>
           <a:prstGeom prst="rect">
             <a:avLst/>
@@ -7800,7 +8117,7 @@
         <p:spPr>
           <a:xfrm>
             <a:off x="2959560" y="4693680"/>
-            <a:ext cx="687600" cy="345600"/>
+            <a:ext cx="687240" cy="345240"/>
           </a:xfrm>
           <a:prstGeom prst="rect">
             <a:avLst/>
@@ -7858,7 +8175,7 @@
         <p:spPr>
           <a:xfrm>
             <a:off x="7929360" y="3600000"/>
-            <a:ext cx="2070360" cy="2070360"/>
+            <a:ext cx="2070000" cy="2070000"/>
           </a:xfrm>
           <a:prstGeom prst="rect">
             <a:avLst/>
@@ -7881,7 +8198,7 @@
         <p:spPr>
           <a:xfrm>
             <a:off x="4680000" y="4988520"/>
-            <a:ext cx="591120" cy="591120"/>
+            <a:ext cx="590760" cy="590760"/>
           </a:xfrm>
           <a:prstGeom prst="rect">
             <a:avLst/>
@@ -7923,7 +8240,7 @@
       </p:grpSpPr>
       <p:sp>
         <p:nvSpPr>
-          <p:cNvPr id="87" name="PlaceHolder 1"/>
+          <p:cNvPr id="86" name="PlaceHolder 1"/>
           <p:cNvSpPr>
             <a:spLocks noGrp="1"/>
           </p:cNvSpPr>
@@ -7934,7 +8251,7 @@
         <p:spPr>
           <a:xfrm>
             <a:off x="504000" y="0"/>
-            <a:ext cx="9070920" cy="945720"/>
+            <a:ext cx="9070560" cy="945360"/>
           </a:xfrm>
           <a:prstGeom prst="rect">
             <a:avLst/>
@@ -7978,7 +8295,7 @@
       </p:sp>
       <p:sp>
         <p:nvSpPr>
-          <p:cNvPr id="88" name="PlaceHolder 2"/>
+          <p:cNvPr id="87" name="PlaceHolder 2"/>
           <p:cNvSpPr>
             <a:spLocks noGrp="1"/>
           </p:cNvSpPr>
@@ -7989,7 +8306,7 @@
         <p:spPr>
           <a:xfrm>
             <a:off x="180000" y="852120"/>
-            <a:ext cx="9070920" cy="3287520"/>
+            <a:ext cx="9070560" cy="3287160"/>
           </a:xfrm>
           <a:prstGeom prst="rect">
             <a:avLst/>
@@ -8131,6 +8448,29 @@
           </a:p>
         </p:txBody>
       </p:sp>
+      <p:pic>
+        <p:nvPicPr>
+          <p:cNvPr id="88" name="" descr=""/>
+          <p:cNvPicPr/>
+          <p:nvPr/>
+        </p:nvPicPr>
+        <p:blipFill>
+          <a:blip r:embed="rId1"/>
+          <a:stretch/>
+        </p:blipFill>
+        <p:spPr>
+          <a:xfrm>
+            <a:off x="5353920" y="1962720"/>
+            <a:ext cx="4725360" cy="3707280"/>
+          </a:xfrm>
+          <a:prstGeom prst="rect">
+            <a:avLst/>
+          </a:prstGeom>
+          <a:ln w="0">
+            <a:noFill/>
+          </a:ln>
+        </p:spPr>
+      </p:pic>
       <p:pic>
         <p:nvPicPr>
           <p:cNvPr id="89" name="" descr=""/>
@@ -8138,36 +8478,13 @@
           <p:nvPr/>
         </p:nvPicPr>
         <p:blipFill>
-          <a:blip r:embed="rId1"/>
-          <a:stretch/>
-        </p:blipFill>
-        <p:spPr>
-          <a:xfrm>
-            <a:off x="5353920" y="1962720"/>
-            <a:ext cx="4725720" cy="3707640"/>
-          </a:xfrm>
-          <a:prstGeom prst="rect">
-            <a:avLst/>
-          </a:prstGeom>
-          <a:ln w="0">
-            <a:noFill/>
-          </a:ln>
-        </p:spPr>
-      </p:pic>
-      <p:pic>
-        <p:nvPicPr>
-          <p:cNvPr id="90" name="" descr=""/>
-          <p:cNvPicPr/>
-          <p:nvPr/>
-        </p:nvPicPr>
-        <p:blipFill>
           <a:blip r:embed="rId2"/>
           <a:stretch/>
         </p:blipFill>
         <p:spPr>
           <a:xfrm>
             <a:off x="95760" y="3600000"/>
-            <a:ext cx="2063880" cy="2063880"/>
+            <a:ext cx="2063520" cy="2063520"/>
           </a:xfrm>
           <a:prstGeom prst="rect">
             <a:avLst/>
@@ -8179,14 +8496,14 @@
       </p:pic>
       <p:sp>
         <p:nvSpPr>
-          <p:cNvPr id="91" name=""/>
+          <p:cNvPr id="90" name=""/>
           <p:cNvSpPr/>
           <p:nvPr/>
         </p:nvSpPr>
         <p:spPr>
           <a:xfrm>
             <a:off x="2700000" y="5324400"/>
-            <a:ext cx="2289600" cy="345960"/>
+            <a:ext cx="2289240" cy="345600"/>
           </a:xfrm>
           <a:prstGeom prst="rect">
             <a:avLst/>
@@ -8218,6 +8535,7 @@
                   <a:srgbClr val="000000"/>
                 </a:solidFill>
                 <a:latin typeface="Arial"/>
+                <a:ea typeface="DejaVu Sans"/>
               </a:rPr>
               <a:t>Pythagorean comma</a:t>
             </a:r>
@@ -8232,14 +8550,14 @@
       </p:sp>
       <p:sp>
         <p:nvSpPr>
-          <p:cNvPr id="92" name=""/>
+          <p:cNvPr id="91" name=""/>
           <p:cNvSpPr/>
           <p:nvPr/>
         </p:nvSpPr>
         <p:spPr>
           <a:xfrm>
             <a:off x="4989960" y="5310720"/>
-            <a:ext cx="359280" cy="359280"/>
+            <a:ext cx="358920" cy="358920"/>
           </a:xfrm>
           <a:prstGeom prst="rightArrow">
             <a:avLst>
@@ -8314,7 +8632,7 @@
       </p:grpSpPr>
       <p:pic>
         <p:nvPicPr>
-          <p:cNvPr id="93" name="" descr=""/>
+          <p:cNvPr id="92" name="" descr=""/>
           <p:cNvPicPr/>
           <p:nvPr/>
         </p:nvPicPr>
@@ -8325,7 +8643,7 @@
         <p:spPr>
           <a:xfrm>
             <a:off x="8679240" y="0"/>
-            <a:ext cx="1379160" cy="1439640"/>
+            <a:ext cx="1378800" cy="1439280"/>
           </a:xfrm>
           <a:prstGeom prst="rect">
             <a:avLst/>
@@ -8337,7 +8655,7 @@
       </p:pic>
       <p:sp>
         <p:nvSpPr>
-          <p:cNvPr id="94" name="PlaceHolder 1"/>
+          <p:cNvPr id="93" name="PlaceHolder 1"/>
           <p:cNvSpPr>
             <a:spLocks noGrp="1"/>
           </p:cNvSpPr>
@@ -8348,7 +8666,7 @@
         <p:spPr>
           <a:xfrm>
             <a:off x="504000" y="0"/>
-            <a:ext cx="9070920" cy="945720"/>
+            <a:ext cx="9070560" cy="945360"/>
           </a:xfrm>
           <a:prstGeom prst="rect">
             <a:avLst/>
@@ -8392,7 +8710,7 @@
       </p:sp>
       <p:sp>
         <p:nvSpPr>
-          <p:cNvPr id="95" name="PlaceHolder 2"/>
+          <p:cNvPr id="94" name="PlaceHolder 2"/>
           <p:cNvSpPr>
             <a:spLocks noGrp="1"/>
           </p:cNvSpPr>
@@ -8403,7 +8721,7 @@
         <p:spPr>
           <a:xfrm>
             <a:off x="-251280" y="852120"/>
-            <a:ext cx="9430920" cy="3287520"/>
+            <a:ext cx="9430560" cy="3287160"/>
           </a:xfrm>
           <a:prstGeom prst="rect">
             <a:avLst/>
@@ -8450,7 +8768,7 @@
       </p:sp>
       <p:pic>
         <p:nvPicPr>
-          <p:cNvPr id="96" name="" descr=""/>
+          <p:cNvPr id="95" name="" descr=""/>
           <p:cNvPicPr/>
           <p:nvPr/>
         </p:nvPicPr>
@@ -8461,7 +8779,7 @@
         <p:spPr>
           <a:xfrm>
             <a:off x="360" y="1295640"/>
-            <a:ext cx="10080000" cy="4374720"/>
+            <a:ext cx="10079640" cy="4374360"/>
           </a:xfrm>
           <a:prstGeom prst="rect">
             <a:avLst/>
@@ -8503,7 +8821,7 @@
       </p:grpSpPr>
       <p:sp>
         <p:nvSpPr>
-          <p:cNvPr id="97" name="PlaceHolder 1"/>
+          <p:cNvPr id="96" name="PlaceHolder 1"/>
           <p:cNvSpPr>
             <a:spLocks noGrp="1"/>
           </p:cNvSpPr>
@@ -8513,8 +8831,8 @@
         </p:nvSpPr>
         <p:spPr>
           <a:xfrm>
-            <a:off x="504000" y="226080"/>
-            <a:ext cx="9070920" cy="945720"/>
+            <a:off x="457200" y="-228600"/>
+            <a:ext cx="9070560" cy="945360"/>
           </a:xfrm>
           <a:prstGeom prst="rect">
             <a:avLst/>
@@ -8545,7 +8863,7 @@
                 </a:solidFill>
                 <a:latin typeface="Arial"/>
               </a:rPr>
-              <a:t>TODO Play it</a:t>
+              <a:t>Just Intonation</a:t>
             </a:r>
             <a:endParaRPr b="0" lang="en-US" sz="4400" spc="-1" strike="noStrike">
               <a:solidFill>
@@ -8556,102 +8874,77 @@
           </a:p>
         </p:txBody>
       </p:sp>
-      <p:sp>
-        <p:nvSpPr>
-          <p:cNvPr id="98" name="PlaceHolder 2"/>
-          <p:cNvSpPr>
-            <a:spLocks noGrp="1"/>
-          </p:cNvSpPr>
-          <p:nvPr>
-            <p:ph/>
-          </p:nvPr>
-        </p:nvSpPr>
-        <p:spPr>
-          <a:xfrm>
-            <a:off x="504000" y="1326600"/>
-            <a:ext cx="9070920" cy="3287520"/>
-          </a:xfrm>
-          <a:prstGeom prst="rect">
-            <a:avLst/>
-          </a:prstGeom>
-          <a:noFill/>
-          <a:ln w="0">
-            <a:noFill/>
-          </a:ln>
-        </p:spPr>
-        <p:txBody>
-          <a:bodyPr lIns="0" rIns="0" tIns="0" bIns="0" anchor="t">
-            <a:normAutofit/>
-          </a:bodyPr>
-          <a:p>
-            <a:pPr indent="0">
-              <a:spcBef>
-                <a:spcPts val="1417"/>
-              </a:spcBef>
-              <a:buNone/>
-            </a:pPr>
-            <a:endParaRPr b="0" lang="en-US" sz="1800" spc="-1" strike="noStrike">
-              <a:solidFill>
-                <a:srgbClr val="000000"/>
-              </a:solidFill>
-              <a:latin typeface="Arial"/>
-            </a:endParaRPr>
-          </a:p>
-        </p:txBody>
-      </p:sp>
-      <p:sp>
-        <p:nvSpPr>
-          <p:cNvPr id="99" name=""/>
-          <p:cNvSpPr/>
+      <p:pic>
+        <p:nvPicPr>
+          <p:cNvPr id="97" name="" descr=""/>
+          <p:cNvPicPr/>
           <p:nvPr/>
-        </p:nvSpPr>
-        <p:spPr>
-          <a:xfrm>
-            <a:off x="2467800" y="2160000"/>
-            <a:ext cx="2211840" cy="346320"/>
-          </a:xfrm>
-          <a:prstGeom prst="rect">
-            <a:avLst/>
-          </a:prstGeom>
-          <a:noFill/>
-          <a:ln w="0">
-            <a:noFill/>
-          </a:ln>
-        </p:spPr>
-        <p:style>
-          <a:lnRef idx="0"/>
-          <a:fillRef idx="0"/>
-          <a:effectRef idx="0"/>
-          <a:fontRef idx="minor"/>
-        </p:style>
-        <p:txBody>
-          <a:bodyPr lIns="90000" rIns="90000" tIns="45000" bIns="45000" anchor="t">
-            <a:noAutofit/>
-          </a:bodyPr>
-          <a:p>
-            <a:pPr>
-              <a:lnSpc>
-                <a:spcPct val="100000"/>
-              </a:lnSpc>
-            </a:pPr>
-            <a:r>
-              <a:rPr b="0" lang="da-DK" sz="1800" spc="-1" strike="noStrike">
-                <a:solidFill>
-                  <a:srgbClr val="000000"/>
-                </a:solidFill>
-                <a:latin typeface="Arial"/>
-              </a:rPr>
-              <a:t>play(s([et12, pyth])) </a:t>
-            </a:r>
-            <a:endParaRPr b="0" lang="en-US" sz="1800" spc="-1" strike="noStrike">
-              <a:solidFill>
-                <a:srgbClr val="000000"/>
-              </a:solidFill>
-              <a:latin typeface="Arial"/>
-            </a:endParaRPr>
-          </a:p>
-        </p:txBody>
-      </p:sp>
+        </p:nvPicPr>
+        <p:blipFill>
+          <a:blip r:embed="rId1"/>
+          <a:stretch/>
+        </p:blipFill>
+        <p:spPr>
+          <a:xfrm>
+            <a:off x="1828800" y="1277280"/>
+            <a:ext cx="6057000" cy="3751920"/>
+          </a:xfrm>
+          <a:prstGeom prst="rect">
+            <a:avLst/>
+          </a:prstGeom>
+          <a:ln w="0">
+            <a:noFill/>
+          </a:ln>
+        </p:spPr>
+      </p:pic>
+      <p:pic>
+        <p:nvPicPr>
+          <p:cNvPr id="98" name="" descr=""/>
+          <p:cNvPicPr/>
+          <p:nvPr/>
+        </p:nvPicPr>
+        <p:blipFill>
+          <a:blip r:embed="rId2"/>
+          <a:stretch/>
+        </p:blipFill>
+        <p:spPr>
+          <a:xfrm>
+            <a:off x="1443600" y="655200"/>
+            <a:ext cx="7095600" cy="4562280"/>
+          </a:xfrm>
+          <a:prstGeom prst="rect">
+            <a:avLst/>
+          </a:prstGeom>
+          <a:ln w="0">
+            <a:noFill/>
+          </a:ln>
+        </p:spPr>
+      </p:pic>
+      <p:pic>
+        <p:nvPicPr>
+          <p:cNvPr id="99" name="" descr="">
+            <a:hlinkClick r:id="rId3"/>
+          </p:cNvPr>
+          <p:cNvPicPr/>
+          <p:nvPr/>
+        </p:nvPicPr>
+        <p:blipFill>
+          <a:blip r:embed="rId4"/>
+          <a:stretch/>
+        </p:blipFill>
+        <p:spPr>
+          <a:xfrm>
+            <a:off x="9010440" y="457200"/>
+            <a:ext cx="590760" cy="590760"/>
+          </a:xfrm>
+          <a:prstGeom prst="rect">
+            <a:avLst/>
+          </a:prstGeom>
+          <a:ln w="0">
+            <a:noFill/>
+          </a:ln>
+        </p:spPr>
+      </p:pic>
     </p:spTree>
   </p:cSld>
   <mc:AlternateContent>
@@ -8695,7 +8988,7 @@
         <p:spPr>
           <a:xfrm>
             <a:off x="504000" y="226080"/>
-            <a:ext cx="9070920" cy="945720"/>
+            <a:ext cx="9070560" cy="945360"/>
           </a:xfrm>
           <a:prstGeom prst="rect">
             <a:avLst/>
@@ -8726,7 +9019,7 @@
                 </a:solidFill>
                 <a:latin typeface="Arial"/>
               </a:rPr>
-              <a:t>Just Intonation</a:t>
+              <a:t>Let’s compare</a:t>
             </a:r>
             <a:endParaRPr b="0" lang="en-US" sz="4400" spc="-1" strike="noStrike">
               <a:solidFill>
@@ -8737,66 +9030,29 @@
           </a:p>
         </p:txBody>
       </p:sp>
-      <p:sp>
-        <p:nvSpPr>
-          <p:cNvPr id="101" name="PlaceHolder 2"/>
-          <p:cNvSpPr>
-            <a:spLocks noGrp="1"/>
-          </p:cNvSpPr>
-          <p:nvPr>
-            <p:ph/>
-          </p:nvPr>
-        </p:nvSpPr>
-        <p:spPr>
-          <a:xfrm>
-            <a:off x="6624720" y="1572120"/>
-            <a:ext cx="2914920" cy="3287520"/>
-          </a:xfrm>
-          <a:prstGeom prst="rect">
-            <a:avLst/>
-          </a:prstGeom>
-          <a:noFill/>
-          <a:ln w="0">
-            <a:noFill/>
-          </a:ln>
-        </p:spPr>
-        <p:txBody>
-          <a:bodyPr lIns="0" rIns="0" tIns="0" bIns="0" anchor="t">
-            <a:normAutofit/>
-          </a:bodyPr>
-          <a:p>
-            <a:pPr marL="432000" indent="-324000">
-              <a:lnSpc>
-                <a:spcPct val="100000"/>
-              </a:lnSpc>
-              <a:spcBef>
-                <a:spcPts val="1417"/>
-              </a:spcBef>
-              <a:buClr>
-                <a:srgbClr val="000000"/>
-              </a:buClr>
-              <a:buSzPct val="45000"/>
-              <a:buFont typeface="Wingdings" charset="2"/>
-              <a:buChar char=""/>
-            </a:pPr>
-            <a:r>
-              <a:rPr b="0" lang="da-DK" sz="3200" spc="-1" strike="noStrike">
-                <a:solidFill>
-                  <a:srgbClr val="000000"/>
-                </a:solidFill>
-                <a:latin typeface="Arial"/>
-              </a:rPr>
-              <a:t>TODO: play</a:t>
-            </a:r>
-            <a:endParaRPr b="0" lang="en-US" sz="3200" spc="-1" strike="noStrike">
-              <a:solidFill>
-                <a:srgbClr val="000000"/>
-              </a:solidFill>
-              <a:latin typeface="Arial"/>
-            </a:endParaRPr>
-          </a:p>
-        </p:txBody>
-      </p:sp>
+      <p:pic>
+        <p:nvPicPr>
+          <p:cNvPr id="101" name="" descr=""/>
+          <p:cNvPicPr/>
+          <p:nvPr/>
+        </p:nvPicPr>
+        <p:blipFill>
+          <a:blip r:embed="rId1"/>
+          <a:stretch/>
+        </p:blipFill>
+        <p:spPr>
+          <a:xfrm>
+            <a:off x="3888000" y="1199880"/>
+            <a:ext cx="5831280" cy="3887280"/>
+          </a:xfrm>
+          <a:prstGeom prst="rect">
+            <a:avLst/>
+          </a:prstGeom>
+          <a:ln w="0">
+            <a:noFill/>
+          </a:ln>
+        </p:spPr>
+      </p:pic>
       <p:pic>
         <p:nvPicPr>
           <p:cNvPr id="102" name="" descr=""/>
@@ -8804,13 +9060,13 @@
           <p:nvPr/>
         </p:nvPicPr>
         <p:blipFill>
-          <a:blip r:embed="rId1"/>
+          <a:blip r:embed="rId2"/>
           <a:stretch/>
         </p:blipFill>
         <p:spPr>
           <a:xfrm>
-            <a:off x="62280" y="927360"/>
-            <a:ext cx="6057360" cy="3752280"/>
+            <a:off x="181800" y="1326600"/>
+            <a:ext cx="3237480" cy="2084760"/>
           </a:xfrm>
           <a:prstGeom prst="rect">
             <a:avLst/>
@@ -8862,8 +9118,8 @@
         </p:nvSpPr>
         <p:spPr>
           <a:xfrm>
-            <a:off x="504000" y="226080"/>
-            <a:ext cx="9070920" cy="945720"/>
+            <a:off x="540000" y="0"/>
+            <a:ext cx="9070560" cy="945360"/>
           </a:xfrm>
           <a:prstGeom prst="rect">
             <a:avLst/>
@@ -8888,15 +9144,15 @@
               </a:tabLst>
             </a:pPr>
             <a:r>
-              <a:rPr b="0" lang="da-DK" sz="4400" spc="-1" strike="noStrike">
-                <a:solidFill>
-                  <a:srgbClr val="000000"/>
-                </a:solidFill>
-                <a:latin typeface="Arial"/>
-              </a:rPr>
-              <a:t>Let’s compare</a:t>
-            </a:r>
-            <a:endParaRPr b="0" lang="en-US" sz="4400" spc="-1" strike="noStrike">
+              <a:rPr b="0" lang="da-DK" sz="4000" spc="-1" strike="noStrike">
+                <a:solidFill>
+                  <a:srgbClr val="000000"/>
+                </a:solidFill>
+                <a:latin typeface="Arial"/>
+              </a:rPr>
+              <a:t>Harmonic Series</a:t>
+            </a:r>
+            <a:endParaRPr b="0" lang="en-US" sz="4000" spc="-1" strike="noStrike">
               <a:solidFill>
                 <a:srgbClr val="000000"/>
               </a:solidFill>
@@ -8917,8 +9173,8 @@
         </p:blipFill>
         <p:spPr>
           <a:xfrm>
-            <a:off x="3888000" y="1199880"/>
-            <a:ext cx="5831640" cy="3887640"/>
+            <a:off x="3780000" y="809640"/>
+            <a:ext cx="2699280" cy="2541960"/>
           </a:xfrm>
           <a:prstGeom prst="rect">
             <a:avLst/>
@@ -8928,9 +9184,63 @@
           </a:ln>
         </p:spPr>
       </p:pic>
+      <p:sp>
+        <p:nvSpPr>
+          <p:cNvPr id="105" name=""/>
+          <p:cNvSpPr/>
+          <p:nvPr/>
+        </p:nvSpPr>
+        <p:spPr>
+          <a:xfrm>
+            <a:off x="3960000" y="3420000"/>
+            <a:ext cx="2176200" cy="601920"/>
+          </a:xfrm>
+          <a:prstGeom prst="rect">
+            <a:avLst/>
+          </a:prstGeom>
+          <a:noFill/>
+          <a:ln w="0">
+            <a:noFill/>
+          </a:ln>
+        </p:spPr>
+        <p:style>
+          <a:lnRef idx="0"/>
+          <a:fillRef idx="0"/>
+          <a:effectRef idx="0"/>
+          <a:fontRef idx="minor"/>
+        </p:style>
+        <p:txBody>
+          <a:bodyPr lIns="90000" rIns="90000" tIns="45000" bIns="45000" anchor="t">
+            <a:noAutofit/>
+          </a:bodyPr>
+          <a:p>
+            <a:pPr>
+              <a:lnSpc>
+                <a:spcPct val="100000"/>
+              </a:lnSpc>
+            </a:pPr>
+            <a:r>
+              <a:rPr b="0" lang="da-DK" sz="1050" spc="-1" strike="noStrike">
+                <a:solidFill>
+                  <a:srgbClr val="000000"/>
+                </a:solidFill>
+                <a:latin typeface="Arial"/>
+                <a:ea typeface="DejaVu Sans"/>
+              </a:rPr>
+              <a:t>By Adjwilley CC BY-SA 3.0</a:t>
+            </a:r>
+            <a:endParaRPr b="0" lang="en-US" sz="1050" spc="-1" strike="noStrike">
+              <a:solidFill>
+                <a:srgbClr val="000000"/>
+              </a:solidFill>
+              <a:latin typeface="Arial"/>
+            </a:endParaRPr>
+          </a:p>
+        </p:txBody>
+      </p:sp>
       <p:pic>
         <p:nvPicPr>
-          <p:cNvPr id="105" name="" descr=""/>
+          <p:cNvPr id="106" name="" descr=""/>
           <p:cNvPicPr/>
           <p:nvPr/>
         </p:nvPicPr>
@@ -8940,8 +9250,81 @@
         </p:blipFill>
         <p:spPr>
           <a:xfrm>
-            <a:off x="181800" y="1326600"/>
-            <a:ext cx="3237840" cy="2085120"/>
+            <a:off x="0" y="3746880"/>
+            <a:ext cx="4275720" cy="1923120"/>
+          </a:xfrm>
+          <a:prstGeom prst="rect">
+            <a:avLst/>
+          </a:prstGeom>
+          <a:ln w="0">
+            <a:noFill/>
+          </a:ln>
+        </p:spPr>
+      </p:pic>
+      <p:pic>
+        <p:nvPicPr>
+          <p:cNvPr id="107" name="" descr=""/>
+          <p:cNvPicPr/>
+          <p:nvPr/>
+        </p:nvPicPr>
+        <p:blipFill>
+          <a:blip r:embed="rId3"/>
+          <a:stretch/>
+        </p:blipFill>
+        <p:spPr>
+          <a:xfrm>
+            <a:off x="3375360" y="4804200"/>
+            <a:ext cx="6704640" cy="865800"/>
+          </a:xfrm>
+          <a:prstGeom prst="rect">
+            <a:avLst/>
+          </a:prstGeom>
+          <a:ln w="0">
+            <a:noFill/>
+          </a:ln>
+        </p:spPr>
+      </p:pic>
+      <p:pic>
+        <p:nvPicPr>
+          <p:cNvPr id="108" name="" descr="">
+            <a:hlinkClick r:id="rId4"/>
+          </p:cNvPr>
+          <p:cNvPicPr/>
+          <p:nvPr/>
+        </p:nvPicPr>
+        <p:blipFill>
+          <a:blip r:embed="rId5"/>
+          <a:stretch/>
+        </p:blipFill>
+        <p:spPr>
+          <a:xfrm>
+            <a:off x="5348520" y="4088520"/>
+            <a:ext cx="590760" cy="590760"/>
+          </a:xfrm>
+          <a:prstGeom prst="rect">
+            <a:avLst/>
+          </a:prstGeom>
+          <a:ln w="0">
+            <a:noFill/>
+          </a:ln>
+        </p:spPr>
+      </p:pic>
+      <p:pic>
+        <p:nvPicPr>
+          <p:cNvPr id="109" name="" descr="">
+            <a:hlinkClick r:id="rId6"/>
+          </p:cNvPr>
+          <p:cNvPicPr/>
+          <p:nvPr/>
+        </p:nvPicPr>
+        <p:blipFill>
+          <a:blip r:embed="rId7"/>
+          <a:stretch/>
+        </p:blipFill>
+        <p:spPr>
+          <a:xfrm>
+            <a:off x="6248520" y="4088520"/>
+            <a:ext cx="590760" cy="590760"/>
           </a:xfrm>
           <a:prstGeom prst="rect">
             <a:avLst/>
@@ -8983,7 +9366,7 @@
       </p:grpSpPr>
       <p:sp>
         <p:nvSpPr>
-          <p:cNvPr id="106" name="PlaceHolder 1"/>
+          <p:cNvPr id="110" name="PlaceHolder 1"/>
           <p:cNvSpPr>
             <a:spLocks noGrp="1"/>
           </p:cNvSpPr>
@@ -8993,8 +9376,8 @@
         </p:nvSpPr>
         <p:spPr>
           <a:xfrm>
-            <a:off x="540000" y="0"/>
-            <a:ext cx="9070920" cy="945720"/>
+            <a:off x="504000" y="226080"/>
+            <a:ext cx="9070560" cy="945360"/>
           </a:xfrm>
           <a:prstGeom prst="rect">
             <a:avLst/>
@@ -9019,15 +9402,58 @@
               </a:tabLst>
             </a:pPr>
             <a:r>
-              <a:rPr b="0" lang="da-DK" sz="4000" spc="-1" strike="noStrike">
-                <a:solidFill>
-                  <a:srgbClr val="000000"/>
-                </a:solidFill>
-                <a:latin typeface="Arial"/>
-              </a:rPr>
-              <a:t>Harmonic Series</a:t>
-            </a:r>
-            <a:endParaRPr b="0" lang="en-US" sz="4000" spc="-1" strike="noStrike">
+              <a:rPr b="0" lang="da-DK" sz="4400" spc="-1" strike="noStrike">
+                <a:solidFill>
+                  <a:srgbClr val="000000"/>
+                </a:solidFill>
+                <a:latin typeface="Arial"/>
+              </a:rPr>
+              <a:t>Harmonics and Triad</a:t>
+            </a:r>
+            <a:endParaRPr b="0" lang="en-US" sz="4400" spc="-1" strike="noStrike">
+              <a:solidFill>
+                <a:srgbClr val="000000"/>
+              </a:solidFill>
+              <a:latin typeface="Arial"/>
+            </a:endParaRPr>
+          </a:p>
+        </p:txBody>
+      </p:sp>
+      <p:sp>
+        <p:nvSpPr>
+          <p:cNvPr id="111" name="PlaceHolder 2"/>
+          <p:cNvSpPr>
+            <a:spLocks noGrp="1"/>
+          </p:cNvSpPr>
+          <p:nvPr>
+            <p:ph/>
+          </p:nvPr>
+        </p:nvSpPr>
+        <p:spPr>
+          <a:xfrm>
+            <a:off x="504000" y="1326600"/>
+            <a:ext cx="9070560" cy="3287160"/>
+          </a:xfrm>
+          <a:prstGeom prst="rect">
+            <a:avLst/>
+          </a:prstGeom>
+          <a:noFill/>
+          <a:ln w="0">
+            <a:noFill/>
+          </a:ln>
+        </p:spPr>
+        <p:txBody>
+          <a:bodyPr lIns="0" rIns="0" tIns="0" bIns="0" anchor="t">
+            <a:normAutofit/>
+          </a:bodyPr>
+          <a:p>
+            <a:pPr indent="0">
+              <a:spcBef>
+                <a:spcPts val="1417"/>
+              </a:spcBef>
+              <a:buNone/>
+            </a:pPr>
+            <a:endParaRPr b="0" lang="en-US" sz="1800" spc="-1" strike="noStrike">
               <a:solidFill>
                 <a:srgbClr val="000000"/>
               </a:solidFill>
@@ -9038,7 +9464,7 @@
       </p:sp>
       <p:pic>
         <p:nvPicPr>
-          <p:cNvPr id="107" name="" descr=""/>
+          <p:cNvPr id="112" name="" descr=""/>
           <p:cNvPicPr/>
           <p:nvPr/>
         </p:nvPicPr>
@@ -9048,8 +9474,8 @@
         </p:blipFill>
         <p:spPr>
           <a:xfrm>
-            <a:off x="3780000" y="809640"/>
-            <a:ext cx="2699640" cy="2542320"/>
+            <a:off x="0" y="2337840"/>
+            <a:ext cx="3837600" cy="3332520"/>
           </a:xfrm>
           <a:prstGeom prst="rect">
             <a:avLst/>
@@ -9059,62 +9485,9 @@
           </a:ln>
         </p:spPr>
       </p:pic>
-      <p:sp>
-        <p:nvSpPr>
-          <p:cNvPr id="108" name=""/>
-          <p:cNvSpPr/>
-          <p:nvPr/>
-        </p:nvSpPr>
-        <p:spPr>
-          <a:xfrm>
-            <a:off x="3960000" y="3420000"/>
-            <a:ext cx="2176560" cy="602280"/>
-          </a:xfrm>
-          <a:prstGeom prst="rect">
-            <a:avLst/>
-          </a:prstGeom>
-          <a:noFill/>
-          <a:ln w="0">
-            <a:noFill/>
-          </a:ln>
-        </p:spPr>
-        <p:style>
-          <a:lnRef idx="0"/>
-          <a:fillRef idx="0"/>
-          <a:effectRef idx="0"/>
-          <a:fontRef idx="minor"/>
-        </p:style>
-        <p:txBody>
-          <a:bodyPr lIns="90000" rIns="90000" tIns="45000" bIns="45000" anchor="t">
-            <a:noAutofit/>
-          </a:bodyPr>
-          <a:p>
-            <a:pPr>
-              <a:lnSpc>
-                <a:spcPct val="100000"/>
-              </a:lnSpc>
-            </a:pPr>
-            <a:r>
-              <a:rPr b="0" lang="da-DK" sz="1050" spc="-1" strike="noStrike">
-                <a:solidFill>
-                  <a:srgbClr val="000000"/>
-                </a:solidFill>
-                <a:latin typeface="Arial"/>
-              </a:rPr>
-              <a:t>By Adjwilley CC BY-SA 3.0</a:t>
-            </a:r>
-            <a:endParaRPr b="0" lang="en-US" sz="1050" spc="-1" strike="noStrike">
-              <a:solidFill>
-                <a:srgbClr val="000000"/>
-              </a:solidFill>
-              <a:latin typeface="Arial"/>
-            </a:endParaRPr>
-          </a:p>
-        </p:txBody>
-      </p:sp>
       <p:pic>
         <p:nvPicPr>
-          <p:cNvPr id="109" name="" descr=""/>
+          <p:cNvPr id="113" name="" descr=""/>
           <p:cNvPicPr/>
           <p:nvPr/>
         </p:nvPicPr>
@@ -9124,81 +9497,8 @@
         </p:blipFill>
         <p:spPr>
           <a:xfrm>
-            <a:off x="0" y="3746880"/>
-            <a:ext cx="4276080" cy="1923480"/>
-          </a:xfrm>
-          <a:prstGeom prst="rect">
-            <a:avLst/>
-          </a:prstGeom>
-          <a:ln w="0">
-            <a:noFill/>
-          </a:ln>
-        </p:spPr>
-      </p:pic>
-      <p:pic>
-        <p:nvPicPr>
-          <p:cNvPr id="110" name="" descr=""/>
-          <p:cNvPicPr/>
-          <p:nvPr/>
-        </p:nvPicPr>
-        <p:blipFill>
-          <a:blip r:embed="rId3"/>
-          <a:stretch/>
-        </p:blipFill>
-        <p:spPr>
-          <a:xfrm>
-            <a:off x="3375360" y="4804200"/>
-            <a:ext cx="6705000" cy="866160"/>
-          </a:xfrm>
-          <a:prstGeom prst="rect">
-            <a:avLst/>
-          </a:prstGeom>
-          <a:ln w="0">
-            <a:noFill/>
-          </a:ln>
-        </p:spPr>
-      </p:pic>
-      <p:pic>
-        <p:nvPicPr>
-          <p:cNvPr id="111" name="" descr="">
-            <a:hlinkClick r:id="rId4"/>
-          </p:cNvPr>
-          <p:cNvPicPr/>
-          <p:nvPr/>
-        </p:nvPicPr>
-        <p:blipFill>
-          <a:blip r:embed="rId5"/>
-          <a:stretch/>
-        </p:blipFill>
-        <p:spPr>
-          <a:xfrm>
-            <a:off x="5348520" y="4088520"/>
-            <a:ext cx="591120" cy="591120"/>
-          </a:xfrm>
-          <a:prstGeom prst="rect">
-            <a:avLst/>
-          </a:prstGeom>
-          <a:ln w="0">
-            <a:noFill/>
-          </a:ln>
-        </p:spPr>
-      </p:pic>
-      <p:pic>
-        <p:nvPicPr>
-          <p:cNvPr id="112" name="" descr="">
-            <a:hlinkClick r:id="rId6"/>
-          </p:cNvPr>
-          <p:cNvPicPr/>
-          <p:nvPr/>
-        </p:nvPicPr>
-        <p:blipFill>
-          <a:blip r:embed="rId7"/>
-          <a:stretch/>
-        </p:blipFill>
-        <p:spPr>
-          <a:xfrm>
-            <a:off x="6248520" y="4088520"/>
-            <a:ext cx="591120" cy="591120"/>
+            <a:off x="4185360" y="1861200"/>
+            <a:ext cx="5713920" cy="3808800"/>
           </a:xfrm>
           <a:prstGeom prst="rect">
             <a:avLst/>
@@ -9240,7 +9540,7 @@
       </p:grpSpPr>
       <p:sp>
         <p:nvSpPr>
-          <p:cNvPr id="113" name="PlaceHolder 1"/>
+          <p:cNvPr id="114" name="PlaceHolder 1"/>
           <p:cNvSpPr>
             <a:spLocks noGrp="1"/>
           </p:cNvSpPr>
@@ -9251,7 +9551,7 @@
         <p:spPr>
           <a:xfrm>
             <a:off x="504000" y="226080"/>
-            <a:ext cx="9070920" cy="945720"/>
+            <a:ext cx="9070560" cy="945360"/>
           </a:xfrm>
           <a:prstGeom prst="rect">
             <a:avLst/>
@@ -9282,7 +9582,7 @@
                 </a:solidFill>
                 <a:latin typeface="Arial"/>
               </a:rPr>
-              <a:t>Harmonics and Triad</a:t>
+              <a:t>More Harmonics!</a:t>
             </a:r>
             <a:endParaRPr b="0" lang="en-US" sz="4400" spc="-1" strike="noStrike">
               <a:solidFill>
@@ -9295,7 +9595,7 @@
       </p:sp>
       <p:sp>
         <p:nvSpPr>
-          <p:cNvPr id="114" name="PlaceHolder 2"/>
+          <p:cNvPr id="115" name="PlaceHolder 2"/>
           <p:cNvSpPr>
             <a:spLocks noGrp="1"/>
           </p:cNvSpPr>
@@ -9305,8 +9605,8 @@
         </p:nvSpPr>
         <p:spPr>
           <a:xfrm>
-            <a:off x="504000" y="1326600"/>
-            <a:ext cx="9070920" cy="3287520"/>
+            <a:off x="0" y="900000"/>
+            <a:ext cx="9070560" cy="3287160"/>
           </a:xfrm>
           <a:prstGeom prst="rect">
             <a:avLst/>
@@ -9321,13 +9621,92 @@
             <a:normAutofit/>
           </a:bodyPr>
           <a:p>
-            <a:pPr indent="0">
+            <a:pPr marL="432000" indent="-324000">
+              <a:lnSpc>
+                <a:spcPct val="100000"/>
+              </a:lnSpc>
               <a:spcBef>
                 <a:spcPts val="1417"/>
               </a:spcBef>
-              <a:buNone/>
-            </a:pPr>
-            <a:endParaRPr b="0" lang="en-US" sz="1800" spc="-1" strike="noStrike">
+              <a:buClr>
+                <a:srgbClr val="000000"/>
+              </a:buClr>
+              <a:buSzPct val="45000"/>
+              <a:buFont typeface="Wingdings" charset="2"/>
+              <a:buChar char=""/>
+            </a:pPr>
+            <a:r>
+              <a:rPr b="0" lang="da-DK" sz="2400" spc="-1" strike="noStrike">
+                <a:solidFill>
+                  <a:srgbClr val="000000"/>
+                </a:solidFill>
+                <a:latin typeface="Arial"/>
+              </a:rPr>
+              <a:t>24 harmonics</a:t>
+            </a:r>
+            <a:endParaRPr b="0" lang="en-US" sz="2400" spc="-1" strike="noStrike">
+              <a:solidFill>
+                <a:srgbClr val="000000"/>
+              </a:solidFill>
+              <a:latin typeface="Arial"/>
+            </a:endParaRPr>
+          </a:p>
+          <a:p>
+            <a:pPr lvl="1" marL="864000" indent="-324000">
+              <a:lnSpc>
+                <a:spcPct val="100000"/>
+              </a:lnSpc>
+              <a:spcBef>
+                <a:spcPts val="1134"/>
+              </a:spcBef>
+              <a:buClr>
+                <a:srgbClr val="000000"/>
+              </a:buClr>
+              <a:buSzPct val="75000"/>
+              <a:buFont typeface="Symbol"/>
+              <a:buChar char=""/>
+            </a:pPr>
+            <a:r>
+              <a:rPr b="0" lang="da-DK" sz="2400" spc="-1" strike="noStrike">
+                <a:solidFill>
+                  <a:srgbClr val="000000"/>
+                </a:solidFill>
+                <a:latin typeface="Arial"/>
+              </a:rPr>
+              <a:t>12 different</a:t>
+            </a:r>
+            <a:endParaRPr b="0" lang="en-US" sz="2400" spc="-1" strike="noStrike">
+              <a:solidFill>
+                <a:srgbClr val="000000"/>
+              </a:solidFill>
+              <a:latin typeface="Arial"/>
+            </a:endParaRPr>
+          </a:p>
+          <a:p>
+            <a:pPr lvl="1" marL="864000" indent="-324000">
+              <a:lnSpc>
+                <a:spcPct val="100000"/>
+              </a:lnSpc>
+              <a:spcBef>
+                <a:spcPts val="1134"/>
+              </a:spcBef>
+              <a:buClr>
+                <a:srgbClr val="000000"/>
+              </a:buClr>
+              <a:buSzPct val="75000"/>
+              <a:buFont typeface="Symbol"/>
+              <a:buChar char=""/>
+            </a:pPr>
+            <a:r>
+              <a:rPr b="0" lang="da-DK" sz="2400" spc="-1" strike="noStrike">
+                <a:solidFill>
+                  <a:srgbClr val="000000"/>
+                </a:solidFill>
+                <a:latin typeface="Arial"/>
+              </a:rPr>
+              <a:t>Not equally spaced</a:t>
+            </a:r>
+            <a:endParaRPr b="0" lang="en-US" sz="2400" spc="-1" strike="noStrike">
               <a:solidFill>
                 <a:srgbClr val="000000"/>
               </a:solidFill>
@@ -9338,7 +9717,7 @@
       </p:sp>
       <p:pic>
         <p:nvPicPr>
-          <p:cNvPr id="115" name="" descr=""/>
+          <p:cNvPr id="116" name="" descr=""/>
           <p:cNvPicPr/>
           <p:nvPr/>
         </p:nvPicPr>
@@ -9348,8 +9727,8 @@
         </p:blipFill>
         <p:spPr>
           <a:xfrm>
-            <a:off x="0" y="2337840"/>
-            <a:ext cx="3837960" cy="3332880"/>
+            <a:off x="4185360" y="1260000"/>
+            <a:ext cx="5713920" cy="3808800"/>
           </a:xfrm>
           <a:prstGeom prst="rect">
             <a:avLst/>
@@ -9361,7 +9740,7 @@
       </p:pic>
       <p:pic>
         <p:nvPicPr>
-          <p:cNvPr id="116" name="" descr=""/>
+          <p:cNvPr id="117" name="" descr=""/>
           <p:cNvPicPr/>
           <p:nvPr/>
         </p:nvPicPr>
@@ -9371,8 +9750,8 @@
         </p:blipFill>
         <p:spPr>
           <a:xfrm>
-            <a:off x="4185360" y="1861200"/>
-            <a:ext cx="5714280" cy="3809160"/>
+            <a:off x="0" y="2340000"/>
+            <a:ext cx="3665880" cy="3342240"/>
           </a:xfrm>
           <a:prstGeom prst="rect">
             <a:avLst/>
@@ -9414,7 +9793,7 @@
       </p:grpSpPr>
       <p:sp>
         <p:nvSpPr>
-          <p:cNvPr id="117" name="PlaceHolder 1"/>
+          <p:cNvPr id="118" name="PlaceHolder 1"/>
           <p:cNvSpPr>
             <a:spLocks noGrp="1"/>
           </p:cNvSpPr>
@@ -9425,7 +9804,7 @@
         <p:spPr>
           <a:xfrm>
             <a:off x="504000" y="226080"/>
-            <a:ext cx="9070920" cy="945720"/>
+            <a:ext cx="9070560" cy="945360"/>
           </a:xfrm>
           <a:prstGeom prst="rect">
             <a:avLst/>
@@ -9456,131 +9835,9 @@
                 </a:solidFill>
                 <a:latin typeface="Arial"/>
               </a:rPr>
-              <a:t>More Harmonics!</a:t>
+              <a:t>Subharmonics</a:t>
             </a:r>
             <a:endParaRPr b="0" lang="en-US" sz="4400" spc="-1" strike="noStrike">
-              <a:solidFill>
-                <a:srgbClr val="000000"/>
-              </a:solidFill>
-              <a:latin typeface="Arial"/>
-            </a:endParaRPr>
-          </a:p>
-        </p:txBody>
-      </p:sp>
-      <p:sp>
-        <p:nvSpPr>
-          <p:cNvPr id="118" name="PlaceHolder 2"/>
-          <p:cNvSpPr>
-            <a:spLocks noGrp="1"/>
-          </p:cNvSpPr>
-          <p:nvPr>
-            <p:ph/>
-          </p:nvPr>
-        </p:nvSpPr>
-        <p:spPr>
-          <a:xfrm>
-            <a:off x="0" y="900000"/>
-            <a:ext cx="9070920" cy="3287520"/>
-          </a:xfrm>
-          <a:prstGeom prst="rect">
-            <a:avLst/>
-          </a:prstGeom>
-          <a:noFill/>
-          <a:ln w="0">
-            <a:noFill/>
-          </a:ln>
-        </p:spPr>
-        <p:txBody>
-          <a:bodyPr lIns="0" rIns="0" tIns="0" bIns="0" anchor="t">
-            <a:normAutofit/>
-          </a:bodyPr>
-          <a:p>
-            <a:pPr marL="432000" indent="-324000">
-              <a:lnSpc>
-                <a:spcPct val="100000"/>
-              </a:lnSpc>
-              <a:spcBef>
-                <a:spcPts val="1417"/>
-              </a:spcBef>
-              <a:buClr>
-                <a:srgbClr val="000000"/>
-              </a:buClr>
-              <a:buSzPct val="45000"/>
-              <a:buFont typeface="Wingdings" charset="2"/>
-              <a:buChar char=""/>
-            </a:pPr>
-            <a:r>
-              <a:rPr b="0" lang="da-DK" sz="2400" spc="-1" strike="noStrike">
-                <a:solidFill>
-                  <a:srgbClr val="000000"/>
-                </a:solidFill>
-                <a:latin typeface="Arial"/>
-              </a:rPr>
-              <a:t>24 harmonics</a:t>
-            </a:r>
-            <a:endParaRPr b="0" lang="en-US" sz="2400" spc="-1" strike="noStrike">
-              <a:solidFill>
-                <a:srgbClr val="000000"/>
-              </a:solidFill>
-              <a:latin typeface="Arial"/>
-            </a:endParaRPr>
-          </a:p>
-          <a:p>
-            <a:pPr lvl="1" marL="864000" indent="-324000">
-              <a:lnSpc>
-                <a:spcPct val="100000"/>
-              </a:lnSpc>
-              <a:spcBef>
-                <a:spcPts val="1134"/>
-              </a:spcBef>
-              <a:buClr>
-                <a:srgbClr val="000000"/>
-              </a:buClr>
-              <a:buSzPct val="75000"/>
-              <a:buFont typeface="Symbol"/>
-              <a:buChar char=""/>
-            </a:pPr>
-            <a:r>
-              <a:rPr b="0" lang="da-DK" sz="2400" spc="-1" strike="noStrike">
-                <a:solidFill>
-                  <a:srgbClr val="000000"/>
-                </a:solidFill>
-                <a:latin typeface="Arial"/>
-              </a:rPr>
-              <a:t>12 different</a:t>
-            </a:r>
-            <a:endParaRPr b="0" lang="en-US" sz="2400" spc="-1" strike="noStrike">
-              <a:solidFill>
-                <a:srgbClr val="000000"/>
-              </a:solidFill>
-              <a:latin typeface="Arial"/>
-            </a:endParaRPr>
-          </a:p>
-          <a:p>
-            <a:pPr lvl="1" marL="864000" indent="-324000">
-              <a:lnSpc>
-                <a:spcPct val="100000"/>
-              </a:lnSpc>
-              <a:spcBef>
-                <a:spcPts val="1134"/>
-              </a:spcBef>
-              <a:buClr>
-                <a:srgbClr val="000000"/>
-              </a:buClr>
-              <a:buSzPct val="75000"/>
-              <a:buFont typeface="Symbol"/>
-              <a:buChar char=""/>
-            </a:pPr>
-            <a:r>
-              <a:rPr b="0" lang="da-DK" sz="2400" spc="-1" strike="noStrike">
-                <a:solidFill>
-                  <a:srgbClr val="000000"/>
-                </a:solidFill>
-                <a:latin typeface="Arial"/>
-              </a:rPr>
-              <a:t>Not equally spaced</a:t>
-            </a:r>
-            <a:endParaRPr b="0" lang="en-US" sz="2400" spc="-1" strike="noStrike">
               <a:solidFill>
                 <a:srgbClr val="000000"/>
               </a:solidFill>
@@ -9601,8 +9858,8 @@
         </p:blipFill>
         <p:spPr>
           <a:xfrm>
-            <a:off x="4185360" y="1260000"/>
-            <a:ext cx="5714280" cy="3809160"/>
+            <a:off x="4788000" y="2160000"/>
+            <a:ext cx="4931280" cy="3287160"/>
           </a:xfrm>
           <a:prstGeom prst="rect">
             <a:avLst/>
@@ -9625,7 +9882,30 @@
         <p:spPr>
           <a:xfrm>
             <a:off x="0" y="2340000"/>
-            <a:ext cx="3666240" cy="3342600"/>
+            <a:ext cx="3799440" cy="3342240"/>
+          </a:xfrm>
+          <a:prstGeom prst="rect">
+            <a:avLst/>
+          </a:prstGeom>
+          <a:ln w="0">
+            <a:noFill/>
+          </a:ln>
+        </p:spPr>
+      </p:pic>
+      <p:pic>
+        <p:nvPicPr>
+          <p:cNvPr id="121" name="" descr=""/>
+          <p:cNvPicPr/>
+          <p:nvPr/>
+        </p:nvPicPr>
+        <p:blipFill>
+          <a:blip r:embed="rId3"/>
+          <a:stretch/>
+        </p:blipFill>
+        <p:spPr>
+          <a:xfrm>
+            <a:off x="0" y="1352520"/>
+            <a:ext cx="7857000" cy="446760"/>
           </a:xfrm>
           <a:prstGeom prst="rect">
             <a:avLst/>
@@ -9667,7 +9947,7 @@
       </p:grpSpPr>
       <p:sp>
         <p:nvSpPr>
-          <p:cNvPr id="121" name="PlaceHolder 1"/>
+          <p:cNvPr id="122" name="PlaceHolder 1"/>
           <p:cNvSpPr>
             <a:spLocks noGrp="1"/>
           </p:cNvSpPr>
@@ -9678,7 +9958,7 @@
         <p:spPr>
           <a:xfrm>
             <a:off x="504000" y="226080"/>
-            <a:ext cx="9070920" cy="945720"/>
+            <a:ext cx="9070560" cy="945360"/>
           </a:xfrm>
           <a:prstGeom prst="rect">
             <a:avLst/>
@@ -9709,7 +9989,7 @@
                 </a:solidFill>
                 <a:latin typeface="Arial"/>
               </a:rPr>
-              <a:t>Subharmonics</a:t>
+              <a:t>Just intonation and triads</a:t>
             </a:r>
             <a:endParaRPr b="0" lang="en-US" sz="4400" spc="-1" strike="noStrike">
               <a:solidFill>
@@ -9722,7 +10002,7 @@
       </p:sp>
       <p:pic>
         <p:nvPicPr>
-          <p:cNvPr id="122" name="" descr=""/>
+          <p:cNvPr id="123" name="" descr=""/>
           <p:cNvPicPr/>
           <p:nvPr/>
         </p:nvPicPr>
@@ -9732,8 +10012,8 @@
         </p:blipFill>
         <p:spPr>
           <a:xfrm>
-            <a:off x="4788000" y="2160000"/>
-            <a:ext cx="4931640" cy="3287520"/>
+            <a:off x="74160" y="1260000"/>
+            <a:ext cx="2265120" cy="915480"/>
           </a:xfrm>
           <a:prstGeom prst="rect">
             <a:avLst/>
@@ -9743,9 +10023,63 @@
           </a:ln>
         </p:spPr>
       </p:pic>
+      <p:sp>
+        <p:nvSpPr>
+          <p:cNvPr id="124" name=""/>
+          <p:cNvSpPr/>
+          <p:nvPr/>
+        </p:nvSpPr>
+        <p:spPr>
+          <a:xfrm>
+            <a:off x="-26280" y="2160000"/>
+            <a:ext cx="2905560" cy="217800"/>
+          </a:xfrm>
+          <a:prstGeom prst="rect">
+            <a:avLst/>
+          </a:prstGeom>
+          <a:noFill/>
+          <a:ln w="0">
+            <a:noFill/>
+          </a:ln>
+        </p:spPr>
+        <p:style>
+          <a:lnRef idx="0"/>
+          <a:fillRef idx="0"/>
+          <a:effectRef idx="0"/>
+          <a:fontRef idx="minor"/>
+        </p:style>
+        <p:txBody>
+          <a:bodyPr lIns="90000" rIns="90000" tIns="45000" bIns="45000" anchor="t">
+            <a:noAutofit/>
+          </a:bodyPr>
+          <a:p>
+            <a:pPr>
+              <a:lnSpc>
+                <a:spcPct val="100000"/>
+              </a:lnSpc>
+            </a:pPr>
+            <a:r>
+              <a:rPr b="0" lang="da-DK" sz="900" spc="-1" strike="noStrike">
+                <a:solidFill>
+                  <a:srgbClr val="000000"/>
+                </a:solidFill>
+                <a:latin typeface="Arial"/>
+                <a:ea typeface="DejaVu Sans"/>
+              </a:rPr>
+              <a:t>By Hyacinth at the English Wikipedia, CC BY-SA 3.0</a:t>
+            </a:r>
+            <a:endParaRPr b="0" lang="en-US" sz="900" spc="-1" strike="noStrike">
+              <a:solidFill>
+                <a:srgbClr val="000000"/>
+              </a:solidFill>
+              <a:latin typeface="Arial"/>
+            </a:endParaRPr>
+          </a:p>
+        </p:txBody>
+      </p:sp>
       <p:pic>
         <p:nvPicPr>
-          <p:cNvPr id="123" name="" descr=""/>
+          <p:cNvPr id="125" name="" descr=""/>
           <p:cNvPicPr/>
           <p:nvPr/>
         </p:nvPicPr>
@@ -9755,8 +10089,8 @@
         </p:blipFill>
         <p:spPr>
           <a:xfrm>
-            <a:off x="0" y="2340000"/>
-            <a:ext cx="3799800" cy="3342600"/>
+            <a:off x="360" y="4411080"/>
+            <a:ext cx="10079640" cy="1258920"/>
           </a:xfrm>
           <a:prstGeom prst="rect">
             <a:avLst/>
@@ -9768,18 +10102,20 @@
       </p:pic>
       <p:pic>
         <p:nvPicPr>
-          <p:cNvPr id="124" name="" descr=""/>
+          <p:cNvPr id="126" name="" descr="">
+            <a:hlinkClick r:id="rId3"/>
+          </p:cNvPr>
           <p:cNvPicPr/>
           <p:nvPr/>
         </p:nvPicPr>
         <p:blipFill>
-          <a:blip r:embed="rId3"/>
+          <a:blip r:embed="rId4"/>
           <a:stretch/>
         </p:blipFill>
         <p:spPr>
           <a:xfrm>
-            <a:off x="0" y="1352520"/>
-            <a:ext cx="7857360" cy="447120"/>
+            <a:off x="0" y="2685240"/>
+            <a:ext cx="3269160" cy="1634040"/>
           </a:xfrm>
           <a:prstGeom prst="rect">
             <a:avLst/>
@@ -9789,6 +10125,182 @@
           </a:ln>
         </p:spPr>
       </p:pic>
+      <p:pic>
+        <p:nvPicPr>
+          <p:cNvPr id="127" name="" descr="">
+            <a:hlinkClick r:id="rId5"/>
+          </p:cNvPr>
+          <p:cNvPicPr/>
+          <p:nvPr/>
+        </p:nvPicPr>
+        <p:blipFill>
+          <a:blip r:embed="rId6"/>
+          <a:stretch/>
+        </p:blipFill>
+        <p:spPr>
+          <a:xfrm>
+            <a:off x="3292920" y="2636640"/>
+            <a:ext cx="3366360" cy="1682640"/>
+          </a:xfrm>
+          <a:prstGeom prst="rect">
+            <a:avLst/>
+          </a:prstGeom>
+          <a:ln w="0">
+            <a:noFill/>
+          </a:ln>
+        </p:spPr>
+      </p:pic>
+      <p:pic>
+        <p:nvPicPr>
+          <p:cNvPr id="128" name="" descr="">
+            <a:hlinkClick r:id="rId7"/>
+          </p:cNvPr>
+          <p:cNvPicPr/>
+          <p:nvPr/>
+        </p:nvPicPr>
+        <p:blipFill>
+          <a:blip r:embed="rId8"/>
+          <a:stretch/>
+        </p:blipFill>
+        <p:spPr>
+          <a:xfrm>
+            <a:off x="6660000" y="2636640"/>
+            <a:ext cx="3420000" cy="1709640"/>
+          </a:xfrm>
+          <a:prstGeom prst="rect">
+            <a:avLst/>
+          </a:prstGeom>
+          <a:ln w="0">
+            <a:noFill/>
+          </a:ln>
+        </p:spPr>
+      </p:pic>
+      <p:sp>
+        <p:nvSpPr>
+          <p:cNvPr id="129" name=""/>
+          <p:cNvSpPr/>
+          <p:nvPr/>
+        </p:nvSpPr>
+        <p:spPr>
+          <a:xfrm>
+            <a:off x="3780000" y="1266480"/>
+            <a:ext cx="3599280" cy="1369440"/>
+          </a:xfrm>
+          <a:prstGeom prst="rect">
+            <a:avLst/>
+          </a:prstGeom>
+          <a:noFill/>
+          <a:ln w="0">
+            <a:noFill/>
+          </a:ln>
+        </p:spPr>
+        <p:style>
+          <a:lnRef idx="0"/>
+          <a:fillRef idx="0"/>
+          <a:effectRef idx="0"/>
+          <a:fontRef idx="minor"/>
+        </p:style>
+        <p:txBody>
+          <a:bodyPr lIns="90000" rIns="90000" tIns="45000" bIns="45000" anchor="t">
+            <a:noAutofit/>
+          </a:bodyPr>
+          <a:p>
+            <a:pPr>
+              <a:lnSpc>
+                <a:spcPct val="100000"/>
+              </a:lnSpc>
+            </a:pPr>
+            <a:r>
+              <a:rPr b="0" lang="da-DK" sz="1800" spc="-1" strike="noStrike">
+                <a:solidFill>
+                  <a:srgbClr val="000000"/>
+                </a:solidFill>
+                <a:latin typeface="Arial"/>
+                <a:ea typeface="DejaVu Sans"/>
+              </a:rPr>
+              <a:t>F: (4:5:6) / 6</a:t>
+            </a:r>
+            <a:endParaRPr b="0" lang="en-US" sz="1800" spc="-1" strike="noStrike">
+              <a:solidFill>
+                <a:srgbClr val="000000"/>
+              </a:solidFill>
+              <a:latin typeface="Arial"/>
+            </a:endParaRPr>
+          </a:p>
+          <a:p>
+            <a:pPr>
+              <a:lnSpc>
+                <a:spcPct val="100000"/>
+              </a:lnSpc>
+            </a:pPr>
+            <a:r>
+              <a:rPr b="0" lang="da-DK" sz="1800" spc="-1" strike="noStrike">
+                <a:solidFill>
+                  <a:srgbClr val="000000"/>
+                </a:solidFill>
+                <a:latin typeface="Arial"/>
+                <a:ea typeface="DejaVu Sans"/>
+              </a:rPr>
+              <a:t>C: (4:5:6) / 4</a:t>
+            </a:r>
+            <a:endParaRPr b="0" lang="en-US" sz="1800" spc="-1" strike="noStrike">
+              <a:solidFill>
+                <a:srgbClr val="000000"/>
+              </a:solidFill>
+              <a:latin typeface="Arial"/>
+            </a:endParaRPr>
+          </a:p>
+          <a:p>
+            <a:pPr>
+              <a:lnSpc>
+                <a:spcPct val="100000"/>
+              </a:lnSpc>
+            </a:pPr>
+            <a:r>
+              <a:rPr b="0" lang="da-DK" sz="1800" spc="-1" strike="noStrike">
+                <a:solidFill>
+                  <a:srgbClr val="000000"/>
+                </a:solidFill>
+                <a:latin typeface="Arial"/>
+                <a:ea typeface="DejaVu Sans"/>
+              </a:rPr>
+              <a:t>G: (12:15:18) / 4 = 3 * (4:5:6) / 4</a:t>
+            </a:r>
+            <a:endParaRPr b="0" lang="en-US" sz="1800" spc="-1" strike="noStrike">
+              <a:solidFill>
+                <a:srgbClr val="000000"/>
+              </a:solidFill>
+              <a:latin typeface="Arial"/>
+            </a:endParaRPr>
+          </a:p>
+          <a:p>
+            <a:pPr>
+              <a:lnSpc>
+                <a:spcPct val="100000"/>
+              </a:lnSpc>
+            </a:pPr>
+            <a:endParaRPr b="0" lang="en-US" sz="1800" spc="-1" strike="noStrike">
+              <a:solidFill>
+                <a:srgbClr val="000000"/>
+              </a:solidFill>
+              <a:latin typeface="Arial"/>
+            </a:endParaRPr>
+          </a:p>
+          <a:p>
+            <a:pPr>
+              <a:lnSpc>
+                <a:spcPct val="100000"/>
+              </a:lnSpc>
+            </a:pPr>
+            <a:endParaRPr b="0" lang="en-US" sz="1800" spc="-1" strike="noStrike">
+              <a:solidFill>
+                <a:srgbClr val="000000"/>
+              </a:solidFill>
+              <a:latin typeface="Arial"/>
+            </a:endParaRPr>
+          </a:p>
+        </p:txBody>
+      </p:sp>
     </p:spTree>
   </p:cSld>
   <mc:AlternateContent>
@@ -9821,7 +10333,7 @@
       </p:grpSpPr>
       <p:sp>
         <p:nvSpPr>
-          <p:cNvPr id="125" name="PlaceHolder 1"/>
+          <p:cNvPr id="130" name="PlaceHolder 1"/>
           <p:cNvSpPr>
             <a:spLocks noGrp="1"/>
           </p:cNvSpPr>
@@ -9832,7 +10344,7 @@
         <p:spPr>
           <a:xfrm>
             <a:off x="504000" y="226080"/>
-            <a:ext cx="9070920" cy="945720"/>
+            <a:ext cx="9070560" cy="945360"/>
           </a:xfrm>
           <a:prstGeom prst="rect">
             <a:avLst/>
@@ -9863,9 +10375,722 @@
                 </a:solidFill>
                 <a:latin typeface="Arial"/>
               </a:rPr>
-              <a:t>Just intonation and triads</a:t>
+              <a:t>Thank You!</a:t>
             </a:r>
             <a:endParaRPr b="0" lang="en-US" sz="4400" spc="-1" strike="noStrike">
+              <a:solidFill>
+                <a:srgbClr val="000000"/>
+              </a:solidFill>
+              <a:latin typeface="Arial"/>
+            </a:endParaRPr>
+          </a:p>
+        </p:txBody>
+      </p:sp>
+      <p:sp>
+        <p:nvSpPr>
+          <p:cNvPr id="131" name="PlaceHolder 2"/>
+          <p:cNvSpPr>
+            <a:spLocks noGrp="1"/>
+          </p:cNvSpPr>
+          <p:nvPr>
+            <p:ph/>
+          </p:nvPr>
+        </p:nvSpPr>
+        <p:spPr>
+          <a:xfrm>
+            <a:off x="504000" y="1326600"/>
+            <a:ext cx="4425840" cy="1567440"/>
+          </a:xfrm>
+          <a:prstGeom prst="rect">
+            <a:avLst/>
+          </a:prstGeom>
+          <a:noFill/>
+          <a:ln w="0">
+            <a:noFill/>
+          </a:ln>
+        </p:spPr>
+        <p:txBody>
+          <a:bodyPr lIns="0" rIns="0" tIns="0" bIns="0" anchor="t">
+            <a:normAutofit/>
+          </a:bodyPr>
+          <a:p>
+            <a:pPr marL="432000" indent="-324000">
+              <a:lnSpc>
+                <a:spcPct val="100000"/>
+              </a:lnSpc>
+              <a:spcBef>
+                <a:spcPts val="1417"/>
+              </a:spcBef>
+              <a:buClr>
+                <a:srgbClr val="000000"/>
+              </a:buClr>
+              <a:buSzPct val="45000"/>
+              <a:buFont typeface="Wingdings" charset="2"/>
+              <a:buChar char=""/>
+            </a:pPr>
+            <a:r>
+              <a:rPr b="0" lang="da-DK" sz="3200" spc="-1" strike="noStrike">
+                <a:solidFill>
+                  <a:srgbClr val="000000"/>
+                </a:solidFill>
+                <a:latin typeface="Arial"/>
+              </a:rPr>
+              <a:t>JuliaMusic/MIDI.jl</a:t>
+            </a:r>
+            <a:endParaRPr b="0" lang="en-US" sz="3200" spc="-1" strike="noStrike">
+              <a:solidFill>
+                <a:srgbClr val="000000"/>
+              </a:solidFill>
+              <a:latin typeface="Arial"/>
+            </a:endParaRPr>
+          </a:p>
+          <a:p>
+            <a:pPr marL="432000" indent="-324000">
+              <a:lnSpc>
+                <a:spcPct val="100000"/>
+              </a:lnSpc>
+              <a:spcBef>
+                <a:spcPts val="1417"/>
+              </a:spcBef>
+              <a:buClr>
+                <a:srgbClr val="000000"/>
+              </a:buClr>
+              <a:buSzPct val="45000"/>
+              <a:buFont typeface="Wingdings" charset="2"/>
+              <a:buChar char=""/>
+            </a:pPr>
+            <a:r>
+              <a:rPr b="0" lang="da-DK" sz="3200" spc="-1" strike="noStrike">
+                <a:solidFill>
+                  <a:srgbClr val="000000"/>
+                </a:solidFill>
+                <a:latin typeface="Arial"/>
+              </a:rPr>
+              <a:t>dancasimiro/WAV.jl</a:t>
+            </a:r>
+            <a:endParaRPr b="0" lang="en-US" sz="3200" spc="-1" strike="noStrike">
+              <a:solidFill>
+                <a:srgbClr val="000000"/>
+              </a:solidFill>
+              <a:latin typeface="Arial"/>
+            </a:endParaRPr>
+          </a:p>
+        </p:txBody>
+      </p:sp>
+      <p:sp>
+        <p:nvSpPr>
+          <p:cNvPr id="132" name="PlaceHolder 3"/>
+          <p:cNvSpPr>
+            <a:spLocks noGrp="1"/>
+          </p:cNvSpPr>
+          <p:nvPr>
+            <p:ph/>
+          </p:nvPr>
+        </p:nvSpPr>
+        <p:spPr>
+          <a:xfrm>
+            <a:off x="5152320" y="1080000"/>
+            <a:ext cx="4425840" cy="3419280"/>
+          </a:xfrm>
+          <a:prstGeom prst="rect">
+            <a:avLst/>
+          </a:prstGeom>
+          <a:noFill/>
+          <a:ln w="0">
+            <a:noFill/>
+          </a:ln>
+        </p:spPr>
+        <p:txBody>
+          <a:bodyPr lIns="0" rIns="0" tIns="0" bIns="0" anchor="t">
+            <a:normAutofit fontScale="62222" lnSpcReduction="10000"/>
+          </a:bodyPr>
+          <a:p>
+            <a:pPr marL="432000" indent="-324000">
+              <a:lnSpc>
+                <a:spcPct val="100000"/>
+              </a:lnSpc>
+              <a:spcBef>
+                <a:spcPts val="1417"/>
+              </a:spcBef>
+              <a:buClr>
+                <a:srgbClr val="000000"/>
+              </a:buClr>
+              <a:buSzPct val="45000"/>
+              <a:buFont typeface="Wingdings" charset="2"/>
+              <a:buChar char=""/>
+            </a:pPr>
+            <a:r>
+              <a:rPr b="0" lang="da-DK" sz="3200" spc="-1" strike="noStrike">
+                <a:solidFill>
+                  <a:srgbClr val="000000"/>
+                </a:solidFill>
+                <a:latin typeface="Arial"/>
+              </a:rPr>
+              <a:t>References </a:t>
+            </a:r>
+            <a:endParaRPr b="0" lang="en-US" sz="3200" spc="-1" strike="noStrike">
+              <a:solidFill>
+                <a:srgbClr val="000000"/>
+              </a:solidFill>
+              <a:latin typeface="Arial"/>
+            </a:endParaRPr>
+          </a:p>
+          <a:p>
+            <a:pPr lvl="1" marL="864000" indent="-324000">
+              <a:lnSpc>
+                <a:spcPct val="100000"/>
+              </a:lnSpc>
+              <a:spcBef>
+                <a:spcPts val="1134"/>
+              </a:spcBef>
+              <a:buClr>
+                <a:srgbClr val="000000"/>
+              </a:buClr>
+              <a:buSzPct val="75000"/>
+              <a:buFont typeface="Symbol"/>
+              <a:buChar char=""/>
+            </a:pPr>
+            <a:r>
+              <a:rPr b="0" lang="da-DK" sz="2800" spc="-1" strike="noStrike">
+                <a:solidFill>
+                  <a:srgbClr val="000000"/>
+                </a:solidFill>
+                <a:latin typeface="Arial"/>
+              </a:rPr>
+              <a:t>John Carlos Baez:</a:t>
+            </a:r>
+            <a:endParaRPr b="0" lang="en-US" sz="2800" spc="-1" strike="noStrike">
+              <a:solidFill>
+                <a:srgbClr val="000000"/>
+              </a:solidFill>
+              <a:latin typeface="Arial"/>
+            </a:endParaRPr>
+          </a:p>
+          <a:p>
+            <a:pPr lvl="2" marL="1296000" indent="-288000">
+              <a:lnSpc>
+                <a:spcPct val="100000"/>
+              </a:lnSpc>
+              <a:spcBef>
+                <a:spcPts val="850"/>
+              </a:spcBef>
+              <a:buClr>
+                <a:srgbClr val="000000"/>
+              </a:buClr>
+              <a:buSzPct val="45000"/>
+              <a:buFont typeface="Wingdings" charset="2"/>
+              <a:buChar char=""/>
+            </a:pPr>
+            <a:r>
+              <a:rPr b="0" lang="da-DK" sz="2400" spc="-1" strike="noStrike" u="sng">
+                <a:solidFill>
+                  <a:srgbClr val="0000ee"/>
+                </a:solidFill>
+                <a:uFillTx/>
+                <a:latin typeface="Arial"/>
+                <a:hlinkClick r:id="rId1"/>
+              </a:rPr>
+              <a:t>Well Temperements Part 1</a:t>
+            </a:r>
+            <a:endParaRPr b="0" lang="en-US" sz="2400" spc="-1" strike="noStrike">
+              <a:solidFill>
+                <a:srgbClr val="000000"/>
+              </a:solidFill>
+              <a:latin typeface="Arial"/>
+            </a:endParaRPr>
+          </a:p>
+          <a:p>
+            <a:pPr lvl="2" marL="1296000" indent="-288000">
+              <a:lnSpc>
+                <a:spcPct val="100000"/>
+              </a:lnSpc>
+              <a:spcBef>
+                <a:spcPts val="850"/>
+              </a:spcBef>
+              <a:buClr>
+                <a:srgbClr val="000000"/>
+              </a:buClr>
+              <a:buSzPct val="45000"/>
+              <a:buFont typeface="Wingdings" charset="2"/>
+              <a:buChar char=""/>
+            </a:pPr>
+            <a:r>
+              <a:rPr b="0" lang="da-DK" sz="2400" spc="-1" strike="noStrike" u="sng">
+                <a:solidFill>
+                  <a:srgbClr val="0000ee"/>
+                </a:solidFill>
+                <a:uFillTx/>
+                <a:latin typeface="Arial"/>
+                <a:hlinkClick r:id="rId2"/>
+              </a:rPr>
+              <a:t>Pythagorean Tuning</a:t>
+            </a:r>
+            <a:endParaRPr b="0" lang="en-US" sz="2400" spc="-1" strike="noStrike">
+              <a:solidFill>
+                <a:srgbClr val="000000"/>
+              </a:solidFill>
+              <a:latin typeface="Arial"/>
+            </a:endParaRPr>
+          </a:p>
+          <a:p>
+            <a:pPr lvl="2" marL="1296000" indent="-288000">
+              <a:lnSpc>
+                <a:spcPct val="100000"/>
+              </a:lnSpc>
+              <a:spcBef>
+                <a:spcPts val="850"/>
+              </a:spcBef>
+              <a:buClr>
+                <a:srgbClr val="000000"/>
+              </a:buClr>
+              <a:buSzPct val="45000"/>
+              <a:buFont typeface="Wingdings" charset="2"/>
+              <a:buChar char=""/>
+            </a:pPr>
+            <a:r>
+              <a:rPr b="0" lang="da-DK" sz="2400" spc="-1" strike="noStrike" u="sng">
+                <a:solidFill>
+                  <a:srgbClr val="0000ee"/>
+                </a:solidFill>
+                <a:uFillTx/>
+                <a:latin typeface="Arial"/>
+                <a:hlinkClick r:id="rId3"/>
+              </a:rPr>
+              <a:t>Just Intonation Part 1</a:t>
+            </a:r>
+            <a:endParaRPr b="0" lang="en-US" sz="2400" spc="-1" strike="noStrike">
+              <a:solidFill>
+                <a:srgbClr val="000000"/>
+              </a:solidFill>
+              <a:latin typeface="Arial"/>
+            </a:endParaRPr>
+          </a:p>
+          <a:p>
+            <a:pPr lvl="2" marL="1296000" indent="-288000">
+              <a:lnSpc>
+                <a:spcPct val="100000"/>
+              </a:lnSpc>
+              <a:spcBef>
+                <a:spcPts val="850"/>
+              </a:spcBef>
+              <a:buClr>
+                <a:srgbClr val="000000"/>
+              </a:buClr>
+              <a:buSzPct val="45000"/>
+              <a:buFont typeface="Wingdings" charset="2"/>
+              <a:buChar char=""/>
+            </a:pPr>
+            <a:r>
+              <a:rPr b="0" lang="da-DK" sz="2400" spc="-1" strike="noStrike" u="sng">
+                <a:solidFill>
+                  <a:srgbClr val="0000ee"/>
+                </a:solidFill>
+                <a:uFillTx/>
+                <a:latin typeface="Arial"/>
+                <a:hlinkClick r:id="rId4"/>
+              </a:rPr>
+              <a:t>Perfect fifths in equal tempered scales</a:t>
+            </a:r>
+            <a:endParaRPr b="0" lang="en-US" sz="2400" spc="-1" strike="noStrike">
+              <a:solidFill>
+                <a:srgbClr val="000000"/>
+              </a:solidFill>
+              <a:latin typeface="Arial"/>
+            </a:endParaRPr>
+          </a:p>
+          <a:p>
+            <a:pPr lvl="1" marL="864000" indent="-324000">
+              <a:lnSpc>
+                <a:spcPct val="100000"/>
+              </a:lnSpc>
+              <a:spcBef>
+                <a:spcPts val="1134"/>
+              </a:spcBef>
+              <a:buClr>
+                <a:srgbClr val="000000"/>
+              </a:buClr>
+              <a:buSzPct val="75000"/>
+              <a:buFont typeface="Symbol"/>
+              <a:buChar char=""/>
+            </a:pPr>
+            <a:r>
+              <a:rPr b="0" lang="da-DK" sz="2800" spc="-1" strike="noStrike">
+                <a:solidFill>
+                  <a:srgbClr val="000000"/>
+                </a:solidFill>
+                <a:latin typeface="Arial"/>
+              </a:rPr>
+              <a:t>Wikipedia</a:t>
+            </a:r>
+            <a:endParaRPr b="0" lang="en-US" sz="2800" spc="-1" strike="noStrike">
+              <a:solidFill>
+                <a:srgbClr val="000000"/>
+              </a:solidFill>
+              <a:latin typeface="Arial"/>
+            </a:endParaRPr>
+          </a:p>
+          <a:p>
+            <a:pPr lvl="2" marL="1296000" indent="-288000">
+              <a:lnSpc>
+                <a:spcPct val="100000"/>
+              </a:lnSpc>
+              <a:spcBef>
+                <a:spcPts val="850"/>
+              </a:spcBef>
+              <a:buClr>
+                <a:srgbClr val="000000"/>
+              </a:buClr>
+              <a:buSzPct val="45000"/>
+              <a:buFont typeface="Wingdings" charset="2"/>
+              <a:buChar char=""/>
+            </a:pPr>
+            <a:r>
+              <a:rPr b="0" lang="da-DK" sz="2400" spc="-1" strike="noStrike">
+                <a:solidFill>
+                  <a:srgbClr val="000000"/>
+                </a:solidFill>
+                <a:latin typeface="Arial"/>
+              </a:rPr>
+              <a:t>Musical Tuning</a:t>
+            </a:r>
+            <a:endParaRPr b="0" lang="en-US" sz="2400" spc="-1" strike="noStrike">
+              <a:solidFill>
+                <a:srgbClr val="000000"/>
+              </a:solidFill>
+              <a:latin typeface="Arial"/>
+            </a:endParaRPr>
+          </a:p>
+          <a:p>
+            <a:pPr lvl="2" marL="1296000" indent="-288000">
+              <a:lnSpc>
+                <a:spcPct val="100000"/>
+              </a:lnSpc>
+              <a:spcBef>
+                <a:spcPts val="850"/>
+              </a:spcBef>
+              <a:buClr>
+                <a:srgbClr val="000000"/>
+              </a:buClr>
+              <a:buSzPct val="45000"/>
+              <a:buFont typeface="Wingdings" charset="2"/>
+              <a:buChar char=""/>
+            </a:pPr>
+            <a:r>
+              <a:rPr b="0" lang="da-DK" sz="2400" spc="-1" strike="noStrike">
+                <a:solidFill>
+                  <a:srgbClr val="000000"/>
+                </a:solidFill>
+                <a:latin typeface="Arial"/>
+              </a:rPr>
+              <a:t>Equal Temperement</a:t>
+            </a:r>
+            <a:endParaRPr b="0" lang="en-US" sz="2400" spc="-1" strike="noStrike">
+              <a:solidFill>
+                <a:srgbClr val="000000"/>
+              </a:solidFill>
+              <a:latin typeface="Arial"/>
+            </a:endParaRPr>
+          </a:p>
+          <a:p>
+            <a:pPr lvl="2" marL="1296000" indent="-288000">
+              <a:lnSpc>
+                <a:spcPct val="100000"/>
+              </a:lnSpc>
+              <a:spcBef>
+                <a:spcPts val="850"/>
+              </a:spcBef>
+              <a:buClr>
+                <a:srgbClr val="000000"/>
+              </a:buClr>
+              <a:buSzPct val="45000"/>
+              <a:buFont typeface="Wingdings" charset="2"/>
+              <a:buChar char=""/>
+            </a:pPr>
+            <a:r>
+              <a:rPr b="0" lang="da-DK" sz="2400" spc="-1" strike="noStrike">
+                <a:solidFill>
+                  <a:srgbClr val="000000"/>
+                </a:solidFill>
+                <a:latin typeface="Arial"/>
+              </a:rPr>
+              <a:t>Pythagorean Tuning</a:t>
+            </a:r>
+            <a:endParaRPr b="0" lang="en-US" sz="2400" spc="-1" strike="noStrike">
+              <a:solidFill>
+                <a:srgbClr val="000000"/>
+              </a:solidFill>
+              <a:latin typeface="Arial"/>
+            </a:endParaRPr>
+          </a:p>
+          <a:p>
+            <a:pPr lvl="2" marL="1296000" indent="-288000">
+              <a:lnSpc>
+                <a:spcPct val="100000"/>
+              </a:lnSpc>
+              <a:spcBef>
+                <a:spcPts val="850"/>
+              </a:spcBef>
+              <a:buClr>
+                <a:srgbClr val="000000"/>
+              </a:buClr>
+              <a:buSzPct val="45000"/>
+              <a:buFont typeface="Wingdings" charset="2"/>
+              <a:buChar char=""/>
+            </a:pPr>
+            <a:r>
+              <a:rPr b="0" lang="da-DK" sz="2400" spc="-1" strike="noStrike">
+                <a:solidFill>
+                  <a:srgbClr val="000000"/>
+                </a:solidFill>
+                <a:latin typeface="Arial"/>
+              </a:rPr>
+              <a:t>Just Intonation</a:t>
+            </a:r>
+            <a:endParaRPr b="0" lang="en-US" sz="2400" spc="-1" strike="noStrike">
+              <a:solidFill>
+                <a:srgbClr val="000000"/>
+              </a:solidFill>
+              <a:latin typeface="Arial"/>
+            </a:endParaRPr>
+          </a:p>
+        </p:txBody>
+      </p:sp>
+      <p:sp>
+        <p:nvSpPr>
+          <p:cNvPr id="133" name="PlaceHolder 4"/>
+          <p:cNvSpPr>
+            <a:spLocks noGrp="1"/>
+          </p:cNvSpPr>
+          <p:nvPr>
+            <p:ph/>
+          </p:nvPr>
+        </p:nvSpPr>
+        <p:spPr>
+          <a:xfrm>
+            <a:off x="504000" y="3044160"/>
+            <a:ext cx="4425840" cy="1567440"/>
+          </a:xfrm>
+          <a:prstGeom prst="rect">
+            <a:avLst/>
+          </a:prstGeom>
+          <a:noFill/>
+          <a:ln w="0">
+            <a:noFill/>
+          </a:ln>
+        </p:spPr>
+        <p:txBody>
+          <a:bodyPr lIns="0" rIns="0" tIns="0" bIns="0" anchor="t">
+            <a:normAutofit fontScale="38333"/>
+          </a:bodyPr>
+          <a:p>
+            <a:pPr marL="432000" indent="-324000">
+              <a:lnSpc>
+                <a:spcPct val="100000"/>
+              </a:lnSpc>
+              <a:spcBef>
+                <a:spcPts val="1417"/>
+              </a:spcBef>
+              <a:buClr>
+                <a:srgbClr val="000000"/>
+              </a:buClr>
+              <a:buSzPct val="45000"/>
+              <a:buFont typeface="Wingdings" charset="2"/>
+              <a:buChar char=""/>
+            </a:pPr>
+            <a:r>
+              <a:rPr b="0" lang="da-DK" sz="3200" spc="-1" strike="noStrike">
+                <a:solidFill>
+                  <a:srgbClr val="000000"/>
+                </a:solidFill>
+                <a:latin typeface="Arial"/>
+              </a:rPr>
+              <a:t>JuliaMusic/MusicTheory</a:t>
+            </a:r>
+            <a:endParaRPr b="0" lang="en-US" sz="3200" spc="-1" strike="noStrike">
+              <a:solidFill>
+                <a:srgbClr val="000000"/>
+              </a:solidFill>
+              <a:latin typeface="Arial"/>
+            </a:endParaRPr>
+          </a:p>
+          <a:p>
+            <a:pPr marL="432000" indent="-324000">
+              <a:lnSpc>
+                <a:spcPct val="100000"/>
+              </a:lnSpc>
+              <a:spcBef>
+                <a:spcPts val="1417"/>
+              </a:spcBef>
+              <a:buClr>
+                <a:srgbClr val="000000"/>
+              </a:buClr>
+              <a:buSzPct val="45000"/>
+              <a:buFont typeface="Wingdings" charset="2"/>
+              <a:buChar char=""/>
+            </a:pPr>
+            <a:r>
+              <a:rPr b="0" lang="da-DK" sz="3200" spc="-1" strike="noStrike">
+                <a:solidFill>
+                  <a:srgbClr val="000000"/>
+                </a:solidFill>
+                <a:latin typeface="Arial"/>
+              </a:rPr>
+              <a:t>JuliaAudio/</a:t>
+            </a:r>
+            <a:endParaRPr b="0" lang="en-US" sz="3200" spc="-1" strike="noStrike">
+              <a:solidFill>
+                <a:srgbClr val="000000"/>
+              </a:solidFill>
+              <a:latin typeface="Arial"/>
+            </a:endParaRPr>
+          </a:p>
+          <a:p>
+            <a:pPr lvl="1" marL="864000" indent="-324000">
+              <a:lnSpc>
+                <a:spcPct val="100000"/>
+              </a:lnSpc>
+              <a:spcBef>
+                <a:spcPts val="1134"/>
+              </a:spcBef>
+              <a:buClr>
+                <a:srgbClr val="000000"/>
+              </a:buClr>
+              <a:buSzPct val="75000"/>
+              <a:buFont typeface="Symbol"/>
+              <a:buChar char=""/>
+            </a:pPr>
+            <a:r>
+              <a:rPr b="0" lang="da-DK" sz="2800" spc="-1" strike="noStrike">
+                <a:solidFill>
+                  <a:srgbClr val="000000"/>
+                </a:solidFill>
+                <a:latin typeface="Arial"/>
+              </a:rPr>
+              <a:t>PortAudio.jl</a:t>
+            </a:r>
+            <a:endParaRPr b="0" lang="en-US" sz="2800" spc="-1" strike="noStrike">
+              <a:solidFill>
+                <a:srgbClr val="000000"/>
+              </a:solidFill>
+              <a:latin typeface="Arial"/>
+            </a:endParaRPr>
+          </a:p>
+          <a:p>
+            <a:pPr lvl="1" marL="864000" indent="-324000">
+              <a:lnSpc>
+                <a:spcPct val="100000"/>
+              </a:lnSpc>
+              <a:spcBef>
+                <a:spcPts val="1134"/>
+              </a:spcBef>
+              <a:buClr>
+                <a:srgbClr val="000000"/>
+              </a:buClr>
+              <a:buSzPct val="75000"/>
+              <a:buFont typeface="Symbol"/>
+              <a:buChar char=""/>
+            </a:pPr>
+            <a:r>
+              <a:rPr b="0" lang="da-DK" sz="2800" spc="-1" strike="noStrike">
+                <a:solidFill>
+                  <a:srgbClr val="000000"/>
+                </a:solidFill>
+                <a:latin typeface="Arial"/>
+              </a:rPr>
+              <a:t>SampledSignals.jl</a:t>
+            </a:r>
+            <a:endParaRPr b="0" lang="en-US" sz="2800" spc="-1" strike="noStrike">
+              <a:solidFill>
+                <a:srgbClr val="000000"/>
+              </a:solidFill>
+              <a:latin typeface="Arial"/>
+            </a:endParaRPr>
+          </a:p>
+          <a:p>
+            <a:pPr marL="432000" indent="-324000">
+              <a:lnSpc>
+                <a:spcPct val="100000"/>
+              </a:lnSpc>
+              <a:spcBef>
+                <a:spcPts val="1417"/>
+              </a:spcBef>
+              <a:buClr>
+                <a:srgbClr val="000000"/>
+              </a:buClr>
+              <a:buSzPct val="45000"/>
+              <a:buFont typeface="Wingdings" charset="2"/>
+              <a:buChar char=""/>
+            </a:pPr>
+            <a:r>
+              <a:rPr b="0" lang="da-DK" sz="3200" spc="-1" strike="noStrike">
+                <a:solidFill>
+                  <a:srgbClr val="000000"/>
+                </a:solidFill>
+                <a:latin typeface="Arial"/>
+              </a:rPr>
+              <a:t>https://web.eecs.umich.edu/~fessler/course/100/index.html</a:t>
+            </a:r>
+            <a:endParaRPr b="0" lang="en-US" sz="3200" spc="-1" strike="noStrike">
+              <a:solidFill>
+                <a:srgbClr val="000000"/>
+              </a:solidFill>
+              <a:latin typeface="Arial"/>
+            </a:endParaRPr>
+          </a:p>
+        </p:txBody>
+      </p:sp>
+      <p:sp>
+        <p:nvSpPr>
+          <p:cNvPr id="134" name="PlaceHolder 5"/>
+          <p:cNvSpPr>
+            <a:spLocks noGrp="1"/>
+          </p:cNvSpPr>
+          <p:nvPr>
+            <p:ph/>
+          </p:nvPr>
+        </p:nvSpPr>
+        <p:spPr>
+          <a:xfrm>
+            <a:off x="4753440" y="4612320"/>
+            <a:ext cx="4425840" cy="1567440"/>
+          </a:xfrm>
+          <a:prstGeom prst="rect">
+            <a:avLst/>
+          </a:prstGeom>
+          <a:noFill/>
+          <a:ln w="0">
+            <a:noFill/>
+          </a:ln>
+        </p:spPr>
+        <p:txBody>
+          <a:bodyPr lIns="0" rIns="0" tIns="0" bIns="0" anchor="t">
+            <a:normAutofit/>
+          </a:bodyPr>
+          <a:p>
+            <a:pPr marL="432000" indent="-324000">
+              <a:lnSpc>
+                <a:spcPct val="100000"/>
+              </a:lnSpc>
+              <a:spcBef>
+                <a:spcPts val="1417"/>
+              </a:spcBef>
+              <a:buClr>
+                <a:srgbClr val="000000"/>
+              </a:buClr>
+              <a:buSzPct val="45000"/>
+              <a:buFont typeface="Wingdings" charset="2"/>
+              <a:buChar char=""/>
+            </a:pPr>
+            <a:r>
+              <a:rPr b="0" lang="da-DK" sz="3200" spc="-1" strike="noStrike">
+                <a:solidFill>
+                  <a:srgbClr val="000000"/>
+                </a:solidFill>
+                <a:latin typeface="Arial"/>
+              </a:rPr>
+              <a:t>tp2750/TuningSystems.jl</a:t>
+            </a:r>
+            <a:endParaRPr b="0" lang="en-US" sz="3200" spc="-1" strike="noStrike">
               <a:solidFill>
                 <a:srgbClr val="000000"/>
               </a:solidFill>
@@ -9876,18 +11101,18 @@
       </p:sp>
       <p:pic>
         <p:nvPicPr>
-          <p:cNvPr id="126" name="" descr=""/>
+          <p:cNvPr id="135" name="" descr=""/>
           <p:cNvPicPr/>
           <p:nvPr/>
         </p:nvPicPr>
         <p:blipFill>
-          <a:blip r:embed="rId1"/>
+          <a:blip r:embed="rId5"/>
           <a:stretch/>
         </p:blipFill>
         <p:spPr>
           <a:xfrm>
-            <a:off x="74160" y="1260000"/>
-            <a:ext cx="2265480" cy="915840"/>
+            <a:off x="8460000" y="4140000"/>
+            <a:ext cx="1539360" cy="1539360"/>
           </a:xfrm>
           <a:prstGeom prst="rect">
             <a:avLst/>
@@ -9897,280 +11122,6 @@
           </a:ln>
         </p:spPr>
       </p:pic>
-      <p:sp>
-        <p:nvSpPr>
-          <p:cNvPr id="127" name=""/>
-          <p:cNvSpPr/>
-          <p:nvPr/>
-        </p:nvSpPr>
-        <p:spPr>
-          <a:xfrm>
-            <a:off x="-26280" y="2160000"/>
-            <a:ext cx="2905920" cy="218160"/>
-          </a:xfrm>
-          <a:prstGeom prst="rect">
-            <a:avLst/>
-          </a:prstGeom>
-          <a:noFill/>
-          <a:ln w="0">
-            <a:noFill/>
-          </a:ln>
-        </p:spPr>
-        <p:style>
-          <a:lnRef idx="0"/>
-          <a:fillRef idx="0"/>
-          <a:effectRef idx="0"/>
-          <a:fontRef idx="minor"/>
-        </p:style>
-        <p:txBody>
-          <a:bodyPr lIns="90000" rIns="90000" tIns="45000" bIns="45000" anchor="t">
-            <a:noAutofit/>
-          </a:bodyPr>
-          <a:p>
-            <a:pPr>
-              <a:lnSpc>
-                <a:spcPct val="100000"/>
-              </a:lnSpc>
-            </a:pPr>
-            <a:r>
-              <a:rPr b="0" lang="da-DK" sz="900" spc="-1" strike="noStrike">
-                <a:solidFill>
-                  <a:srgbClr val="000000"/>
-                </a:solidFill>
-                <a:latin typeface="Arial"/>
-              </a:rPr>
-              <a:t>By Hyacinth at the English Wikipedia, CC BY-SA 3.0</a:t>
-            </a:r>
-            <a:endParaRPr b="0" lang="en-US" sz="900" spc="-1" strike="noStrike">
-              <a:solidFill>
-                <a:srgbClr val="000000"/>
-              </a:solidFill>
-              <a:latin typeface="Arial"/>
-            </a:endParaRPr>
-          </a:p>
-        </p:txBody>
-      </p:sp>
-      <p:pic>
-        <p:nvPicPr>
-          <p:cNvPr id="128" name="" descr=""/>
-          <p:cNvPicPr/>
-          <p:nvPr/>
-        </p:nvPicPr>
-        <p:blipFill>
-          <a:blip r:embed="rId2"/>
-          <a:stretch/>
-        </p:blipFill>
-        <p:spPr>
-          <a:xfrm>
-            <a:off x="360" y="4411080"/>
-            <a:ext cx="10080000" cy="1259280"/>
-          </a:xfrm>
-          <a:prstGeom prst="rect">
-            <a:avLst/>
-          </a:prstGeom>
-          <a:ln w="0">
-            <a:noFill/>
-          </a:ln>
-        </p:spPr>
-      </p:pic>
-      <p:pic>
-        <p:nvPicPr>
-          <p:cNvPr id="129" name="" descr="">
-            <a:hlinkClick r:id="rId3"/>
-          </p:cNvPr>
-          <p:cNvPicPr/>
-          <p:nvPr/>
-        </p:nvPicPr>
-        <p:blipFill>
-          <a:blip r:embed="rId4"/>
-          <a:stretch/>
-        </p:blipFill>
-        <p:spPr>
-          <a:xfrm>
-            <a:off x="0" y="2685240"/>
-            <a:ext cx="3269520" cy="1634400"/>
-          </a:xfrm>
-          <a:prstGeom prst="rect">
-            <a:avLst/>
-          </a:prstGeom>
-          <a:ln w="0">
-            <a:noFill/>
-          </a:ln>
-        </p:spPr>
-      </p:pic>
-      <p:pic>
-        <p:nvPicPr>
-          <p:cNvPr id="130" name="" descr="">
-            <a:hlinkClick r:id="rId5"/>
-          </p:cNvPr>
-          <p:cNvPicPr/>
-          <p:nvPr/>
-        </p:nvPicPr>
-        <p:blipFill>
-          <a:blip r:embed="rId6"/>
-          <a:stretch/>
-        </p:blipFill>
-        <p:spPr>
-          <a:xfrm>
-            <a:off x="3292920" y="2636640"/>
-            <a:ext cx="3366720" cy="1683000"/>
-          </a:xfrm>
-          <a:prstGeom prst="rect">
-            <a:avLst/>
-          </a:prstGeom>
-          <a:ln w="0">
-            <a:noFill/>
-          </a:ln>
-        </p:spPr>
-      </p:pic>
-      <p:pic>
-        <p:nvPicPr>
-          <p:cNvPr id="131" name="" descr="">
-            <a:hlinkClick r:id="rId7"/>
-          </p:cNvPr>
-          <p:cNvPicPr/>
-          <p:nvPr/>
-        </p:nvPicPr>
-        <p:blipFill>
-          <a:blip r:embed="rId8"/>
-          <a:stretch/>
-        </p:blipFill>
-        <p:spPr>
-          <a:xfrm>
-            <a:off x="6660000" y="2636640"/>
-            <a:ext cx="3420360" cy="1710000"/>
-          </a:xfrm>
-          <a:prstGeom prst="rect">
-            <a:avLst/>
-          </a:prstGeom>
-          <a:ln w="0">
-            <a:noFill/>
-          </a:ln>
-        </p:spPr>
-      </p:pic>
-      <p:sp>
-        <p:nvSpPr>
-          <p:cNvPr id="132" name=""/>
-          <p:cNvSpPr/>
-          <p:nvPr/>
-        </p:nvSpPr>
-        <p:spPr>
-          <a:xfrm>
-            <a:off x="3780000" y="1266480"/>
-            <a:ext cx="3599640" cy="1369800"/>
-          </a:xfrm>
-          <a:prstGeom prst="rect">
-            <a:avLst/>
-          </a:prstGeom>
-          <a:noFill/>
-          <a:ln w="0">
-            <a:noFill/>
-          </a:ln>
-        </p:spPr>
-        <p:style>
-          <a:lnRef idx="0"/>
-          <a:fillRef idx="0"/>
-          <a:effectRef idx="0"/>
-          <a:fontRef idx="minor"/>
-        </p:style>
-        <p:txBody>
-          <a:bodyPr lIns="90000" rIns="90000" tIns="45000" bIns="45000" anchor="t">
-            <a:noAutofit/>
-          </a:bodyPr>
-          <a:p>
-            <a:pPr>
-              <a:lnSpc>
-                <a:spcPct val="100000"/>
-              </a:lnSpc>
-            </a:pPr>
-            <a:r>
-              <a:rPr b="0" lang="da-DK" sz="1800" spc="-1" strike="noStrike">
-                <a:solidFill>
-                  <a:srgbClr val="000000"/>
-                </a:solidFill>
-                <a:latin typeface="Arial"/>
-              </a:rPr>
-              <a:t>F: (4:5:6) / 6</a:t>
-            </a:r>
-            <a:endParaRPr b="0" lang="en-US" sz="1800" spc="-1" strike="noStrike">
-              <a:solidFill>
-                <a:srgbClr val="000000"/>
-              </a:solidFill>
-              <a:latin typeface="Arial"/>
-            </a:endParaRPr>
-          </a:p>
-          <a:p>
-            <a:pPr>
-              <a:lnSpc>
-                <a:spcPct val="100000"/>
-              </a:lnSpc>
-            </a:pPr>
-            <a:r>
-              <a:rPr b="0" lang="da-DK" sz="1800" spc="-1" strike="noStrike">
-                <a:solidFill>
-                  <a:srgbClr val="000000"/>
-                </a:solidFill>
-                <a:latin typeface="Arial"/>
-              </a:rPr>
-              <a:t>C: (4:5:6) / 4</a:t>
-            </a:r>
-            <a:endParaRPr b="0" lang="en-US" sz="1800" spc="-1" strike="noStrike">
-              <a:solidFill>
-                <a:srgbClr val="000000"/>
-              </a:solidFill>
-              <a:latin typeface="Arial"/>
-            </a:endParaRPr>
-          </a:p>
-          <a:p>
-            <a:pPr>
-              <a:lnSpc>
-                <a:spcPct val="100000"/>
-              </a:lnSpc>
-            </a:pPr>
-            <a:r>
-              <a:rPr b="0" lang="da-DK" sz="1800" spc="-1" strike="noStrike">
-                <a:solidFill>
-                  <a:srgbClr val="000000"/>
-                </a:solidFill>
-                <a:latin typeface="Arial"/>
-              </a:rPr>
-              <a:t>G: (12:15:18) / 4 = 3 * (4:5:6) / 4</a:t>
-            </a:r>
-            <a:endParaRPr b="0" lang="en-US" sz="1800" spc="-1" strike="noStrike">
-              <a:solidFill>
-                <a:srgbClr val="000000"/>
-              </a:solidFill>
-              <a:latin typeface="Arial"/>
-            </a:endParaRPr>
-          </a:p>
-          <a:p>
-            <a:pPr>
-              <a:lnSpc>
-                <a:spcPct val="100000"/>
-              </a:lnSpc>
-            </a:pPr>
-            <a:endParaRPr b="0" lang="en-US" sz="1800" spc="-1" strike="noStrike">
-              <a:solidFill>
-                <a:srgbClr val="000000"/>
-              </a:solidFill>
-              <a:latin typeface="Arial"/>
-            </a:endParaRPr>
-          </a:p>
-          <a:p>
-            <a:pPr>
-              <a:lnSpc>
-                <a:spcPct val="100000"/>
-              </a:lnSpc>
-            </a:pPr>
-            <a:endParaRPr b="0" lang="en-US" sz="1800" spc="-1" strike="noStrike">
-              <a:solidFill>
-                <a:srgbClr val="000000"/>
-              </a:solidFill>
-              <a:latin typeface="Arial"/>
-            </a:endParaRPr>
-          </a:p>
-        </p:txBody>
-      </p:sp>
     </p:spTree>
   </p:cSld>
   <mc:AlternateContent>
@@ -10214,7 +11165,7 @@
         <p:spPr>
           <a:xfrm>
             <a:off x="504000" y="226080"/>
-            <a:ext cx="9070920" cy="945720"/>
+            <a:ext cx="9070560" cy="945360"/>
           </a:xfrm>
           <a:prstGeom prst="rect">
             <a:avLst/>
@@ -10269,7 +11220,7 @@
         <p:spPr>
           <a:xfrm>
             <a:off x="504000" y="1326600"/>
-            <a:ext cx="9070920" cy="3287520"/>
+            <a:ext cx="9070560" cy="3287160"/>
           </a:xfrm>
           <a:prstGeom prst="rect">
             <a:avLst/>
@@ -10312,7 +11263,7 @@
         <p:spPr>
           <a:xfrm>
             <a:off x="3278520" y="1260360"/>
-            <a:ext cx="3380760" cy="2524680"/>
+            <a:ext cx="3380400" cy="2524320"/>
           </a:xfrm>
           <a:prstGeom prst="rect">
             <a:avLst/>
@@ -10331,7 +11282,7 @@
         <p:spPr>
           <a:xfrm>
             <a:off x="3240000" y="3828240"/>
-            <a:ext cx="4858920" cy="1930680"/>
+            <a:ext cx="4858560" cy="1930320"/>
           </a:xfrm>
           <a:prstGeom prst="rect">
             <a:avLst/>
@@ -10471,828 +11422,7 @@
         <p:spPr>
           <a:xfrm>
             <a:off x="9009360" y="4680000"/>
-            <a:ext cx="990360" cy="990360"/>
-          </a:xfrm>
-          <a:prstGeom prst="rect">
-            <a:avLst/>
-          </a:prstGeom>
-          <a:ln w="0">
-            <a:noFill/>
-          </a:ln>
-        </p:spPr>
-      </p:pic>
-    </p:spTree>
-  </p:cSld>
-  <mc:AlternateContent>
-    <mc:Choice Requires="p14">
-      <p:transition spd="slow" p14:dur="2000"/>
-    </mc:Choice>
-    <mc:Fallback>
-      <p:transition spd="slow"/>
-    </mc:Fallback>
-  </mc:AlternateContent>
-</p:sld>
-</file>
-
-<file path=ppt/slides/slide20.xml><?xml version="1.0" encoding="utf-8"?>
-<p:sld xmlns:a="http://schemas.openxmlformats.org/drawingml/2006/main" xmlns:p="http://schemas.openxmlformats.org/presentationml/2006/main" xmlns:r="http://schemas.openxmlformats.org/officeDocument/2006/relationships" xmlns:p14="http://schemas.microsoft.com/office/powerpoint/2010/main" xmlns:p15="http://schemas.microsoft.com/office/powerpoint/2012/main" xmlns:mc="http://schemas.openxmlformats.org/markup-compatibility/2006">
-  <p:cSld>
-    <p:spTree>
-      <p:nvGrpSpPr>
-        <p:cNvPr id="1" name=""/>
-        <p:cNvGrpSpPr/>
-        <p:nvPr/>
-      </p:nvGrpSpPr>
-      <p:grpSpPr>
-        <a:xfrm>
-          <a:off x="0" y="0"/>
-          <a:ext cx="0" cy="0"/>
-          <a:chOff x="0" y="0"/>
-          <a:chExt cx="0" cy="0"/>
-        </a:xfrm>
-      </p:grpSpPr>
-      <p:sp>
-        <p:nvSpPr>
-          <p:cNvPr id="133" name="PlaceHolder 1"/>
-          <p:cNvSpPr>
-            <a:spLocks noGrp="1"/>
-          </p:cNvSpPr>
-          <p:nvPr>
-            <p:ph type="title"/>
-          </p:nvPr>
-        </p:nvSpPr>
-        <p:spPr>
-          <a:xfrm>
-            <a:off x="504000" y="226080"/>
-            <a:ext cx="9070920" cy="945720"/>
-          </a:xfrm>
-          <a:prstGeom prst="rect">
-            <a:avLst/>
-          </a:prstGeom>
-          <a:noFill/>
-          <a:ln w="0">
-            <a:noFill/>
-          </a:ln>
-        </p:spPr>
-        <p:txBody>
-          <a:bodyPr lIns="0" rIns="0" tIns="0" bIns="0" anchor="ctr">
-            <a:noAutofit/>
-          </a:bodyPr>
-          <a:p>
-            <a:pPr indent="0" algn="ctr">
-              <a:lnSpc>
-                <a:spcPct val="100000"/>
-              </a:lnSpc>
-              <a:buNone/>
-              <a:tabLst>
-                <a:tab algn="l" pos="0"/>
-              </a:tabLst>
-            </a:pPr>
-            <a:r>
-              <a:rPr b="0" lang="da-DK" sz="4400" spc="-1" strike="noStrike">
-                <a:solidFill>
-                  <a:srgbClr val="000000"/>
-                </a:solidFill>
-                <a:latin typeface="Arial"/>
-              </a:rPr>
-              <a:t>Thank You!</a:t>
-            </a:r>
-            <a:endParaRPr b="0" lang="en-US" sz="4400" spc="-1" strike="noStrike">
-              <a:solidFill>
-                <a:srgbClr val="000000"/>
-              </a:solidFill>
-              <a:latin typeface="Arial"/>
-            </a:endParaRPr>
-          </a:p>
-        </p:txBody>
-      </p:sp>
-      <p:sp>
-        <p:nvSpPr>
-          <p:cNvPr id="134" name="PlaceHolder 2"/>
-          <p:cNvSpPr>
-            <a:spLocks noGrp="1"/>
-          </p:cNvSpPr>
-          <p:nvPr>
-            <p:ph/>
-          </p:nvPr>
-        </p:nvSpPr>
-        <p:spPr>
-          <a:xfrm>
-            <a:off x="504000" y="1326600"/>
-            <a:ext cx="4426200" cy="1567800"/>
-          </a:xfrm>
-          <a:prstGeom prst="rect">
-            <a:avLst/>
-          </a:prstGeom>
-          <a:noFill/>
-          <a:ln w="0">
-            <a:noFill/>
-          </a:ln>
-        </p:spPr>
-        <p:txBody>
-          <a:bodyPr lIns="0" rIns="0" tIns="0" bIns="0" anchor="t">
-            <a:normAutofit/>
-          </a:bodyPr>
-          <a:p>
-            <a:pPr marL="432000" indent="-324000">
-              <a:lnSpc>
-                <a:spcPct val="100000"/>
-              </a:lnSpc>
-              <a:spcBef>
-                <a:spcPts val="1417"/>
-              </a:spcBef>
-              <a:buClr>
-                <a:srgbClr val="000000"/>
-              </a:buClr>
-              <a:buSzPct val="45000"/>
-              <a:buFont typeface="Wingdings" charset="2"/>
-              <a:buChar char=""/>
-            </a:pPr>
-            <a:r>
-              <a:rPr b="0" lang="da-DK" sz="3200" spc="-1" strike="noStrike">
-                <a:solidFill>
-                  <a:srgbClr val="000000"/>
-                </a:solidFill>
-                <a:latin typeface="Arial"/>
-              </a:rPr>
-              <a:t>JuliaMusic/MIDI.jl</a:t>
-            </a:r>
-            <a:endParaRPr b="0" lang="en-US" sz="3200" spc="-1" strike="noStrike">
-              <a:solidFill>
-                <a:srgbClr val="000000"/>
-              </a:solidFill>
-              <a:latin typeface="Arial"/>
-            </a:endParaRPr>
-          </a:p>
-          <a:p>
-            <a:pPr marL="432000" indent="-324000">
-              <a:lnSpc>
-                <a:spcPct val="100000"/>
-              </a:lnSpc>
-              <a:spcBef>
-                <a:spcPts val="1417"/>
-              </a:spcBef>
-              <a:buClr>
-                <a:srgbClr val="000000"/>
-              </a:buClr>
-              <a:buSzPct val="45000"/>
-              <a:buFont typeface="Wingdings" charset="2"/>
-              <a:buChar char=""/>
-            </a:pPr>
-            <a:r>
-              <a:rPr b="0" lang="da-DK" sz="3200" spc="-1" strike="noStrike">
-                <a:solidFill>
-                  <a:srgbClr val="000000"/>
-                </a:solidFill>
-                <a:latin typeface="Arial"/>
-              </a:rPr>
-              <a:t>dancasimiro/WAV.jl</a:t>
-            </a:r>
-            <a:endParaRPr b="0" lang="en-US" sz="3200" spc="-1" strike="noStrike">
-              <a:solidFill>
-                <a:srgbClr val="000000"/>
-              </a:solidFill>
-              <a:latin typeface="Arial"/>
-            </a:endParaRPr>
-          </a:p>
-        </p:txBody>
-      </p:sp>
-      <p:sp>
-        <p:nvSpPr>
-          <p:cNvPr id="135" name="PlaceHolder 3"/>
-          <p:cNvSpPr>
-            <a:spLocks noGrp="1"/>
-          </p:cNvSpPr>
-          <p:nvPr>
-            <p:ph/>
-          </p:nvPr>
-        </p:nvSpPr>
-        <p:spPr>
-          <a:xfrm>
-            <a:off x="5152320" y="1080000"/>
-            <a:ext cx="4426200" cy="3419640"/>
-          </a:xfrm>
-          <a:prstGeom prst="rect">
-            <a:avLst/>
-          </a:prstGeom>
-          <a:noFill/>
-          <a:ln w="0">
-            <a:noFill/>
-          </a:ln>
-        </p:spPr>
-        <p:txBody>
-          <a:bodyPr lIns="0" rIns="0" tIns="0" bIns="0" anchor="t">
-            <a:normAutofit fontScale="62222" lnSpcReduction="10000"/>
-          </a:bodyPr>
-          <a:p>
-            <a:pPr marL="432000" indent="-324000">
-              <a:lnSpc>
-                <a:spcPct val="100000"/>
-              </a:lnSpc>
-              <a:spcBef>
-                <a:spcPts val="1417"/>
-              </a:spcBef>
-              <a:buClr>
-                <a:srgbClr val="000000"/>
-              </a:buClr>
-              <a:buSzPct val="45000"/>
-              <a:buFont typeface="Wingdings" charset="2"/>
-              <a:buChar char=""/>
-            </a:pPr>
-            <a:r>
-              <a:rPr b="0" lang="da-DK" sz="3200" spc="-1" strike="noStrike">
-                <a:solidFill>
-                  <a:srgbClr val="000000"/>
-                </a:solidFill>
-                <a:latin typeface="Arial"/>
-              </a:rPr>
-              <a:t>References </a:t>
-            </a:r>
-            <a:endParaRPr b="0" lang="en-US" sz="3200" spc="-1" strike="noStrike">
-              <a:solidFill>
-                <a:srgbClr val="000000"/>
-              </a:solidFill>
-              <a:latin typeface="Arial"/>
-            </a:endParaRPr>
-          </a:p>
-          <a:p>
-            <a:pPr lvl="1" marL="864000" indent="-324000">
-              <a:lnSpc>
-                <a:spcPct val="100000"/>
-              </a:lnSpc>
-              <a:spcBef>
-                <a:spcPts val="1134"/>
-              </a:spcBef>
-              <a:buClr>
-                <a:srgbClr val="000000"/>
-              </a:buClr>
-              <a:buSzPct val="75000"/>
-              <a:buFont typeface="Symbol"/>
-              <a:buChar char=""/>
-            </a:pPr>
-            <a:r>
-              <a:rPr b="0" lang="da-DK" sz="2800" spc="-1" strike="noStrike">
-                <a:solidFill>
-                  <a:srgbClr val="000000"/>
-                </a:solidFill>
-                <a:latin typeface="Arial"/>
-              </a:rPr>
-              <a:t>John Carlos Baez:</a:t>
-            </a:r>
-            <a:endParaRPr b="0" lang="en-US" sz="2800" spc="-1" strike="noStrike">
-              <a:solidFill>
-                <a:srgbClr val="000000"/>
-              </a:solidFill>
-              <a:latin typeface="Arial"/>
-            </a:endParaRPr>
-          </a:p>
-          <a:p>
-            <a:pPr lvl="2" marL="1296000" indent="-288000">
-              <a:lnSpc>
-                <a:spcPct val="100000"/>
-              </a:lnSpc>
-              <a:spcBef>
-                <a:spcPts val="850"/>
-              </a:spcBef>
-              <a:buClr>
-                <a:srgbClr val="000000"/>
-              </a:buClr>
-              <a:buSzPct val="45000"/>
-              <a:buFont typeface="Wingdings" charset="2"/>
-              <a:buChar char=""/>
-            </a:pPr>
-            <a:r>
-              <a:rPr b="0" lang="da-DK" sz="2400" spc="-1" strike="noStrike" u="sng">
-                <a:solidFill>
-                  <a:srgbClr val="0000ee"/>
-                </a:solidFill>
-                <a:uFillTx/>
-                <a:latin typeface="Arial"/>
-                <a:hlinkClick r:id="rId1"/>
-              </a:rPr>
-              <a:t>Well Temperements Part 1</a:t>
-            </a:r>
-            <a:endParaRPr b="0" lang="en-US" sz="2400" spc="-1" strike="noStrike">
-              <a:solidFill>
-                <a:srgbClr val="000000"/>
-              </a:solidFill>
-              <a:latin typeface="Arial"/>
-            </a:endParaRPr>
-          </a:p>
-          <a:p>
-            <a:pPr lvl="2" marL="1296000" indent="-288000">
-              <a:lnSpc>
-                <a:spcPct val="100000"/>
-              </a:lnSpc>
-              <a:spcBef>
-                <a:spcPts val="850"/>
-              </a:spcBef>
-              <a:buClr>
-                <a:srgbClr val="000000"/>
-              </a:buClr>
-              <a:buSzPct val="45000"/>
-              <a:buFont typeface="Wingdings" charset="2"/>
-              <a:buChar char=""/>
-            </a:pPr>
-            <a:r>
-              <a:rPr b="0" lang="da-DK" sz="2400" spc="-1" strike="noStrike" u="sng">
-                <a:solidFill>
-                  <a:srgbClr val="0000ee"/>
-                </a:solidFill>
-                <a:uFillTx/>
-                <a:latin typeface="Arial"/>
-                <a:hlinkClick r:id="rId2"/>
-              </a:rPr>
-              <a:t>Pythagorean Tuning</a:t>
-            </a:r>
-            <a:endParaRPr b="0" lang="en-US" sz="2400" spc="-1" strike="noStrike">
-              <a:solidFill>
-                <a:srgbClr val="000000"/>
-              </a:solidFill>
-              <a:latin typeface="Arial"/>
-            </a:endParaRPr>
-          </a:p>
-          <a:p>
-            <a:pPr lvl="2" marL="1296000" indent="-288000">
-              <a:lnSpc>
-                <a:spcPct val="100000"/>
-              </a:lnSpc>
-              <a:spcBef>
-                <a:spcPts val="850"/>
-              </a:spcBef>
-              <a:buClr>
-                <a:srgbClr val="000000"/>
-              </a:buClr>
-              <a:buSzPct val="45000"/>
-              <a:buFont typeface="Wingdings" charset="2"/>
-              <a:buChar char=""/>
-            </a:pPr>
-            <a:r>
-              <a:rPr b="0" lang="da-DK" sz="2400" spc="-1" strike="noStrike" u="sng">
-                <a:solidFill>
-                  <a:srgbClr val="0000ee"/>
-                </a:solidFill>
-                <a:uFillTx/>
-                <a:latin typeface="Arial"/>
-                <a:hlinkClick r:id="rId3"/>
-              </a:rPr>
-              <a:t>Just Intonation Part 1</a:t>
-            </a:r>
-            <a:endParaRPr b="0" lang="en-US" sz="2400" spc="-1" strike="noStrike">
-              <a:solidFill>
-                <a:srgbClr val="000000"/>
-              </a:solidFill>
-              <a:latin typeface="Arial"/>
-            </a:endParaRPr>
-          </a:p>
-          <a:p>
-            <a:pPr lvl="2" marL="1296000" indent="-288000">
-              <a:lnSpc>
-                <a:spcPct val="100000"/>
-              </a:lnSpc>
-              <a:spcBef>
-                <a:spcPts val="850"/>
-              </a:spcBef>
-              <a:buClr>
-                <a:srgbClr val="000000"/>
-              </a:buClr>
-              <a:buSzPct val="45000"/>
-              <a:buFont typeface="Wingdings" charset="2"/>
-              <a:buChar char=""/>
-            </a:pPr>
-            <a:r>
-              <a:rPr b="0" lang="da-DK" sz="2400" spc="-1" strike="noStrike" u="sng">
-                <a:solidFill>
-                  <a:srgbClr val="0000ee"/>
-                </a:solidFill>
-                <a:uFillTx/>
-                <a:latin typeface="Arial"/>
-                <a:hlinkClick r:id="rId4"/>
-              </a:rPr>
-              <a:t>Perfect fifths in equal tempered scales</a:t>
-            </a:r>
-            <a:endParaRPr b="0" lang="en-US" sz="2400" spc="-1" strike="noStrike">
-              <a:solidFill>
-                <a:srgbClr val="000000"/>
-              </a:solidFill>
-              <a:latin typeface="Arial"/>
-            </a:endParaRPr>
-          </a:p>
-          <a:p>
-            <a:pPr lvl="1" marL="864000" indent="-324000">
-              <a:lnSpc>
-                <a:spcPct val="100000"/>
-              </a:lnSpc>
-              <a:spcBef>
-                <a:spcPts val="1134"/>
-              </a:spcBef>
-              <a:buClr>
-                <a:srgbClr val="000000"/>
-              </a:buClr>
-              <a:buSzPct val="75000"/>
-              <a:buFont typeface="Symbol"/>
-              <a:buChar char=""/>
-            </a:pPr>
-            <a:r>
-              <a:rPr b="0" lang="da-DK" sz="2800" spc="-1" strike="noStrike">
-                <a:solidFill>
-                  <a:srgbClr val="000000"/>
-                </a:solidFill>
-                <a:latin typeface="Arial"/>
-              </a:rPr>
-              <a:t>Wikipedia</a:t>
-            </a:r>
-            <a:endParaRPr b="0" lang="en-US" sz="2800" spc="-1" strike="noStrike">
-              <a:solidFill>
-                <a:srgbClr val="000000"/>
-              </a:solidFill>
-              <a:latin typeface="Arial"/>
-            </a:endParaRPr>
-          </a:p>
-          <a:p>
-            <a:pPr lvl="2" marL="1296000" indent="-288000">
-              <a:lnSpc>
-                <a:spcPct val="100000"/>
-              </a:lnSpc>
-              <a:spcBef>
-                <a:spcPts val="850"/>
-              </a:spcBef>
-              <a:buClr>
-                <a:srgbClr val="000000"/>
-              </a:buClr>
-              <a:buSzPct val="45000"/>
-              <a:buFont typeface="Wingdings" charset="2"/>
-              <a:buChar char=""/>
-            </a:pPr>
-            <a:r>
-              <a:rPr b="0" lang="da-DK" sz="2400" spc="-1" strike="noStrike">
-                <a:solidFill>
-                  <a:srgbClr val="000000"/>
-                </a:solidFill>
-                <a:latin typeface="Arial"/>
-              </a:rPr>
-              <a:t>Musical Tuning</a:t>
-            </a:r>
-            <a:endParaRPr b="0" lang="en-US" sz="2400" spc="-1" strike="noStrike">
-              <a:solidFill>
-                <a:srgbClr val="000000"/>
-              </a:solidFill>
-              <a:latin typeface="Arial"/>
-            </a:endParaRPr>
-          </a:p>
-          <a:p>
-            <a:pPr lvl="2" marL="1296000" indent="-288000">
-              <a:lnSpc>
-                <a:spcPct val="100000"/>
-              </a:lnSpc>
-              <a:spcBef>
-                <a:spcPts val="850"/>
-              </a:spcBef>
-              <a:buClr>
-                <a:srgbClr val="000000"/>
-              </a:buClr>
-              <a:buSzPct val="45000"/>
-              <a:buFont typeface="Wingdings" charset="2"/>
-              <a:buChar char=""/>
-            </a:pPr>
-            <a:r>
-              <a:rPr b="0" lang="da-DK" sz="2400" spc="-1" strike="noStrike">
-                <a:solidFill>
-                  <a:srgbClr val="000000"/>
-                </a:solidFill>
-                <a:latin typeface="Arial"/>
-              </a:rPr>
-              <a:t>Equal Temperement</a:t>
-            </a:r>
-            <a:endParaRPr b="0" lang="en-US" sz="2400" spc="-1" strike="noStrike">
-              <a:solidFill>
-                <a:srgbClr val="000000"/>
-              </a:solidFill>
-              <a:latin typeface="Arial"/>
-            </a:endParaRPr>
-          </a:p>
-          <a:p>
-            <a:pPr lvl="2" marL="1296000" indent="-288000">
-              <a:lnSpc>
-                <a:spcPct val="100000"/>
-              </a:lnSpc>
-              <a:spcBef>
-                <a:spcPts val="850"/>
-              </a:spcBef>
-              <a:buClr>
-                <a:srgbClr val="000000"/>
-              </a:buClr>
-              <a:buSzPct val="45000"/>
-              <a:buFont typeface="Wingdings" charset="2"/>
-              <a:buChar char=""/>
-            </a:pPr>
-            <a:r>
-              <a:rPr b="0" lang="da-DK" sz="2400" spc="-1" strike="noStrike">
-                <a:solidFill>
-                  <a:srgbClr val="000000"/>
-                </a:solidFill>
-                <a:latin typeface="Arial"/>
-              </a:rPr>
-              <a:t>Pythagorean Tuning</a:t>
-            </a:r>
-            <a:endParaRPr b="0" lang="en-US" sz="2400" spc="-1" strike="noStrike">
-              <a:solidFill>
-                <a:srgbClr val="000000"/>
-              </a:solidFill>
-              <a:latin typeface="Arial"/>
-            </a:endParaRPr>
-          </a:p>
-          <a:p>
-            <a:pPr lvl="2" marL="1296000" indent="-288000">
-              <a:lnSpc>
-                <a:spcPct val="100000"/>
-              </a:lnSpc>
-              <a:spcBef>
-                <a:spcPts val="850"/>
-              </a:spcBef>
-              <a:buClr>
-                <a:srgbClr val="000000"/>
-              </a:buClr>
-              <a:buSzPct val="45000"/>
-              <a:buFont typeface="Wingdings" charset="2"/>
-              <a:buChar char=""/>
-            </a:pPr>
-            <a:r>
-              <a:rPr b="0" lang="da-DK" sz="2400" spc="-1" strike="noStrike">
-                <a:solidFill>
-                  <a:srgbClr val="000000"/>
-                </a:solidFill>
-                <a:latin typeface="Arial"/>
-              </a:rPr>
-              <a:t>Just Intonation</a:t>
-            </a:r>
-            <a:endParaRPr b="0" lang="en-US" sz="2400" spc="-1" strike="noStrike">
-              <a:solidFill>
-                <a:srgbClr val="000000"/>
-              </a:solidFill>
-              <a:latin typeface="Arial"/>
-            </a:endParaRPr>
-          </a:p>
-        </p:txBody>
-      </p:sp>
-      <p:sp>
-        <p:nvSpPr>
-          <p:cNvPr id="136" name="PlaceHolder 4"/>
-          <p:cNvSpPr>
-            <a:spLocks noGrp="1"/>
-          </p:cNvSpPr>
-          <p:nvPr>
-            <p:ph/>
-          </p:nvPr>
-        </p:nvSpPr>
-        <p:spPr>
-          <a:xfrm>
-            <a:off x="504000" y="3044160"/>
-            <a:ext cx="4426200" cy="1567800"/>
-          </a:xfrm>
-          <a:prstGeom prst="rect">
-            <a:avLst/>
-          </a:prstGeom>
-          <a:noFill/>
-          <a:ln w="0">
-            <a:noFill/>
-          </a:ln>
-        </p:spPr>
-        <p:txBody>
-          <a:bodyPr lIns="0" rIns="0" tIns="0" bIns="0" anchor="t">
-            <a:normAutofit fontScale="38333"/>
-          </a:bodyPr>
-          <a:p>
-            <a:pPr marL="432000" indent="-324000">
-              <a:lnSpc>
-                <a:spcPct val="100000"/>
-              </a:lnSpc>
-              <a:spcBef>
-                <a:spcPts val="1417"/>
-              </a:spcBef>
-              <a:buClr>
-                <a:srgbClr val="000000"/>
-              </a:buClr>
-              <a:buSzPct val="45000"/>
-              <a:buFont typeface="Wingdings" charset="2"/>
-              <a:buChar char=""/>
-            </a:pPr>
-            <a:r>
-              <a:rPr b="0" lang="da-DK" sz="3200" spc="-1" strike="noStrike">
-                <a:solidFill>
-                  <a:srgbClr val="000000"/>
-                </a:solidFill>
-                <a:latin typeface="Arial"/>
-              </a:rPr>
-              <a:t>JuliaMusic/MusicTheory</a:t>
-            </a:r>
-            <a:endParaRPr b="0" lang="en-US" sz="3200" spc="-1" strike="noStrike">
-              <a:solidFill>
-                <a:srgbClr val="000000"/>
-              </a:solidFill>
-              <a:latin typeface="Arial"/>
-            </a:endParaRPr>
-          </a:p>
-          <a:p>
-            <a:pPr marL="432000" indent="-324000">
-              <a:lnSpc>
-                <a:spcPct val="100000"/>
-              </a:lnSpc>
-              <a:spcBef>
-                <a:spcPts val="1417"/>
-              </a:spcBef>
-              <a:buClr>
-                <a:srgbClr val="000000"/>
-              </a:buClr>
-              <a:buSzPct val="45000"/>
-              <a:buFont typeface="Wingdings" charset="2"/>
-              <a:buChar char=""/>
-            </a:pPr>
-            <a:r>
-              <a:rPr b="0" lang="da-DK" sz="3200" spc="-1" strike="noStrike">
-                <a:solidFill>
-                  <a:srgbClr val="000000"/>
-                </a:solidFill>
-                <a:latin typeface="Arial"/>
-              </a:rPr>
-              <a:t>JuliaAudio/</a:t>
-            </a:r>
-            <a:endParaRPr b="0" lang="en-US" sz="3200" spc="-1" strike="noStrike">
-              <a:solidFill>
-                <a:srgbClr val="000000"/>
-              </a:solidFill>
-              <a:latin typeface="Arial"/>
-            </a:endParaRPr>
-          </a:p>
-          <a:p>
-            <a:pPr lvl="1" marL="864000" indent="-324000">
-              <a:lnSpc>
-                <a:spcPct val="100000"/>
-              </a:lnSpc>
-              <a:spcBef>
-                <a:spcPts val="1134"/>
-              </a:spcBef>
-              <a:buClr>
-                <a:srgbClr val="000000"/>
-              </a:buClr>
-              <a:buSzPct val="75000"/>
-              <a:buFont typeface="Symbol"/>
-              <a:buChar char=""/>
-            </a:pPr>
-            <a:r>
-              <a:rPr b="0" lang="da-DK" sz="2800" spc="-1" strike="noStrike">
-                <a:solidFill>
-                  <a:srgbClr val="000000"/>
-                </a:solidFill>
-                <a:latin typeface="Arial"/>
-              </a:rPr>
-              <a:t>PortAudio.jl</a:t>
-            </a:r>
-            <a:endParaRPr b="0" lang="en-US" sz="2800" spc="-1" strike="noStrike">
-              <a:solidFill>
-                <a:srgbClr val="000000"/>
-              </a:solidFill>
-              <a:latin typeface="Arial"/>
-            </a:endParaRPr>
-          </a:p>
-          <a:p>
-            <a:pPr lvl="1" marL="864000" indent="-324000">
-              <a:lnSpc>
-                <a:spcPct val="100000"/>
-              </a:lnSpc>
-              <a:spcBef>
-                <a:spcPts val="1134"/>
-              </a:spcBef>
-              <a:buClr>
-                <a:srgbClr val="000000"/>
-              </a:buClr>
-              <a:buSzPct val="75000"/>
-              <a:buFont typeface="Symbol"/>
-              <a:buChar char=""/>
-            </a:pPr>
-            <a:r>
-              <a:rPr b="0" lang="da-DK" sz="2800" spc="-1" strike="noStrike">
-                <a:solidFill>
-                  <a:srgbClr val="000000"/>
-                </a:solidFill>
-                <a:latin typeface="Arial"/>
-              </a:rPr>
-              <a:t>SampledSignals.jl</a:t>
-            </a:r>
-            <a:endParaRPr b="0" lang="en-US" sz="2800" spc="-1" strike="noStrike">
-              <a:solidFill>
-                <a:srgbClr val="000000"/>
-              </a:solidFill>
-              <a:latin typeface="Arial"/>
-            </a:endParaRPr>
-          </a:p>
-          <a:p>
-            <a:pPr marL="432000" indent="-324000">
-              <a:lnSpc>
-                <a:spcPct val="100000"/>
-              </a:lnSpc>
-              <a:spcBef>
-                <a:spcPts val="1417"/>
-              </a:spcBef>
-              <a:buClr>
-                <a:srgbClr val="000000"/>
-              </a:buClr>
-              <a:buSzPct val="45000"/>
-              <a:buFont typeface="Wingdings" charset="2"/>
-              <a:buChar char=""/>
-            </a:pPr>
-            <a:r>
-              <a:rPr b="0" lang="da-DK" sz="3200" spc="-1" strike="noStrike">
-                <a:solidFill>
-                  <a:srgbClr val="000000"/>
-                </a:solidFill>
-                <a:latin typeface="Arial"/>
-              </a:rPr>
-              <a:t>https://web.eecs.umich.edu/~fessler/course/100/index.html</a:t>
-            </a:r>
-            <a:endParaRPr b="0" lang="en-US" sz="3200" spc="-1" strike="noStrike">
-              <a:solidFill>
-                <a:srgbClr val="000000"/>
-              </a:solidFill>
-              <a:latin typeface="Arial"/>
-            </a:endParaRPr>
-          </a:p>
-        </p:txBody>
-      </p:sp>
-      <p:sp>
-        <p:nvSpPr>
-          <p:cNvPr id="137" name="PlaceHolder 5"/>
-          <p:cNvSpPr>
-            <a:spLocks noGrp="1"/>
-          </p:cNvSpPr>
-          <p:nvPr>
-            <p:ph/>
-          </p:nvPr>
-        </p:nvSpPr>
-        <p:spPr>
-          <a:xfrm>
-            <a:off x="4753440" y="4612320"/>
-            <a:ext cx="4426200" cy="1567800"/>
-          </a:xfrm>
-          <a:prstGeom prst="rect">
-            <a:avLst/>
-          </a:prstGeom>
-          <a:noFill/>
-          <a:ln w="0">
-            <a:noFill/>
-          </a:ln>
-        </p:spPr>
-        <p:txBody>
-          <a:bodyPr lIns="0" rIns="0" tIns="0" bIns="0" anchor="t">
-            <a:normAutofit/>
-          </a:bodyPr>
-          <a:p>
-            <a:pPr marL="432000" indent="-324000">
-              <a:lnSpc>
-                <a:spcPct val="100000"/>
-              </a:lnSpc>
-              <a:spcBef>
-                <a:spcPts val="1417"/>
-              </a:spcBef>
-              <a:buClr>
-                <a:srgbClr val="000000"/>
-              </a:buClr>
-              <a:buSzPct val="45000"/>
-              <a:buFont typeface="Wingdings" charset="2"/>
-              <a:buChar char=""/>
-            </a:pPr>
-            <a:r>
-              <a:rPr b="0" lang="da-DK" sz="3200" spc="-1" strike="noStrike">
-                <a:solidFill>
-                  <a:srgbClr val="000000"/>
-                </a:solidFill>
-                <a:latin typeface="Arial"/>
-              </a:rPr>
-              <a:t>tp2750/TuningSystems.jl</a:t>
-            </a:r>
-            <a:endParaRPr b="0" lang="en-US" sz="3200" spc="-1" strike="noStrike">
-              <a:solidFill>
-                <a:srgbClr val="000000"/>
-              </a:solidFill>
-              <a:latin typeface="Arial"/>
-            </a:endParaRPr>
-          </a:p>
-        </p:txBody>
-      </p:sp>
-      <p:pic>
-        <p:nvPicPr>
-          <p:cNvPr id="138" name="" descr=""/>
-          <p:cNvPicPr/>
-          <p:nvPr/>
-        </p:nvPicPr>
-        <p:blipFill>
-          <a:blip r:embed="rId5"/>
-          <a:stretch/>
-        </p:blipFill>
-        <p:spPr>
-          <a:xfrm>
-            <a:off x="8460000" y="4140000"/>
-            <a:ext cx="1539720" cy="1539720"/>
+            <a:ext cx="990000" cy="990000"/>
           </a:xfrm>
           <a:prstGeom prst="rect">
             <a:avLst/>
@@ -11345,7 +11475,7 @@
         <p:spPr>
           <a:xfrm>
             <a:off x="504000" y="226080"/>
-            <a:ext cx="9070920" cy="945720"/>
+            <a:ext cx="9070560" cy="945360"/>
           </a:xfrm>
           <a:prstGeom prst="rect">
             <a:avLst/>
@@ -11385,7 +11515,7 @@
         <p:spPr>
           <a:xfrm>
             <a:off x="504000" y="1326600"/>
-            <a:ext cx="9070920" cy="3287520"/>
+            <a:ext cx="9070560" cy="3287160"/>
           </a:xfrm>
           <a:prstGeom prst="rect">
             <a:avLst/>
@@ -11428,7 +11558,7 @@
         <p:spPr>
           <a:xfrm>
             <a:off x="206640" y="7560"/>
-            <a:ext cx="9668520" cy="5670000"/>
+            <a:ext cx="9668160" cy="5669640"/>
           </a:xfrm>
           <a:prstGeom prst="rect">
             <a:avLst/>
@@ -11481,7 +11611,7 @@
         <p:spPr>
           <a:xfrm>
             <a:off x="504000" y="226080"/>
-            <a:ext cx="9070920" cy="945720"/>
+            <a:ext cx="9070560" cy="945360"/>
           </a:xfrm>
           <a:prstGeom prst="rect">
             <a:avLst/>
@@ -11537,8 +11667,8 @@
         </p:blipFill>
         <p:spPr>
           <a:xfrm>
-            <a:off x="2648520" y="4268520"/>
-            <a:ext cx="1131120" cy="1131120"/>
+            <a:off x="4355640" y="4114800"/>
+            <a:ext cx="1130760" cy="1130760"/>
           </a:xfrm>
           <a:prstGeom prst="rect">
             <a:avLst/>
@@ -11550,43 +11680,19 @@
       </p:pic>
       <p:pic>
         <p:nvPicPr>
-          <p:cNvPr id="52" name="" descr="">
-            <a:hlinkClick r:id="rId3"/>
-          </p:cNvPr>
+          <p:cNvPr id="52" name="" descr=""/>
           <p:cNvPicPr/>
           <p:nvPr/>
         </p:nvPicPr>
         <p:blipFill>
-          <a:blip r:embed="rId4"/>
+          <a:blip r:embed="rId3"/>
+          <a:srcRect l="0" t="0" r="0" b="35117"/>
           <a:stretch/>
         </p:blipFill>
         <p:spPr>
           <a:xfrm>
-            <a:off x="5580000" y="4268520"/>
-            <a:ext cx="1131120" cy="1131120"/>
-          </a:xfrm>
-          <a:prstGeom prst="rect">
-            <a:avLst/>
-          </a:prstGeom>
-          <a:ln w="0">
-            <a:noFill/>
-          </a:ln>
-        </p:spPr>
-      </p:pic>
-      <p:pic>
-        <p:nvPicPr>
-          <p:cNvPr id="53" name="" descr=""/>
-          <p:cNvPicPr/>
-          <p:nvPr/>
-        </p:nvPicPr>
-        <p:blipFill>
-          <a:blip r:embed="rId5"/>
-          <a:stretch/>
-        </p:blipFill>
-        <p:spPr>
-          <a:xfrm>
             <a:off x="540000" y="1798200"/>
-            <a:ext cx="8999640" cy="2161440"/>
+            <a:ext cx="8999280" cy="1401840"/>
           </a:xfrm>
           <a:prstGeom prst="rect">
             <a:avLst/>
@@ -11628,7 +11734,7 @@
       </p:grpSpPr>
       <p:sp>
         <p:nvSpPr>
-          <p:cNvPr id="54" name="PlaceHolder 1"/>
+          <p:cNvPr id="53" name="PlaceHolder 1"/>
           <p:cNvSpPr>
             <a:spLocks noGrp="1"/>
           </p:cNvSpPr>
@@ -11639,7 +11745,7 @@
         <p:spPr>
           <a:xfrm>
             <a:off x="504000" y="0"/>
-            <a:ext cx="9070920" cy="945720"/>
+            <a:ext cx="9070560" cy="945360"/>
           </a:xfrm>
           <a:prstGeom prst="rect">
             <a:avLst/>
@@ -11683,7 +11789,7 @@
       </p:sp>
       <p:sp>
         <p:nvSpPr>
-          <p:cNvPr id="55" name="PlaceHolder 2"/>
+          <p:cNvPr id="54" name="PlaceHolder 2"/>
           <p:cNvSpPr>
             <a:spLocks noGrp="1"/>
           </p:cNvSpPr>
@@ -11694,7 +11800,7 @@
         <p:spPr>
           <a:xfrm>
             <a:off x="504000" y="1326600"/>
-            <a:ext cx="9070920" cy="3287520"/>
+            <a:ext cx="9070560" cy="3287160"/>
           </a:xfrm>
           <a:prstGeom prst="rect">
             <a:avLst/>
@@ -11709,19 +11815,14 @@
             <a:normAutofit/>
           </a:bodyPr>
           <a:p>
-            <a:pPr marL="432000" indent="-324000">
+            <a:pPr marL="432000" indent="0">
               <a:lnSpc>
                 <a:spcPct val="100000"/>
               </a:lnSpc>
               <a:spcBef>
                 <a:spcPts val="1417"/>
               </a:spcBef>
-              <a:buClr>
-                <a:srgbClr val="000000"/>
-              </a:buClr>
-              <a:buSzPct val="45000"/>
-              <a:buFont typeface="Wingdings" charset="2"/>
-              <a:buChar char=""/>
+              <a:buNone/>
             </a:pPr>
             <a:r>
               <a:rPr b="0" lang="da-DK" sz="3200" spc="-1" strike="noStrike">
@@ -11740,19 +11841,14 @@
             </a:endParaRPr>
           </a:p>
           <a:p>
-            <a:pPr lvl="1" marL="864000" indent="-324000">
+            <a:pPr lvl="1" marL="864000" indent="0">
               <a:lnSpc>
                 <a:spcPct val="100000"/>
               </a:lnSpc>
               <a:spcBef>
                 <a:spcPts val="1134"/>
               </a:spcBef>
-              <a:buClr>
-                <a:srgbClr val="000000"/>
-              </a:buClr>
-              <a:buSzPct val="75000"/>
-              <a:buFont typeface="Symbol"/>
-              <a:buChar char=""/>
+              <a:buNone/>
             </a:pPr>
             <a:r>
               <a:rPr b="0" lang="da-DK" sz="2800" spc="-1" strike="noStrike">
@@ -11771,19 +11867,14 @@
             </a:endParaRPr>
           </a:p>
           <a:p>
-            <a:pPr lvl="1" marL="864000" indent="-324000">
+            <a:pPr lvl="1" marL="864000" indent="0">
               <a:lnSpc>
                 <a:spcPct val="100000"/>
               </a:lnSpc>
               <a:spcBef>
                 <a:spcPts val="1134"/>
               </a:spcBef>
-              <a:buClr>
-                <a:srgbClr val="000000"/>
-              </a:buClr>
-              <a:buSzPct val="75000"/>
-              <a:buFont typeface="Symbol"/>
-              <a:buChar char=""/>
+              <a:buNone/>
             </a:pPr>
             <a:r>
               <a:rPr b="0" lang="da-DK" sz="2800" spc="-1" strike="noStrike">
@@ -11805,7 +11896,7 @@
       </p:sp>
       <p:pic>
         <p:nvPicPr>
-          <p:cNvPr id="56" name="" descr=""/>
+          <p:cNvPr id="55" name="" descr=""/>
           <p:cNvPicPr/>
           <p:nvPr/>
         </p:nvPicPr>
@@ -11815,8 +11906,8 @@
         </p:blipFill>
         <p:spPr>
           <a:xfrm>
-            <a:off x="398160" y="3304800"/>
-            <a:ext cx="3561480" cy="2094840"/>
+            <a:off x="3068280" y="3391920"/>
+            <a:ext cx="3561120" cy="2094480"/>
           </a:xfrm>
           <a:prstGeom prst="rect">
             <a:avLst/>
@@ -11828,7 +11919,7 @@
       </p:pic>
       <p:pic>
         <p:nvPicPr>
-          <p:cNvPr id="57" name="" descr="">
+          <p:cNvPr id="56" name="" descr="">
             <a:hlinkClick r:id="rId2"/>
           </p:cNvPr>
           <p:cNvPicPr/>
@@ -11841,7 +11932,7 @@
         <p:spPr>
           <a:xfrm>
             <a:off x="4140000" y="1800000"/>
-            <a:ext cx="591120" cy="591120"/>
+            <a:ext cx="590760" cy="590760"/>
           </a:xfrm>
           <a:prstGeom prst="rect">
             <a:avLst/>
@@ -11853,7 +11944,7 @@
       </p:pic>
       <p:pic>
         <p:nvPicPr>
-          <p:cNvPr id="58" name="" descr="">
+          <p:cNvPr id="57" name="" descr="">
             <a:hlinkClick r:id="rId4"/>
           </p:cNvPr>
           <p:cNvPicPr/>
@@ -11866,7 +11957,7 @@
         <p:spPr>
           <a:xfrm>
             <a:off x="4731480" y="1800360"/>
-            <a:ext cx="591120" cy="591120"/>
+            <a:ext cx="590760" cy="590760"/>
           </a:xfrm>
           <a:prstGeom prst="rect">
             <a:avLst/>
@@ -11878,7 +11969,7 @@
       </p:pic>
       <p:pic>
         <p:nvPicPr>
-          <p:cNvPr id="59" name="" descr="">
+          <p:cNvPr id="58" name="" descr="">
             <a:hlinkClick r:id="rId6"/>
           </p:cNvPr>
           <p:cNvPicPr/>
@@ -11891,7 +11982,7 @@
         <p:spPr>
           <a:xfrm>
             <a:off x="4140360" y="2391840"/>
-            <a:ext cx="591120" cy="591120"/>
+            <a:ext cx="590760" cy="590760"/>
           </a:xfrm>
           <a:prstGeom prst="rect">
             <a:avLst/>
@@ -11903,7 +11994,7 @@
       </p:pic>
       <p:pic>
         <p:nvPicPr>
-          <p:cNvPr id="60" name="" descr="">
+          <p:cNvPr id="59" name="" descr="">
             <a:hlinkClick r:id="rId8"/>
           </p:cNvPr>
           <p:cNvPicPr/>
@@ -11916,7 +12007,7 @@
         <p:spPr>
           <a:xfrm>
             <a:off x="4731840" y="2391840"/>
-            <a:ext cx="591120" cy="591120"/>
+            <a:ext cx="590760" cy="590760"/>
           </a:xfrm>
           <a:prstGeom prst="rect">
             <a:avLst/>
@@ -11958,7 +12049,7 @@
       </p:grpSpPr>
       <p:pic>
         <p:nvPicPr>
-          <p:cNvPr id="61" name="" descr=""/>
+          <p:cNvPr id="60" name="" descr=""/>
           <p:cNvPicPr/>
           <p:nvPr/>
         </p:nvPicPr>
@@ -11969,7 +12060,7 @@
         <p:spPr>
           <a:xfrm>
             <a:off x="0" y="3312360"/>
-            <a:ext cx="9070920" cy="2267280"/>
+            <a:ext cx="9070560" cy="2266920"/>
           </a:xfrm>
           <a:prstGeom prst="rect">
             <a:avLst/>
@@ -11981,7 +12072,7 @@
       </p:pic>
       <p:pic>
         <p:nvPicPr>
-          <p:cNvPr id="62" name="" descr=""/>
+          <p:cNvPr id="61" name="" descr=""/>
           <p:cNvPicPr/>
           <p:nvPr/>
         </p:nvPicPr>
@@ -11992,7 +12083,7 @@
         <p:spPr>
           <a:xfrm>
             <a:off x="0" y="0"/>
-            <a:ext cx="7848000" cy="3161520"/>
+            <a:ext cx="7847640" cy="3161160"/>
           </a:xfrm>
           <a:prstGeom prst="rect">
             <a:avLst/>
@@ -12004,7 +12095,7 @@
       </p:pic>
       <p:sp>
         <p:nvSpPr>
-          <p:cNvPr id="63" name="PlaceHolder 1"/>
+          <p:cNvPr id="62" name="PlaceHolder 1"/>
           <p:cNvSpPr>
             <a:spLocks noGrp="1"/>
           </p:cNvSpPr>
@@ -12015,7 +12106,7 @@
         <p:spPr>
           <a:xfrm>
             <a:off x="468720" y="133920"/>
-            <a:ext cx="9070920" cy="945720"/>
+            <a:ext cx="9070560" cy="945360"/>
           </a:xfrm>
           <a:prstGeom prst="rect">
             <a:avLst/>
@@ -12062,7 +12153,7 @@
       </p:sp>
       <p:pic>
         <p:nvPicPr>
-          <p:cNvPr id="64" name="" descr=""/>
+          <p:cNvPr id="63" name="" descr=""/>
           <p:cNvPicPr/>
           <p:nvPr/>
         </p:nvPicPr>
@@ -12073,7 +12164,7 @@
         <p:spPr>
           <a:xfrm>
             <a:off x="0" y="0"/>
-            <a:ext cx="2247120" cy="608760"/>
+            <a:ext cx="2246760" cy="608400"/>
           </a:xfrm>
           <a:prstGeom prst="rect">
             <a:avLst/>
@@ -12085,7 +12176,7 @@
       </p:pic>
       <p:pic>
         <p:nvPicPr>
-          <p:cNvPr id="65" name="" descr="">
+          <p:cNvPr id="64" name="" descr="">
             <a:hlinkClick r:id="rId4"/>
           </p:cNvPr>
           <p:cNvPicPr/>
@@ -12098,7 +12189,7 @@
         <p:spPr>
           <a:xfrm>
             <a:off x="8100000" y="1260000"/>
-            <a:ext cx="591120" cy="591120"/>
+            <a:ext cx="590760" cy="590760"/>
           </a:xfrm>
           <a:prstGeom prst="rect">
             <a:avLst/>
@@ -12110,7 +12201,7 @@
       </p:pic>
       <p:pic>
         <p:nvPicPr>
-          <p:cNvPr id="66" name="" descr="">
+          <p:cNvPr id="65" name="" descr="">
             <a:hlinkClick r:id="rId6"/>
           </p:cNvPr>
           <p:cNvPicPr/>
@@ -12123,7 +12214,7 @@
         <p:spPr>
           <a:xfrm>
             <a:off x="8100000" y="1980000"/>
-            <a:ext cx="591120" cy="591120"/>
+            <a:ext cx="590760" cy="590760"/>
           </a:xfrm>
           <a:prstGeom prst="rect">
             <a:avLst/>
@@ -12165,7 +12256,7 @@
       </p:grpSpPr>
       <p:sp>
         <p:nvSpPr>
-          <p:cNvPr id="67" name="PlaceHolder 1"/>
+          <p:cNvPr id="66" name="PlaceHolder 1"/>
           <p:cNvSpPr>
             <a:spLocks noGrp="1"/>
           </p:cNvSpPr>
@@ -12176,7 +12267,7 @@
         <p:spPr>
           <a:xfrm>
             <a:off x="504000" y="226080"/>
-            <a:ext cx="9070920" cy="945720"/>
+            <a:ext cx="9070560" cy="945360"/>
           </a:xfrm>
           <a:prstGeom prst="rect">
             <a:avLst/>
@@ -12203,6 +12294,29 @@
           </a:p>
         </p:txBody>
       </p:sp>
+      <p:pic>
+        <p:nvPicPr>
+          <p:cNvPr id="67" name="" descr=""/>
+          <p:cNvPicPr/>
+          <p:nvPr/>
+        </p:nvPicPr>
+        <p:blipFill>
+          <a:blip r:embed="rId1"/>
+          <a:stretch/>
+        </p:blipFill>
+        <p:spPr>
+          <a:xfrm>
+            <a:off x="0" y="3825720"/>
+            <a:ext cx="7379280" cy="1844280"/>
+          </a:xfrm>
+          <a:prstGeom prst="rect">
+            <a:avLst/>
+          </a:prstGeom>
+          <a:ln w="0">
+            <a:noFill/>
+          </a:ln>
+        </p:spPr>
+      </p:pic>
       <p:pic>
         <p:nvPicPr>
           <p:cNvPr id="68" name="" descr=""/>
@@ -12210,13 +12324,13 @@
           <p:nvPr/>
         </p:nvPicPr>
         <p:blipFill>
-          <a:blip r:embed="rId1"/>
+          <a:blip r:embed="rId2"/>
           <a:stretch/>
         </p:blipFill>
         <p:spPr>
           <a:xfrm>
-            <a:off x="0" y="3825720"/>
-            <a:ext cx="7379640" cy="1844640"/>
+            <a:off x="0" y="1845000"/>
+            <a:ext cx="7739280" cy="1934280"/>
           </a:xfrm>
           <a:prstGeom prst="rect">
             <a:avLst/>
@@ -12233,13 +12347,13 @@
           <p:nvPr/>
         </p:nvPicPr>
         <p:blipFill>
-          <a:blip r:embed="rId2"/>
+          <a:blip r:embed="rId3"/>
           <a:stretch/>
         </p:blipFill>
         <p:spPr>
           <a:xfrm>
-            <a:off x="0" y="1845000"/>
-            <a:ext cx="7739640" cy="1934640"/>
+            <a:off x="0" y="-11520"/>
+            <a:ext cx="6659280" cy="1855800"/>
           </a:xfrm>
           <a:prstGeom prst="rect">
             <a:avLst/>
@@ -12251,30 +12365,7 @@
       </p:pic>
       <p:pic>
         <p:nvPicPr>
-          <p:cNvPr id="70" name="" descr=""/>
-          <p:cNvPicPr/>
-          <p:nvPr/>
-        </p:nvPicPr>
-        <p:blipFill>
-          <a:blip r:embed="rId3"/>
-          <a:stretch/>
-        </p:blipFill>
-        <p:spPr>
-          <a:xfrm>
-            <a:off x="0" y="-11520"/>
-            <a:ext cx="6659640" cy="1856160"/>
-          </a:xfrm>
-          <a:prstGeom prst="rect">
-            <a:avLst/>
-          </a:prstGeom>
-          <a:ln w="0">
-            <a:noFill/>
-          </a:ln>
-        </p:spPr>
-      </p:pic>
-      <p:pic>
-        <p:nvPicPr>
-          <p:cNvPr id="71" name="" descr="">
+          <p:cNvPr id="70" name="" descr="">
             <a:hlinkClick r:id="rId4"/>
           </p:cNvPr>
           <p:cNvPicPr/>
@@ -12287,7 +12378,7 @@
         <p:spPr>
           <a:xfrm>
             <a:off x="8100360" y="1980360"/>
-            <a:ext cx="591120" cy="591120"/>
+            <a:ext cx="590760" cy="590760"/>
           </a:xfrm>
           <a:prstGeom prst="rect">
             <a:avLst/>
@@ -12329,7 +12420,7 @@
       </p:grpSpPr>
       <p:sp>
         <p:nvSpPr>
-          <p:cNvPr id="72" name="PlaceHolder 1"/>
+          <p:cNvPr id="71" name="PlaceHolder 1"/>
           <p:cNvSpPr>
             <a:spLocks noGrp="1"/>
           </p:cNvSpPr>
@@ -12340,7 +12431,7 @@
         <p:spPr>
           <a:xfrm>
             <a:off x="504000" y="226080"/>
-            <a:ext cx="9070920" cy="945720"/>
+            <a:ext cx="9070560" cy="945360"/>
           </a:xfrm>
           <a:prstGeom prst="rect">
             <a:avLst/>
@@ -12384,7 +12475,7 @@
       </p:sp>
       <p:sp>
         <p:nvSpPr>
-          <p:cNvPr id="73" name="PlaceHolder 2"/>
+          <p:cNvPr id="72" name="PlaceHolder 2"/>
           <p:cNvSpPr>
             <a:spLocks noGrp="1"/>
           </p:cNvSpPr>
@@ -12395,7 +12486,7 @@
         <p:spPr>
           <a:xfrm>
             <a:off x="504000" y="1326600"/>
-            <a:ext cx="9070920" cy="3287520"/>
+            <a:ext cx="9070560" cy="3287160"/>
           </a:xfrm>
           <a:prstGeom prst="rect">
             <a:avLst/>
@@ -12442,7 +12533,7 @@
       </p:sp>
       <p:pic>
         <p:nvPicPr>
-          <p:cNvPr id="74" name="" descr="">
+          <p:cNvPr id="73" name="" descr="">
             <a:hlinkClick r:id="" action="ppaction://media"/>
           </p:cNvPr>
           <p:cNvPicPr/>
@@ -12464,7 +12555,7 @@
         <p:spPr>
           <a:xfrm>
             <a:off x="234360" y="246960"/>
-            <a:ext cx="1744920" cy="833400"/>
+            <a:ext cx="1744560" cy="833040"/>
           </a:xfrm>
           <a:prstGeom prst="rect">
             <a:avLst/>
@@ -12476,14 +12567,14 @@
       </p:pic>
       <p:sp>
         <p:nvSpPr>
-          <p:cNvPr id="75" name=""/>
+          <p:cNvPr id="74" name=""/>
           <p:cNvSpPr/>
           <p:nvPr/>
         </p:nvSpPr>
         <p:spPr>
           <a:xfrm>
             <a:off x="215280" y="1040040"/>
-            <a:ext cx="1439640" cy="184320"/>
+            <a:ext cx="1439280" cy="183960"/>
           </a:xfrm>
           <a:prstGeom prst="rect">
             <a:avLst/>
@@ -12515,6 +12606,7 @@
                   <a:srgbClr val="000000"/>
                 </a:solidFill>
                 <a:latin typeface="Arial"/>
+                <a:ea typeface="DejaVu Sans"/>
               </a:rPr>
               <a:t>By Thierry Dugnolle, CC BY-SA 4.0, </a:t>
             </a:r>
@@ -12529,7 +12621,7 @@
       </p:sp>
       <p:pic>
         <p:nvPicPr>
-          <p:cNvPr id="76" name="" descr=""/>
+          <p:cNvPr id="75" name="" descr=""/>
           <p:cNvPicPr/>
           <p:nvPr/>
         </p:nvPicPr>
@@ -12540,7 +12632,7 @@
         <p:spPr>
           <a:xfrm>
             <a:off x="7920360" y="0"/>
-            <a:ext cx="2137680" cy="2231640"/>
+            <a:ext cx="2137320" cy="2231280"/>
           </a:xfrm>
           <a:prstGeom prst="rect">
             <a:avLst/>
@@ -12552,14 +12644,14 @@
       </p:pic>
       <p:sp>
         <p:nvSpPr>
-          <p:cNvPr id="77" name=""/>
+          <p:cNvPr id="76" name=""/>
           <p:cNvSpPr/>
           <p:nvPr/>
         </p:nvSpPr>
         <p:spPr>
           <a:xfrm>
             <a:off x="1800000" y="5233680"/>
-            <a:ext cx="2289600" cy="345960"/>
+            <a:ext cx="2289240" cy="345600"/>
           </a:xfrm>
           <a:prstGeom prst="rect">
             <a:avLst/>
@@ -12591,6 +12683,7 @@
                   <a:srgbClr val="000000"/>
                 </a:solidFill>
                 <a:latin typeface="Arial"/>
+                <a:ea typeface="DejaVu Sans"/>
               </a:rPr>
               <a:t>Pythagorean comma</a:t>
             </a:r>
@@ -12605,14 +12698,14 @@
       </p:sp>
       <p:sp>
         <p:nvSpPr>
-          <p:cNvPr id="78" name=""/>
+          <p:cNvPr id="77" name=""/>
           <p:cNvSpPr/>
           <p:nvPr/>
         </p:nvSpPr>
         <p:spPr>
           <a:xfrm>
             <a:off x="4089960" y="5220000"/>
-            <a:ext cx="359280" cy="359280"/>
+            <a:ext cx="358920" cy="358920"/>
           </a:xfrm>
           <a:prstGeom prst="rightArrow">
             <a:avLst>
@@ -12657,7 +12750,7 @@
       </p:sp>
       <p:pic>
         <p:nvPicPr>
-          <p:cNvPr id="79" name="" descr=""/>
+          <p:cNvPr id="78" name="" descr=""/>
           <p:cNvPicPr/>
           <p:nvPr/>
         </p:nvPicPr>
@@ -12668,7 +12761,7 @@
         <p:spPr>
           <a:xfrm>
             <a:off x="4578120" y="1022760"/>
-            <a:ext cx="3161520" cy="4647600"/>
+            <a:ext cx="3161160" cy="4647240"/>
           </a:xfrm>
           <a:prstGeom prst="rect">
             <a:avLst/>
@@ -12710,7 +12803,7 @@
       </p:grpSpPr>
       <p:sp>
         <p:nvSpPr>
-          <p:cNvPr id="80" name="PlaceHolder 1"/>
+          <p:cNvPr id="79" name="PlaceHolder 1"/>
           <p:cNvSpPr>
             <a:spLocks noGrp="1"/>
           </p:cNvSpPr>
@@ -12721,7 +12814,7 @@
         <p:spPr>
           <a:xfrm>
             <a:off x="504000" y="226080"/>
-            <a:ext cx="9070920" cy="945720"/>
+            <a:ext cx="9070560" cy="945360"/>
           </a:xfrm>
           <a:prstGeom prst="rect">
             <a:avLst/>
@@ -12748,6 +12841,29 @@
           </a:p>
         </p:txBody>
       </p:sp>
+      <p:pic>
+        <p:nvPicPr>
+          <p:cNvPr id="80" name="" descr=""/>
+          <p:cNvPicPr/>
+          <p:nvPr/>
+        </p:nvPicPr>
+        <p:blipFill>
+          <a:blip r:embed="rId1"/>
+          <a:stretch/>
+        </p:blipFill>
+        <p:spPr>
+          <a:xfrm>
+            <a:off x="360" y="1889640"/>
+            <a:ext cx="10079640" cy="1890000"/>
+          </a:xfrm>
+          <a:prstGeom prst="rect">
+            <a:avLst/>
+          </a:prstGeom>
+          <a:ln w="0">
+            <a:noFill/>
+          </a:ln>
+        </p:spPr>
+      </p:pic>
       <p:pic>
         <p:nvPicPr>
           <p:cNvPr id="81" name="" descr=""/>
@@ -12755,13 +12871,13 @@
           <p:nvPr/>
         </p:nvPicPr>
         <p:blipFill>
-          <a:blip r:embed="rId1"/>
+          <a:blip r:embed="rId2"/>
           <a:stretch/>
         </p:blipFill>
         <p:spPr>
           <a:xfrm>
-            <a:off x="360" y="1889640"/>
-            <a:ext cx="10080000" cy="1890360"/>
+            <a:off x="-360" y="3871080"/>
+            <a:ext cx="10079640" cy="1798920"/>
           </a:xfrm>
           <a:prstGeom prst="rect">
             <a:avLst/>
@@ -12773,30 +12889,7 @@
       </p:pic>
       <p:pic>
         <p:nvPicPr>
-          <p:cNvPr id="82" name="" descr=""/>
-          <p:cNvPicPr/>
-          <p:nvPr/>
-        </p:nvPicPr>
-        <p:blipFill>
-          <a:blip r:embed="rId2"/>
-          <a:stretch/>
-        </p:blipFill>
-        <p:spPr>
-          <a:xfrm>
-            <a:off x="-360" y="3871080"/>
-            <a:ext cx="10080000" cy="1799280"/>
-          </a:xfrm>
-          <a:prstGeom prst="rect">
-            <a:avLst/>
-          </a:prstGeom>
-          <a:ln w="0">
-            <a:noFill/>
-          </a:ln>
-        </p:spPr>
-      </p:pic>
-      <p:pic>
-        <p:nvPicPr>
-          <p:cNvPr id="83" name="" descr="">
+          <p:cNvPr id="82" name="" descr="">
             <a:hlinkClick r:id="rId3"/>
           </p:cNvPr>
           <p:cNvPicPr/>
@@ -12809,7 +12902,7 @@
         <p:spPr>
           <a:xfrm>
             <a:off x="9489240" y="0"/>
-            <a:ext cx="591120" cy="591120"/>
+            <a:ext cx="590760" cy="590760"/>
           </a:xfrm>
           <a:prstGeom prst="rect">
             <a:avLst/>
@@ -12821,7 +12914,7 @@
       </p:pic>
       <p:pic>
         <p:nvPicPr>
-          <p:cNvPr id="84" name="" descr=""/>
+          <p:cNvPr id="83" name="" descr=""/>
           <p:cNvPicPr/>
           <p:nvPr/>
         </p:nvPicPr>
@@ -12832,7 +12925,7 @@
         <p:spPr>
           <a:xfrm>
             <a:off x="6480000" y="842400"/>
-            <a:ext cx="2628360" cy="1046880"/>
+            <a:ext cx="2628000" cy="1046520"/>
           </a:xfrm>
           <a:prstGeom prst="rect">
             <a:avLst/>
@@ -12844,7 +12937,7 @@
       </p:pic>
       <p:pic>
         <p:nvPicPr>
-          <p:cNvPr id="85" name="" descr="">
+          <p:cNvPr id="84" name="" descr="">
             <a:hlinkClick r:id="rId6"/>
           </p:cNvPr>
           <p:cNvPicPr/>
@@ -12857,7 +12950,7 @@
         <p:spPr>
           <a:xfrm>
             <a:off x="9489240" y="848520"/>
-            <a:ext cx="591120" cy="591120"/>
+            <a:ext cx="590760" cy="590760"/>
           </a:xfrm>
           <a:prstGeom prst="rect">
             <a:avLst/>
@@ -12869,7 +12962,7 @@
       </p:pic>
       <p:pic>
         <p:nvPicPr>
-          <p:cNvPr id="86" name="" descr=""/>
+          <p:cNvPr id="85" name="" descr=""/>
           <p:cNvPicPr/>
           <p:nvPr/>
         </p:nvPicPr>
@@ -12880,7 +12973,7 @@
         <p:spPr>
           <a:xfrm>
             <a:off x="0" y="0"/>
-            <a:ext cx="5939640" cy="1889280"/>
+            <a:ext cx="5939280" cy="1888920"/>
           </a:xfrm>
           <a:prstGeom prst="rect">
             <a:avLst/>

--- a/docs/src/Juliacon2024/slides_juliacon2024.pptx
+++ b/docs/src/Juliacon2024/slides_juliacon2024.pptx
@@ -29,6 +29,7 @@
     <p:sldId id="272" r:id="rId22"/>
     <p:sldId id="273" r:id="rId23"/>
     <p:sldId id="274" r:id="rId24"/>
+    <p:sldId id="275" r:id="rId25"/>
   </p:sldIdLst>
   <p:sldSz cx="10080625" cy="5670550"/>
   <p:notesSz cx="7559675" cy="10691813"/>
@@ -359,7 +360,7 @@
             <a:pPr indent="0" algn="r">
               <a:buNone/>
             </a:pPr>
-            <a:fld id="{2A63DD58-6F09-4473-877E-8D355489B6E2}" type="slidenum">
+            <a:fld id="{B35DAC8A-A09C-4501-A9DC-33D683A66807}" type="slidenum">
               <a:rPr b="0" lang="en-US" sz="1400" spc="-1" strike="noStrike">
                 <a:solidFill>
                   <a:srgbClr val="000000"/>
@@ -402,7 +403,7 @@
       </p:grpSpPr>
       <p:sp>
         <p:nvSpPr>
-          <p:cNvPr id="136" name="PlaceHolder 1"/>
+          <p:cNvPr id="141" name="PlaceHolder 1"/>
           <p:cNvSpPr>
             <a:spLocks noGrp="1"/>
           </p:cNvSpPr>
@@ -413,7 +414,7 @@
         <p:spPr>
           <a:xfrm>
             <a:off x="216000" y="812520"/>
-            <a:ext cx="7126200" cy="4007880"/>
+            <a:ext cx="7125120" cy="4006800"/>
           </a:xfrm>
           <a:prstGeom prst="rect">
             <a:avLst/>
@@ -425,7 +426,7 @@
       </p:sp>
       <p:sp>
         <p:nvSpPr>
-          <p:cNvPr id="137" name="PlaceHolder 2"/>
+          <p:cNvPr id="142" name="PlaceHolder 2"/>
           <p:cNvSpPr>
             <a:spLocks noGrp="1"/>
           </p:cNvSpPr>
@@ -436,7 +437,7 @@
         <p:spPr>
           <a:xfrm>
             <a:off x="756000" y="5078520"/>
-            <a:ext cx="6046560" cy="4809960"/>
+            <a:ext cx="6045480" cy="4808880"/>
           </a:xfrm>
           <a:prstGeom prst="rect">
             <a:avLst/>
@@ -623,7 +624,7 @@
       </p:grpSpPr>
       <p:sp>
         <p:nvSpPr>
-          <p:cNvPr id="154" name="PlaceHolder 1"/>
+          <p:cNvPr id="159" name="PlaceHolder 1"/>
           <p:cNvSpPr>
             <a:spLocks noGrp="1"/>
           </p:cNvSpPr>
@@ -634,7 +635,7 @@
         <p:spPr>
           <a:xfrm>
             <a:off x="216000" y="812520"/>
-            <a:ext cx="7126560" cy="4008240"/>
+            <a:ext cx="7125480" cy="4007160"/>
           </a:xfrm>
           <a:prstGeom prst="rect">
             <a:avLst/>
@@ -646,7 +647,7 @@
       </p:sp>
       <p:sp>
         <p:nvSpPr>
-          <p:cNvPr id="155" name="PlaceHolder 2"/>
+          <p:cNvPr id="160" name="PlaceHolder 2"/>
           <p:cNvSpPr>
             <a:spLocks noGrp="1"/>
           </p:cNvSpPr>
@@ -657,7 +658,7 @@
         <p:spPr>
           <a:xfrm>
             <a:off x="756000" y="5078520"/>
-            <a:ext cx="6046920" cy="4810320"/>
+            <a:ext cx="6045840" cy="4809240"/>
           </a:xfrm>
           <a:prstGeom prst="rect">
             <a:avLst/>
@@ -878,7 +879,7 @@
       </p:grpSpPr>
       <p:sp>
         <p:nvSpPr>
-          <p:cNvPr id="156" name="PlaceHolder 1"/>
+          <p:cNvPr id="161" name="PlaceHolder 1"/>
           <p:cNvSpPr>
             <a:spLocks noGrp="1"/>
           </p:cNvSpPr>
@@ -889,7 +890,7 @@
         <p:spPr>
           <a:xfrm>
             <a:off x="216000" y="812520"/>
-            <a:ext cx="7126560" cy="4008240"/>
+            <a:ext cx="7125480" cy="4007160"/>
           </a:xfrm>
           <a:prstGeom prst="rect">
             <a:avLst/>
@@ -901,7 +902,7 @@
       </p:sp>
       <p:sp>
         <p:nvSpPr>
-          <p:cNvPr id="157" name="PlaceHolder 2"/>
+          <p:cNvPr id="162" name="PlaceHolder 2"/>
           <p:cNvSpPr>
             <a:spLocks noGrp="1"/>
           </p:cNvSpPr>
@@ -912,7 +913,7 @@
         <p:spPr>
           <a:xfrm>
             <a:off x="756000" y="5078520"/>
-            <a:ext cx="6046920" cy="4810320"/>
+            <a:ext cx="6045840" cy="4809240"/>
           </a:xfrm>
           <a:prstGeom prst="rect">
             <a:avLst/>
@@ -1153,7 +1154,7 @@
       </p:grpSpPr>
       <p:sp>
         <p:nvSpPr>
-          <p:cNvPr id="158" name="PlaceHolder 1"/>
+          <p:cNvPr id="163" name="PlaceHolder 1"/>
           <p:cNvSpPr>
             <a:spLocks noGrp="1"/>
           </p:cNvSpPr>
@@ -1164,7 +1165,7 @@
         <p:spPr>
           <a:xfrm>
             <a:off x="216000" y="812520"/>
-            <a:ext cx="7126560" cy="4008240"/>
+            <a:ext cx="7125480" cy="4007160"/>
           </a:xfrm>
           <a:prstGeom prst="rect">
             <a:avLst/>
@@ -1176,7 +1177,7 @@
       </p:sp>
       <p:sp>
         <p:nvSpPr>
-          <p:cNvPr id="159" name="PlaceHolder 2"/>
+          <p:cNvPr id="164" name="PlaceHolder 2"/>
           <p:cNvSpPr>
             <a:spLocks noGrp="1"/>
           </p:cNvSpPr>
@@ -1187,7 +1188,7 @@
         <p:spPr>
           <a:xfrm>
             <a:off x="810720" y="5078520"/>
-            <a:ext cx="6046920" cy="4810320"/>
+            <a:ext cx="6045840" cy="4809240"/>
           </a:xfrm>
           <a:prstGeom prst="rect">
             <a:avLst/>
@@ -1348,7 +1349,7 @@
       </p:grpSpPr>
       <p:sp>
         <p:nvSpPr>
-          <p:cNvPr id="160" name="PlaceHolder 1"/>
+          <p:cNvPr id="165" name="PlaceHolder 1"/>
           <p:cNvSpPr>
             <a:spLocks noGrp="1"/>
           </p:cNvSpPr>
@@ -1359,7 +1360,7 @@
         <p:spPr>
           <a:xfrm>
             <a:off x="216000" y="812520"/>
-            <a:ext cx="7126560" cy="4008240"/>
+            <a:ext cx="7125480" cy="4007160"/>
           </a:xfrm>
           <a:prstGeom prst="rect">
             <a:avLst/>
@@ -1371,7 +1372,7 @@
       </p:sp>
       <p:sp>
         <p:nvSpPr>
-          <p:cNvPr id="161" name="PlaceHolder 2"/>
+          <p:cNvPr id="166" name="PlaceHolder 2"/>
           <p:cNvSpPr>
             <a:spLocks noGrp="1"/>
           </p:cNvSpPr>
@@ -1382,7 +1383,7 @@
         <p:spPr>
           <a:xfrm>
             <a:off x="756000" y="5078520"/>
-            <a:ext cx="6046920" cy="4810320"/>
+            <a:ext cx="6045840" cy="4809240"/>
           </a:xfrm>
           <a:prstGeom prst="rect">
             <a:avLst/>
@@ -1577,7 +1578,7 @@
       </p:grpSpPr>
       <p:sp>
         <p:nvSpPr>
-          <p:cNvPr id="162" name="PlaceHolder 1"/>
+          <p:cNvPr id="167" name="PlaceHolder 1"/>
           <p:cNvSpPr>
             <a:spLocks noGrp="1"/>
           </p:cNvSpPr>
@@ -1588,7 +1589,7 @@
         <p:spPr>
           <a:xfrm>
             <a:off x="216000" y="812520"/>
-            <a:ext cx="7126560" cy="4008240"/>
+            <a:ext cx="7125480" cy="4007160"/>
           </a:xfrm>
           <a:prstGeom prst="rect">
             <a:avLst/>
@@ -1600,7 +1601,7 @@
       </p:sp>
       <p:sp>
         <p:nvSpPr>
-          <p:cNvPr id="163" name="PlaceHolder 2"/>
+          <p:cNvPr id="168" name="PlaceHolder 2"/>
           <p:cNvSpPr>
             <a:spLocks noGrp="1"/>
           </p:cNvSpPr>
@@ -1611,7 +1612,7 @@
         <p:spPr>
           <a:xfrm>
             <a:off x="756000" y="5078520"/>
-            <a:ext cx="6046920" cy="4810320"/>
+            <a:ext cx="6045840" cy="4809240"/>
           </a:xfrm>
           <a:prstGeom prst="rect">
             <a:avLst/>
@@ -1806,7 +1807,7 @@
       </p:grpSpPr>
       <p:sp>
         <p:nvSpPr>
-          <p:cNvPr id="164" name="PlaceHolder 1"/>
+          <p:cNvPr id="169" name="PlaceHolder 1"/>
           <p:cNvSpPr>
             <a:spLocks noGrp="1"/>
           </p:cNvSpPr>
@@ -1817,7 +1818,7 @@
         <p:spPr>
           <a:xfrm>
             <a:off x="216000" y="812520"/>
-            <a:ext cx="7126560" cy="4008240"/>
+            <a:ext cx="7125480" cy="4007160"/>
           </a:xfrm>
           <a:prstGeom prst="rect">
             <a:avLst/>
@@ -1829,7 +1830,7 @@
       </p:sp>
       <p:sp>
         <p:nvSpPr>
-          <p:cNvPr id="165" name="PlaceHolder 2"/>
+          <p:cNvPr id="170" name="PlaceHolder 2"/>
           <p:cNvSpPr>
             <a:spLocks noGrp="1"/>
           </p:cNvSpPr>
@@ -1840,7 +1841,7 @@
         <p:spPr>
           <a:xfrm>
             <a:off x="756000" y="5078520"/>
-            <a:ext cx="6046920" cy="4810320"/>
+            <a:ext cx="6045840" cy="4809240"/>
           </a:xfrm>
           <a:prstGeom prst="rect">
             <a:avLst/>
@@ -2001,7 +2002,7 @@
       </p:grpSpPr>
       <p:sp>
         <p:nvSpPr>
-          <p:cNvPr id="166" name="PlaceHolder 1"/>
+          <p:cNvPr id="171" name="PlaceHolder 1"/>
           <p:cNvSpPr>
             <a:spLocks noGrp="1"/>
           </p:cNvSpPr>
@@ -2012,7 +2013,7 @@
         <p:spPr>
           <a:xfrm>
             <a:off x="216000" y="812520"/>
-            <a:ext cx="7126560" cy="4008240"/>
+            <a:ext cx="7125480" cy="4007160"/>
           </a:xfrm>
           <a:prstGeom prst="rect">
             <a:avLst/>
@@ -2024,7 +2025,7 @@
       </p:sp>
       <p:sp>
         <p:nvSpPr>
-          <p:cNvPr id="167" name="PlaceHolder 2"/>
+          <p:cNvPr id="172" name="PlaceHolder 2"/>
           <p:cNvSpPr>
             <a:spLocks noGrp="1"/>
           </p:cNvSpPr>
@@ -2035,7 +2036,7 @@
         <p:spPr>
           <a:xfrm>
             <a:off x="756000" y="5078520"/>
-            <a:ext cx="6046920" cy="4810320"/>
+            <a:ext cx="6045840" cy="4809240"/>
           </a:xfrm>
           <a:prstGeom prst="rect">
             <a:avLst/>
@@ -2170,7 +2171,7 @@
       </p:grpSpPr>
       <p:sp>
         <p:nvSpPr>
-          <p:cNvPr id="168" name="PlaceHolder 1"/>
+          <p:cNvPr id="173" name="PlaceHolder 1"/>
           <p:cNvSpPr>
             <a:spLocks noGrp="1"/>
           </p:cNvSpPr>
@@ -2181,7 +2182,7 @@
         <p:spPr>
           <a:xfrm>
             <a:off x="216000" y="812520"/>
-            <a:ext cx="7126560" cy="4008240"/>
+            <a:ext cx="7125480" cy="4007160"/>
           </a:xfrm>
           <a:prstGeom prst="rect">
             <a:avLst/>
@@ -2193,7 +2194,7 @@
       </p:sp>
       <p:sp>
         <p:nvSpPr>
-          <p:cNvPr id="169" name="PlaceHolder 2"/>
+          <p:cNvPr id="174" name="PlaceHolder 2"/>
           <p:cNvSpPr>
             <a:spLocks noGrp="1"/>
           </p:cNvSpPr>
@@ -2204,7 +2205,7 @@
         <p:spPr>
           <a:xfrm>
             <a:off x="756000" y="5078520"/>
-            <a:ext cx="6046920" cy="4810320"/>
+            <a:ext cx="6045840" cy="4809240"/>
           </a:xfrm>
           <a:prstGeom prst="rect">
             <a:avLst/>
@@ -2461,7 +2462,7 @@
       </p:grpSpPr>
       <p:sp>
         <p:nvSpPr>
-          <p:cNvPr id="170" name="PlaceHolder 1"/>
+          <p:cNvPr id="175" name="PlaceHolder 1"/>
           <p:cNvSpPr>
             <a:spLocks noGrp="1"/>
           </p:cNvSpPr>
@@ -2472,7 +2473,7 @@
         <p:spPr>
           <a:xfrm>
             <a:off x="216000" y="812520"/>
-            <a:ext cx="7126560" cy="4008240"/>
+            <a:ext cx="7125480" cy="4007160"/>
           </a:xfrm>
           <a:prstGeom prst="rect">
             <a:avLst/>
@@ -2484,7 +2485,7 @@
       </p:sp>
       <p:sp>
         <p:nvSpPr>
-          <p:cNvPr id="171" name="PlaceHolder 2"/>
+          <p:cNvPr id="176" name="PlaceHolder 2"/>
           <p:cNvSpPr>
             <a:spLocks noGrp="1"/>
           </p:cNvSpPr>
@@ -2495,7 +2496,7 @@
         <p:spPr>
           <a:xfrm>
             <a:off x="756000" y="5078520"/>
-            <a:ext cx="6046920" cy="4810320"/>
+            <a:ext cx="6045840" cy="4809240"/>
           </a:xfrm>
           <a:prstGeom prst="rect">
             <a:avLst/>
@@ -2775,7 +2776,7 @@
       </p:grpSpPr>
       <p:sp>
         <p:nvSpPr>
-          <p:cNvPr id="172" name="PlaceHolder 1"/>
+          <p:cNvPr id="177" name="PlaceHolder 1"/>
           <p:cNvSpPr>
             <a:spLocks noGrp="1"/>
           </p:cNvSpPr>
@@ -2786,7 +2787,7 @@
         <p:spPr>
           <a:xfrm>
             <a:off x="216000" y="812520"/>
-            <a:ext cx="7126560" cy="4008240"/>
+            <a:ext cx="7125480" cy="4007160"/>
           </a:xfrm>
           <a:prstGeom prst="rect">
             <a:avLst/>
@@ -2798,7 +2799,7 @@
       </p:sp>
       <p:sp>
         <p:nvSpPr>
-          <p:cNvPr id="173" name="PlaceHolder 2"/>
+          <p:cNvPr id="178" name="PlaceHolder 2"/>
           <p:cNvSpPr>
             <a:spLocks noGrp="1"/>
           </p:cNvSpPr>
@@ -2809,7 +2810,7 @@
         <p:spPr>
           <a:xfrm>
             <a:off x="756000" y="5078520"/>
-            <a:ext cx="6046920" cy="5666040"/>
+            <a:ext cx="6045840" cy="4809240"/>
           </a:xfrm>
           <a:prstGeom prst="rect">
             <a:avLst/>
@@ -2840,7 +2841,7 @@
                 </a:solidFill>
                 <a:latin typeface="Arial"/>
               </a:rPr>
-              <a:t>This work was very much inspired by a series of blog posts by John Baez on different tuning systems. They are worth reading.</a:t>
+              <a:t>The whole notes of the just intonation are defined by requring the major triads of</a:t>
             </a:r>
             <a:endParaRPr b="0" lang="en-US" sz="2000" spc="-1" strike="noStrike">
               <a:solidFill>
@@ -2854,7 +2855,12 @@
               <a:lnSpc>
                 <a:spcPct val="100000"/>
               </a:lnSpc>
-              <a:buNone/>
+              <a:buClr>
+                <a:srgbClr val="000000"/>
+              </a:buClr>
+              <a:buSzPct val="45000"/>
+              <a:buFont typeface="Wingdings" charset="2"/>
+              <a:buChar char=""/>
               <a:tabLst>
                 <a:tab algn="l" pos="0"/>
               </a:tabLst>
@@ -2866,7 +2872,7 @@
                 </a:solidFill>
                 <a:latin typeface="Arial"/>
               </a:rPr>
-              <a:t>Shoutout to JuliaMusic (George Datseris of DrWatson.jl fame)</a:t>
+              <a:t>Tonica</a:t>
             </a:r>
             <a:endParaRPr b="0" lang="en-US" sz="2000" spc="-1" strike="noStrike">
               <a:solidFill>
@@ -2880,7 +2886,12 @@
               <a:lnSpc>
                 <a:spcPct val="100000"/>
               </a:lnSpc>
-              <a:buNone/>
+              <a:buClr>
+                <a:srgbClr val="000000"/>
+              </a:buClr>
+              <a:buSzPct val="45000"/>
+              <a:buFont typeface="Wingdings" charset="2"/>
+              <a:buChar char=""/>
               <a:tabLst>
                 <a:tab algn="l" pos="0"/>
               </a:tabLst>
@@ -2892,7 +2903,7 @@
                 </a:solidFill>
                 <a:latin typeface="Arial"/>
               </a:rPr>
-              <a:t>and WAV.jl by Daniel Casimiro</a:t>
+              <a:t>Dominant</a:t>
             </a:r>
             <a:endParaRPr b="0" lang="en-US" sz="2000" spc="-1" strike="noStrike">
               <a:solidFill>
@@ -2906,7 +2917,12 @@
               <a:lnSpc>
                 <a:spcPct val="100000"/>
               </a:lnSpc>
-              <a:buNone/>
+              <a:buClr>
+                <a:srgbClr val="000000"/>
+              </a:buClr>
+              <a:buSzPct val="45000"/>
+              <a:buFont typeface="Wingdings" charset="2"/>
+              <a:buChar char=""/>
               <a:tabLst>
                 <a:tab algn="l" pos="0"/>
               </a:tabLst>
@@ -2918,7 +2934,7 @@
                 </a:solidFill>
                 <a:latin typeface="Arial"/>
               </a:rPr>
-              <a:t>MusicTheory (by David P. Sanders) came out after I submitted abstract. Does not overlap (much)</a:t>
+              <a:t>Subdominant</a:t>
             </a:r>
             <a:endParaRPr b="0" lang="en-US" sz="2000" spc="-1" strike="noStrike">
               <a:solidFill>
@@ -2944,7 +2960,7 @@
                 </a:solidFill>
                 <a:latin typeface="Arial"/>
               </a:rPr>
-              <a:t>Jeffrey A Fessler has a cource at University of Michgan on Music Signal Processing.</a:t>
+              <a:t>are all in ratio 4:5:6</a:t>
             </a:r>
             <a:endParaRPr b="0" lang="en-US" sz="2000" spc="-1" strike="noStrike">
               <a:solidFill>
@@ -2963,6 +2979,23 @@
                 <a:tab algn="l" pos="0"/>
               </a:tabLst>
             </a:pPr>
+            <a:endParaRPr b="0" lang="en-US" sz="2000" spc="-1" strike="noStrike">
+              <a:solidFill>
+                <a:srgbClr val="000000"/>
+              </a:solidFill>
+              <a:latin typeface="Arial"/>
+            </a:endParaRPr>
+          </a:p>
+          <a:p>
+            <a:pPr marL="216000" indent="-216000">
+              <a:lnSpc>
+                <a:spcPct val="100000"/>
+              </a:lnSpc>
+              <a:buNone/>
+              <a:tabLst>
+                <a:tab algn="l" pos="0"/>
+              </a:tabLst>
+            </a:pPr>
             <a:r>
               <a:rPr b="0" lang="da-DK" sz="2000" spc="-1" strike="noStrike">
                 <a:solidFill>
@@ -2970,18 +3003,7 @@
                 </a:solidFill>
                 <a:latin typeface="Arial"/>
               </a:rPr>
-              <a:t>He also has a book coming up: </a:t>
-            </a:r>
-            <a:r>
-              <a:rPr b="0" lang="da-DK" sz="2000" spc="-1" strike="noStrike" u="sng">
-                <a:solidFill>
-                  <a:srgbClr val="000000"/>
-                </a:solidFill>
-                <a:uFillTx/>
-                <a:latin typeface="Arial"/>
-                <a:hlinkClick r:id="rId1"/>
-              </a:rPr>
-              <a:t>https://github.com/JeffFessler/book-la-demo</a:t>
+              <a:t>Play them!</a:t>
             </a:r>
             <a:endParaRPr b="0" lang="en-US" sz="2000" spc="-1" strike="noStrike">
               <a:solidFill>
@@ -3001,24 +3023,13 @@
               </a:tabLst>
             </a:pPr>
             <a:r>
-              <a:rPr b="0" lang="da-DK" sz="2000" spc="-1" strike="noStrike" u="sng">
-                <a:solidFill>
-                  <a:srgbClr val="000000"/>
-                </a:solidFill>
-                <a:uFillTx/>
-                <a:latin typeface="Arial"/>
-                <a:hlinkClick r:id="rId2"/>
-              </a:rPr>
-              <a:t>https://www.cambridge.org/highereducation/books/linear-algebra-for-data-science-machine-learning-and-signal-processing/1D558680AF26ED577DBD9C4B5F1D0FED#overview</a:t>
-            </a:r>
-            <a:r>
               <a:rPr b="0" lang="da-DK" sz="2000" spc="-1" strike="noStrike">
                 <a:solidFill>
                   <a:srgbClr val="000000"/>
                 </a:solidFill>
                 <a:latin typeface="Arial"/>
               </a:rPr>
-              <a:t> </a:t>
+              <a:t>So Just intonation has a lot of nice properties. But is doe snot mesh well with modulations or playing in different keys, as equal temperement does. But that is mainly a problem for physical instruments that take a long time to re-tune. A computer instrument can adapt the tuning in real time to changes to key.</a:t>
             </a:r>
             <a:endParaRPr b="0" lang="en-US" sz="2000" spc="-1" strike="noStrike">
               <a:solidFill>
@@ -3037,91 +3048,15 @@
                 <a:tab algn="l" pos="0"/>
               </a:tabLst>
             </a:pPr>
-            <a:endParaRPr b="0" lang="en-US" sz="2000" spc="-1" strike="noStrike">
-              <a:solidFill>
-                <a:srgbClr val="000000"/>
-              </a:solidFill>
-              <a:latin typeface="Arial"/>
-            </a:endParaRPr>
-          </a:p>
-          <a:p>
-            <a:pPr marL="216000" indent="-216000">
-              <a:lnSpc>
-                <a:spcPct val="100000"/>
-              </a:lnSpc>
-              <a:buNone/>
-              <a:tabLst>
-                <a:tab algn="l" pos="0"/>
-              </a:tabLst>
-            </a:pPr>
-            <a:endParaRPr b="0" lang="en-US" sz="2000" spc="-1" strike="noStrike">
-              <a:solidFill>
-                <a:srgbClr val="000000"/>
-              </a:solidFill>
-              <a:latin typeface="Arial"/>
-            </a:endParaRPr>
-          </a:p>
-          <a:p>
-            <a:pPr marL="216000" indent="-216000">
-              <a:lnSpc>
-                <a:spcPct val="100000"/>
-              </a:lnSpc>
-              <a:buNone/>
-              <a:tabLst>
-                <a:tab algn="l" pos="0"/>
-              </a:tabLst>
-            </a:pPr>
-            <a:endParaRPr b="0" lang="en-US" sz="2000" spc="-1" strike="noStrike">
-              <a:solidFill>
-                <a:srgbClr val="000000"/>
-              </a:solidFill>
-              <a:latin typeface="Arial"/>
-            </a:endParaRPr>
-          </a:p>
-          <a:p>
-            <a:pPr marL="216000" indent="-216000">
-              <a:lnSpc>
-                <a:spcPct val="100000"/>
-              </a:lnSpc>
-              <a:buNone/>
-              <a:tabLst>
-                <a:tab algn="l" pos="0"/>
-              </a:tabLst>
-            </a:pPr>
-            <a:endParaRPr b="0" lang="en-US" sz="2000" spc="-1" strike="noStrike">
-              <a:solidFill>
-                <a:srgbClr val="000000"/>
-              </a:solidFill>
-              <a:latin typeface="Arial"/>
-            </a:endParaRPr>
-          </a:p>
-          <a:p>
-            <a:pPr marL="216000" indent="-216000">
-              <a:lnSpc>
-                <a:spcPct val="100000"/>
-              </a:lnSpc>
-              <a:buNone/>
-              <a:tabLst>
-                <a:tab algn="l" pos="0"/>
-              </a:tabLst>
-            </a:pPr>
-            <a:endParaRPr b="0" lang="en-US" sz="2000" spc="-1" strike="noStrike">
-              <a:solidFill>
-                <a:srgbClr val="000000"/>
-              </a:solidFill>
-              <a:latin typeface="Arial"/>
-            </a:endParaRPr>
-          </a:p>
-          <a:p>
-            <a:pPr marL="216000" indent="-216000">
-              <a:lnSpc>
-                <a:spcPct val="100000"/>
-              </a:lnSpc>
-              <a:buNone/>
-              <a:tabLst>
-                <a:tab algn="l" pos="0"/>
-              </a:tabLst>
-            </a:pPr>
+            <a:r>
+              <a:rPr b="0" lang="da-DK" sz="2000" spc="-1" strike="noStrike">
+                <a:solidFill>
+                  <a:srgbClr val="000000"/>
+                </a:solidFill>
+                <a:latin typeface="Arial"/>
+              </a:rPr>
+              <a:t>I think just intonation is about to have a comback in electronic music, and TuningSystems can help enable this by making it quick and easy to change tuning on the fly.</a:t>
+            </a:r>
             <a:endParaRPr b="0" lang="en-US" sz="2000" spc="-1" strike="noStrike">
               <a:solidFill>
                 <a:srgbClr val="000000"/>
@@ -3155,7 +3090,7 @@
       </p:grpSpPr>
       <p:sp>
         <p:nvSpPr>
-          <p:cNvPr id="138" name="PlaceHolder 1"/>
+          <p:cNvPr id="143" name="PlaceHolder 1"/>
           <p:cNvSpPr>
             <a:spLocks noGrp="1"/>
           </p:cNvSpPr>
@@ -3166,7 +3101,7 @@
         <p:spPr>
           <a:xfrm>
             <a:off x="216000" y="812520"/>
-            <a:ext cx="7126560" cy="4008240"/>
+            <a:ext cx="7125480" cy="4007160"/>
           </a:xfrm>
           <a:prstGeom prst="rect">
             <a:avLst/>
@@ -3178,7 +3113,7 @@
       </p:sp>
       <p:sp>
         <p:nvSpPr>
-          <p:cNvPr id="139" name="PlaceHolder 2"/>
+          <p:cNvPr id="144" name="PlaceHolder 2"/>
           <p:cNvSpPr>
             <a:spLocks noGrp="1"/>
           </p:cNvSpPr>
@@ -3189,7 +3124,7 @@
         <p:spPr>
           <a:xfrm>
             <a:off x="756000" y="5078520"/>
-            <a:ext cx="6046920" cy="4810320"/>
+            <a:ext cx="6045840" cy="4809240"/>
           </a:xfrm>
           <a:prstGeom prst="rect">
             <a:avLst/>
@@ -3300,6 +3235,386 @@
               </a:rPr>
               <a:t>At 440Hz the distance to the next semitone is about 26 Hz</a:t>
             </a:r>
+            <a:endParaRPr b="0" lang="en-US" sz="2000" spc="-1" strike="noStrike">
+              <a:solidFill>
+                <a:srgbClr val="000000"/>
+              </a:solidFill>
+              <a:latin typeface="Arial"/>
+            </a:endParaRPr>
+          </a:p>
+        </p:txBody>
+      </p:sp>
+    </p:spTree>
+  </p:cSld>
+</p:notes>
+</file>
+
+<file path=ppt/notesSlides/notesSlide20.xml><?xml version="1.0" encoding="utf-8"?>
+<p:notes xmlns:a="http://schemas.openxmlformats.org/drawingml/2006/main" xmlns:p="http://schemas.openxmlformats.org/presentationml/2006/main" xmlns:r="http://schemas.openxmlformats.org/officeDocument/2006/relationships" xmlns:p14="http://schemas.microsoft.com/office/powerpoint/2010/main" xmlns:p15="http://schemas.microsoft.com/office/powerpoint/2012/main" xmlns:mc="http://schemas.openxmlformats.org/markup-compatibility/2006">
+  <p:cSld>
+    <p:spTree>
+      <p:nvGrpSpPr>
+        <p:cNvPr id="1" name=""/>
+        <p:cNvGrpSpPr/>
+        <p:nvPr/>
+      </p:nvGrpSpPr>
+      <p:grpSpPr>
+        <a:xfrm>
+          <a:off x="0" y="0"/>
+          <a:ext cx="0" cy="0"/>
+          <a:chOff x="0" y="0"/>
+          <a:chExt cx="0" cy="0"/>
+        </a:xfrm>
+      </p:grpSpPr>
+      <p:sp>
+        <p:nvSpPr>
+          <p:cNvPr id="179" name="PlaceHolder 1"/>
+          <p:cNvSpPr>
+            <a:spLocks noGrp="1"/>
+          </p:cNvSpPr>
+          <p:nvPr>
+            <p:ph type="sldImg"/>
+          </p:nvPr>
+        </p:nvSpPr>
+        <p:spPr>
+          <a:xfrm>
+            <a:off x="216000" y="812520"/>
+            <a:ext cx="7125480" cy="4007160"/>
+          </a:xfrm>
+          <a:prstGeom prst="rect">
+            <a:avLst/>
+          </a:prstGeom>
+          <a:ln w="0">
+            <a:noFill/>
+          </a:ln>
+        </p:spPr>
+      </p:sp>
+      <p:sp>
+        <p:nvSpPr>
+          <p:cNvPr id="180" name="PlaceHolder 2"/>
+          <p:cNvSpPr>
+            <a:spLocks noGrp="1"/>
+          </p:cNvSpPr>
+          <p:nvPr>
+            <p:ph type="body"/>
+          </p:nvPr>
+        </p:nvSpPr>
+        <p:spPr>
+          <a:xfrm>
+            <a:off x="756000" y="5078520"/>
+            <a:ext cx="6045840" cy="5664960"/>
+          </a:xfrm>
+          <a:prstGeom prst="rect">
+            <a:avLst/>
+          </a:prstGeom>
+          <a:noFill/>
+          <a:ln w="0">
+            <a:noFill/>
+          </a:ln>
+        </p:spPr>
+        <p:txBody>
+          <a:bodyPr lIns="0" rIns="0" tIns="0" bIns="0" anchor="t">
+            <a:noAutofit/>
+          </a:bodyPr>
+          <a:p>
+            <a:pPr marL="216000" indent="-216000">
+              <a:lnSpc>
+                <a:spcPct val="100000"/>
+              </a:lnSpc>
+              <a:buNone/>
+              <a:tabLst>
+                <a:tab algn="l" pos="0"/>
+              </a:tabLst>
+            </a:pPr>
+            <a:r>
+              <a:rPr b="0" lang="da-DK" sz="2000" spc="-1" strike="noStrike">
+                <a:solidFill>
+                  <a:srgbClr val="000000"/>
+                </a:solidFill>
+                <a:latin typeface="Arial"/>
+              </a:rPr>
+              <a:t>This work was very much inspired by a series of blog posts by John Baez on different tuning systems. They are worth reading.</a:t>
+            </a:r>
+            <a:endParaRPr b="0" lang="en-US" sz="2000" spc="-1" strike="noStrike">
+              <a:solidFill>
+                <a:srgbClr val="000000"/>
+              </a:solidFill>
+              <a:latin typeface="Arial"/>
+            </a:endParaRPr>
+          </a:p>
+          <a:p>
+            <a:pPr marL="216000" indent="-216000">
+              <a:lnSpc>
+                <a:spcPct val="100000"/>
+              </a:lnSpc>
+              <a:buNone/>
+              <a:tabLst>
+                <a:tab algn="l" pos="0"/>
+              </a:tabLst>
+            </a:pPr>
+            <a:r>
+              <a:rPr b="0" lang="da-DK" sz="2000" spc="-1" strike="noStrike">
+                <a:solidFill>
+                  <a:srgbClr val="000000"/>
+                </a:solidFill>
+                <a:latin typeface="Arial"/>
+              </a:rPr>
+              <a:t>Shoutout to JuliaMusic (George Datseris of DrWatson.jl fame)</a:t>
+            </a:r>
+            <a:endParaRPr b="0" lang="en-US" sz="2000" spc="-1" strike="noStrike">
+              <a:solidFill>
+                <a:srgbClr val="000000"/>
+              </a:solidFill>
+              <a:latin typeface="Arial"/>
+            </a:endParaRPr>
+          </a:p>
+          <a:p>
+            <a:pPr marL="216000" indent="-216000">
+              <a:lnSpc>
+                <a:spcPct val="100000"/>
+              </a:lnSpc>
+              <a:buNone/>
+              <a:tabLst>
+                <a:tab algn="l" pos="0"/>
+              </a:tabLst>
+            </a:pPr>
+            <a:r>
+              <a:rPr b="0" lang="da-DK" sz="2000" spc="-1" strike="noStrike">
+                <a:solidFill>
+                  <a:srgbClr val="000000"/>
+                </a:solidFill>
+                <a:latin typeface="Arial"/>
+              </a:rPr>
+              <a:t>and WAV.jl by Daniel Casimiro</a:t>
+            </a:r>
+            <a:endParaRPr b="0" lang="en-US" sz="2000" spc="-1" strike="noStrike">
+              <a:solidFill>
+                <a:srgbClr val="000000"/>
+              </a:solidFill>
+              <a:latin typeface="Arial"/>
+            </a:endParaRPr>
+          </a:p>
+          <a:p>
+            <a:pPr marL="216000" indent="-216000">
+              <a:lnSpc>
+                <a:spcPct val="100000"/>
+              </a:lnSpc>
+              <a:buNone/>
+              <a:tabLst>
+                <a:tab algn="l" pos="0"/>
+              </a:tabLst>
+            </a:pPr>
+            <a:r>
+              <a:rPr b="0" lang="da-DK" sz="2000" spc="-1" strike="noStrike">
+                <a:solidFill>
+                  <a:srgbClr val="000000"/>
+                </a:solidFill>
+                <a:latin typeface="Arial"/>
+              </a:rPr>
+              <a:t>MusicTheory (by David P. Sanders) came out after I submitted abstract. Does not overlap (much)</a:t>
+            </a:r>
+            <a:endParaRPr b="0" lang="en-US" sz="2000" spc="-1" strike="noStrike">
+              <a:solidFill>
+                <a:srgbClr val="000000"/>
+              </a:solidFill>
+              <a:latin typeface="Arial"/>
+            </a:endParaRPr>
+          </a:p>
+          <a:p>
+            <a:pPr marL="216000" indent="-216000">
+              <a:lnSpc>
+                <a:spcPct val="100000"/>
+              </a:lnSpc>
+              <a:buNone/>
+              <a:tabLst>
+                <a:tab algn="l" pos="0"/>
+              </a:tabLst>
+            </a:pPr>
+            <a:r>
+              <a:rPr b="0" lang="da-DK" sz="2000" spc="-1" strike="noStrike">
+                <a:solidFill>
+                  <a:srgbClr val="000000"/>
+                </a:solidFill>
+                <a:latin typeface="Arial"/>
+              </a:rPr>
+              <a:t>Jeffrey A Fessler has a cource at University of Michgan on Music Signal Processing.</a:t>
+            </a:r>
+            <a:endParaRPr b="0" lang="en-US" sz="2000" spc="-1" strike="noStrike">
+              <a:solidFill>
+                <a:srgbClr val="000000"/>
+              </a:solidFill>
+              <a:latin typeface="Arial"/>
+            </a:endParaRPr>
+          </a:p>
+          <a:p>
+            <a:pPr marL="216000" indent="-216000">
+              <a:lnSpc>
+                <a:spcPct val="100000"/>
+              </a:lnSpc>
+              <a:buNone/>
+              <a:tabLst>
+                <a:tab algn="l" pos="0"/>
+              </a:tabLst>
+            </a:pPr>
+            <a:r>
+              <a:rPr b="0" lang="da-DK" sz="2000" spc="-1" strike="noStrike">
+                <a:solidFill>
+                  <a:srgbClr val="000000"/>
+                </a:solidFill>
+                <a:latin typeface="Arial"/>
+              </a:rPr>
+              <a:t>He also has a book coming up: </a:t>
+            </a:r>
+            <a:r>
+              <a:rPr b="0" lang="da-DK" sz="2000" spc="-1" strike="noStrike" u="sng">
+                <a:solidFill>
+                  <a:srgbClr val="000000"/>
+                </a:solidFill>
+                <a:uFillTx/>
+                <a:latin typeface="Arial"/>
+                <a:hlinkClick r:id="rId1"/>
+              </a:rPr>
+              <a:t>https://github.com/JeffFessler/book-la-demo</a:t>
+            </a:r>
+            <a:endParaRPr b="0" lang="en-US" sz="2000" spc="-1" strike="noStrike">
+              <a:solidFill>
+                <a:srgbClr val="000000"/>
+              </a:solidFill>
+              <a:latin typeface="Arial"/>
+            </a:endParaRPr>
+          </a:p>
+          <a:p>
+            <a:pPr marL="216000" indent="-216000">
+              <a:lnSpc>
+                <a:spcPct val="100000"/>
+              </a:lnSpc>
+              <a:buNone/>
+              <a:tabLst>
+                <a:tab algn="l" pos="0"/>
+              </a:tabLst>
+            </a:pPr>
+            <a:r>
+              <a:rPr b="0" lang="da-DK" sz="2000" spc="-1" strike="noStrike" u="sng">
+                <a:solidFill>
+                  <a:srgbClr val="000000"/>
+                </a:solidFill>
+                <a:uFillTx/>
+                <a:latin typeface="Arial"/>
+                <a:hlinkClick r:id="rId2"/>
+              </a:rPr>
+              <a:t>https://www.cambridge.org/highereducation/books/linear-algebra-for-data-science-machine-learning-and-signal-processing/1D558680AF26ED577DBD9C4B5F1D0FED#overview</a:t>
+            </a:r>
+            <a:r>
+              <a:rPr b="0" lang="da-DK" sz="2000" spc="-1" strike="noStrike">
+                <a:solidFill>
+                  <a:srgbClr val="000000"/>
+                </a:solidFill>
+                <a:latin typeface="Arial"/>
+              </a:rPr>
+              <a:t> </a:t>
+            </a:r>
+            <a:endParaRPr b="0" lang="en-US" sz="2000" spc="-1" strike="noStrike">
+              <a:solidFill>
+                <a:srgbClr val="000000"/>
+              </a:solidFill>
+              <a:latin typeface="Arial"/>
+            </a:endParaRPr>
+          </a:p>
+          <a:p>
+            <a:pPr marL="216000" indent="-216000">
+              <a:lnSpc>
+                <a:spcPct val="100000"/>
+              </a:lnSpc>
+              <a:buNone/>
+              <a:tabLst>
+                <a:tab algn="l" pos="0"/>
+              </a:tabLst>
+            </a:pPr>
+            <a:endParaRPr b="0" lang="en-US" sz="2000" spc="-1" strike="noStrike">
+              <a:solidFill>
+                <a:srgbClr val="000000"/>
+              </a:solidFill>
+              <a:latin typeface="Arial"/>
+            </a:endParaRPr>
+          </a:p>
+          <a:p>
+            <a:pPr marL="216000" indent="-216000">
+              <a:lnSpc>
+                <a:spcPct val="100000"/>
+              </a:lnSpc>
+              <a:buNone/>
+              <a:tabLst>
+                <a:tab algn="l" pos="0"/>
+              </a:tabLst>
+            </a:pPr>
+            <a:endParaRPr b="0" lang="en-US" sz="2000" spc="-1" strike="noStrike">
+              <a:solidFill>
+                <a:srgbClr val="000000"/>
+              </a:solidFill>
+              <a:latin typeface="Arial"/>
+            </a:endParaRPr>
+          </a:p>
+          <a:p>
+            <a:pPr marL="216000" indent="-216000">
+              <a:lnSpc>
+                <a:spcPct val="100000"/>
+              </a:lnSpc>
+              <a:buNone/>
+              <a:tabLst>
+                <a:tab algn="l" pos="0"/>
+              </a:tabLst>
+            </a:pPr>
+            <a:endParaRPr b="0" lang="en-US" sz="2000" spc="-1" strike="noStrike">
+              <a:solidFill>
+                <a:srgbClr val="000000"/>
+              </a:solidFill>
+              <a:latin typeface="Arial"/>
+            </a:endParaRPr>
+          </a:p>
+          <a:p>
+            <a:pPr marL="216000" indent="-216000">
+              <a:lnSpc>
+                <a:spcPct val="100000"/>
+              </a:lnSpc>
+              <a:buNone/>
+              <a:tabLst>
+                <a:tab algn="l" pos="0"/>
+              </a:tabLst>
+            </a:pPr>
+            <a:endParaRPr b="0" lang="en-US" sz="2000" spc="-1" strike="noStrike">
+              <a:solidFill>
+                <a:srgbClr val="000000"/>
+              </a:solidFill>
+              <a:latin typeface="Arial"/>
+            </a:endParaRPr>
+          </a:p>
+          <a:p>
+            <a:pPr marL="216000" indent="-216000">
+              <a:lnSpc>
+                <a:spcPct val="100000"/>
+              </a:lnSpc>
+              <a:buNone/>
+              <a:tabLst>
+                <a:tab algn="l" pos="0"/>
+              </a:tabLst>
+            </a:pPr>
+            <a:endParaRPr b="0" lang="en-US" sz="2000" spc="-1" strike="noStrike">
+              <a:solidFill>
+                <a:srgbClr val="000000"/>
+              </a:solidFill>
+              <a:latin typeface="Arial"/>
+            </a:endParaRPr>
+          </a:p>
+          <a:p>
+            <a:pPr marL="216000" indent="-216000">
+              <a:lnSpc>
+                <a:spcPct val="100000"/>
+              </a:lnSpc>
+              <a:buNone/>
+              <a:tabLst>
+                <a:tab algn="l" pos="0"/>
+              </a:tabLst>
+            </a:pPr>
             <a:endParaRPr b="0" lang="en-US" sz="2000" spc="-1" strike="noStrike">
               <a:solidFill>
                 <a:srgbClr val="000000"/>
@@ -3333,7 +3648,7 @@
       </p:grpSpPr>
       <p:sp>
         <p:nvSpPr>
-          <p:cNvPr id="140" name="PlaceHolder 1"/>
+          <p:cNvPr id="145" name="PlaceHolder 1"/>
           <p:cNvSpPr>
             <a:spLocks noGrp="1"/>
           </p:cNvSpPr>
@@ -3344,7 +3659,7 @@
         <p:spPr>
           <a:xfrm>
             <a:off x="216000" y="812520"/>
-            <a:ext cx="7126560" cy="4008240"/>
+            <a:ext cx="7125480" cy="4007160"/>
           </a:xfrm>
           <a:prstGeom prst="rect">
             <a:avLst/>
@@ -3356,7 +3671,7 @@
       </p:sp>
       <p:sp>
         <p:nvSpPr>
-          <p:cNvPr id="141" name="PlaceHolder 2"/>
+          <p:cNvPr id="146" name="PlaceHolder 2"/>
           <p:cNvSpPr>
             <a:spLocks noGrp="1"/>
           </p:cNvSpPr>
@@ -3367,7 +3682,7 @@
         <p:spPr>
           <a:xfrm>
             <a:off x="756000" y="5078520"/>
-            <a:ext cx="6046920" cy="4810320"/>
+            <a:ext cx="6045840" cy="4809240"/>
           </a:xfrm>
           <a:prstGeom prst="rect">
             <a:avLst/>
@@ -3562,7 +3877,7 @@
       </p:grpSpPr>
       <p:sp>
         <p:nvSpPr>
-          <p:cNvPr id="142" name="PlaceHolder 1"/>
+          <p:cNvPr id="147" name="PlaceHolder 1"/>
           <p:cNvSpPr>
             <a:spLocks noGrp="1"/>
           </p:cNvSpPr>
@@ -3573,7 +3888,7 @@
         <p:spPr>
           <a:xfrm>
             <a:off x="216000" y="812520"/>
-            <a:ext cx="7126560" cy="4008240"/>
+            <a:ext cx="7125480" cy="4007160"/>
           </a:xfrm>
           <a:prstGeom prst="rect">
             <a:avLst/>
@@ -3585,7 +3900,7 @@
       </p:sp>
       <p:sp>
         <p:nvSpPr>
-          <p:cNvPr id="143" name="PlaceHolder 2"/>
+          <p:cNvPr id="148" name="PlaceHolder 2"/>
           <p:cNvSpPr>
             <a:spLocks noGrp="1"/>
           </p:cNvSpPr>
@@ -3596,7 +3911,7 @@
         <p:spPr>
           <a:xfrm>
             <a:off x="756000" y="5078520"/>
-            <a:ext cx="6046920" cy="4810320"/>
+            <a:ext cx="6045840" cy="4809240"/>
           </a:xfrm>
           <a:prstGeom prst="rect">
             <a:avLst/>
@@ -3688,7 +4003,7 @@
       </p:grpSpPr>
       <p:sp>
         <p:nvSpPr>
-          <p:cNvPr id="144" name="PlaceHolder 1"/>
+          <p:cNvPr id="149" name="PlaceHolder 1"/>
           <p:cNvSpPr>
             <a:spLocks noGrp="1"/>
           </p:cNvSpPr>
@@ -3699,7 +4014,7 @@
         <p:spPr>
           <a:xfrm>
             <a:off x="216000" y="812520"/>
-            <a:ext cx="7126560" cy="4008240"/>
+            <a:ext cx="7125480" cy="4007160"/>
           </a:xfrm>
           <a:prstGeom prst="rect">
             <a:avLst/>
@@ -3711,7 +4026,7 @@
       </p:sp>
       <p:sp>
         <p:nvSpPr>
-          <p:cNvPr id="145" name="PlaceHolder 2"/>
+          <p:cNvPr id="150" name="PlaceHolder 2"/>
           <p:cNvSpPr>
             <a:spLocks noGrp="1"/>
           </p:cNvSpPr>
@@ -3722,7 +4037,7 @@
         <p:spPr>
           <a:xfrm>
             <a:off x="756000" y="5078520"/>
-            <a:ext cx="6046920" cy="4810320"/>
+            <a:ext cx="6045840" cy="4809240"/>
           </a:xfrm>
           <a:prstGeom prst="rect">
             <a:avLst/>
@@ -3883,7 +4198,7 @@
       </p:grpSpPr>
       <p:sp>
         <p:nvSpPr>
-          <p:cNvPr id="146" name="PlaceHolder 1"/>
+          <p:cNvPr id="151" name="PlaceHolder 1"/>
           <p:cNvSpPr>
             <a:spLocks noGrp="1"/>
           </p:cNvSpPr>
@@ -3894,7 +4209,7 @@
         <p:spPr>
           <a:xfrm>
             <a:off x="216000" y="812520"/>
-            <a:ext cx="7126560" cy="4008240"/>
+            <a:ext cx="7125480" cy="4007160"/>
           </a:xfrm>
           <a:prstGeom prst="rect">
             <a:avLst/>
@@ -3906,7 +4221,7 @@
       </p:sp>
       <p:sp>
         <p:nvSpPr>
-          <p:cNvPr id="147" name="PlaceHolder 2"/>
+          <p:cNvPr id="152" name="PlaceHolder 2"/>
           <p:cNvSpPr>
             <a:spLocks noGrp="1"/>
           </p:cNvSpPr>
@@ -3917,7 +4232,7 @@
         <p:spPr>
           <a:xfrm>
             <a:off x="756000" y="5078520"/>
-            <a:ext cx="6046920" cy="4810320"/>
+            <a:ext cx="6045840" cy="4809240"/>
           </a:xfrm>
           <a:prstGeom prst="rect">
             <a:avLst/>
@@ -4121,7 +4436,7 @@
       </p:grpSpPr>
       <p:sp>
         <p:nvSpPr>
-          <p:cNvPr id="148" name="PlaceHolder 1"/>
+          <p:cNvPr id="153" name="PlaceHolder 1"/>
           <p:cNvSpPr>
             <a:spLocks noGrp="1"/>
           </p:cNvSpPr>
@@ -4132,7 +4447,7 @@
         <p:spPr>
           <a:xfrm>
             <a:off x="216000" y="812520"/>
-            <a:ext cx="7126560" cy="4008240"/>
+            <a:ext cx="7125480" cy="4007160"/>
           </a:xfrm>
           <a:prstGeom prst="rect">
             <a:avLst/>
@@ -4144,7 +4459,7 @@
       </p:sp>
       <p:sp>
         <p:nvSpPr>
-          <p:cNvPr id="149" name="PlaceHolder 2"/>
+          <p:cNvPr id="154" name="PlaceHolder 2"/>
           <p:cNvSpPr>
             <a:spLocks noGrp="1"/>
           </p:cNvSpPr>
@@ -4155,7 +4470,7 @@
         <p:spPr>
           <a:xfrm>
             <a:off x="756000" y="5078520"/>
-            <a:ext cx="6046920" cy="4810320"/>
+            <a:ext cx="6045840" cy="4809240"/>
           </a:xfrm>
           <a:prstGeom prst="rect">
             <a:avLst/>
@@ -4281,7 +4596,7 @@
       </p:grpSpPr>
       <p:sp>
         <p:nvSpPr>
-          <p:cNvPr id="150" name="PlaceHolder 1"/>
+          <p:cNvPr id="155" name="PlaceHolder 1"/>
           <p:cNvSpPr>
             <a:spLocks noGrp="1"/>
           </p:cNvSpPr>
@@ -4292,7 +4607,7 @@
         <p:spPr>
           <a:xfrm>
             <a:off x="216000" y="812520"/>
-            <a:ext cx="7126560" cy="4008240"/>
+            <a:ext cx="7125480" cy="4007160"/>
           </a:xfrm>
           <a:prstGeom prst="rect">
             <a:avLst/>
@@ -4304,7 +4619,7 @@
       </p:sp>
       <p:sp>
         <p:nvSpPr>
-          <p:cNvPr id="151" name="PlaceHolder 2"/>
+          <p:cNvPr id="156" name="PlaceHolder 2"/>
           <p:cNvSpPr>
             <a:spLocks noGrp="1"/>
           </p:cNvSpPr>
@@ -4315,7 +4630,7 @@
         <p:spPr>
           <a:xfrm>
             <a:off x="756000" y="5078520"/>
-            <a:ext cx="6046920" cy="4810320"/>
+            <a:ext cx="6045840" cy="4809240"/>
           </a:xfrm>
           <a:prstGeom prst="rect">
             <a:avLst/>
@@ -4553,7 +4868,7 @@
       </p:grpSpPr>
       <p:sp>
         <p:nvSpPr>
-          <p:cNvPr id="152" name="PlaceHolder 1"/>
+          <p:cNvPr id="157" name="PlaceHolder 1"/>
           <p:cNvSpPr>
             <a:spLocks noGrp="1"/>
           </p:cNvSpPr>
@@ -4564,7 +4879,7 @@
         <p:spPr>
           <a:xfrm>
             <a:off x="216000" y="812520"/>
-            <a:ext cx="7126560" cy="4008240"/>
+            <a:ext cx="7125480" cy="4007160"/>
           </a:xfrm>
           <a:prstGeom prst="rect">
             <a:avLst/>
@@ -4576,7 +4891,7 @@
       </p:sp>
       <p:sp>
         <p:nvSpPr>
-          <p:cNvPr id="153" name="PlaceHolder 2"/>
+          <p:cNvPr id="158" name="PlaceHolder 2"/>
           <p:cNvSpPr>
             <a:spLocks noGrp="1"/>
           </p:cNvSpPr>
@@ -4587,7 +4902,7 @@
         <p:spPr>
           <a:xfrm>
             <a:off x="756000" y="5078520"/>
-            <a:ext cx="6046920" cy="4810320"/>
+            <a:ext cx="6045840" cy="4809240"/>
           </a:xfrm>
           <a:prstGeom prst="rect">
             <a:avLst/>
@@ -4750,7 +5065,7 @@
         <p:spPr>
           <a:xfrm>
             <a:off x="504000" y="226080"/>
-            <a:ext cx="9070560" cy="945360"/>
+            <a:ext cx="9069480" cy="944280"/>
           </a:xfrm>
           <a:prstGeom prst="rect">
             <a:avLst/>
@@ -4790,7 +5105,7 @@
         <p:spPr>
           <a:xfrm>
             <a:off x="504000" y="1326600"/>
-            <a:ext cx="1053720" cy="356400"/>
+            <a:ext cx="121680" cy="38160"/>
           </a:xfrm>
           <a:prstGeom prst="rect">
             <a:avLst/>
@@ -4802,7 +5117,7 @@
         </p:spPr>
         <p:txBody>
           <a:bodyPr lIns="0" rIns="0" tIns="0" bIns="0" anchor="t">
-            <a:normAutofit fontScale="40621"/>
+            <a:normAutofit fontScale="3124" lnSpcReduction="20000"/>
           </a:bodyPr>
           <a:p>
             <a:pPr indent="0">
@@ -4832,8 +5147,8 @@
         </p:nvSpPr>
         <p:spPr>
           <a:xfrm>
-            <a:off x="1610640" y="1326600"/>
-            <a:ext cx="1053720" cy="356400"/>
+            <a:off x="632160" y="1326600"/>
+            <a:ext cx="121680" cy="38160"/>
           </a:xfrm>
           <a:prstGeom prst="rect">
             <a:avLst/>
@@ -4845,7 +5160,7 @@
         </p:spPr>
         <p:txBody>
           <a:bodyPr lIns="0" rIns="0" tIns="0" bIns="0" anchor="t">
-            <a:normAutofit fontScale="40621"/>
+            <a:normAutofit fontScale="3124" lnSpcReduction="20000"/>
           </a:bodyPr>
           <a:p>
             <a:pPr indent="0">
@@ -4875,8 +5190,8 @@
         </p:nvSpPr>
         <p:spPr>
           <a:xfrm>
-            <a:off x="504000" y="1717200"/>
-            <a:ext cx="1053720" cy="356400"/>
+            <a:off x="504000" y="1368720"/>
+            <a:ext cx="121680" cy="38160"/>
           </a:xfrm>
           <a:prstGeom prst="rect">
             <a:avLst/>
@@ -4888,7 +5203,7 @@
         </p:spPr>
         <p:txBody>
           <a:bodyPr lIns="0" rIns="0" tIns="0" bIns="0" anchor="t">
-            <a:normAutofit fontScale="40621"/>
+            <a:normAutofit fontScale="3124" lnSpcReduction="20000"/>
           </a:bodyPr>
           <a:p>
             <a:pPr indent="0">
@@ -4918,8 +5233,8 @@
         </p:nvSpPr>
         <p:spPr>
           <a:xfrm>
-            <a:off x="1610640" y="1717200"/>
-            <a:ext cx="1053720" cy="356400"/>
+            <a:off x="632160" y="1368720"/>
+            <a:ext cx="121680" cy="38160"/>
           </a:xfrm>
           <a:prstGeom prst="rect">
             <a:avLst/>
@@ -4931,7 +5246,7 @@
         </p:spPr>
         <p:txBody>
           <a:bodyPr lIns="0" rIns="0" tIns="0" bIns="0" anchor="t">
-            <a:normAutofit fontScale="40621"/>
+            <a:normAutofit fontScale="3124" lnSpcReduction="20000"/>
           </a:bodyPr>
           <a:p>
             <a:pPr indent="0">
@@ -4983,7 +5298,7 @@
         <p:txBody>
           <a:bodyPr/>
           <a:p>
-            <a:fld id="{136F03F5-7964-4D76-9B01-8452D9C0EDB5}" type="slidenum">
+            <a:fld id="{3DAD8C7C-BA67-476F-9731-335D390579A1}" type="slidenum">
               <a:t>&lt;#&gt;</a:t>
             </a:fld>
           </a:p>
@@ -5045,7 +5360,7 @@
         <p:spPr>
           <a:xfrm>
             <a:off x="504000" y="226080"/>
-            <a:ext cx="9070560" cy="945360"/>
+            <a:ext cx="9069480" cy="944280"/>
           </a:xfrm>
           <a:prstGeom prst="rect">
             <a:avLst/>
@@ -5085,7 +5400,7 @@
         <p:spPr>
           <a:xfrm>
             <a:off x="504000" y="1326600"/>
-            <a:ext cx="2159280" cy="747360"/>
+            <a:ext cx="249840" cy="80280"/>
           </a:xfrm>
           <a:prstGeom prst="rect">
             <a:avLst/>
@@ -5097,7 +5412,7 @@
         </p:spPr>
         <p:txBody>
           <a:bodyPr lIns="0" rIns="0" tIns="0" bIns="0" anchor="t">
-            <a:normAutofit fontScale="81242"/>
+            <a:normAutofit fontScale="3124" lnSpcReduction="20000"/>
           </a:bodyPr>
           <a:p>
             <a:pPr indent="0">
@@ -5149,7 +5464,7 @@
         <p:txBody>
           <a:bodyPr/>
           <a:p>
-            <a:fld id="{E35AAF58-6224-4A13-9FED-48099E94A78C}" type="slidenum">
+            <a:fld id="{2CF3D6FE-8A1B-4BEC-AC07-84E299C20771}" type="slidenum">
               <a:t>&lt;#&gt;</a:t>
             </a:fld>
           </a:p>
@@ -5211,7 +5526,7 @@
         <p:spPr>
           <a:xfrm>
             <a:off x="504000" y="226080"/>
-            <a:ext cx="9070560" cy="945360"/>
+            <a:ext cx="9069480" cy="944280"/>
           </a:xfrm>
           <a:prstGeom prst="rect">
             <a:avLst/>
@@ -5250,8 +5565,8 @@
         </p:nvSpPr>
         <p:spPr>
           <a:xfrm>
-            <a:off x="504000" y="1244520"/>
-            <a:ext cx="2159280" cy="911880"/>
+            <a:off x="504000" y="-1595880"/>
+            <a:ext cx="249840" cy="5925240"/>
           </a:xfrm>
           <a:prstGeom prst="rect">
             <a:avLst/>
@@ -5312,7 +5627,7 @@
         <p:txBody>
           <a:bodyPr/>
           <a:p>
-            <a:fld id="{688A6A51-53B9-454C-9FF2-E3A0299EF4B8}" type="slidenum">
+            <a:fld id="{AA509A7A-E2AA-4AEC-AD91-A1E64F655611}" type="slidenum">
               <a:t>&lt;#&gt;</a:t>
             </a:fld>
           </a:p>
@@ -5374,7 +5689,7 @@
         <p:spPr>
           <a:xfrm>
             <a:off x="504000" y="226080"/>
-            <a:ext cx="9070560" cy="945360"/>
+            <a:ext cx="9069480" cy="944280"/>
           </a:xfrm>
           <a:prstGeom prst="rect">
             <a:avLst/>
@@ -5432,7 +5747,7 @@
         <p:spPr>
           <a:xfrm>
             <a:off x="504000" y="1326600"/>
-            <a:ext cx="2159280" cy="747360"/>
+            <a:ext cx="249840" cy="80280"/>
           </a:xfrm>
           <a:prstGeom prst="rect">
             <a:avLst/>
@@ -5444,7 +5759,7 @@
         </p:spPr>
         <p:txBody>
           <a:bodyPr lIns="0" rIns="0" tIns="0" bIns="0" anchor="t">
-            <a:normAutofit fontScale="1111"/>
+            <a:normAutofit fontScale="1111" lnSpcReduction="20000"/>
           </a:bodyPr>
           <a:p>
             <a:pPr marL="432000" indent="-324000">
@@ -5656,8 +5971,8 @@
         </p:nvSpPr>
         <p:spPr>
           <a:xfrm>
-            <a:off x="2772000" y="1326600"/>
-            <a:ext cx="2159280" cy="747360"/>
+            <a:off x="767160" y="1326600"/>
+            <a:ext cx="249840" cy="80280"/>
           </a:xfrm>
           <a:prstGeom prst="rect">
             <a:avLst/>
@@ -5669,7 +5984,7 @@
         </p:spPr>
         <p:txBody>
           <a:bodyPr lIns="0" rIns="0" tIns="0" bIns="0" anchor="t">
-            <a:normAutofit fontScale="1111"/>
+            <a:normAutofit fontScale="1111" lnSpcReduction="20000"/>
           </a:bodyPr>
           <a:p>
             <a:pPr marL="432000" indent="-324000">
@@ -5690,16 +6005,7 @@
                 </a:solidFill>
                 <a:latin typeface="Arial"/>
               </a:rPr>
-              <a:t>Click to edit the outline </a:t>
-            </a:r>
-            <a:r>
-              <a:rPr b="0" lang="en-US" sz="1800" spc="-1" strike="noStrike">
-                <a:solidFill>
-                  <a:srgbClr val="000000"/>
-                </a:solidFill>
-                <a:latin typeface="Arial"/>
-              </a:rPr>
-              <a:t>text format</a:t>
+              <a:t>Click to edit the outline text format</a:t>
             </a:r>
             <a:endParaRPr b="0" lang="en-US" sz="1800" spc="-1" strike="noStrike">
               <a:solidFill>
@@ -5727,16 +6033,7 @@
                 </a:solidFill>
                 <a:latin typeface="Arial"/>
               </a:rPr>
-              <a:t>Second Outline </a:t>
-            </a:r>
-            <a:r>
-              <a:rPr b="0" lang="en-US" sz="1800" spc="-1" strike="noStrike">
-                <a:solidFill>
-                  <a:srgbClr val="000000"/>
-                </a:solidFill>
-                <a:latin typeface="Arial"/>
-              </a:rPr>
-              <a:t>Level</a:t>
+              <a:t>Second Outline Level</a:t>
             </a:r>
             <a:endParaRPr b="0" lang="en-US" sz="1800" spc="-1" strike="noStrike">
               <a:solidFill>
@@ -5764,16 +6061,7 @@
                 </a:solidFill>
                 <a:latin typeface="Arial"/>
               </a:rPr>
-              <a:t>Third Outline </a:t>
-            </a:r>
-            <a:r>
-              <a:rPr b="0" lang="en-US" sz="1800" spc="-1" strike="noStrike">
-                <a:solidFill>
-                  <a:srgbClr val="000000"/>
-                </a:solidFill>
-                <a:latin typeface="Arial"/>
-              </a:rPr>
-              <a:t>Level</a:t>
+              <a:t>Third Outline Level</a:t>
             </a:r>
             <a:endParaRPr b="0" lang="en-US" sz="1800" spc="-1" strike="noStrike">
               <a:solidFill>
@@ -5801,25 +6089,7 @@
                 </a:solidFill>
                 <a:latin typeface="Arial"/>
               </a:rPr>
-              <a:t>Fourth </a:t>
-            </a:r>
-            <a:r>
-              <a:rPr b="0" lang="en-US" sz="1800" spc="-1" strike="noStrike">
-                <a:solidFill>
-                  <a:srgbClr val="000000"/>
-                </a:solidFill>
-                <a:latin typeface="Arial"/>
-              </a:rPr>
-              <a:t>Outline </a:t>
-            </a:r>
-            <a:r>
-              <a:rPr b="0" lang="en-US" sz="1800" spc="-1" strike="noStrike">
-                <a:solidFill>
-                  <a:srgbClr val="000000"/>
-                </a:solidFill>
-                <a:latin typeface="Arial"/>
-              </a:rPr>
-              <a:t>Level</a:t>
+              <a:t>Fourth Outline Level</a:t>
             </a:r>
             <a:endParaRPr b="0" lang="en-US" sz="1800" spc="-1" strike="noStrike">
               <a:solidFill>
@@ -5847,25 +6117,7 @@
                 </a:solidFill>
                 <a:latin typeface="Arial"/>
               </a:rPr>
-              <a:t>Fifth </a:t>
-            </a:r>
-            <a:r>
-              <a:rPr b="0" lang="en-US" sz="1800" spc="-1" strike="noStrike">
-                <a:solidFill>
-                  <a:srgbClr val="000000"/>
-                </a:solidFill>
-                <a:latin typeface="Arial"/>
-              </a:rPr>
-              <a:t>Outline </a:t>
-            </a:r>
-            <a:r>
-              <a:rPr b="0" lang="en-US" sz="1800" spc="-1" strike="noStrike">
-                <a:solidFill>
-                  <a:srgbClr val="000000"/>
-                </a:solidFill>
-                <a:latin typeface="Arial"/>
-              </a:rPr>
-              <a:t>Level</a:t>
+              <a:t>Fifth Outline Level</a:t>
             </a:r>
             <a:endParaRPr b="0" lang="en-US" sz="1800" spc="-1" strike="noStrike">
               <a:solidFill>
@@ -5893,61 +6145,7 @@
                 </a:solidFill>
                 <a:latin typeface="Arial"/>
               </a:rPr>
-              <a:t>Six</a:t>
-            </a:r>
-            <a:r>
-              <a:rPr b="0" lang="en-US" sz="1800" spc="-1" strike="noStrike">
-                <a:solidFill>
-                  <a:srgbClr val="000000"/>
-                </a:solidFill>
-                <a:latin typeface="Arial"/>
-              </a:rPr>
-              <a:t>th </a:t>
-            </a:r>
-            <a:r>
-              <a:rPr b="0" lang="en-US" sz="1800" spc="-1" strike="noStrike">
-                <a:solidFill>
-                  <a:srgbClr val="000000"/>
-                </a:solidFill>
-                <a:latin typeface="Arial"/>
-              </a:rPr>
-              <a:t>Ou</a:t>
-            </a:r>
-            <a:r>
-              <a:rPr b="0" lang="en-US" sz="1800" spc="-1" strike="noStrike">
-                <a:solidFill>
-                  <a:srgbClr val="000000"/>
-                </a:solidFill>
-                <a:latin typeface="Arial"/>
-              </a:rPr>
-              <a:t>tlin</a:t>
-            </a:r>
-            <a:r>
-              <a:rPr b="0" lang="en-US" sz="1800" spc="-1" strike="noStrike">
-                <a:solidFill>
-                  <a:srgbClr val="000000"/>
-                </a:solidFill>
-                <a:latin typeface="Arial"/>
-              </a:rPr>
-              <a:t>e </a:t>
-            </a:r>
-            <a:r>
-              <a:rPr b="0" lang="en-US" sz="1800" spc="-1" strike="noStrike">
-                <a:solidFill>
-                  <a:srgbClr val="000000"/>
-                </a:solidFill>
-                <a:latin typeface="Arial"/>
-              </a:rPr>
-              <a:t>Le</a:t>
-            </a:r>
-            <a:r>
-              <a:rPr b="0" lang="en-US" sz="1800" spc="-1" strike="noStrike">
-                <a:solidFill>
-                  <a:srgbClr val="000000"/>
-                </a:solidFill>
-                <a:latin typeface="Arial"/>
-              </a:rPr>
-              <a:t>vel</a:t>
+              <a:t>Sixth Outline Level</a:t>
             </a:r>
             <a:endParaRPr b="0" lang="en-US" sz="1800" spc="-1" strike="noStrike">
               <a:solidFill>
@@ -5975,187 +6173,7 @@
                 </a:solidFill>
                 <a:latin typeface="Arial"/>
               </a:rPr>
-              <a:t>S</a:t>
-            </a:r>
-            <a:r>
-              <a:rPr b="0" lang="en-US" sz="1800" spc="-1" strike="noStrike">
-                <a:solidFill>
-                  <a:srgbClr val="000000"/>
-                </a:solidFill>
-                <a:latin typeface="Arial"/>
-              </a:rPr>
-              <a:t>e</a:t>
-            </a:r>
-            <a:r>
-              <a:rPr b="0" lang="en-US" sz="1800" spc="-1" strike="noStrike">
-                <a:solidFill>
-                  <a:srgbClr val="000000"/>
-                </a:solidFill>
-                <a:latin typeface="Arial"/>
-              </a:rPr>
-              <a:t>v</a:t>
-            </a:r>
-            <a:r>
-              <a:rPr b="0" lang="en-US" sz="1800" spc="-1" strike="noStrike">
-                <a:solidFill>
-                  <a:srgbClr val="000000"/>
-                </a:solidFill>
-                <a:latin typeface="Arial"/>
-              </a:rPr>
-              <a:t>e</a:t>
-            </a:r>
-            <a:r>
-              <a:rPr b="0" lang="en-US" sz="1800" spc="-1" strike="noStrike">
-                <a:solidFill>
-                  <a:srgbClr val="000000"/>
-                </a:solidFill>
-                <a:latin typeface="Arial"/>
-              </a:rPr>
-              <a:t>n</a:t>
-            </a:r>
-            <a:r>
-              <a:rPr b="0" lang="en-US" sz="1800" spc="-1" strike="noStrike">
-                <a:solidFill>
-                  <a:srgbClr val="000000"/>
-                </a:solidFill>
-                <a:latin typeface="Arial"/>
-              </a:rPr>
-              <a:t>t</a:t>
-            </a:r>
-            <a:r>
-              <a:rPr b="0" lang="en-US" sz="1800" spc="-1" strike="noStrike">
-                <a:solidFill>
-                  <a:srgbClr val="000000"/>
-                </a:solidFill>
-                <a:latin typeface="Arial"/>
-              </a:rPr>
-              <a:t>h</a:t>
-            </a:r>
-            <a:r>
-              <a:rPr b="0" lang="en-US" sz="1800" spc="-1" strike="noStrike">
-                <a:solidFill>
-                  <a:srgbClr val="000000"/>
-                </a:solidFill>
-                <a:latin typeface="Arial"/>
-              </a:rPr>
-              <a:t> </a:t>
-            </a:r>
-            <a:r>
-              <a:rPr b="0" lang="en-US" sz="1800" spc="-1" strike="noStrike">
-                <a:solidFill>
-                  <a:srgbClr val="000000"/>
-                </a:solidFill>
-                <a:latin typeface="Arial"/>
-              </a:rPr>
-              <a:t>O</a:t>
-            </a:r>
-            <a:r>
-              <a:rPr b="0" lang="en-US" sz="1800" spc="-1" strike="noStrike">
-                <a:solidFill>
-                  <a:srgbClr val="000000"/>
-                </a:solidFill>
-                <a:latin typeface="Arial"/>
-              </a:rPr>
-              <a:t>u</a:t>
-            </a:r>
-            <a:r>
-              <a:rPr b="0" lang="en-US" sz="1800" spc="-1" strike="noStrike">
-                <a:solidFill>
-                  <a:srgbClr val="000000"/>
-                </a:solidFill>
-                <a:latin typeface="Arial"/>
-              </a:rPr>
-              <a:t>t</a:t>
-            </a:r>
-            <a:r>
-              <a:rPr b="0" lang="en-US" sz="1800" spc="-1" strike="noStrike">
-                <a:solidFill>
-                  <a:srgbClr val="000000"/>
-                </a:solidFill>
-                <a:latin typeface="Arial"/>
-              </a:rPr>
-              <a:t>l</a:t>
-            </a:r>
-            <a:r>
-              <a:rPr b="0" lang="en-US" sz="1800" spc="-1" strike="noStrike">
-                <a:solidFill>
-                  <a:srgbClr val="000000"/>
-                </a:solidFill>
-                <a:latin typeface="Arial"/>
-              </a:rPr>
-              <a:t>i</a:t>
-            </a:r>
-            <a:r>
-              <a:rPr b="0" lang="en-US" sz="1800" spc="-1" strike="noStrike">
-                <a:solidFill>
-                  <a:srgbClr val="000000"/>
-                </a:solidFill>
-                <a:latin typeface="Arial"/>
-              </a:rPr>
-              <a:t>n</a:t>
-            </a:r>
-            <a:r>
-              <a:rPr b="0" lang="en-US" sz="1800" spc="-1" strike="noStrike">
-                <a:solidFill>
-                  <a:srgbClr val="000000"/>
-                </a:solidFill>
-                <a:latin typeface="Arial"/>
-              </a:rPr>
-              <a:t>e</a:t>
-            </a:r>
-            <a:r>
-              <a:rPr b="0" lang="en-US" sz="1800" spc="-1" strike="noStrike">
-                <a:solidFill>
-                  <a:srgbClr val="000000"/>
-                </a:solidFill>
-                <a:latin typeface="Arial"/>
-              </a:rPr>
-              <a:t> </a:t>
-            </a:r>
-            <a:r>
-              <a:rPr b="0" lang="en-US" sz="1800" spc="-1" strike="noStrike">
-                <a:solidFill>
-                  <a:srgbClr val="000000"/>
-                </a:solidFill>
-                <a:latin typeface="Arial"/>
-              </a:rPr>
-              <a:t>L</a:t>
-            </a:r>
-            <a:r>
-              <a:rPr b="0" lang="en-US" sz="1800" spc="-1" strike="noStrike">
-                <a:solidFill>
-                  <a:srgbClr val="000000"/>
-                </a:solidFill>
-                <a:latin typeface="Arial"/>
-              </a:rPr>
-              <a:t>e</a:t>
-            </a:r>
-            <a:r>
-              <a:rPr b="0" lang="en-US" sz="1800" spc="-1" strike="noStrike">
-                <a:solidFill>
-                  <a:srgbClr val="000000"/>
-                </a:solidFill>
-                <a:latin typeface="Arial"/>
-              </a:rPr>
-              <a:t>v</a:t>
-            </a:r>
-            <a:r>
-              <a:rPr b="0" lang="en-US" sz="1800" spc="-1" strike="noStrike">
-                <a:solidFill>
-                  <a:srgbClr val="000000"/>
-                </a:solidFill>
-                <a:latin typeface="Arial"/>
-              </a:rPr>
-              <a:t>e</a:t>
-            </a:r>
-            <a:r>
-              <a:rPr b="0" lang="en-US" sz="1800" spc="-1" strike="noStrike">
-                <a:solidFill>
-                  <a:srgbClr val="000000"/>
-                </a:solidFill>
-                <a:latin typeface="Arial"/>
-              </a:rPr>
-              <a:t>l</a:t>
+              <a:t>Seventh Outline Level</a:t>
             </a:r>
             <a:endParaRPr b="0" lang="en-US" sz="1800" spc="-1" strike="noStrike">
               <a:solidFill>
@@ -6178,8 +6196,8 @@
         </p:nvSpPr>
         <p:spPr>
           <a:xfrm>
-            <a:off x="504000" y="2145600"/>
-            <a:ext cx="2159280" cy="747360"/>
+            <a:off x="504000" y="1415160"/>
+            <a:ext cx="249840" cy="80280"/>
           </a:xfrm>
           <a:prstGeom prst="rect">
             <a:avLst/>
@@ -6191,7 +6209,7 @@
         </p:spPr>
         <p:txBody>
           <a:bodyPr lIns="0" rIns="0" tIns="0" bIns="0" anchor="t">
-            <a:normAutofit fontScale="1111"/>
+            <a:normAutofit fontScale="1111" lnSpcReduction="20000"/>
           </a:bodyPr>
           <a:p>
             <a:pPr marL="432000" indent="-324000">
@@ -6403,8 +6421,8 @@
         </p:nvSpPr>
         <p:spPr>
           <a:xfrm>
-            <a:off x="2772000" y="2145600"/>
-            <a:ext cx="2159280" cy="747360"/>
+            <a:off x="767160" y="1415160"/>
+            <a:ext cx="249840" cy="80280"/>
           </a:xfrm>
           <a:prstGeom prst="rect">
             <a:avLst/>
@@ -6416,7 +6434,7 @@
         </p:spPr>
         <p:txBody>
           <a:bodyPr lIns="0" rIns="0" tIns="0" bIns="0" anchor="t">
-            <a:normAutofit fontScale="1111"/>
+            <a:normAutofit fontScale="1111" lnSpcReduction="20000"/>
           </a:bodyPr>
           <a:p>
             <a:pPr marL="432000" indent="-324000">
@@ -6629,7 +6647,7 @@
         <p:spPr>
           <a:xfrm>
             <a:off x="3447360" y="5165280"/>
-            <a:ext cx="3193920" cy="389520"/>
+            <a:ext cx="3192840" cy="388440"/>
           </a:xfrm>
           <a:prstGeom prst="rect">
             <a:avLst/>
@@ -6701,7 +6719,7 @@
         <p:spPr>
           <a:xfrm>
             <a:off x="7227360" y="5165280"/>
-            <a:ext cx="2347200" cy="389520"/>
+            <a:ext cx="2346120" cy="388440"/>
           </a:xfrm>
           <a:prstGeom prst="rect">
             <a:avLst/>
@@ -6742,7 +6760,7 @@
                 <a:tab algn="l" pos="0"/>
               </a:tabLst>
             </a:pPr>
-            <a:fld id="{F58C5A3F-9D1F-4768-9BB4-8097356586C1}" type="slidenum">
+            <a:fld id="{A86FAAF9-5CDC-4B0E-A842-5A8B06B4EC8A}" type="slidenum">
               <a:rPr b="0" lang="da-DK" sz="1400" spc="-1" strike="noStrike">
                 <a:solidFill>
                   <a:srgbClr val="000000"/>
@@ -6773,7 +6791,7 @@
         <p:spPr>
           <a:xfrm>
             <a:off x="504000" y="5165280"/>
-            <a:ext cx="2347200" cy="389520"/>
+            <a:ext cx="2346120" cy="388440"/>
           </a:xfrm>
           <a:prstGeom prst="rect">
             <a:avLst/>
@@ -6859,7 +6877,7 @@
         <p:spPr>
           <a:xfrm>
             <a:off x="504000" y="226080"/>
-            <a:ext cx="9070560" cy="945360"/>
+            <a:ext cx="9069480" cy="944280"/>
           </a:xfrm>
           <a:prstGeom prst="rect">
             <a:avLst/>
@@ -6908,7 +6926,7 @@
         <p:spPr>
           <a:xfrm>
             <a:off x="504000" y="1326600"/>
-            <a:ext cx="4425840" cy="1567440"/>
+            <a:ext cx="513000" cy="168840"/>
           </a:xfrm>
           <a:prstGeom prst="rect">
             <a:avLst/>
@@ -6920,7 +6938,7 @@
         </p:spPr>
         <p:txBody>
           <a:bodyPr lIns="0" rIns="0" tIns="0" bIns="0" anchor="t">
-            <a:normAutofit fontScale="56111"/>
+            <a:normAutofit fontScale="1111" lnSpcReduction="20000"/>
           </a:bodyPr>
           <a:p>
             <a:pPr marL="432000" indent="-324000">
@@ -7133,7 +7151,7 @@
         <p:spPr>
           <a:xfrm>
             <a:off x="3447360" y="5165280"/>
-            <a:ext cx="3193920" cy="389520"/>
+            <a:ext cx="3192840" cy="388440"/>
           </a:xfrm>
           <a:prstGeom prst="rect">
             <a:avLst/>
@@ -7205,7 +7223,7 @@
         <p:spPr>
           <a:xfrm>
             <a:off x="7227360" y="5165280"/>
-            <a:ext cx="2347200" cy="389520"/>
+            <a:ext cx="2346120" cy="388440"/>
           </a:xfrm>
           <a:prstGeom prst="rect">
             <a:avLst/>
@@ -7246,7 +7264,7 @@
                 <a:tab algn="l" pos="0"/>
               </a:tabLst>
             </a:pPr>
-            <a:fld id="{895DB494-9D71-4D8C-B474-731256F8AC70}" type="slidenum">
+            <a:fld id="{1B17988A-D73E-4956-9CEC-38AF9274B946}" type="slidenum">
               <a:rPr b="0" lang="da-DK" sz="1400" spc="-1" strike="noStrike">
                 <a:solidFill>
                   <a:srgbClr val="000000"/>
@@ -7277,7 +7295,7 @@
         <p:spPr>
           <a:xfrm>
             <a:off x="504000" y="5165280"/>
-            <a:ext cx="2347200" cy="389520"/>
+            <a:ext cx="2346120" cy="388440"/>
           </a:xfrm>
           <a:prstGeom prst="rect">
             <a:avLst/>
@@ -7363,7 +7381,7 @@
         <p:spPr>
           <a:xfrm>
             <a:off x="504000" y="226080"/>
-            <a:ext cx="9070560" cy="945360"/>
+            <a:ext cx="9069480" cy="944280"/>
           </a:xfrm>
           <a:prstGeom prst="rect">
             <a:avLst/>
@@ -7412,7 +7430,7 @@
         <p:spPr>
           <a:xfrm>
             <a:off x="3447360" y="5165280"/>
-            <a:ext cx="3193920" cy="389520"/>
+            <a:ext cx="3192840" cy="388440"/>
           </a:xfrm>
           <a:prstGeom prst="rect">
             <a:avLst/>
@@ -7484,7 +7502,7 @@
         <p:spPr>
           <a:xfrm>
             <a:off x="7227360" y="5165280"/>
-            <a:ext cx="2347200" cy="389520"/>
+            <a:ext cx="2346120" cy="388440"/>
           </a:xfrm>
           <a:prstGeom prst="rect">
             <a:avLst/>
@@ -7525,7 +7543,7 @@
                 <a:tab algn="l" pos="0"/>
               </a:tabLst>
             </a:pPr>
-            <a:fld id="{01443299-F9A2-4FA4-9A29-7359F5B1472B}" type="slidenum">
+            <a:fld id="{C5E9C35B-3F5F-4CC1-9AA1-4D50CDA19DD4}" type="slidenum">
               <a:rPr b="0" lang="da-DK" sz="1400" spc="-1" strike="noStrike">
                 <a:solidFill>
                   <a:srgbClr val="000000"/>
@@ -7556,7 +7574,7 @@
         <p:spPr>
           <a:xfrm>
             <a:off x="504000" y="5165280"/>
-            <a:ext cx="2347200" cy="389520"/>
+            <a:ext cx="2346120" cy="388440"/>
           </a:xfrm>
           <a:prstGeom prst="rect">
             <a:avLst/>
@@ -7867,7 +7885,7 @@
         <p:spPr>
           <a:xfrm>
             <a:off x="504000" y="226080"/>
-            <a:ext cx="9070560" cy="945360"/>
+            <a:ext cx="9069480" cy="944280"/>
           </a:xfrm>
           <a:prstGeom prst="rect">
             <a:avLst/>
@@ -7922,7 +7940,7 @@
         <p:spPr>
           <a:xfrm>
             <a:off x="504000" y="1362600"/>
-            <a:ext cx="9070560" cy="3287160"/>
+            <a:ext cx="9069480" cy="3286080"/>
           </a:xfrm>
           <a:prstGeom prst="rect">
             <a:avLst/>
@@ -8029,7 +8047,7 @@
         <p:spPr>
           <a:xfrm>
             <a:off x="20880" y="20880"/>
-            <a:ext cx="878040" cy="878040"/>
+            <a:ext cx="876960" cy="876960"/>
           </a:xfrm>
           <a:prstGeom prst="rect">
             <a:avLst/>
@@ -8052,7 +8070,7 @@
         <p:spPr>
           <a:xfrm>
             <a:off x="360" y="4615200"/>
-            <a:ext cx="2958120" cy="1002240"/>
+            <a:ext cx="2957040" cy="1001160"/>
           </a:xfrm>
           <a:prstGeom prst="rect">
             <a:avLst/>
@@ -8075,7 +8093,7 @@
         <p:spPr>
           <a:xfrm>
             <a:off x="9144360" y="360"/>
-            <a:ext cx="923040" cy="923040"/>
+            <a:ext cx="921960" cy="921960"/>
           </a:xfrm>
           <a:prstGeom prst="rect">
             <a:avLst/>
@@ -8098,7 +8116,7 @@
         <p:spPr>
           <a:xfrm>
             <a:off x="3853440" y="3313440"/>
-            <a:ext cx="465840" cy="465840"/>
+            <a:ext cx="464760" cy="464760"/>
           </a:xfrm>
           <a:prstGeom prst="rect">
             <a:avLst/>
@@ -8117,7 +8135,7 @@
         <p:spPr>
           <a:xfrm>
             <a:off x="2959560" y="4693680"/>
-            <a:ext cx="687240" cy="345240"/>
+            <a:ext cx="686160" cy="344160"/>
           </a:xfrm>
           <a:prstGeom prst="rect">
             <a:avLst/>
@@ -8175,30 +8193,7 @@
         <p:spPr>
           <a:xfrm>
             <a:off x="7929360" y="3600000"/>
-            <a:ext cx="2070000" cy="2070000"/>
-          </a:xfrm>
-          <a:prstGeom prst="rect">
-            <a:avLst/>
-          </a:prstGeom>
-          <a:ln w="0">
-            <a:noFill/>
-          </a:ln>
-        </p:spPr>
-      </p:pic>
-      <p:pic>
-        <p:nvPicPr>
-          <p:cNvPr id="41" name="" descr=""/>
-          <p:cNvPicPr/>
-          <p:nvPr/>
-        </p:nvPicPr>
-        <p:blipFill>
-          <a:blip r:embed="rId6"/>
-          <a:stretch/>
-        </p:blipFill>
-        <p:spPr>
-          <a:xfrm>
-            <a:off x="4680000" y="4988520"/>
-            <a:ext cx="590760" cy="590760"/>
+            <a:ext cx="2068920" cy="2068920"/>
           </a:xfrm>
           <a:prstGeom prst="rect">
             <a:avLst/>
@@ -8240,7 +8235,7 @@
       </p:grpSpPr>
       <p:sp>
         <p:nvSpPr>
-          <p:cNvPr id="86" name="PlaceHolder 1"/>
+          <p:cNvPr id="85" name="PlaceHolder 1"/>
           <p:cNvSpPr>
             <a:spLocks noGrp="1"/>
           </p:cNvSpPr>
@@ -8251,7 +8246,7 @@
         <p:spPr>
           <a:xfrm>
             <a:off x="504000" y="0"/>
-            <a:ext cx="9070560" cy="945360"/>
+            <a:ext cx="9069480" cy="944280"/>
           </a:xfrm>
           <a:prstGeom prst="rect">
             <a:avLst/>
@@ -8295,7 +8290,7 @@
       </p:sp>
       <p:sp>
         <p:nvSpPr>
-          <p:cNvPr id="87" name="PlaceHolder 2"/>
+          <p:cNvPr id="86" name="PlaceHolder 2"/>
           <p:cNvSpPr>
             <a:spLocks noGrp="1"/>
           </p:cNvSpPr>
@@ -8306,7 +8301,7 @@
         <p:spPr>
           <a:xfrm>
             <a:off x="180000" y="852120"/>
-            <a:ext cx="9070560" cy="3287160"/>
+            <a:ext cx="9069480" cy="3286080"/>
           </a:xfrm>
           <a:prstGeom prst="rect">
             <a:avLst/>
@@ -8448,6 +8443,29 @@
           </a:p>
         </p:txBody>
       </p:sp>
+      <p:pic>
+        <p:nvPicPr>
+          <p:cNvPr id="87" name="" descr=""/>
+          <p:cNvPicPr/>
+          <p:nvPr/>
+        </p:nvPicPr>
+        <p:blipFill>
+          <a:blip r:embed="rId1"/>
+          <a:stretch/>
+        </p:blipFill>
+        <p:spPr>
+          <a:xfrm>
+            <a:off x="5353920" y="1962720"/>
+            <a:ext cx="4724280" cy="3706200"/>
+          </a:xfrm>
+          <a:prstGeom prst="rect">
+            <a:avLst/>
+          </a:prstGeom>
+          <a:ln w="0">
+            <a:noFill/>
+          </a:ln>
+        </p:spPr>
+      </p:pic>
       <p:pic>
         <p:nvPicPr>
           <p:cNvPr id="88" name="" descr=""/>
@@ -8455,36 +8473,13 @@
           <p:nvPr/>
         </p:nvPicPr>
         <p:blipFill>
-          <a:blip r:embed="rId1"/>
-          <a:stretch/>
-        </p:blipFill>
-        <p:spPr>
-          <a:xfrm>
-            <a:off x="5353920" y="1962720"/>
-            <a:ext cx="4725360" cy="3707280"/>
-          </a:xfrm>
-          <a:prstGeom prst="rect">
-            <a:avLst/>
-          </a:prstGeom>
-          <a:ln w="0">
-            <a:noFill/>
-          </a:ln>
-        </p:spPr>
-      </p:pic>
-      <p:pic>
-        <p:nvPicPr>
-          <p:cNvPr id="89" name="" descr=""/>
-          <p:cNvPicPr/>
-          <p:nvPr/>
-        </p:nvPicPr>
-        <p:blipFill>
           <a:blip r:embed="rId2"/>
           <a:stretch/>
         </p:blipFill>
         <p:spPr>
           <a:xfrm>
             <a:off x="95760" y="3600000"/>
-            <a:ext cx="2063520" cy="2063520"/>
+            <a:ext cx="2062440" cy="2062440"/>
           </a:xfrm>
           <a:prstGeom prst="rect">
             <a:avLst/>
@@ -8496,14 +8491,14 @@
       </p:pic>
       <p:sp>
         <p:nvSpPr>
-          <p:cNvPr id="90" name=""/>
+          <p:cNvPr id="89" name=""/>
           <p:cNvSpPr/>
           <p:nvPr/>
         </p:nvSpPr>
         <p:spPr>
           <a:xfrm>
             <a:off x="2700000" y="5324400"/>
-            <a:ext cx="2289240" cy="345600"/>
+            <a:ext cx="2288160" cy="344520"/>
           </a:xfrm>
           <a:prstGeom prst="rect">
             <a:avLst/>
@@ -8550,14 +8545,14 @@
       </p:sp>
       <p:sp>
         <p:nvSpPr>
-          <p:cNvPr id="91" name=""/>
+          <p:cNvPr id="90" name=""/>
           <p:cNvSpPr/>
           <p:nvPr/>
         </p:nvSpPr>
         <p:spPr>
           <a:xfrm>
             <a:off x="4989960" y="5310720"/>
-            <a:ext cx="358920" cy="358920"/>
+            <a:ext cx="357840" cy="357840"/>
           </a:xfrm>
           <a:prstGeom prst="rightArrow">
             <a:avLst>
@@ -8632,7 +8627,7 @@
       </p:grpSpPr>
       <p:pic>
         <p:nvPicPr>
-          <p:cNvPr id="92" name="" descr=""/>
+          <p:cNvPr id="91" name="" descr=""/>
           <p:cNvPicPr/>
           <p:nvPr/>
         </p:nvPicPr>
@@ -8643,7 +8638,7 @@
         <p:spPr>
           <a:xfrm>
             <a:off x="8679240" y="0"/>
-            <a:ext cx="1378800" cy="1439280"/>
+            <a:ext cx="1377720" cy="1438200"/>
           </a:xfrm>
           <a:prstGeom prst="rect">
             <a:avLst/>
@@ -8655,7 +8650,7 @@
       </p:pic>
       <p:sp>
         <p:nvSpPr>
-          <p:cNvPr id="93" name="PlaceHolder 1"/>
+          <p:cNvPr id="92" name="PlaceHolder 1"/>
           <p:cNvSpPr>
             <a:spLocks noGrp="1"/>
           </p:cNvSpPr>
@@ -8666,7 +8661,7 @@
         <p:spPr>
           <a:xfrm>
             <a:off x="504000" y="0"/>
-            <a:ext cx="9070560" cy="945360"/>
+            <a:ext cx="9069480" cy="944280"/>
           </a:xfrm>
           <a:prstGeom prst="rect">
             <a:avLst/>
@@ -8710,7 +8705,7 @@
       </p:sp>
       <p:sp>
         <p:nvSpPr>
-          <p:cNvPr id="94" name="PlaceHolder 2"/>
+          <p:cNvPr id="93" name="PlaceHolder 2"/>
           <p:cNvSpPr>
             <a:spLocks noGrp="1"/>
           </p:cNvSpPr>
@@ -8721,7 +8716,7 @@
         <p:spPr>
           <a:xfrm>
             <a:off x="-251280" y="852120"/>
-            <a:ext cx="9430560" cy="3287160"/>
+            <a:ext cx="9429480" cy="3286080"/>
           </a:xfrm>
           <a:prstGeom prst="rect">
             <a:avLst/>
@@ -8768,7 +8763,7 @@
       </p:sp>
       <p:pic>
         <p:nvPicPr>
-          <p:cNvPr id="95" name="" descr=""/>
+          <p:cNvPr id="94" name="" descr=""/>
           <p:cNvPicPr/>
           <p:nvPr/>
         </p:nvPicPr>
@@ -8779,7 +8774,7 @@
         <p:spPr>
           <a:xfrm>
             <a:off x="360" y="1295640"/>
-            <a:ext cx="10079640" cy="4374360"/>
+            <a:ext cx="10078560" cy="4373280"/>
           </a:xfrm>
           <a:prstGeom prst="rect">
             <a:avLst/>
@@ -8821,7 +8816,7 @@
       </p:grpSpPr>
       <p:sp>
         <p:nvSpPr>
-          <p:cNvPr id="96" name="PlaceHolder 1"/>
+          <p:cNvPr id="95" name="PlaceHolder 1"/>
           <p:cNvSpPr>
             <a:spLocks noGrp="1"/>
           </p:cNvSpPr>
@@ -8832,7 +8827,7 @@
         <p:spPr>
           <a:xfrm>
             <a:off x="457200" y="-228600"/>
-            <a:ext cx="9070560" cy="945360"/>
+            <a:ext cx="9069480" cy="944280"/>
           </a:xfrm>
           <a:prstGeom prst="rect">
             <a:avLst/>
@@ -8874,6 +8869,29 @@
           </a:p>
         </p:txBody>
       </p:sp>
+      <p:pic>
+        <p:nvPicPr>
+          <p:cNvPr id="96" name="" descr=""/>
+          <p:cNvPicPr/>
+          <p:nvPr/>
+        </p:nvPicPr>
+        <p:blipFill>
+          <a:blip r:embed="rId1"/>
+          <a:stretch/>
+        </p:blipFill>
+        <p:spPr>
+          <a:xfrm>
+            <a:off x="1828800" y="1277280"/>
+            <a:ext cx="6055920" cy="3750840"/>
+          </a:xfrm>
+          <a:prstGeom prst="rect">
+            <a:avLst/>
+          </a:prstGeom>
+          <a:ln w="0">
+            <a:noFill/>
+          </a:ln>
+        </p:spPr>
+      </p:pic>
       <p:pic>
         <p:nvPicPr>
           <p:cNvPr id="97" name="" descr=""/>
@@ -8881,13 +8899,13 @@
           <p:nvPr/>
         </p:nvPicPr>
         <p:blipFill>
-          <a:blip r:embed="rId1"/>
+          <a:blip r:embed="rId2"/>
           <a:stretch/>
         </p:blipFill>
         <p:spPr>
           <a:xfrm>
-            <a:off x="1828800" y="1277280"/>
-            <a:ext cx="6057000" cy="3751920"/>
+            <a:off x="1443600" y="655200"/>
+            <a:ext cx="7094520" cy="4561200"/>
           </a:xfrm>
           <a:prstGeom prst="rect">
             <a:avLst/>
@@ -8899,30 +8917,7 @@
       </p:pic>
       <p:pic>
         <p:nvPicPr>
-          <p:cNvPr id="98" name="" descr=""/>
-          <p:cNvPicPr/>
-          <p:nvPr/>
-        </p:nvPicPr>
-        <p:blipFill>
-          <a:blip r:embed="rId2"/>
-          <a:stretch/>
-        </p:blipFill>
-        <p:spPr>
-          <a:xfrm>
-            <a:off x="1443600" y="655200"/>
-            <a:ext cx="7095600" cy="4562280"/>
-          </a:xfrm>
-          <a:prstGeom prst="rect">
-            <a:avLst/>
-          </a:prstGeom>
-          <a:ln w="0">
-            <a:noFill/>
-          </a:ln>
-        </p:spPr>
-      </p:pic>
-      <p:pic>
-        <p:nvPicPr>
-          <p:cNvPr id="99" name="" descr="">
+          <p:cNvPr id="98" name="" descr="">
             <a:hlinkClick r:id="rId3"/>
           </p:cNvPr>
           <p:cNvPicPr/>
@@ -8935,7 +8930,7 @@
         <p:spPr>
           <a:xfrm>
             <a:off x="9010440" y="457200"/>
-            <a:ext cx="590760" cy="590760"/>
+            <a:ext cx="589680" cy="589680"/>
           </a:xfrm>
           <a:prstGeom prst="rect">
             <a:avLst/>
@@ -8977,7 +8972,7 @@
       </p:grpSpPr>
       <p:sp>
         <p:nvSpPr>
-          <p:cNvPr id="100" name="PlaceHolder 1"/>
+          <p:cNvPr id="99" name="PlaceHolder 1"/>
           <p:cNvSpPr>
             <a:spLocks noGrp="1"/>
           </p:cNvSpPr>
@@ -8988,7 +8983,7 @@
         <p:spPr>
           <a:xfrm>
             <a:off x="504000" y="226080"/>
-            <a:ext cx="9070560" cy="945360"/>
+            <a:ext cx="9069480" cy="944280"/>
           </a:xfrm>
           <a:prstGeom prst="rect">
             <a:avLst/>
@@ -9030,6 +9025,29 @@
           </a:p>
         </p:txBody>
       </p:sp>
+      <p:pic>
+        <p:nvPicPr>
+          <p:cNvPr id="100" name="" descr=""/>
+          <p:cNvPicPr/>
+          <p:nvPr/>
+        </p:nvPicPr>
+        <p:blipFill>
+          <a:blip r:embed="rId1"/>
+          <a:stretch/>
+        </p:blipFill>
+        <p:spPr>
+          <a:xfrm>
+            <a:off x="3888000" y="1199880"/>
+            <a:ext cx="5830200" cy="3886200"/>
+          </a:xfrm>
+          <a:prstGeom prst="rect">
+            <a:avLst/>
+          </a:prstGeom>
+          <a:ln w="0">
+            <a:noFill/>
+          </a:ln>
+        </p:spPr>
+      </p:pic>
       <p:pic>
         <p:nvPicPr>
           <p:cNvPr id="101" name="" descr=""/>
@@ -9037,36 +9055,13 @@
           <p:nvPr/>
         </p:nvPicPr>
         <p:blipFill>
-          <a:blip r:embed="rId1"/>
-          <a:stretch/>
-        </p:blipFill>
-        <p:spPr>
-          <a:xfrm>
-            <a:off x="3888000" y="1199880"/>
-            <a:ext cx="5831280" cy="3887280"/>
-          </a:xfrm>
-          <a:prstGeom prst="rect">
-            <a:avLst/>
-          </a:prstGeom>
-          <a:ln w="0">
-            <a:noFill/>
-          </a:ln>
-        </p:spPr>
-      </p:pic>
-      <p:pic>
-        <p:nvPicPr>
-          <p:cNvPr id="102" name="" descr=""/>
-          <p:cNvPicPr/>
-          <p:nvPr/>
-        </p:nvPicPr>
-        <p:blipFill>
           <a:blip r:embed="rId2"/>
           <a:stretch/>
         </p:blipFill>
         <p:spPr>
           <a:xfrm>
             <a:off x="181800" y="1326600"/>
-            <a:ext cx="3237480" cy="2084760"/>
+            <a:ext cx="3236400" cy="2083680"/>
           </a:xfrm>
           <a:prstGeom prst="rect">
             <a:avLst/>
@@ -9108,7 +9103,7 @@
       </p:grpSpPr>
       <p:sp>
         <p:nvSpPr>
-          <p:cNvPr id="103" name="PlaceHolder 1"/>
+          <p:cNvPr id="102" name="PlaceHolder 1"/>
           <p:cNvSpPr>
             <a:spLocks noGrp="1"/>
           </p:cNvSpPr>
@@ -9119,7 +9114,7 @@
         <p:spPr>
           <a:xfrm>
             <a:off x="540000" y="0"/>
-            <a:ext cx="9070560" cy="945360"/>
+            <a:ext cx="9069480" cy="944280"/>
           </a:xfrm>
           <a:prstGeom prst="rect">
             <a:avLst/>
@@ -9163,7 +9158,7 @@
       </p:sp>
       <p:pic>
         <p:nvPicPr>
-          <p:cNvPr id="104" name="" descr=""/>
+          <p:cNvPr id="103" name="" descr=""/>
           <p:cNvPicPr/>
           <p:nvPr/>
         </p:nvPicPr>
@@ -9174,7 +9169,7 @@
         <p:spPr>
           <a:xfrm>
             <a:off x="3780000" y="809640"/>
-            <a:ext cx="2699280" cy="2541960"/>
+            <a:ext cx="2698200" cy="2540880"/>
           </a:xfrm>
           <a:prstGeom prst="rect">
             <a:avLst/>
@@ -9186,14 +9181,14 @@
       </p:pic>
       <p:sp>
         <p:nvSpPr>
-          <p:cNvPr id="105" name=""/>
+          <p:cNvPr id="104" name=""/>
           <p:cNvSpPr/>
           <p:nvPr/>
         </p:nvSpPr>
         <p:spPr>
           <a:xfrm>
             <a:off x="3960000" y="3420000"/>
-            <a:ext cx="2176200" cy="601920"/>
+            <a:ext cx="2175120" cy="600840"/>
           </a:xfrm>
           <a:prstGeom prst="rect">
             <a:avLst/>
@@ -9240,7 +9235,7 @@
       </p:sp>
       <p:pic>
         <p:nvPicPr>
-          <p:cNvPr id="106" name="" descr=""/>
+          <p:cNvPr id="105" name="" descr=""/>
           <p:cNvPicPr/>
           <p:nvPr/>
         </p:nvPicPr>
@@ -9251,7 +9246,7 @@
         <p:spPr>
           <a:xfrm>
             <a:off x="0" y="3746880"/>
-            <a:ext cx="4275720" cy="1923120"/>
+            <a:ext cx="4274640" cy="1922040"/>
           </a:xfrm>
           <a:prstGeom prst="rect">
             <a:avLst/>
@@ -9263,7 +9258,7 @@
       </p:pic>
       <p:pic>
         <p:nvPicPr>
-          <p:cNvPr id="107" name="" descr=""/>
+          <p:cNvPr id="106" name="" descr=""/>
           <p:cNvPicPr/>
           <p:nvPr/>
         </p:nvPicPr>
@@ -9274,7 +9269,7 @@
         <p:spPr>
           <a:xfrm>
             <a:off x="3375360" y="4804200"/>
-            <a:ext cx="6704640" cy="865800"/>
+            <a:ext cx="6703560" cy="864720"/>
           </a:xfrm>
           <a:prstGeom prst="rect">
             <a:avLst/>
@@ -9286,7 +9281,7 @@
       </p:pic>
       <p:pic>
         <p:nvPicPr>
-          <p:cNvPr id="108" name="" descr="">
+          <p:cNvPr id="107" name="" descr="">
             <a:hlinkClick r:id="rId4"/>
           </p:cNvPr>
           <p:cNvPicPr/>
@@ -9299,7 +9294,7 @@
         <p:spPr>
           <a:xfrm>
             <a:off x="5348520" y="4088520"/>
-            <a:ext cx="590760" cy="590760"/>
+            <a:ext cx="589680" cy="589680"/>
           </a:xfrm>
           <a:prstGeom prst="rect">
             <a:avLst/>
@@ -9311,7 +9306,7 @@
       </p:pic>
       <p:pic>
         <p:nvPicPr>
-          <p:cNvPr id="109" name="" descr="">
+          <p:cNvPr id="108" name="" descr="">
             <a:hlinkClick r:id="rId6"/>
           </p:cNvPr>
           <p:cNvPicPr/>
@@ -9324,7 +9319,7 @@
         <p:spPr>
           <a:xfrm>
             <a:off x="6248520" y="4088520"/>
-            <a:ext cx="590760" cy="590760"/>
+            <a:ext cx="589680" cy="589680"/>
           </a:xfrm>
           <a:prstGeom prst="rect">
             <a:avLst/>
@@ -9366,7 +9361,7 @@
       </p:grpSpPr>
       <p:sp>
         <p:nvSpPr>
-          <p:cNvPr id="110" name="PlaceHolder 1"/>
+          <p:cNvPr id="109" name="PlaceHolder 1"/>
           <p:cNvSpPr>
             <a:spLocks noGrp="1"/>
           </p:cNvSpPr>
@@ -9377,7 +9372,7 @@
         <p:spPr>
           <a:xfrm>
             <a:off x="504000" y="226080"/>
-            <a:ext cx="9070560" cy="945360"/>
+            <a:ext cx="9069480" cy="944280"/>
           </a:xfrm>
           <a:prstGeom prst="rect">
             <a:avLst/>
@@ -9421,7 +9416,7 @@
       </p:sp>
       <p:sp>
         <p:nvSpPr>
-          <p:cNvPr id="111" name="PlaceHolder 2"/>
+          <p:cNvPr id="110" name="PlaceHolder 2"/>
           <p:cNvSpPr>
             <a:spLocks noGrp="1"/>
           </p:cNvSpPr>
@@ -9432,7 +9427,7 @@
         <p:spPr>
           <a:xfrm>
             <a:off x="504000" y="1326600"/>
-            <a:ext cx="9070560" cy="3287160"/>
+            <a:ext cx="9069480" cy="3286080"/>
           </a:xfrm>
           <a:prstGeom prst="rect">
             <a:avLst/>
@@ -9462,6 +9457,29 @@
           </a:p>
         </p:txBody>
       </p:sp>
+      <p:pic>
+        <p:nvPicPr>
+          <p:cNvPr id="111" name="" descr=""/>
+          <p:cNvPicPr/>
+          <p:nvPr/>
+        </p:nvPicPr>
+        <p:blipFill>
+          <a:blip r:embed="rId1"/>
+          <a:stretch/>
+        </p:blipFill>
+        <p:spPr>
+          <a:xfrm>
+            <a:off x="0" y="2337840"/>
+            <a:ext cx="3836520" cy="3331440"/>
+          </a:xfrm>
+          <a:prstGeom prst="rect">
+            <a:avLst/>
+          </a:prstGeom>
+          <a:ln w="0">
+            <a:noFill/>
+          </a:ln>
+        </p:spPr>
+      </p:pic>
       <p:pic>
         <p:nvPicPr>
           <p:cNvPr id="112" name="" descr=""/>
@@ -9469,36 +9487,13 @@
           <p:nvPr/>
         </p:nvPicPr>
         <p:blipFill>
-          <a:blip r:embed="rId1"/>
-          <a:stretch/>
-        </p:blipFill>
-        <p:spPr>
-          <a:xfrm>
-            <a:off x="0" y="2337840"/>
-            <a:ext cx="3837600" cy="3332520"/>
-          </a:xfrm>
-          <a:prstGeom prst="rect">
-            <a:avLst/>
-          </a:prstGeom>
-          <a:ln w="0">
-            <a:noFill/>
-          </a:ln>
-        </p:spPr>
-      </p:pic>
-      <p:pic>
-        <p:nvPicPr>
-          <p:cNvPr id="113" name="" descr=""/>
-          <p:cNvPicPr/>
-          <p:nvPr/>
-        </p:nvPicPr>
-        <p:blipFill>
           <a:blip r:embed="rId2"/>
           <a:stretch/>
         </p:blipFill>
         <p:spPr>
           <a:xfrm>
             <a:off x="4185360" y="1861200"/>
-            <a:ext cx="5713920" cy="3808800"/>
+            <a:ext cx="5712840" cy="3807720"/>
           </a:xfrm>
           <a:prstGeom prst="rect">
             <a:avLst/>
@@ -9540,7 +9535,7 @@
       </p:grpSpPr>
       <p:sp>
         <p:nvSpPr>
-          <p:cNvPr id="114" name="PlaceHolder 1"/>
+          <p:cNvPr id="113" name="PlaceHolder 1"/>
           <p:cNvSpPr>
             <a:spLocks noGrp="1"/>
           </p:cNvSpPr>
@@ -9551,7 +9546,7 @@
         <p:spPr>
           <a:xfrm>
             <a:off x="504000" y="226080"/>
-            <a:ext cx="9070560" cy="945360"/>
+            <a:ext cx="9069480" cy="944280"/>
           </a:xfrm>
           <a:prstGeom prst="rect">
             <a:avLst/>
@@ -9595,7 +9590,7 @@
       </p:sp>
       <p:sp>
         <p:nvSpPr>
-          <p:cNvPr id="115" name="PlaceHolder 2"/>
+          <p:cNvPr id="114" name="PlaceHolder 2"/>
           <p:cNvSpPr>
             <a:spLocks noGrp="1"/>
           </p:cNvSpPr>
@@ -9606,7 +9601,7 @@
         <p:spPr>
           <a:xfrm>
             <a:off x="0" y="900000"/>
-            <a:ext cx="9070560" cy="3287160"/>
+            <a:ext cx="9069480" cy="3286080"/>
           </a:xfrm>
           <a:prstGeom prst="rect">
             <a:avLst/>
@@ -9621,19 +9616,17 @@
             <a:normAutofit/>
           </a:bodyPr>
           <a:p>
-            <a:pPr marL="432000" indent="-324000">
+            <a:pPr marL="432000" indent="0">
               <a:lnSpc>
                 <a:spcPct val="100000"/>
               </a:lnSpc>
               <a:spcBef>
                 <a:spcPts val="1417"/>
               </a:spcBef>
-              <a:buClr>
-                <a:srgbClr val="000000"/>
-              </a:buClr>
-              <a:buSzPct val="45000"/>
-              <a:buFont typeface="Wingdings" charset="2"/>
-              <a:buChar char=""/>
+              <a:buNone/>
+              <a:tabLst>
+                <a:tab algn="l" pos="0"/>
+              </a:tabLst>
             </a:pPr>
             <a:r>
               <a:rPr b="0" lang="da-DK" sz="2400" spc="-1" strike="noStrike">
@@ -9652,19 +9645,17 @@
             </a:endParaRPr>
           </a:p>
           <a:p>
-            <a:pPr lvl="1" marL="864000" indent="-324000">
+            <a:pPr marL="864000" indent="0">
               <a:lnSpc>
                 <a:spcPct val="100000"/>
               </a:lnSpc>
               <a:spcBef>
                 <a:spcPts val="1134"/>
               </a:spcBef>
-              <a:buClr>
-                <a:srgbClr val="000000"/>
-              </a:buClr>
-              <a:buSzPct val="75000"/>
-              <a:buFont typeface="Symbol"/>
-              <a:buChar char=""/>
+              <a:buNone/>
+              <a:tabLst>
+                <a:tab algn="l" pos="0"/>
+              </a:tabLst>
             </a:pPr>
             <a:r>
               <a:rPr b="0" lang="da-DK" sz="2400" spc="-1" strike="noStrike">
@@ -9683,19 +9674,17 @@
             </a:endParaRPr>
           </a:p>
           <a:p>
-            <a:pPr lvl="1" marL="864000" indent="-324000">
+            <a:pPr marL="864000" indent="0">
               <a:lnSpc>
                 <a:spcPct val="100000"/>
               </a:lnSpc>
               <a:spcBef>
                 <a:spcPts val="1134"/>
               </a:spcBef>
-              <a:buClr>
-                <a:srgbClr val="000000"/>
-              </a:buClr>
-              <a:buSzPct val="75000"/>
-              <a:buFont typeface="Symbol"/>
-              <a:buChar char=""/>
+              <a:buNone/>
+              <a:tabLst>
+                <a:tab algn="l" pos="0"/>
+              </a:tabLst>
             </a:pPr>
             <a:r>
               <a:rPr b="0" lang="da-DK" sz="2400" spc="-1" strike="noStrike">
@@ -9715,6 +9704,29 @@
           </a:p>
         </p:txBody>
       </p:sp>
+      <p:pic>
+        <p:nvPicPr>
+          <p:cNvPr id="115" name="" descr=""/>
+          <p:cNvPicPr/>
+          <p:nvPr/>
+        </p:nvPicPr>
+        <p:blipFill>
+          <a:blip r:embed="rId1"/>
+          <a:stretch/>
+        </p:blipFill>
+        <p:spPr>
+          <a:xfrm>
+            <a:off x="4185360" y="1260000"/>
+            <a:ext cx="5712840" cy="3807720"/>
+          </a:xfrm>
+          <a:prstGeom prst="rect">
+            <a:avLst/>
+          </a:prstGeom>
+          <a:ln w="0">
+            <a:noFill/>
+          </a:ln>
+        </p:spPr>
+      </p:pic>
       <p:pic>
         <p:nvPicPr>
           <p:cNvPr id="116" name="" descr=""/>
@@ -9722,36 +9734,13 @@
           <p:nvPr/>
         </p:nvPicPr>
         <p:blipFill>
-          <a:blip r:embed="rId1"/>
-          <a:stretch/>
-        </p:blipFill>
-        <p:spPr>
-          <a:xfrm>
-            <a:off x="4185360" y="1260000"/>
-            <a:ext cx="5713920" cy="3808800"/>
-          </a:xfrm>
-          <a:prstGeom prst="rect">
-            <a:avLst/>
-          </a:prstGeom>
-          <a:ln w="0">
-            <a:noFill/>
-          </a:ln>
-        </p:spPr>
-      </p:pic>
-      <p:pic>
-        <p:nvPicPr>
-          <p:cNvPr id="117" name="" descr=""/>
-          <p:cNvPicPr/>
-          <p:nvPr/>
-        </p:nvPicPr>
-        <p:blipFill>
           <a:blip r:embed="rId2"/>
           <a:stretch/>
         </p:blipFill>
         <p:spPr>
           <a:xfrm>
             <a:off x="0" y="2340000"/>
-            <a:ext cx="3665880" cy="3342240"/>
+            <a:ext cx="3664800" cy="3341160"/>
           </a:xfrm>
           <a:prstGeom prst="rect">
             <a:avLst/>
@@ -9793,7 +9782,7 @@
       </p:grpSpPr>
       <p:sp>
         <p:nvSpPr>
-          <p:cNvPr id="118" name="PlaceHolder 1"/>
+          <p:cNvPr id="117" name="PlaceHolder 1"/>
           <p:cNvSpPr>
             <a:spLocks noGrp="1"/>
           </p:cNvSpPr>
@@ -9804,7 +9793,7 @@
         <p:spPr>
           <a:xfrm>
             <a:off x="504000" y="226080"/>
-            <a:ext cx="9070560" cy="945360"/>
+            <a:ext cx="9069480" cy="944280"/>
           </a:xfrm>
           <a:prstGeom prst="rect">
             <a:avLst/>
@@ -9846,6 +9835,29 @@
           </a:p>
         </p:txBody>
       </p:sp>
+      <p:pic>
+        <p:nvPicPr>
+          <p:cNvPr id="118" name="" descr=""/>
+          <p:cNvPicPr/>
+          <p:nvPr/>
+        </p:nvPicPr>
+        <p:blipFill>
+          <a:blip r:embed="rId1"/>
+          <a:stretch/>
+        </p:blipFill>
+        <p:spPr>
+          <a:xfrm>
+            <a:off x="4788000" y="2160000"/>
+            <a:ext cx="4930200" cy="3286080"/>
+          </a:xfrm>
+          <a:prstGeom prst="rect">
+            <a:avLst/>
+          </a:prstGeom>
+          <a:ln w="0">
+            <a:noFill/>
+          </a:ln>
+        </p:spPr>
+      </p:pic>
       <p:pic>
         <p:nvPicPr>
           <p:cNvPr id="119" name="" descr=""/>
@@ -9853,13 +9865,13 @@
           <p:nvPr/>
         </p:nvPicPr>
         <p:blipFill>
-          <a:blip r:embed="rId1"/>
+          <a:blip r:embed="rId2"/>
           <a:stretch/>
         </p:blipFill>
         <p:spPr>
           <a:xfrm>
-            <a:off x="4788000" y="2160000"/>
-            <a:ext cx="4931280" cy="3287160"/>
+            <a:off x="0" y="2340000"/>
+            <a:ext cx="3798360" cy="3341160"/>
           </a:xfrm>
           <a:prstGeom prst="rect">
             <a:avLst/>
@@ -9876,36 +9888,13 @@
           <p:nvPr/>
         </p:nvPicPr>
         <p:blipFill>
-          <a:blip r:embed="rId2"/>
-          <a:stretch/>
-        </p:blipFill>
-        <p:spPr>
-          <a:xfrm>
-            <a:off x="0" y="2340000"/>
-            <a:ext cx="3799440" cy="3342240"/>
-          </a:xfrm>
-          <a:prstGeom prst="rect">
-            <a:avLst/>
-          </a:prstGeom>
-          <a:ln w="0">
-            <a:noFill/>
-          </a:ln>
-        </p:spPr>
-      </p:pic>
-      <p:pic>
-        <p:nvPicPr>
-          <p:cNvPr id="121" name="" descr=""/>
-          <p:cNvPicPr/>
-          <p:nvPr/>
-        </p:nvPicPr>
-        <p:blipFill>
           <a:blip r:embed="rId3"/>
           <a:stretch/>
         </p:blipFill>
         <p:spPr>
           <a:xfrm>
             <a:off x="0" y="1352520"/>
-            <a:ext cx="7857000" cy="446760"/>
+            <a:ext cx="7855920" cy="445680"/>
           </a:xfrm>
           <a:prstGeom prst="rect">
             <a:avLst/>
@@ -9947,7 +9936,7 @@
       </p:grpSpPr>
       <p:sp>
         <p:nvSpPr>
-          <p:cNvPr id="122" name="PlaceHolder 1"/>
+          <p:cNvPr id="121" name="PlaceHolder 1"/>
           <p:cNvSpPr>
             <a:spLocks noGrp="1"/>
           </p:cNvSpPr>
@@ -9958,7 +9947,7 @@
         <p:spPr>
           <a:xfrm>
             <a:off x="504000" y="226080"/>
-            <a:ext cx="9070560" cy="945360"/>
+            <a:ext cx="9069480" cy="944280"/>
           </a:xfrm>
           <a:prstGeom prst="rect">
             <a:avLst/>
@@ -10002,7 +9991,7 @@
       </p:sp>
       <p:pic>
         <p:nvPicPr>
-          <p:cNvPr id="123" name="" descr=""/>
+          <p:cNvPr id="122" name="" descr=""/>
           <p:cNvPicPr/>
           <p:nvPr/>
         </p:nvPicPr>
@@ -10013,7 +10002,7 @@
         <p:spPr>
           <a:xfrm>
             <a:off x="74160" y="1260000"/>
-            <a:ext cx="2265120" cy="915480"/>
+            <a:ext cx="2264040" cy="914400"/>
           </a:xfrm>
           <a:prstGeom prst="rect">
             <a:avLst/>
@@ -10025,14 +10014,14 @@
       </p:pic>
       <p:sp>
         <p:nvSpPr>
-          <p:cNvPr id="124" name=""/>
+          <p:cNvPr id="123" name=""/>
           <p:cNvSpPr/>
           <p:nvPr/>
         </p:nvSpPr>
         <p:spPr>
           <a:xfrm>
             <a:off x="-26280" y="2160000"/>
-            <a:ext cx="2905560" cy="217800"/>
+            <a:ext cx="2904480" cy="216720"/>
           </a:xfrm>
           <a:prstGeom prst="rect">
             <a:avLst/>
@@ -10079,7 +10068,7 @@
       </p:sp>
       <p:pic>
         <p:nvPicPr>
-          <p:cNvPr id="125" name="" descr=""/>
+          <p:cNvPr id="124" name="" descr=""/>
           <p:cNvPicPr/>
           <p:nvPr/>
         </p:nvPicPr>
@@ -10090,7 +10079,7 @@
         <p:spPr>
           <a:xfrm>
             <a:off x="360" y="4411080"/>
-            <a:ext cx="10079640" cy="1258920"/>
+            <a:ext cx="10078560" cy="1257840"/>
           </a:xfrm>
           <a:prstGeom prst="rect">
             <a:avLst/>
@@ -10102,7 +10091,7 @@
       </p:pic>
       <p:pic>
         <p:nvPicPr>
-          <p:cNvPr id="126" name="" descr="">
+          <p:cNvPr id="125" name="" descr="">
             <a:hlinkClick r:id="rId3"/>
           </p:cNvPr>
           <p:cNvPicPr/>
@@ -10115,7 +10104,7 @@
         <p:spPr>
           <a:xfrm>
             <a:off x="0" y="2685240"/>
-            <a:ext cx="3269160" cy="1634040"/>
+            <a:ext cx="3268080" cy="1632960"/>
           </a:xfrm>
           <a:prstGeom prst="rect">
             <a:avLst/>
@@ -10127,7 +10116,7 @@
       </p:pic>
       <p:pic>
         <p:nvPicPr>
-          <p:cNvPr id="127" name="" descr="">
+          <p:cNvPr id="126" name="" descr="">
             <a:hlinkClick r:id="rId5"/>
           </p:cNvPr>
           <p:cNvPicPr/>
@@ -10140,7 +10129,7 @@
         <p:spPr>
           <a:xfrm>
             <a:off x="3292920" y="2636640"/>
-            <a:ext cx="3366360" cy="1682640"/>
+            <a:ext cx="3365280" cy="1681560"/>
           </a:xfrm>
           <a:prstGeom prst="rect">
             <a:avLst/>
@@ -10152,7 +10141,7 @@
       </p:pic>
       <p:pic>
         <p:nvPicPr>
-          <p:cNvPr id="128" name="" descr="">
+          <p:cNvPr id="127" name="" descr="">
             <a:hlinkClick r:id="rId7"/>
           </p:cNvPr>
           <p:cNvPicPr/>
@@ -10165,7 +10154,7 @@
         <p:spPr>
           <a:xfrm>
             <a:off x="6660000" y="2636640"/>
-            <a:ext cx="3420000" cy="1709640"/>
+            <a:ext cx="3418920" cy="1708560"/>
           </a:xfrm>
           <a:prstGeom prst="rect">
             <a:avLst/>
@@ -10177,14 +10166,14 @@
       </p:pic>
       <p:sp>
         <p:nvSpPr>
-          <p:cNvPr id="129" name=""/>
+          <p:cNvPr id="128" name=""/>
           <p:cNvSpPr/>
           <p:nvPr/>
         </p:nvSpPr>
         <p:spPr>
           <a:xfrm>
             <a:off x="3780000" y="1266480"/>
-            <a:ext cx="3599280" cy="1369440"/>
+            <a:ext cx="3598200" cy="1368360"/>
           </a:xfrm>
           <a:prstGeom prst="rect">
             <a:avLst/>
@@ -10333,7 +10322,7 @@
       </p:grpSpPr>
       <p:sp>
         <p:nvSpPr>
-          <p:cNvPr id="130" name="PlaceHolder 1"/>
+          <p:cNvPr id="129" name="PlaceHolder 1"/>
           <p:cNvSpPr>
             <a:spLocks noGrp="1"/>
           </p:cNvSpPr>
@@ -10343,8 +10332,8 @@
         </p:nvSpPr>
         <p:spPr>
           <a:xfrm>
-            <a:off x="504000" y="226080"/>
-            <a:ext cx="9070560" cy="945360"/>
+            <a:off x="504000" y="0"/>
+            <a:ext cx="9069480" cy="944280"/>
           </a:xfrm>
           <a:prstGeom prst="rect">
             <a:avLst/>
@@ -10375,722 +10364,9 @@
                 </a:solidFill>
                 <a:latin typeface="Arial"/>
               </a:rPr>
-              <a:t>Thank You!</a:t>
+              <a:t>Just intonation and triads</a:t>
             </a:r>
             <a:endParaRPr b="0" lang="en-US" sz="4400" spc="-1" strike="noStrike">
-              <a:solidFill>
-                <a:srgbClr val="000000"/>
-              </a:solidFill>
-              <a:latin typeface="Arial"/>
-            </a:endParaRPr>
-          </a:p>
-        </p:txBody>
-      </p:sp>
-      <p:sp>
-        <p:nvSpPr>
-          <p:cNvPr id="131" name="PlaceHolder 2"/>
-          <p:cNvSpPr>
-            <a:spLocks noGrp="1"/>
-          </p:cNvSpPr>
-          <p:nvPr>
-            <p:ph/>
-          </p:nvPr>
-        </p:nvSpPr>
-        <p:spPr>
-          <a:xfrm>
-            <a:off x="504000" y="1326600"/>
-            <a:ext cx="4425840" cy="1567440"/>
-          </a:xfrm>
-          <a:prstGeom prst="rect">
-            <a:avLst/>
-          </a:prstGeom>
-          <a:noFill/>
-          <a:ln w="0">
-            <a:noFill/>
-          </a:ln>
-        </p:spPr>
-        <p:txBody>
-          <a:bodyPr lIns="0" rIns="0" tIns="0" bIns="0" anchor="t">
-            <a:normAutofit/>
-          </a:bodyPr>
-          <a:p>
-            <a:pPr marL="432000" indent="-324000">
-              <a:lnSpc>
-                <a:spcPct val="100000"/>
-              </a:lnSpc>
-              <a:spcBef>
-                <a:spcPts val="1417"/>
-              </a:spcBef>
-              <a:buClr>
-                <a:srgbClr val="000000"/>
-              </a:buClr>
-              <a:buSzPct val="45000"/>
-              <a:buFont typeface="Wingdings" charset="2"/>
-              <a:buChar char=""/>
-            </a:pPr>
-            <a:r>
-              <a:rPr b="0" lang="da-DK" sz="3200" spc="-1" strike="noStrike">
-                <a:solidFill>
-                  <a:srgbClr val="000000"/>
-                </a:solidFill>
-                <a:latin typeface="Arial"/>
-              </a:rPr>
-              <a:t>JuliaMusic/MIDI.jl</a:t>
-            </a:r>
-            <a:endParaRPr b="0" lang="en-US" sz="3200" spc="-1" strike="noStrike">
-              <a:solidFill>
-                <a:srgbClr val="000000"/>
-              </a:solidFill>
-              <a:latin typeface="Arial"/>
-            </a:endParaRPr>
-          </a:p>
-          <a:p>
-            <a:pPr marL="432000" indent="-324000">
-              <a:lnSpc>
-                <a:spcPct val="100000"/>
-              </a:lnSpc>
-              <a:spcBef>
-                <a:spcPts val="1417"/>
-              </a:spcBef>
-              <a:buClr>
-                <a:srgbClr val="000000"/>
-              </a:buClr>
-              <a:buSzPct val="45000"/>
-              <a:buFont typeface="Wingdings" charset="2"/>
-              <a:buChar char=""/>
-            </a:pPr>
-            <a:r>
-              <a:rPr b="0" lang="da-DK" sz="3200" spc="-1" strike="noStrike">
-                <a:solidFill>
-                  <a:srgbClr val="000000"/>
-                </a:solidFill>
-                <a:latin typeface="Arial"/>
-              </a:rPr>
-              <a:t>dancasimiro/WAV.jl</a:t>
-            </a:r>
-            <a:endParaRPr b="0" lang="en-US" sz="3200" spc="-1" strike="noStrike">
-              <a:solidFill>
-                <a:srgbClr val="000000"/>
-              </a:solidFill>
-              <a:latin typeface="Arial"/>
-            </a:endParaRPr>
-          </a:p>
-        </p:txBody>
-      </p:sp>
-      <p:sp>
-        <p:nvSpPr>
-          <p:cNvPr id="132" name="PlaceHolder 3"/>
-          <p:cNvSpPr>
-            <a:spLocks noGrp="1"/>
-          </p:cNvSpPr>
-          <p:nvPr>
-            <p:ph/>
-          </p:nvPr>
-        </p:nvSpPr>
-        <p:spPr>
-          <a:xfrm>
-            <a:off x="5152320" y="1080000"/>
-            <a:ext cx="4425840" cy="3419280"/>
-          </a:xfrm>
-          <a:prstGeom prst="rect">
-            <a:avLst/>
-          </a:prstGeom>
-          <a:noFill/>
-          <a:ln w="0">
-            <a:noFill/>
-          </a:ln>
-        </p:spPr>
-        <p:txBody>
-          <a:bodyPr lIns="0" rIns="0" tIns="0" bIns="0" anchor="t">
-            <a:normAutofit fontScale="62222" lnSpcReduction="10000"/>
-          </a:bodyPr>
-          <a:p>
-            <a:pPr marL="432000" indent="-324000">
-              <a:lnSpc>
-                <a:spcPct val="100000"/>
-              </a:lnSpc>
-              <a:spcBef>
-                <a:spcPts val="1417"/>
-              </a:spcBef>
-              <a:buClr>
-                <a:srgbClr val="000000"/>
-              </a:buClr>
-              <a:buSzPct val="45000"/>
-              <a:buFont typeface="Wingdings" charset="2"/>
-              <a:buChar char=""/>
-            </a:pPr>
-            <a:r>
-              <a:rPr b="0" lang="da-DK" sz="3200" spc="-1" strike="noStrike">
-                <a:solidFill>
-                  <a:srgbClr val="000000"/>
-                </a:solidFill>
-                <a:latin typeface="Arial"/>
-              </a:rPr>
-              <a:t>References </a:t>
-            </a:r>
-            <a:endParaRPr b="0" lang="en-US" sz="3200" spc="-1" strike="noStrike">
-              <a:solidFill>
-                <a:srgbClr val="000000"/>
-              </a:solidFill>
-              <a:latin typeface="Arial"/>
-            </a:endParaRPr>
-          </a:p>
-          <a:p>
-            <a:pPr lvl="1" marL="864000" indent="-324000">
-              <a:lnSpc>
-                <a:spcPct val="100000"/>
-              </a:lnSpc>
-              <a:spcBef>
-                <a:spcPts val="1134"/>
-              </a:spcBef>
-              <a:buClr>
-                <a:srgbClr val="000000"/>
-              </a:buClr>
-              <a:buSzPct val="75000"/>
-              <a:buFont typeface="Symbol"/>
-              <a:buChar char=""/>
-            </a:pPr>
-            <a:r>
-              <a:rPr b="0" lang="da-DK" sz="2800" spc="-1" strike="noStrike">
-                <a:solidFill>
-                  <a:srgbClr val="000000"/>
-                </a:solidFill>
-                <a:latin typeface="Arial"/>
-              </a:rPr>
-              <a:t>John Carlos Baez:</a:t>
-            </a:r>
-            <a:endParaRPr b="0" lang="en-US" sz="2800" spc="-1" strike="noStrike">
-              <a:solidFill>
-                <a:srgbClr val="000000"/>
-              </a:solidFill>
-              <a:latin typeface="Arial"/>
-            </a:endParaRPr>
-          </a:p>
-          <a:p>
-            <a:pPr lvl="2" marL="1296000" indent="-288000">
-              <a:lnSpc>
-                <a:spcPct val="100000"/>
-              </a:lnSpc>
-              <a:spcBef>
-                <a:spcPts val="850"/>
-              </a:spcBef>
-              <a:buClr>
-                <a:srgbClr val="000000"/>
-              </a:buClr>
-              <a:buSzPct val="45000"/>
-              <a:buFont typeface="Wingdings" charset="2"/>
-              <a:buChar char=""/>
-            </a:pPr>
-            <a:r>
-              <a:rPr b="0" lang="da-DK" sz="2400" spc="-1" strike="noStrike" u="sng">
-                <a:solidFill>
-                  <a:srgbClr val="0000ee"/>
-                </a:solidFill>
-                <a:uFillTx/>
-                <a:latin typeface="Arial"/>
-                <a:hlinkClick r:id="rId1"/>
-              </a:rPr>
-              <a:t>Well Temperements Part 1</a:t>
-            </a:r>
-            <a:endParaRPr b="0" lang="en-US" sz="2400" spc="-1" strike="noStrike">
-              <a:solidFill>
-                <a:srgbClr val="000000"/>
-              </a:solidFill>
-              <a:latin typeface="Arial"/>
-            </a:endParaRPr>
-          </a:p>
-          <a:p>
-            <a:pPr lvl="2" marL="1296000" indent="-288000">
-              <a:lnSpc>
-                <a:spcPct val="100000"/>
-              </a:lnSpc>
-              <a:spcBef>
-                <a:spcPts val="850"/>
-              </a:spcBef>
-              <a:buClr>
-                <a:srgbClr val="000000"/>
-              </a:buClr>
-              <a:buSzPct val="45000"/>
-              <a:buFont typeface="Wingdings" charset="2"/>
-              <a:buChar char=""/>
-            </a:pPr>
-            <a:r>
-              <a:rPr b="0" lang="da-DK" sz="2400" spc="-1" strike="noStrike" u="sng">
-                <a:solidFill>
-                  <a:srgbClr val="0000ee"/>
-                </a:solidFill>
-                <a:uFillTx/>
-                <a:latin typeface="Arial"/>
-                <a:hlinkClick r:id="rId2"/>
-              </a:rPr>
-              <a:t>Pythagorean Tuning</a:t>
-            </a:r>
-            <a:endParaRPr b="0" lang="en-US" sz="2400" spc="-1" strike="noStrike">
-              <a:solidFill>
-                <a:srgbClr val="000000"/>
-              </a:solidFill>
-              <a:latin typeface="Arial"/>
-            </a:endParaRPr>
-          </a:p>
-          <a:p>
-            <a:pPr lvl="2" marL="1296000" indent="-288000">
-              <a:lnSpc>
-                <a:spcPct val="100000"/>
-              </a:lnSpc>
-              <a:spcBef>
-                <a:spcPts val="850"/>
-              </a:spcBef>
-              <a:buClr>
-                <a:srgbClr val="000000"/>
-              </a:buClr>
-              <a:buSzPct val="45000"/>
-              <a:buFont typeface="Wingdings" charset="2"/>
-              <a:buChar char=""/>
-            </a:pPr>
-            <a:r>
-              <a:rPr b="0" lang="da-DK" sz="2400" spc="-1" strike="noStrike" u="sng">
-                <a:solidFill>
-                  <a:srgbClr val="0000ee"/>
-                </a:solidFill>
-                <a:uFillTx/>
-                <a:latin typeface="Arial"/>
-                <a:hlinkClick r:id="rId3"/>
-              </a:rPr>
-              <a:t>Just Intonation Part 1</a:t>
-            </a:r>
-            <a:endParaRPr b="0" lang="en-US" sz="2400" spc="-1" strike="noStrike">
-              <a:solidFill>
-                <a:srgbClr val="000000"/>
-              </a:solidFill>
-              <a:latin typeface="Arial"/>
-            </a:endParaRPr>
-          </a:p>
-          <a:p>
-            <a:pPr lvl="2" marL="1296000" indent="-288000">
-              <a:lnSpc>
-                <a:spcPct val="100000"/>
-              </a:lnSpc>
-              <a:spcBef>
-                <a:spcPts val="850"/>
-              </a:spcBef>
-              <a:buClr>
-                <a:srgbClr val="000000"/>
-              </a:buClr>
-              <a:buSzPct val="45000"/>
-              <a:buFont typeface="Wingdings" charset="2"/>
-              <a:buChar char=""/>
-            </a:pPr>
-            <a:r>
-              <a:rPr b="0" lang="da-DK" sz="2400" spc="-1" strike="noStrike" u="sng">
-                <a:solidFill>
-                  <a:srgbClr val="0000ee"/>
-                </a:solidFill>
-                <a:uFillTx/>
-                <a:latin typeface="Arial"/>
-                <a:hlinkClick r:id="rId4"/>
-              </a:rPr>
-              <a:t>Perfect fifths in equal tempered scales</a:t>
-            </a:r>
-            <a:endParaRPr b="0" lang="en-US" sz="2400" spc="-1" strike="noStrike">
-              <a:solidFill>
-                <a:srgbClr val="000000"/>
-              </a:solidFill>
-              <a:latin typeface="Arial"/>
-            </a:endParaRPr>
-          </a:p>
-          <a:p>
-            <a:pPr lvl="1" marL="864000" indent="-324000">
-              <a:lnSpc>
-                <a:spcPct val="100000"/>
-              </a:lnSpc>
-              <a:spcBef>
-                <a:spcPts val="1134"/>
-              </a:spcBef>
-              <a:buClr>
-                <a:srgbClr val="000000"/>
-              </a:buClr>
-              <a:buSzPct val="75000"/>
-              <a:buFont typeface="Symbol"/>
-              <a:buChar char=""/>
-            </a:pPr>
-            <a:r>
-              <a:rPr b="0" lang="da-DK" sz="2800" spc="-1" strike="noStrike">
-                <a:solidFill>
-                  <a:srgbClr val="000000"/>
-                </a:solidFill>
-                <a:latin typeface="Arial"/>
-              </a:rPr>
-              <a:t>Wikipedia</a:t>
-            </a:r>
-            <a:endParaRPr b="0" lang="en-US" sz="2800" spc="-1" strike="noStrike">
-              <a:solidFill>
-                <a:srgbClr val="000000"/>
-              </a:solidFill>
-              <a:latin typeface="Arial"/>
-            </a:endParaRPr>
-          </a:p>
-          <a:p>
-            <a:pPr lvl="2" marL="1296000" indent="-288000">
-              <a:lnSpc>
-                <a:spcPct val="100000"/>
-              </a:lnSpc>
-              <a:spcBef>
-                <a:spcPts val="850"/>
-              </a:spcBef>
-              <a:buClr>
-                <a:srgbClr val="000000"/>
-              </a:buClr>
-              <a:buSzPct val="45000"/>
-              <a:buFont typeface="Wingdings" charset="2"/>
-              <a:buChar char=""/>
-            </a:pPr>
-            <a:r>
-              <a:rPr b="0" lang="da-DK" sz="2400" spc="-1" strike="noStrike">
-                <a:solidFill>
-                  <a:srgbClr val="000000"/>
-                </a:solidFill>
-                <a:latin typeface="Arial"/>
-              </a:rPr>
-              <a:t>Musical Tuning</a:t>
-            </a:r>
-            <a:endParaRPr b="0" lang="en-US" sz="2400" spc="-1" strike="noStrike">
-              <a:solidFill>
-                <a:srgbClr val="000000"/>
-              </a:solidFill>
-              <a:latin typeface="Arial"/>
-            </a:endParaRPr>
-          </a:p>
-          <a:p>
-            <a:pPr lvl="2" marL="1296000" indent="-288000">
-              <a:lnSpc>
-                <a:spcPct val="100000"/>
-              </a:lnSpc>
-              <a:spcBef>
-                <a:spcPts val="850"/>
-              </a:spcBef>
-              <a:buClr>
-                <a:srgbClr val="000000"/>
-              </a:buClr>
-              <a:buSzPct val="45000"/>
-              <a:buFont typeface="Wingdings" charset="2"/>
-              <a:buChar char=""/>
-            </a:pPr>
-            <a:r>
-              <a:rPr b="0" lang="da-DK" sz="2400" spc="-1" strike="noStrike">
-                <a:solidFill>
-                  <a:srgbClr val="000000"/>
-                </a:solidFill>
-                <a:latin typeface="Arial"/>
-              </a:rPr>
-              <a:t>Equal Temperement</a:t>
-            </a:r>
-            <a:endParaRPr b="0" lang="en-US" sz="2400" spc="-1" strike="noStrike">
-              <a:solidFill>
-                <a:srgbClr val="000000"/>
-              </a:solidFill>
-              <a:latin typeface="Arial"/>
-            </a:endParaRPr>
-          </a:p>
-          <a:p>
-            <a:pPr lvl="2" marL="1296000" indent="-288000">
-              <a:lnSpc>
-                <a:spcPct val="100000"/>
-              </a:lnSpc>
-              <a:spcBef>
-                <a:spcPts val="850"/>
-              </a:spcBef>
-              <a:buClr>
-                <a:srgbClr val="000000"/>
-              </a:buClr>
-              <a:buSzPct val="45000"/>
-              <a:buFont typeface="Wingdings" charset="2"/>
-              <a:buChar char=""/>
-            </a:pPr>
-            <a:r>
-              <a:rPr b="0" lang="da-DK" sz="2400" spc="-1" strike="noStrike">
-                <a:solidFill>
-                  <a:srgbClr val="000000"/>
-                </a:solidFill>
-                <a:latin typeface="Arial"/>
-              </a:rPr>
-              <a:t>Pythagorean Tuning</a:t>
-            </a:r>
-            <a:endParaRPr b="0" lang="en-US" sz="2400" spc="-1" strike="noStrike">
-              <a:solidFill>
-                <a:srgbClr val="000000"/>
-              </a:solidFill>
-              <a:latin typeface="Arial"/>
-            </a:endParaRPr>
-          </a:p>
-          <a:p>
-            <a:pPr lvl="2" marL="1296000" indent="-288000">
-              <a:lnSpc>
-                <a:spcPct val="100000"/>
-              </a:lnSpc>
-              <a:spcBef>
-                <a:spcPts val="850"/>
-              </a:spcBef>
-              <a:buClr>
-                <a:srgbClr val="000000"/>
-              </a:buClr>
-              <a:buSzPct val="45000"/>
-              <a:buFont typeface="Wingdings" charset="2"/>
-              <a:buChar char=""/>
-            </a:pPr>
-            <a:r>
-              <a:rPr b="0" lang="da-DK" sz="2400" spc="-1" strike="noStrike">
-                <a:solidFill>
-                  <a:srgbClr val="000000"/>
-                </a:solidFill>
-                <a:latin typeface="Arial"/>
-              </a:rPr>
-              <a:t>Just Intonation</a:t>
-            </a:r>
-            <a:endParaRPr b="0" lang="en-US" sz="2400" spc="-1" strike="noStrike">
-              <a:solidFill>
-                <a:srgbClr val="000000"/>
-              </a:solidFill>
-              <a:latin typeface="Arial"/>
-            </a:endParaRPr>
-          </a:p>
-        </p:txBody>
-      </p:sp>
-      <p:sp>
-        <p:nvSpPr>
-          <p:cNvPr id="133" name="PlaceHolder 4"/>
-          <p:cNvSpPr>
-            <a:spLocks noGrp="1"/>
-          </p:cNvSpPr>
-          <p:nvPr>
-            <p:ph/>
-          </p:nvPr>
-        </p:nvSpPr>
-        <p:spPr>
-          <a:xfrm>
-            <a:off x="504000" y="3044160"/>
-            <a:ext cx="4425840" cy="1567440"/>
-          </a:xfrm>
-          <a:prstGeom prst="rect">
-            <a:avLst/>
-          </a:prstGeom>
-          <a:noFill/>
-          <a:ln w="0">
-            <a:noFill/>
-          </a:ln>
-        </p:spPr>
-        <p:txBody>
-          <a:bodyPr lIns="0" rIns="0" tIns="0" bIns="0" anchor="t">
-            <a:normAutofit fontScale="38333"/>
-          </a:bodyPr>
-          <a:p>
-            <a:pPr marL="432000" indent="-324000">
-              <a:lnSpc>
-                <a:spcPct val="100000"/>
-              </a:lnSpc>
-              <a:spcBef>
-                <a:spcPts val="1417"/>
-              </a:spcBef>
-              <a:buClr>
-                <a:srgbClr val="000000"/>
-              </a:buClr>
-              <a:buSzPct val="45000"/>
-              <a:buFont typeface="Wingdings" charset="2"/>
-              <a:buChar char=""/>
-            </a:pPr>
-            <a:r>
-              <a:rPr b="0" lang="da-DK" sz="3200" spc="-1" strike="noStrike">
-                <a:solidFill>
-                  <a:srgbClr val="000000"/>
-                </a:solidFill>
-                <a:latin typeface="Arial"/>
-              </a:rPr>
-              <a:t>JuliaMusic/MusicTheory</a:t>
-            </a:r>
-            <a:endParaRPr b="0" lang="en-US" sz="3200" spc="-1" strike="noStrike">
-              <a:solidFill>
-                <a:srgbClr val="000000"/>
-              </a:solidFill>
-              <a:latin typeface="Arial"/>
-            </a:endParaRPr>
-          </a:p>
-          <a:p>
-            <a:pPr marL="432000" indent="-324000">
-              <a:lnSpc>
-                <a:spcPct val="100000"/>
-              </a:lnSpc>
-              <a:spcBef>
-                <a:spcPts val="1417"/>
-              </a:spcBef>
-              <a:buClr>
-                <a:srgbClr val="000000"/>
-              </a:buClr>
-              <a:buSzPct val="45000"/>
-              <a:buFont typeface="Wingdings" charset="2"/>
-              <a:buChar char=""/>
-            </a:pPr>
-            <a:r>
-              <a:rPr b="0" lang="da-DK" sz="3200" spc="-1" strike="noStrike">
-                <a:solidFill>
-                  <a:srgbClr val="000000"/>
-                </a:solidFill>
-                <a:latin typeface="Arial"/>
-              </a:rPr>
-              <a:t>JuliaAudio/</a:t>
-            </a:r>
-            <a:endParaRPr b="0" lang="en-US" sz="3200" spc="-1" strike="noStrike">
-              <a:solidFill>
-                <a:srgbClr val="000000"/>
-              </a:solidFill>
-              <a:latin typeface="Arial"/>
-            </a:endParaRPr>
-          </a:p>
-          <a:p>
-            <a:pPr lvl="1" marL="864000" indent="-324000">
-              <a:lnSpc>
-                <a:spcPct val="100000"/>
-              </a:lnSpc>
-              <a:spcBef>
-                <a:spcPts val="1134"/>
-              </a:spcBef>
-              <a:buClr>
-                <a:srgbClr val="000000"/>
-              </a:buClr>
-              <a:buSzPct val="75000"/>
-              <a:buFont typeface="Symbol"/>
-              <a:buChar char=""/>
-            </a:pPr>
-            <a:r>
-              <a:rPr b="0" lang="da-DK" sz="2800" spc="-1" strike="noStrike">
-                <a:solidFill>
-                  <a:srgbClr val="000000"/>
-                </a:solidFill>
-                <a:latin typeface="Arial"/>
-              </a:rPr>
-              <a:t>PortAudio.jl</a:t>
-            </a:r>
-            <a:endParaRPr b="0" lang="en-US" sz="2800" spc="-1" strike="noStrike">
-              <a:solidFill>
-                <a:srgbClr val="000000"/>
-              </a:solidFill>
-              <a:latin typeface="Arial"/>
-            </a:endParaRPr>
-          </a:p>
-          <a:p>
-            <a:pPr lvl="1" marL="864000" indent="-324000">
-              <a:lnSpc>
-                <a:spcPct val="100000"/>
-              </a:lnSpc>
-              <a:spcBef>
-                <a:spcPts val="1134"/>
-              </a:spcBef>
-              <a:buClr>
-                <a:srgbClr val="000000"/>
-              </a:buClr>
-              <a:buSzPct val="75000"/>
-              <a:buFont typeface="Symbol"/>
-              <a:buChar char=""/>
-            </a:pPr>
-            <a:r>
-              <a:rPr b="0" lang="da-DK" sz="2800" spc="-1" strike="noStrike">
-                <a:solidFill>
-                  <a:srgbClr val="000000"/>
-                </a:solidFill>
-                <a:latin typeface="Arial"/>
-              </a:rPr>
-              <a:t>SampledSignals.jl</a:t>
-            </a:r>
-            <a:endParaRPr b="0" lang="en-US" sz="2800" spc="-1" strike="noStrike">
-              <a:solidFill>
-                <a:srgbClr val="000000"/>
-              </a:solidFill>
-              <a:latin typeface="Arial"/>
-            </a:endParaRPr>
-          </a:p>
-          <a:p>
-            <a:pPr marL="432000" indent="-324000">
-              <a:lnSpc>
-                <a:spcPct val="100000"/>
-              </a:lnSpc>
-              <a:spcBef>
-                <a:spcPts val="1417"/>
-              </a:spcBef>
-              <a:buClr>
-                <a:srgbClr val="000000"/>
-              </a:buClr>
-              <a:buSzPct val="45000"/>
-              <a:buFont typeface="Wingdings" charset="2"/>
-              <a:buChar char=""/>
-            </a:pPr>
-            <a:r>
-              <a:rPr b="0" lang="da-DK" sz="3200" spc="-1" strike="noStrike">
-                <a:solidFill>
-                  <a:srgbClr val="000000"/>
-                </a:solidFill>
-                <a:latin typeface="Arial"/>
-              </a:rPr>
-              <a:t>https://web.eecs.umich.edu/~fessler/course/100/index.html</a:t>
-            </a:r>
-            <a:endParaRPr b="0" lang="en-US" sz="3200" spc="-1" strike="noStrike">
-              <a:solidFill>
-                <a:srgbClr val="000000"/>
-              </a:solidFill>
-              <a:latin typeface="Arial"/>
-            </a:endParaRPr>
-          </a:p>
-        </p:txBody>
-      </p:sp>
-      <p:sp>
-        <p:nvSpPr>
-          <p:cNvPr id="134" name="PlaceHolder 5"/>
-          <p:cNvSpPr>
-            <a:spLocks noGrp="1"/>
-          </p:cNvSpPr>
-          <p:nvPr>
-            <p:ph/>
-          </p:nvPr>
-        </p:nvSpPr>
-        <p:spPr>
-          <a:xfrm>
-            <a:off x="4753440" y="4612320"/>
-            <a:ext cx="4425840" cy="1567440"/>
-          </a:xfrm>
-          <a:prstGeom prst="rect">
-            <a:avLst/>
-          </a:prstGeom>
-          <a:noFill/>
-          <a:ln w="0">
-            <a:noFill/>
-          </a:ln>
-        </p:spPr>
-        <p:txBody>
-          <a:bodyPr lIns="0" rIns="0" tIns="0" bIns="0" anchor="t">
-            <a:normAutofit/>
-          </a:bodyPr>
-          <a:p>
-            <a:pPr marL="432000" indent="-324000">
-              <a:lnSpc>
-                <a:spcPct val="100000"/>
-              </a:lnSpc>
-              <a:spcBef>
-                <a:spcPts val="1417"/>
-              </a:spcBef>
-              <a:buClr>
-                <a:srgbClr val="000000"/>
-              </a:buClr>
-              <a:buSzPct val="45000"/>
-              <a:buFont typeface="Wingdings" charset="2"/>
-              <a:buChar char=""/>
-            </a:pPr>
-            <a:r>
-              <a:rPr b="0" lang="da-DK" sz="3200" spc="-1" strike="noStrike">
-                <a:solidFill>
-                  <a:srgbClr val="000000"/>
-                </a:solidFill>
-                <a:latin typeface="Arial"/>
-              </a:rPr>
-              <a:t>tp2750/TuningSystems.jl</a:t>
-            </a:r>
-            <a:endParaRPr b="0" lang="en-US" sz="3200" spc="-1" strike="noStrike">
               <a:solidFill>
                 <a:srgbClr val="000000"/>
               </a:solidFill>
@@ -11101,7 +10377,57 @@
       </p:sp>
       <p:pic>
         <p:nvPicPr>
-          <p:cNvPr id="135" name="" descr=""/>
+          <p:cNvPr id="130" name="" descr=""/>
+          <p:cNvPicPr/>
+          <p:nvPr/>
+        </p:nvPicPr>
+        <p:blipFill>
+          <a:blip r:embed="rId1"/>
+          <a:stretch/>
+        </p:blipFill>
+        <p:spPr>
+          <a:xfrm>
+            <a:off x="360" y="4411080"/>
+            <a:ext cx="10078560" cy="1257840"/>
+          </a:xfrm>
+          <a:prstGeom prst="rect">
+            <a:avLst/>
+          </a:prstGeom>
+          <a:ln w="0">
+            <a:noFill/>
+          </a:ln>
+        </p:spPr>
+      </p:pic>
+      <p:pic>
+        <p:nvPicPr>
+          <p:cNvPr id="131" name="" descr="">
+            <a:hlinkClick r:id="rId2"/>
+          </p:cNvPr>
+          <p:cNvPicPr/>
+          <p:nvPr/>
+        </p:nvPicPr>
+        <p:blipFill>
+          <a:blip r:embed="rId3"/>
+          <a:stretch/>
+        </p:blipFill>
+        <p:spPr>
+          <a:xfrm>
+            <a:off x="0" y="2685240"/>
+            <a:ext cx="3268080" cy="1632960"/>
+          </a:xfrm>
+          <a:prstGeom prst="rect">
+            <a:avLst/>
+          </a:prstGeom>
+          <a:ln w="0">
+            <a:noFill/>
+          </a:ln>
+        </p:spPr>
+      </p:pic>
+      <p:pic>
+        <p:nvPicPr>
+          <p:cNvPr id="132" name="" descr="">
+            <a:hlinkClick r:id="rId4"/>
+          </p:cNvPr>
           <p:cNvPicPr/>
           <p:nvPr/>
         </p:nvPicPr>
@@ -11111,8 +10437,56 @@
         </p:blipFill>
         <p:spPr>
           <a:xfrm>
-            <a:off x="8460000" y="4140000"/>
-            <a:ext cx="1539360" cy="1539360"/>
+            <a:off x="3292920" y="2636640"/>
+            <a:ext cx="3365280" cy="1681560"/>
+          </a:xfrm>
+          <a:prstGeom prst="rect">
+            <a:avLst/>
+          </a:prstGeom>
+          <a:ln w="0">
+            <a:noFill/>
+          </a:ln>
+        </p:spPr>
+      </p:pic>
+      <p:pic>
+        <p:nvPicPr>
+          <p:cNvPr id="133" name="" descr="">
+            <a:hlinkClick r:id="rId6"/>
+          </p:cNvPr>
+          <p:cNvPicPr/>
+          <p:nvPr/>
+        </p:nvPicPr>
+        <p:blipFill>
+          <a:blip r:embed="rId7"/>
+          <a:stretch/>
+        </p:blipFill>
+        <p:spPr>
+          <a:xfrm>
+            <a:off x="6660000" y="2636640"/>
+            <a:ext cx="3418920" cy="1708560"/>
+          </a:xfrm>
+          <a:prstGeom prst="rect">
+            <a:avLst/>
+          </a:prstGeom>
+          <a:ln w="0">
+            <a:noFill/>
+          </a:ln>
+        </p:spPr>
+      </p:pic>
+      <p:pic>
+        <p:nvPicPr>
+          <p:cNvPr id="134" name="" descr=""/>
+          <p:cNvPicPr/>
+          <p:nvPr/>
+        </p:nvPicPr>
+        <p:blipFill>
+          <a:blip r:embed="rId8"/>
+          <a:stretch/>
+        </p:blipFill>
+        <p:spPr>
+          <a:xfrm>
+            <a:off x="1022400" y="823680"/>
+            <a:ext cx="7686360" cy="1618920"/>
           </a:xfrm>
           <a:prstGeom prst="rect">
             <a:avLst/>
@@ -11154,7 +10528,7 @@
       </p:grpSpPr>
       <p:sp>
         <p:nvSpPr>
-          <p:cNvPr id="42" name="PlaceHolder 1"/>
+          <p:cNvPr id="41" name="PlaceHolder 1"/>
           <p:cNvSpPr>
             <a:spLocks noGrp="1"/>
           </p:cNvSpPr>
@@ -11165,7 +10539,7 @@
         <p:spPr>
           <a:xfrm>
             <a:off x="504000" y="226080"/>
-            <a:ext cx="9070560" cy="945360"/>
+            <a:ext cx="9069480" cy="944280"/>
           </a:xfrm>
           <a:prstGeom prst="rect">
             <a:avLst/>
@@ -11209,7 +10583,7 @@
       </p:sp>
       <p:sp>
         <p:nvSpPr>
-          <p:cNvPr id="43" name="PlaceHolder 2"/>
+          <p:cNvPr id="42" name="PlaceHolder 2"/>
           <p:cNvSpPr>
             <a:spLocks noGrp="1"/>
           </p:cNvSpPr>
@@ -11220,7 +10594,7 @@
         <p:spPr>
           <a:xfrm>
             <a:off x="504000" y="1326600"/>
-            <a:ext cx="9070560" cy="3287160"/>
+            <a:ext cx="9069480" cy="3286080"/>
           </a:xfrm>
           <a:prstGeom prst="rect">
             <a:avLst/>
@@ -11252,7 +10626,7 @@
       </p:sp>
       <p:pic>
         <p:nvPicPr>
-          <p:cNvPr id="44" name="" descr=""/>
+          <p:cNvPr id="43" name="" descr=""/>
           <p:cNvPicPr/>
           <p:nvPr/>
         </p:nvPicPr>
@@ -11263,7 +10637,7 @@
         <p:spPr>
           <a:xfrm>
             <a:off x="3278520" y="1260360"/>
-            <a:ext cx="3380400" cy="2524320"/>
+            <a:ext cx="3379320" cy="2523240"/>
           </a:xfrm>
           <a:prstGeom prst="rect">
             <a:avLst/>
@@ -11275,14 +10649,14 @@
       </p:pic>
       <p:sp>
         <p:nvSpPr>
-          <p:cNvPr id="45" name=""/>
+          <p:cNvPr id="44" name=""/>
           <p:cNvSpPr/>
           <p:nvPr/>
         </p:nvSpPr>
         <p:spPr>
           <a:xfrm>
             <a:off x="3240000" y="3828240"/>
-            <a:ext cx="4858560" cy="1930320"/>
+            <a:ext cx="4857480" cy="1929240"/>
           </a:xfrm>
           <a:prstGeom prst="rect">
             <a:avLst/>
@@ -11411,7 +10785,7 @@
       </p:sp>
       <p:pic>
         <p:nvPicPr>
-          <p:cNvPr id="46" name="" descr=""/>
+          <p:cNvPr id="45" name="" descr=""/>
           <p:cNvPicPr/>
           <p:nvPr/>
         </p:nvPicPr>
@@ -11422,7 +10796,847 @@
         <p:spPr>
           <a:xfrm>
             <a:off x="9009360" y="4680000"/>
-            <a:ext cx="990000" cy="990000"/>
+            <a:ext cx="988920" cy="988920"/>
+          </a:xfrm>
+          <a:prstGeom prst="rect">
+            <a:avLst/>
+          </a:prstGeom>
+          <a:ln w="0">
+            <a:noFill/>
+          </a:ln>
+        </p:spPr>
+      </p:pic>
+    </p:spTree>
+  </p:cSld>
+  <mc:AlternateContent>
+    <mc:Choice Requires="p14">
+      <p:transition spd="slow" p14:dur="2000"/>
+    </mc:Choice>
+    <mc:Fallback>
+      <p:transition spd="slow"/>
+    </mc:Fallback>
+  </mc:AlternateContent>
+</p:sld>
+</file>
+
+<file path=ppt/slides/slide20.xml><?xml version="1.0" encoding="utf-8"?>
+<p:sld xmlns:a="http://schemas.openxmlformats.org/drawingml/2006/main" xmlns:p="http://schemas.openxmlformats.org/presentationml/2006/main" xmlns:r="http://schemas.openxmlformats.org/officeDocument/2006/relationships" xmlns:p14="http://schemas.microsoft.com/office/powerpoint/2010/main" xmlns:p15="http://schemas.microsoft.com/office/powerpoint/2012/main" xmlns:mc="http://schemas.openxmlformats.org/markup-compatibility/2006">
+  <p:cSld>
+    <p:spTree>
+      <p:nvGrpSpPr>
+        <p:cNvPr id="1" name=""/>
+        <p:cNvGrpSpPr/>
+        <p:nvPr/>
+      </p:nvGrpSpPr>
+      <p:grpSpPr>
+        <a:xfrm>
+          <a:off x="0" y="0"/>
+          <a:ext cx="0" cy="0"/>
+          <a:chOff x="0" y="0"/>
+          <a:chExt cx="0" cy="0"/>
+        </a:xfrm>
+      </p:grpSpPr>
+      <p:sp>
+        <p:nvSpPr>
+          <p:cNvPr id="135" name="PlaceHolder 1"/>
+          <p:cNvSpPr>
+            <a:spLocks noGrp="1"/>
+          </p:cNvSpPr>
+          <p:nvPr>
+            <p:ph type="title"/>
+          </p:nvPr>
+        </p:nvSpPr>
+        <p:spPr>
+          <a:xfrm>
+            <a:off x="504000" y="226080"/>
+            <a:ext cx="9069480" cy="944280"/>
+          </a:xfrm>
+          <a:prstGeom prst="rect">
+            <a:avLst/>
+          </a:prstGeom>
+          <a:noFill/>
+          <a:ln w="0">
+            <a:noFill/>
+          </a:ln>
+        </p:spPr>
+        <p:txBody>
+          <a:bodyPr lIns="0" rIns="0" tIns="0" bIns="0" anchor="ctr">
+            <a:noAutofit/>
+          </a:bodyPr>
+          <a:p>
+            <a:pPr indent="0" algn="ctr">
+              <a:lnSpc>
+                <a:spcPct val="100000"/>
+              </a:lnSpc>
+              <a:buNone/>
+              <a:tabLst>
+                <a:tab algn="l" pos="0"/>
+              </a:tabLst>
+            </a:pPr>
+            <a:r>
+              <a:rPr b="0" lang="da-DK" sz="4400" spc="-1" strike="noStrike">
+                <a:solidFill>
+                  <a:srgbClr val="000000"/>
+                </a:solidFill>
+                <a:latin typeface="Arial"/>
+              </a:rPr>
+              <a:t>Thank You!</a:t>
+            </a:r>
+            <a:endParaRPr b="0" lang="en-US" sz="4400" spc="-1" strike="noStrike">
+              <a:solidFill>
+                <a:srgbClr val="000000"/>
+              </a:solidFill>
+              <a:latin typeface="Arial"/>
+            </a:endParaRPr>
+          </a:p>
+        </p:txBody>
+      </p:sp>
+      <p:sp>
+        <p:nvSpPr>
+          <p:cNvPr id="136" name="PlaceHolder 2"/>
+          <p:cNvSpPr>
+            <a:spLocks noGrp="1"/>
+          </p:cNvSpPr>
+          <p:nvPr>
+            <p:ph/>
+          </p:nvPr>
+        </p:nvSpPr>
+        <p:spPr>
+          <a:xfrm>
+            <a:off x="504000" y="1326600"/>
+            <a:ext cx="4424760" cy="958680"/>
+          </a:xfrm>
+          <a:prstGeom prst="rect">
+            <a:avLst/>
+          </a:prstGeom>
+          <a:noFill/>
+          <a:ln w="0">
+            <a:noFill/>
+          </a:ln>
+        </p:spPr>
+        <p:txBody>
+          <a:bodyPr lIns="0" rIns="0" tIns="0" bIns="0" anchor="t">
+            <a:normAutofit/>
+          </a:bodyPr>
+          <a:p>
+            <a:pPr marL="432000" indent="-324000">
+              <a:lnSpc>
+                <a:spcPct val="100000"/>
+              </a:lnSpc>
+              <a:spcBef>
+                <a:spcPts val="1417"/>
+              </a:spcBef>
+              <a:buClr>
+                <a:srgbClr val="000000"/>
+              </a:buClr>
+              <a:buSzPct val="45000"/>
+              <a:buFont typeface="Wingdings" charset="2"/>
+              <a:buChar char=""/>
+            </a:pPr>
+            <a:r>
+              <a:rPr b="0" lang="da-DK" sz="2200" spc="-1" strike="noStrike">
+                <a:solidFill>
+                  <a:srgbClr val="000000"/>
+                </a:solidFill>
+                <a:latin typeface="Arial"/>
+              </a:rPr>
+              <a:t>JuliaMusic/MIDI.jl</a:t>
+            </a:r>
+            <a:endParaRPr b="0" lang="en-US" sz="2200" spc="-1" strike="noStrike">
+              <a:solidFill>
+                <a:srgbClr val="000000"/>
+              </a:solidFill>
+              <a:latin typeface="Arial"/>
+            </a:endParaRPr>
+          </a:p>
+          <a:p>
+            <a:pPr marL="432000" indent="-324000">
+              <a:lnSpc>
+                <a:spcPct val="100000"/>
+              </a:lnSpc>
+              <a:spcBef>
+                <a:spcPts val="1417"/>
+              </a:spcBef>
+              <a:buClr>
+                <a:srgbClr val="000000"/>
+              </a:buClr>
+              <a:buSzPct val="45000"/>
+              <a:buFont typeface="Wingdings" charset="2"/>
+              <a:buChar char=""/>
+            </a:pPr>
+            <a:r>
+              <a:rPr b="0" lang="da-DK" sz="2200" spc="-1" strike="noStrike">
+                <a:solidFill>
+                  <a:srgbClr val="000000"/>
+                </a:solidFill>
+                <a:latin typeface="Arial"/>
+              </a:rPr>
+              <a:t>dancasimiro/WAV.jl</a:t>
+            </a:r>
+            <a:endParaRPr b="0" lang="en-US" sz="2200" spc="-1" strike="noStrike">
+              <a:solidFill>
+                <a:srgbClr val="000000"/>
+              </a:solidFill>
+              <a:latin typeface="Arial"/>
+            </a:endParaRPr>
+          </a:p>
+        </p:txBody>
+      </p:sp>
+      <p:sp>
+        <p:nvSpPr>
+          <p:cNvPr id="137" name="PlaceHolder 3"/>
+          <p:cNvSpPr>
+            <a:spLocks noGrp="1"/>
+          </p:cNvSpPr>
+          <p:nvPr>
+            <p:ph/>
+          </p:nvPr>
+        </p:nvSpPr>
+        <p:spPr>
+          <a:xfrm>
+            <a:off x="4343400" y="1080000"/>
+            <a:ext cx="5233680" cy="3418200"/>
+          </a:xfrm>
+          <a:prstGeom prst="rect">
+            <a:avLst/>
+          </a:prstGeom>
+          <a:noFill/>
+          <a:ln w="0">
+            <a:noFill/>
+          </a:ln>
+        </p:spPr>
+        <p:txBody>
+          <a:bodyPr lIns="0" rIns="0" tIns="0" bIns="0" anchor="t">
+            <a:normAutofit fontScale="62222" lnSpcReduction="10000"/>
+          </a:bodyPr>
+          <a:p>
+            <a:pPr marL="432000" indent="-324000">
+              <a:lnSpc>
+                <a:spcPct val="100000"/>
+              </a:lnSpc>
+              <a:spcBef>
+                <a:spcPts val="1417"/>
+              </a:spcBef>
+              <a:buClr>
+                <a:srgbClr val="000000"/>
+              </a:buClr>
+              <a:buSzPct val="45000"/>
+              <a:buFont typeface="Wingdings" charset="2"/>
+              <a:buChar char=""/>
+            </a:pPr>
+            <a:r>
+              <a:rPr b="0" lang="da-DK" sz="3200" spc="-1" strike="noStrike">
+                <a:solidFill>
+                  <a:srgbClr val="000000"/>
+                </a:solidFill>
+                <a:latin typeface="Arial"/>
+              </a:rPr>
+              <a:t>References </a:t>
+            </a:r>
+            <a:endParaRPr b="0" lang="en-US" sz="3200" spc="-1" strike="noStrike">
+              <a:solidFill>
+                <a:srgbClr val="000000"/>
+              </a:solidFill>
+              <a:latin typeface="Arial"/>
+            </a:endParaRPr>
+          </a:p>
+          <a:p>
+            <a:pPr marL="864000" indent="0">
+              <a:lnSpc>
+                <a:spcPct val="100000"/>
+              </a:lnSpc>
+              <a:spcBef>
+                <a:spcPts val="1134"/>
+              </a:spcBef>
+              <a:buNone/>
+              <a:tabLst>
+                <a:tab algn="l" pos="0"/>
+              </a:tabLst>
+            </a:pPr>
+            <a:r>
+              <a:rPr b="0" lang="da-DK" sz="2800" spc="-1" strike="noStrike">
+                <a:solidFill>
+                  <a:srgbClr val="000000"/>
+                </a:solidFill>
+                <a:latin typeface="Arial"/>
+              </a:rPr>
+              <a:t>John Carlos Baez:</a:t>
+            </a:r>
+            <a:endParaRPr b="0" lang="en-US" sz="2800" spc="-1" strike="noStrike">
+              <a:solidFill>
+                <a:srgbClr val="000000"/>
+              </a:solidFill>
+              <a:latin typeface="Arial"/>
+            </a:endParaRPr>
+          </a:p>
+          <a:p>
+            <a:pPr lvl="2" marL="1296000" indent="-288000">
+              <a:lnSpc>
+                <a:spcPct val="100000"/>
+              </a:lnSpc>
+              <a:spcBef>
+                <a:spcPts val="850"/>
+              </a:spcBef>
+              <a:buClr>
+                <a:srgbClr val="000000"/>
+              </a:buClr>
+              <a:buSzPct val="45000"/>
+              <a:buFont typeface="Wingdings" charset="2"/>
+              <a:buChar char=""/>
+              <a:tabLst>
+                <a:tab algn="l" pos="0"/>
+              </a:tabLst>
+            </a:pPr>
+            <a:r>
+              <a:rPr b="0" lang="da-DK" sz="2400" spc="-1" strike="noStrike" u="sng">
+                <a:solidFill>
+                  <a:srgbClr val="0000ee"/>
+                </a:solidFill>
+                <a:uFillTx/>
+                <a:latin typeface="Arial"/>
+                <a:hlinkClick r:id="rId1"/>
+              </a:rPr>
+              <a:t>Well Temperements Part 1</a:t>
+            </a:r>
+            <a:endParaRPr b="0" lang="en-US" sz="2400" spc="-1" strike="noStrike">
+              <a:solidFill>
+                <a:srgbClr val="000000"/>
+              </a:solidFill>
+              <a:latin typeface="Arial"/>
+            </a:endParaRPr>
+          </a:p>
+          <a:p>
+            <a:pPr lvl="2" marL="1296000" indent="-288000">
+              <a:lnSpc>
+                <a:spcPct val="100000"/>
+              </a:lnSpc>
+              <a:spcBef>
+                <a:spcPts val="850"/>
+              </a:spcBef>
+              <a:buClr>
+                <a:srgbClr val="000000"/>
+              </a:buClr>
+              <a:buSzPct val="45000"/>
+              <a:buFont typeface="Wingdings" charset="2"/>
+              <a:buChar char=""/>
+              <a:tabLst>
+                <a:tab algn="l" pos="0"/>
+              </a:tabLst>
+            </a:pPr>
+            <a:r>
+              <a:rPr b="0" lang="da-DK" sz="2400" spc="-1" strike="noStrike" u="sng">
+                <a:solidFill>
+                  <a:srgbClr val="0000ee"/>
+                </a:solidFill>
+                <a:uFillTx/>
+                <a:latin typeface="Arial"/>
+                <a:hlinkClick r:id="rId2"/>
+              </a:rPr>
+              <a:t>Pythagorean Tuning</a:t>
+            </a:r>
+            <a:endParaRPr b="0" lang="en-US" sz="2400" spc="-1" strike="noStrike">
+              <a:solidFill>
+                <a:srgbClr val="000000"/>
+              </a:solidFill>
+              <a:latin typeface="Arial"/>
+            </a:endParaRPr>
+          </a:p>
+          <a:p>
+            <a:pPr lvl="2" marL="1296000" indent="-288000">
+              <a:lnSpc>
+                <a:spcPct val="100000"/>
+              </a:lnSpc>
+              <a:spcBef>
+                <a:spcPts val="850"/>
+              </a:spcBef>
+              <a:buClr>
+                <a:srgbClr val="000000"/>
+              </a:buClr>
+              <a:buSzPct val="45000"/>
+              <a:buFont typeface="Wingdings" charset="2"/>
+              <a:buChar char=""/>
+              <a:tabLst>
+                <a:tab algn="l" pos="0"/>
+              </a:tabLst>
+            </a:pPr>
+            <a:r>
+              <a:rPr b="0" lang="da-DK" sz="2400" spc="-1" strike="noStrike" u="sng">
+                <a:solidFill>
+                  <a:srgbClr val="0000ee"/>
+                </a:solidFill>
+                <a:uFillTx/>
+                <a:latin typeface="Arial"/>
+                <a:hlinkClick r:id="rId3"/>
+              </a:rPr>
+              <a:t>Just Intonation Part 1</a:t>
+            </a:r>
+            <a:endParaRPr b="0" lang="en-US" sz="2400" spc="-1" strike="noStrike">
+              <a:solidFill>
+                <a:srgbClr val="000000"/>
+              </a:solidFill>
+              <a:latin typeface="Arial"/>
+            </a:endParaRPr>
+          </a:p>
+          <a:p>
+            <a:pPr lvl="2" marL="1296000" indent="-288000">
+              <a:lnSpc>
+                <a:spcPct val="100000"/>
+              </a:lnSpc>
+              <a:spcBef>
+                <a:spcPts val="850"/>
+              </a:spcBef>
+              <a:buClr>
+                <a:srgbClr val="000000"/>
+              </a:buClr>
+              <a:buSzPct val="45000"/>
+              <a:buFont typeface="Wingdings" charset="2"/>
+              <a:buChar char=""/>
+              <a:tabLst>
+                <a:tab algn="l" pos="0"/>
+              </a:tabLst>
+            </a:pPr>
+            <a:r>
+              <a:rPr b="0" lang="da-DK" sz="2400" spc="-1" strike="noStrike" u="sng">
+                <a:solidFill>
+                  <a:srgbClr val="0000ee"/>
+                </a:solidFill>
+                <a:uFillTx/>
+                <a:latin typeface="Arial"/>
+                <a:hlinkClick r:id="rId4"/>
+              </a:rPr>
+              <a:t>Perfect fifths in equal tempered scales</a:t>
+            </a:r>
+            <a:endParaRPr b="0" lang="en-US" sz="2400" spc="-1" strike="noStrike">
+              <a:solidFill>
+                <a:srgbClr val="000000"/>
+              </a:solidFill>
+              <a:latin typeface="Arial"/>
+            </a:endParaRPr>
+          </a:p>
+          <a:p>
+            <a:pPr marL="864000" indent="0">
+              <a:lnSpc>
+                <a:spcPct val="100000"/>
+              </a:lnSpc>
+              <a:spcBef>
+                <a:spcPts val="1134"/>
+              </a:spcBef>
+              <a:buNone/>
+              <a:tabLst>
+                <a:tab algn="l" pos="0"/>
+              </a:tabLst>
+            </a:pPr>
+            <a:r>
+              <a:rPr b="0" lang="da-DK" sz="2800" spc="-1" strike="noStrike">
+                <a:solidFill>
+                  <a:srgbClr val="000000"/>
+                </a:solidFill>
+                <a:latin typeface="Arial"/>
+              </a:rPr>
+              <a:t>Wikipedia</a:t>
+            </a:r>
+            <a:endParaRPr b="0" lang="en-US" sz="2800" spc="-1" strike="noStrike">
+              <a:solidFill>
+                <a:srgbClr val="000000"/>
+              </a:solidFill>
+              <a:latin typeface="Arial"/>
+            </a:endParaRPr>
+          </a:p>
+          <a:p>
+            <a:pPr lvl="2" marL="1296000" indent="-288000">
+              <a:lnSpc>
+                <a:spcPct val="100000"/>
+              </a:lnSpc>
+              <a:spcBef>
+                <a:spcPts val="850"/>
+              </a:spcBef>
+              <a:buClr>
+                <a:srgbClr val="000000"/>
+              </a:buClr>
+              <a:buSzPct val="45000"/>
+              <a:buFont typeface="Wingdings" charset="2"/>
+              <a:buChar char=""/>
+              <a:tabLst>
+                <a:tab algn="l" pos="0"/>
+              </a:tabLst>
+            </a:pPr>
+            <a:r>
+              <a:rPr b="0" lang="da-DK" sz="2400" spc="-1" strike="noStrike">
+                <a:solidFill>
+                  <a:srgbClr val="000000"/>
+                </a:solidFill>
+                <a:latin typeface="Arial"/>
+              </a:rPr>
+              <a:t>Musical Tuning</a:t>
+            </a:r>
+            <a:endParaRPr b="0" lang="en-US" sz="2400" spc="-1" strike="noStrike">
+              <a:solidFill>
+                <a:srgbClr val="000000"/>
+              </a:solidFill>
+              <a:latin typeface="Arial"/>
+            </a:endParaRPr>
+          </a:p>
+          <a:p>
+            <a:pPr lvl="2" marL="1296000" indent="-288000">
+              <a:lnSpc>
+                <a:spcPct val="100000"/>
+              </a:lnSpc>
+              <a:spcBef>
+                <a:spcPts val="850"/>
+              </a:spcBef>
+              <a:buClr>
+                <a:srgbClr val="000000"/>
+              </a:buClr>
+              <a:buSzPct val="45000"/>
+              <a:buFont typeface="Wingdings" charset="2"/>
+              <a:buChar char=""/>
+              <a:tabLst>
+                <a:tab algn="l" pos="0"/>
+              </a:tabLst>
+            </a:pPr>
+            <a:r>
+              <a:rPr b="0" lang="da-DK" sz="2400" spc="-1" strike="noStrike">
+                <a:solidFill>
+                  <a:srgbClr val="000000"/>
+                </a:solidFill>
+                <a:latin typeface="Arial"/>
+              </a:rPr>
+              <a:t>Equal Temperement</a:t>
+            </a:r>
+            <a:endParaRPr b="0" lang="en-US" sz="2400" spc="-1" strike="noStrike">
+              <a:solidFill>
+                <a:srgbClr val="000000"/>
+              </a:solidFill>
+              <a:latin typeface="Arial"/>
+            </a:endParaRPr>
+          </a:p>
+          <a:p>
+            <a:pPr lvl="2" marL="1296000" indent="-288000">
+              <a:lnSpc>
+                <a:spcPct val="100000"/>
+              </a:lnSpc>
+              <a:spcBef>
+                <a:spcPts val="850"/>
+              </a:spcBef>
+              <a:buClr>
+                <a:srgbClr val="000000"/>
+              </a:buClr>
+              <a:buSzPct val="45000"/>
+              <a:buFont typeface="Wingdings" charset="2"/>
+              <a:buChar char=""/>
+              <a:tabLst>
+                <a:tab algn="l" pos="0"/>
+              </a:tabLst>
+            </a:pPr>
+            <a:r>
+              <a:rPr b="0" lang="da-DK" sz="2400" spc="-1" strike="noStrike">
+                <a:solidFill>
+                  <a:srgbClr val="000000"/>
+                </a:solidFill>
+                <a:latin typeface="Arial"/>
+              </a:rPr>
+              <a:t>Pythagorean Tuning</a:t>
+            </a:r>
+            <a:endParaRPr b="0" lang="en-US" sz="2400" spc="-1" strike="noStrike">
+              <a:solidFill>
+                <a:srgbClr val="000000"/>
+              </a:solidFill>
+              <a:latin typeface="Arial"/>
+            </a:endParaRPr>
+          </a:p>
+          <a:p>
+            <a:pPr lvl="2" marL="1296000" indent="-288000">
+              <a:lnSpc>
+                <a:spcPct val="100000"/>
+              </a:lnSpc>
+              <a:spcBef>
+                <a:spcPts val="850"/>
+              </a:spcBef>
+              <a:buClr>
+                <a:srgbClr val="000000"/>
+              </a:buClr>
+              <a:buSzPct val="45000"/>
+              <a:buFont typeface="Wingdings" charset="2"/>
+              <a:buChar char=""/>
+              <a:tabLst>
+                <a:tab algn="l" pos="0"/>
+              </a:tabLst>
+            </a:pPr>
+            <a:r>
+              <a:rPr b="0" lang="da-DK" sz="2400" spc="-1" strike="noStrike">
+                <a:solidFill>
+                  <a:srgbClr val="000000"/>
+                </a:solidFill>
+                <a:latin typeface="Arial"/>
+              </a:rPr>
+              <a:t>Just Intonation</a:t>
+            </a:r>
+            <a:endParaRPr b="0" lang="en-US" sz="2400" spc="-1" strike="noStrike">
+              <a:solidFill>
+                <a:srgbClr val="000000"/>
+              </a:solidFill>
+              <a:latin typeface="Arial"/>
+            </a:endParaRPr>
+          </a:p>
+        </p:txBody>
+      </p:sp>
+      <p:sp>
+        <p:nvSpPr>
+          <p:cNvPr id="138" name="PlaceHolder 4"/>
+          <p:cNvSpPr>
+            <a:spLocks noGrp="1"/>
+          </p:cNvSpPr>
+          <p:nvPr>
+            <p:ph/>
+          </p:nvPr>
+        </p:nvSpPr>
+        <p:spPr>
+          <a:xfrm>
+            <a:off x="504000" y="2514600"/>
+            <a:ext cx="4424760" cy="2513880"/>
+          </a:xfrm>
+          <a:prstGeom prst="rect">
+            <a:avLst/>
+          </a:prstGeom>
+          <a:noFill/>
+          <a:ln w="0">
+            <a:noFill/>
+          </a:ln>
+        </p:spPr>
+        <p:txBody>
+          <a:bodyPr lIns="0" rIns="0" tIns="0" bIns="0" anchor="t">
+            <a:normAutofit fontScale="66111"/>
+          </a:bodyPr>
+          <a:p>
+            <a:pPr marL="432000" indent="-324000">
+              <a:lnSpc>
+                <a:spcPct val="100000"/>
+              </a:lnSpc>
+              <a:spcBef>
+                <a:spcPts val="1417"/>
+              </a:spcBef>
+              <a:buClr>
+                <a:srgbClr val="000000"/>
+              </a:buClr>
+              <a:buSzPct val="45000"/>
+              <a:buFont typeface="Wingdings" charset="2"/>
+              <a:buChar char=""/>
+            </a:pPr>
+            <a:r>
+              <a:rPr b="0" lang="da-DK" sz="3200" spc="-1" strike="noStrike">
+                <a:solidFill>
+                  <a:srgbClr val="000000"/>
+                </a:solidFill>
+                <a:latin typeface="Arial"/>
+              </a:rPr>
+              <a:t>JuliaMusic/MusicTheory</a:t>
+            </a:r>
+            <a:endParaRPr b="0" lang="en-US" sz="3200" spc="-1" strike="noStrike">
+              <a:solidFill>
+                <a:srgbClr val="000000"/>
+              </a:solidFill>
+              <a:latin typeface="Arial"/>
+            </a:endParaRPr>
+          </a:p>
+          <a:p>
+            <a:pPr marL="432000" indent="-324000">
+              <a:lnSpc>
+                <a:spcPct val="100000"/>
+              </a:lnSpc>
+              <a:spcBef>
+                <a:spcPts val="1417"/>
+              </a:spcBef>
+              <a:buClr>
+                <a:srgbClr val="000000"/>
+              </a:buClr>
+              <a:buSzPct val="45000"/>
+              <a:buFont typeface="Wingdings" charset="2"/>
+              <a:buChar char=""/>
+            </a:pPr>
+            <a:r>
+              <a:rPr b="0" lang="da-DK" sz="3200" spc="-1" strike="noStrike">
+                <a:solidFill>
+                  <a:srgbClr val="000000"/>
+                </a:solidFill>
+                <a:latin typeface="Arial"/>
+              </a:rPr>
+              <a:t>JuliaAudio/</a:t>
+            </a:r>
+            <a:endParaRPr b="0" lang="en-US" sz="3200" spc="-1" strike="noStrike">
+              <a:solidFill>
+                <a:srgbClr val="000000"/>
+              </a:solidFill>
+              <a:latin typeface="Arial"/>
+            </a:endParaRPr>
+          </a:p>
+          <a:p>
+            <a:pPr marL="864000" indent="0">
+              <a:lnSpc>
+                <a:spcPct val="100000"/>
+              </a:lnSpc>
+              <a:spcBef>
+                <a:spcPts val="1134"/>
+              </a:spcBef>
+              <a:buNone/>
+              <a:tabLst>
+                <a:tab algn="l" pos="0"/>
+              </a:tabLst>
+            </a:pPr>
+            <a:r>
+              <a:rPr b="0" lang="da-DK" sz="2800" spc="-1" strike="noStrike">
+                <a:solidFill>
+                  <a:srgbClr val="000000"/>
+                </a:solidFill>
+                <a:latin typeface="Arial"/>
+              </a:rPr>
+              <a:t>PortAudio.jl</a:t>
+            </a:r>
+            <a:endParaRPr b="0" lang="en-US" sz="2800" spc="-1" strike="noStrike">
+              <a:solidFill>
+                <a:srgbClr val="000000"/>
+              </a:solidFill>
+              <a:latin typeface="Arial"/>
+            </a:endParaRPr>
+          </a:p>
+          <a:p>
+            <a:pPr marL="864000" indent="0">
+              <a:lnSpc>
+                <a:spcPct val="100000"/>
+              </a:lnSpc>
+              <a:spcBef>
+                <a:spcPts val="1134"/>
+              </a:spcBef>
+              <a:buNone/>
+              <a:tabLst>
+                <a:tab algn="l" pos="0"/>
+              </a:tabLst>
+            </a:pPr>
+            <a:r>
+              <a:rPr b="0" lang="da-DK" sz="2800" spc="-1" strike="noStrike">
+                <a:solidFill>
+                  <a:srgbClr val="000000"/>
+                </a:solidFill>
+                <a:latin typeface="Arial"/>
+              </a:rPr>
+              <a:t>SampledSignals.jl</a:t>
+            </a:r>
+            <a:endParaRPr b="0" lang="en-US" sz="2800" spc="-1" strike="noStrike">
+              <a:solidFill>
+                <a:srgbClr val="000000"/>
+              </a:solidFill>
+              <a:latin typeface="Arial"/>
+            </a:endParaRPr>
+          </a:p>
+          <a:p>
+            <a:pPr marL="432000" indent="-324000">
+              <a:lnSpc>
+                <a:spcPct val="100000"/>
+              </a:lnSpc>
+              <a:spcBef>
+                <a:spcPts val="1417"/>
+              </a:spcBef>
+              <a:buClr>
+                <a:srgbClr val="000000"/>
+              </a:buClr>
+              <a:buSzPct val="45000"/>
+              <a:buFont typeface="Wingdings" charset="2"/>
+              <a:buChar char=""/>
+              <a:tabLst>
+                <a:tab algn="l" pos="0"/>
+              </a:tabLst>
+            </a:pPr>
+            <a:r>
+              <a:rPr b="0" lang="da-DK" sz="3200" spc="-1" strike="noStrike">
+                <a:solidFill>
+                  <a:srgbClr val="000000"/>
+                </a:solidFill>
+                <a:latin typeface="Arial"/>
+              </a:rPr>
+              <a:t>https://web.eecs.umich.edu/~fessler/course/100/index.html</a:t>
+            </a:r>
+            <a:endParaRPr b="0" lang="en-US" sz="3200" spc="-1" strike="noStrike">
+              <a:solidFill>
+                <a:srgbClr val="000000"/>
+              </a:solidFill>
+              <a:latin typeface="Arial"/>
+            </a:endParaRPr>
+          </a:p>
+        </p:txBody>
+      </p:sp>
+      <p:sp>
+        <p:nvSpPr>
+          <p:cNvPr id="139" name="PlaceHolder 5"/>
+          <p:cNvSpPr>
+            <a:spLocks noGrp="1"/>
+          </p:cNvSpPr>
+          <p:nvPr>
+            <p:ph/>
+          </p:nvPr>
+        </p:nvSpPr>
+        <p:spPr>
+          <a:xfrm>
+            <a:off x="4753440" y="5257800"/>
+            <a:ext cx="4424760" cy="920880"/>
+          </a:xfrm>
+          <a:prstGeom prst="rect">
+            <a:avLst/>
+          </a:prstGeom>
+          <a:noFill/>
+          <a:ln w="0">
+            <a:noFill/>
+          </a:ln>
+        </p:spPr>
+        <p:txBody>
+          <a:bodyPr lIns="0" rIns="0" tIns="0" bIns="0" anchor="t">
+            <a:normAutofit/>
+          </a:bodyPr>
+          <a:p>
+            <a:pPr marL="432000" indent="-324000">
+              <a:lnSpc>
+                <a:spcPct val="100000"/>
+              </a:lnSpc>
+              <a:spcBef>
+                <a:spcPts val="1417"/>
+              </a:spcBef>
+              <a:buClr>
+                <a:srgbClr val="000000"/>
+              </a:buClr>
+              <a:buSzPct val="45000"/>
+              <a:buFont typeface="Wingdings" charset="2"/>
+              <a:buChar char=""/>
+            </a:pPr>
+            <a:r>
+              <a:rPr b="0" lang="da-DK" sz="1800" spc="-1" strike="noStrike">
+                <a:solidFill>
+                  <a:srgbClr val="000000"/>
+                </a:solidFill>
+                <a:latin typeface="Arial"/>
+              </a:rPr>
+              <a:t>tp2750/TuningSystems.jl</a:t>
+            </a:r>
+            <a:endParaRPr b="0" lang="en-US" sz="1800" spc="-1" strike="noStrike">
+              <a:solidFill>
+                <a:srgbClr val="000000"/>
+              </a:solidFill>
+              <a:latin typeface="Arial"/>
+            </a:endParaRPr>
+          </a:p>
+        </p:txBody>
+      </p:sp>
+      <p:pic>
+        <p:nvPicPr>
+          <p:cNvPr id="140" name="" descr=""/>
+          <p:cNvPicPr/>
+          <p:nvPr/>
+        </p:nvPicPr>
+        <p:blipFill>
+          <a:blip r:embed="rId5"/>
+          <a:stretch/>
+        </p:blipFill>
+        <p:spPr>
+          <a:xfrm>
+            <a:off x="8460000" y="4140000"/>
+            <a:ext cx="1538280" cy="1538280"/>
           </a:xfrm>
           <a:prstGeom prst="rect">
             <a:avLst/>
@@ -11464,7 +11678,7 @@
       </p:grpSpPr>
       <p:sp>
         <p:nvSpPr>
-          <p:cNvPr id="47" name="PlaceHolder 1"/>
+          <p:cNvPr id="46" name="PlaceHolder 1"/>
           <p:cNvSpPr>
             <a:spLocks noGrp="1"/>
           </p:cNvSpPr>
@@ -11475,7 +11689,7 @@
         <p:spPr>
           <a:xfrm>
             <a:off x="504000" y="226080"/>
-            <a:ext cx="9070560" cy="945360"/>
+            <a:ext cx="9069480" cy="944280"/>
           </a:xfrm>
           <a:prstGeom prst="rect">
             <a:avLst/>
@@ -11504,7 +11718,7 @@
       </p:sp>
       <p:sp>
         <p:nvSpPr>
-          <p:cNvPr id="48" name="PlaceHolder 2"/>
+          <p:cNvPr id="47" name="PlaceHolder 2"/>
           <p:cNvSpPr>
             <a:spLocks noGrp="1"/>
           </p:cNvSpPr>
@@ -11515,7 +11729,7 @@
         <p:spPr>
           <a:xfrm>
             <a:off x="504000" y="1326600"/>
-            <a:ext cx="9070560" cy="3287160"/>
+            <a:ext cx="9069480" cy="3286080"/>
           </a:xfrm>
           <a:prstGeom prst="rect">
             <a:avLst/>
@@ -11547,7 +11761,7 @@
       </p:sp>
       <p:pic>
         <p:nvPicPr>
-          <p:cNvPr id="49" name="" descr=""/>
+          <p:cNvPr id="48" name="" descr=""/>
           <p:cNvPicPr/>
           <p:nvPr/>
         </p:nvPicPr>
@@ -11558,7 +11772,7 @@
         <p:spPr>
           <a:xfrm>
             <a:off x="206640" y="7560"/>
-            <a:ext cx="9668160" cy="5669640"/>
+            <a:ext cx="9667080" cy="5668560"/>
           </a:xfrm>
           <a:prstGeom prst="rect">
             <a:avLst/>
@@ -11600,7 +11814,7 @@
       </p:grpSpPr>
       <p:sp>
         <p:nvSpPr>
-          <p:cNvPr id="50" name="PlaceHolder 1"/>
+          <p:cNvPr id="49" name="PlaceHolder 1"/>
           <p:cNvSpPr>
             <a:spLocks noGrp="1"/>
           </p:cNvSpPr>
@@ -11611,7 +11825,7 @@
         <p:spPr>
           <a:xfrm>
             <a:off x="504000" y="226080"/>
-            <a:ext cx="9070560" cy="945360"/>
+            <a:ext cx="9069480" cy="944280"/>
           </a:xfrm>
           <a:prstGeom prst="rect">
             <a:avLst/>
@@ -11655,7 +11869,7 @@
       </p:sp>
       <p:pic>
         <p:nvPicPr>
-          <p:cNvPr id="51" name="" descr="">
+          <p:cNvPr id="50" name="" descr="">
             <a:hlinkClick r:id="rId1"/>
           </p:cNvPr>
           <p:cNvPicPr/>
@@ -11668,7 +11882,7 @@
         <p:spPr>
           <a:xfrm>
             <a:off x="4355640" y="4114800"/>
-            <a:ext cx="1130760" cy="1130760"/>
+            <a:ext cx="1129680" cy="1129680"/>
           </a:xfrm>
           <a:prstGeom prst="rect">
             <a:avLst/>
@@ -11680,7 +11894,7 @@
       </p:pic>
       <p:pic>
         <p:nvPicPr>
-          <p:cNvPr id="52" name="" descr=""/>
+          <p:cNvPr id="51" name="" descr=""/>
           <p:cNvPicPr/>
           <p:nvPr/>
         </p:nvPicPr>
@@ -11692,7 +11906,7 @@
         <p:spPr>
           <a:xfrm>
             <a:off x="540000" y="1798200"/>
-            <a:ext cx="8999280" cy="1401840"/>
+            <a:ext cx="8998200" cy="1400760"/>
           </a:xfrm>
           <a:prstGeom prst="rect">
             <a:avLst/>
@@ -11734,7 +11948,7 @@
       </p:grpSpPr>
       <p:sp>
         <p:nvSpPr>
-          <p:cNvPr id="53" name="PlaceHolder 1"/>
+          <p:cNvPr id="52" name="PlaceHolder 1"/>
           <p:cNvSpPr>
             <a:spLocks noGrp="1"/>
           </p:cNvSpPr>
@@ -11745,7 +11959,7 @@
         <p:spPr>
           <a:xfrm>
             <a:off x="504000" y="0"/>
-            <a:ext cx="9070560" cy="945360"/>
+            <a:ext cx="9069480" cy="944280"/>
           </a:xfrm>
           <a:prstGeom prst="rect">
             <a:avLst/>
@@ -11789,7 +12003,7 @@
       </p:sp>
       <p:sp>
         <p:nvSpPr>
-          <p:cNvPr id="54" name="PlaceHolder 2"/>
+          <p:cNvPr id="53" name="PlaceHolder 2"/>
           <p:cNvSpPr>
             <a:spLocks noGrp="1"/>
           </p:cNvSpPr>
@@ -11800,7 +12014,7 @@
         <p:spPr>
           <a:xfrm>
             <a:off x="504000" y="1326600"/>
-            <a:ext cx="9070560" cy="3287160"/>
+            <a:ext cx="9069480" cy="3286080"/>
           </a:xfrm>
           <a:prstGeom prst="rect">
             <a:avLst/>
@@ -11823,6 +12037,9 @@
                 <a:spcPts val="1417"/>
               </a:spcBef>
               <a:buNone/>
+              <a:tabLst>
+                <a:tab algn="l" pos="0"/>
+              </a:tabLst>
             </a:pPr>
             <a:r>
               <a:rPr b="0" lang="da-DK" sz="3200" spc="-1" strike="noStrike">
@@ -11841,7 +12058,7 @@
             </a:endParaRPr>
           </a:p>
           <a:p>
-            <a:pPr lvl="1" marL="864000" indent="0">
+            <a:pPr marL="864000" indent="0">
               <a:lnSpc>
                 <a:spcPct val="100000"/>
               </a:lnSpc>
@@ -11849,6 +12066,9 @@
                 <a:spcPts val="1134"/>
               </a:spcBef>
               <a:buNone/>
+              <a:tabLst>
+                <a:tab algn="l" pos="0"/>
+              </a:tabLst>
             </a:pPr>
             <a:r>
               <a:rPr b="0" lang="da-DK" sz="2800" spc="-1" strike="noStrike">
@@ -11867,7 +12087,7 @@
             </a:endParaRPr>
           </a:p>
           <a:p>
-            <a:pPr lvl="1" marL="864000" indent="0">
+            <a:pPr marL="864000" indent="0">
               <a:lnSpc>
                 <a:spcPct val="100000"/>
               </a:lnSpc>
@@ -11875,6 +12095,9 @@
                 <a:spcPts val="1134"/>
               </a:spcBef>
               <a:buNone/>
+              <a:tabLst>
+                <a:tab algn="l" pos="0"/>
+              </a:tabLst>
             </a:pPr>
             <a:r>
               <a:rPr b="0" lang="da-DK" sz="2800" spc="-1" strike="noStrike">
@@ -11896,7 +12119,7 @@
       </p:sp>
       <p:pic>
         <p:nvPicPr>
-          <p:cNvPr id="55" name="" descr=""/>
+          <p:cNvPr id="54" name="" descr=""/>
           <p:cNvPicPr/>
           <p:nvPr/>
         </p:nvPicPr>
@@ -11907,7 +12130,7 @@
         <p:spPr>
           <a:xfrm>
             <a:off x="3068280" y="3391920"/>
-            <a:ext cx="3561120" cy="2094480"/>
+            <a:ext cx="3560040" cy="2093400"/>
           </a:xfrm>
           <a:prstGeom prst="rect">
             <a:avLst/>
@@ -11919,7 +12142,7 @@
       </p:pic>
       <p:pic>
         <p:nvPicPr>
-          <p:cNvPr id="56" name="" descr="">
+          <p:cNvPr id="55" name="" descr="">
             <a:hlinkClick r:id="rId2"/>
           </p:cNvPr>
           <p:cNvPicPr/>
@@ -11932,7 +12155,7 @@
         <p:spPr>
           <a:xfrm>
             <a:off x="4140000" y="1800000"/>
-            <a:ext cx="590760" cy="590760"/>
+            <a:ext cx="589680" cy="589680"/>
           </a:xfrm>
           <a:prstGeom prst="rect">
             <a:avLst/>
@@ -11944,7 +12167,7 @@
       </p:pic>
       <p:pic>
         <p:nvPicPr>
-          <p:cNvPr id="57" name="" descr="">
+          <p:cNvPr id="56" name="" descr="">
             <a:hlinkClick r:id="rId4"/>
           </p:cNvPr>
           <p:cNvPicPr/>
@@ -11957,7 +12180,7 @@
         <p:spPr>
           <a:xfrm>
             <a:off x="4731480" y="1800360"/>
-            <a:ext cx="590760" cy="590760"/>
+            <a:ext cx="589680" cy="589680"/>
           </a:xfrm>
           <a:prstGeom prst="rect">
             <a:avLst/>
@@ -11969,7 +12192,7 @@
       </p:pic>
       <p:pic>
         <p:nvPicPr>
-          <p:cNvPr id="58" name="" descr="">
+          <p:cNvPr id="57" name="" descr="">
             <a:hlinkClick r:id="rId6"/>
           </p:cNvPr>
           <p:cNvPicPr/>
@@ -11982,7 +12205,7 @@
         <p:spPr>
           <a:xfrm>
             <a:off x="4140360" y="2391840"/>
-            <a:ext cx="590760" cy="590760"/>
+            <a:ext cx="589680" cy="589680"/>
           </a:xfrm>
           <a:prstGeom prst="rect">
             <a:avLst/>
@@ -11994,7 +12217,7 @@
       </p:pic>
       <p:pic>
         <p:nvPicPr>
-          <p:cNvPr id="59" name="" descr="">
+          <p:cNvPr id="58" name="" descr="">
             <a:hlinkClick r:id="rId8"/>
           </p:cNvPr>
           <p:cNvPicPr/>
@@ -12007,7 +12230,7 @@
         <p:spPr>
           <a:xfrm>
             <a:off x="4731840" y="2391840"/>
-            <a:ext cx="590760" cy="590760"/>
+            <a:ext cx="589680" cy="589680"/>
           </a:xfrm>
           <a:prstGeom prst="rect">
             <a:avLst/>
@@ -12049,7 +12272,7 @@
       </p:grpSpPr>
       <p:pic>
         <p:nvPicPr>
-          <p:cNvPr id="60" name="" descr=""/>
+          <p:cNvPr id="59" name="" descr=""/>
           <p:cNvPicPr/>
           <p:nvPr/>
         </p:nvPicPr>
@@ -12060,7 +12283,7 @@
         <p:spPr>
           <a:xfrm>
             <a:off x="0" y="3312360"/>
-            <a:ext cx="9070560" cy="2266920"/>
+            <a:ext cx="9069480" cy="2265840"/>
           </a:xfrm>
           <a:prstGeom prst="rect">
             <a:avLst/>
@@ -12072,7 +12295,7 @@
       </p:pic>
       <p:pic>
         <p:nvPicPr>
-          <p:cNvPr id="61" name="" descr=""/>
+          <p:cNvPr id="60" name="" descr=""/>
           <p:cNvPicPr/>
           <p:nvPr/>
         </p:nvPicPr>
@@ -12083,7 +12306,7 @@
         <p:spPr>
           <a:xfrm>
             <a:off x="0" y="0"/>
-            <a:ext cx="7847640" cy="3161160"/>
+            <a:ext cx="7846560" cy="3160080"/>
           </a:xfrm>
           <a:prstGeom prst="rect">
             <a:avLst/>
@@ -12095,7 +12318,7 @@
       </p:pic>
       <p:sp>
         <p:nvSpPr>
-          <p:cNvPr id="62" name="PlaceHolder 1"/>
+          <p:cNvPr id="61" name="PlaceHolder 1"/>
           <p:cNvSpPr>
             <a:spLocks noGrp="1"/>
           </p:cNvSpPr>
@@ -12106,7 +12329,7 @@
         <p:spPr>
           <a:xfrm>
             <a:off x="468720" y="133920"/>
-            <a:ext cx="9070560" cy="945360"/>
+            <a:ext cx="9069480" cy="944280"/>
           </a:xfrm>
           <a:prstGeom prst="rect">
             <a:avLst/>
@@ -12153,7 +12376,7 @@
       </p:sp>
       <p:pic>
         <p:nvPicPr>
-          <p:cNvPr id="63" name="" descr=""/>
+          <p:cNvPr id="62" name="" descr=""/>
           <p:cNvPicPr/>
           <p:nvPr/>
         </p:nvPicPr>
@@ -12164,7 +12387,7 @@
         <p:spPr>
           <a:xfrm>
             <a:off x="0" y="0"/>
-            <a:ext cx="2246760" cy="608400"/>
+            <a:ext cx="2245680" cy="607320"/>
           </a:xfrm>
           <a:prstGeom prst="rect">
             <a:avLst/>
@@ -12176,7 +12399,7 @@
       </p:pic>
       <p:pic>
         <p:nvPicPr>
-          <p:cNvPr id="64" name="" descr="">
+          <p:cNvPr id="63" name="" descr="">
             <a:hlinkClick r:id="rId4"/>
           </p:cNvPr>
           <p:cNvPicPr/>
@@ -12189,7 +12412,7 @@
         <p:spPr>
           <a:xfrm>
             <a:off x="8100000" y="1260000"/>
-            <a:ext cx="590760" cy="590760"/>
+            <a:ext cx="589680" cy="589680"/>
           </a:xfrm>
           <a:prstGeom prst="rect">
             <a:avLst/>
@@ -12201,7 +12424,7 @@
       </p:pic>
       <p:pic>
         <p:nvPicPr>
-          <p:cNvPr id="65" name="" descr="">
+          <p:cNvPr id="64" name="" descr="">
             <a:hlinkClick r:id="rId6"/>
           </p:cNvPr>
           <p:cNvPicPr/>
@@ -12214,7 +12437,7 @@
         <p:spPr>
           <a:xfrm>
             <a:off x="8100000" y="1980000"/>
-            <a:ext cx="590760" cy="590760"/>
+            <a:ext cx="589680" cy="589680"/>
           </a:xfrm>
           <a:prstGeom prst="rect">
             <a:avLst/>
@@ -12256,7 +12479,7 @@
       </p:grpSpPr>
       <p:sp>
         <p:nvSpPr>
-          <p:cNvPr id="66" name="PlaceHolder 1"/>
+          <p:cNvPr id="65" name="PlaceHolder 1"/>
           <p:cNvSpPr>
             <a:spLocks noGrp="1"/>
           </p:cNvSpPr>
@@ -12267,7 +12490,7 @@
         <p:spPr>
           <a:xfrm>
             <a:off x="504000" y="226080"/>
-            <a:ext cx="9070560" cy="945360"/>
+            <a:ext cx="9069480" cy="944280"/>
           </a:xfrm>
           <a:prstGeom prst="rect">
             <a:avLst/>
@@ -12294,6 +12517,29 @@
           </a:p>
         </p:txBody>
       </p:sp>
+      <p:pic>
+        <p:nvPicPr>
+          <p:cNvPr id="66" name="" descr=""/>
+          <p:cNvPicPr/>
+          <p:nvPr/>
+        </p:nvPicPr>
+        <p:blipFill>
+          <a:blip r:embed="rId1"/>
+          <a:stretch/>
+        </p:blipFill>
+        <p:spPr>
+          <a:xfrm>
+            <a:off x="0" y="3825720"/>
+            <a:ext cx="7378200" cy="1843200"/>
+          </a:xfrm>
+          <a:prstGeom prst="rect">
+            <a:avLst/>
+          </a:prstGeom>
+          <a:ln w="0">
+            <a:noFill/>
+          </a:ln>
+        </p:spPr>
+      </p:pic>
       <p:pic>
         <p:nvPicPr>
           <p:cNvPr id="67" name="" descr=""/>
@@ -12301,13 +12547,13 @@
           <p:nvPr/>
         </p:nvPicPr>
         <p:blipFill>
-          <a:blip r:embed="rId1"/>
+          <a:blip r:embed="rId2"/>
           <a:stretch/>
         </p:blipFill>
         <p:spPr>
           <a:xfrm>
-            <a:off x="0" y="3825720"/>
-            <a:ext cx="7379280" cy="1844280"/>
+            <a:off x="0" y="1845000"/>
+            <a:ext cx="7738200" cy="1933200"/>
           </a:xfrm>
           <a:prstGeom prst="rect">
             <a:avLst/>
@@ -12324,13 +12570,13 @@
           <p:nvPr/>
         </p:nvPicPr>
         <p:blipFill>
-          <a:blip r:embed="rId2"/>
+          <a:blip r:embed="rId3"/>
           <a:stretch/>
         </p:blipFill>
         <p:spPr>
           <a:xfrm>
-            <a:off x="0" y="1845000"/>
-            <a:ext cx="7739280" cy="1934280"/>
+            <a:off x="0" y="-11520"/>
+            <a:ext cx="6658200" cy="1854720"/>
           </a:xfrm>
           <a:prstGeom prst="rect">
             <a:avLst/>
@@ -12342,30 +12588,7 @@
       </p:pic>
       <p:pic>
         <p:nvPicPr>
-          <p:cNvPr id="69" name="" descr=""/>
-          <p:cNvPicPr/>
-          <p:nvPr/>
-        </p:nvPicPr>
-        <p:blipFill>
-          <a:blip r:embed="rId3"/>
-          <a:stretch/>
-        </p:blipFill>
-        <p:spPr>
-          <a:xfrm>
-            <a:off x="0" y="-11520"/>
-            <a:ext cx="6659280" cy="1855800"/>
-          </a:xfrm>
-          <a:prstGeom prst="rect">
-            <a:avLst/>
-          </a:prstGeom>
-          <a:ln w="0">
-            <a:noFill/>
-          </a:ln>
-        </p:spPr>
-      </p:pic>
-      <p:pic>
-        <p:nvPicPr>
-          <p:cNvPr id="70" name="" descr="">
+          <p:cNvPr id="69" name="" descr="">
             <a:hlinkClick r:id="rId4"/>
           </p:cNvPr>
           <p:cNvPicPr/>
@@ -12378,7 +12601,7 @@
         <p:spPr>
           <a:xfrm>
             <a:off x="8100360" y="1980360"/>
-            <a:ext cx="590760" cy="590760"/>
+            <a:ext cx="589680" cy="589680"/>
           </a:xfrm>
           <a:prstGeom prst="rect">
             <a:avLst/>
@@ -12420,7 +12643,7 @@
       </p:grpSpPr>
       <p:sp>
         <p:nvSpPr>
-          <p:cNvPr id="71" name="PlaceHolder 1"/>
+          <p:cNvPr id="70" name="PlaceHolder 1"/>
           <p:cNvSpPr>
             <a:spLocks noGrp="1"/>
           </p:cNvSpPr>
@@ -12431,7 +12654,7 @@
         <p:spPr>
           <a:xfrm>
             <a:off x="504000" y="226080"/>
-            <a:ext cx="9070560" cy="945360"/>
+            <a:ext cx="9069480" cy="944280"/>
           </a:xfrm>
           <a:prstGeom prst="rect">
             <a:avLst/>
@@ -12475,7 +12698,7 @@
       </p:sp>
       <p:sp>
         <p:nvSpPr>
-          <p:cNvPr id="72" name="PlaceHolder 2"/>
+          <p:cNvPr id="71" name="PlaceHolder 2"/>
           <p:cNvSpPr>
             <a:spLocks noGrp="1"/>
           </p:cNvSpPr>
@@ -12486,7 +12709,7 @@
         <p:spPr>
           <a:xfrm>
             <a:off x="504000" y="1326600"/>
-            <a:ext cx="9070560" cy="3287160"/>
+            <a:ext cx="9069480" cy="3286080"/>
           </a:xfrm>
           <a:prstGeom prst="rect">
             <a:avLst/>
@@ -12533,7 +12756,7 @@
       </p:sp>
       <p:pic>
         <p:nvPicPr>
-          <p:cNvPr id="73" name="" descr="">
+          <p:cNvPr id="72" name="" descr="">
             <a:hlinkClick r:id="" action="ppaction://media"/>
           </p:cNvPr>
           <p:cNvPicPr/>
@@ -12555,7 +12778,7 @@
         <p:spPr>
           <a:xfrm>
             <a:off x="234360" y="246960"/>
-            <a:ext cx="1744560" cy="833040"/>
+            <a:ext cx="1743480" cy="831960"/>
           </a:xfrm>
           <a:prstGeom prst="rect">
             <a:avLst/>
@@ -12567,14 +12790,14 @@
       </p:pic>
       <p:sp>
         <p:nvSpPr>
-          <p:cNvPr id="74" name=""/>
+          <p:cNvPr id="73" name=""/>
           <p:cNvSpPr/>
           <p:nvPr/>
         </p:nvSpPr>
         <p:spPr>
           <a:xfrm>
             <a:off x="215280" y="1040040"/>
-            <a:ext cx="1439280" cy="183960"/>
+            <a:ext cx="1438200" cy="182880"/>
           </a:xfrm>
           <a:prstGeom prst="rect">
             <a:avLst/>
@@ -12621,7 +12844,7 @@
       </p:sp>
       <p:pic>
         <p:nvPicPr>
-          <p:cNvPr id="75" name="" descr=""/>
+          <p:cNvPr id="74" name="" descr=""/>
           <p:cNvPicPr/>
           <p:nvPr/>
         </p:nvPicPr>
@@ -12632,7 +12855,7 @@
         <p:spPr>
           <a:xfrm>
             <a:off x="7920360" y="0"/>
-            <a:ext cx="2137320" cy="2231280"/>
+            <a:ext cx="2136240" cy="2230200"/>
           </a:xfrm>
           <a:prstGeom prst="rect">
             <a:avLst/>
@@ -12644,14 +12867,14 @@
       </p:pic>
       <p:sp>
         <p:nvSpPr>
-          <p:cNvPr id="76" name=""/>
+          <p:cNvPr id="75" name=""/>
           <p:cNvSpPr/>
           <p:nvPr/>
         </p:nvSpPr>
         <p:spPr>
           <a:xfrm>
             <a:off x="1800000" y="5233680"/>
-            <a:ext cx="2289240" cy="345600"/>
+            <a:ext cx="2288160" cy="344520"/>
           </a:xfrm>
           <a:prstGeom prst="rect">
             <a:avLst/>
@@ -12698,14 +12921,14 @@
       </p:sp>
       <p:sp>
         <p:nvSpPr>
-          <p:cNvPr id="77" name=""/>
+          <p:cNvPr id="76" name=""/>
           <p:cNvSpPr/>
           <p:nvPr/>
         </p:nvSpPr>
         <p:spPr>
           <a:xfrm>
             <a:off x="4089960" y="5220000"/>
-            <a:ext cx="358920" cy="358920"/>
+            <a:ext cx="357840" cy="357840"/>
           </a:xfrm>
           <a:prstGeom prst="rightArrow">
             <a:avLst>
@@ -12750,7 +12973,7 @@
       </p:sp>
       <p:pic>
         <p:nvPicPr>
-          <p:cNvPr id="78" name="" descr=""/>
+          <p:cNvPr id="77" name="" descr=""/>
           <p:cNvPicPr/>
           <p:nvPr/>
         </p:nvPicPr>
@@ -12761,7 +12984,7 @@
         <p:spPr>
           <a:xfrm>
             <a:off x="4578120" y="1022760"/>
-            <a:ext cx="3161160" cy="4647240"/>
+            <a:ext cx="3160080" cy="4646160"/>
           </a:xfrm>
           <a:prstGeom prst="rect">
             <a:avLst/>
@@ -12803,7 +13026,7 @@
       </p:grpSpPr>
       <p:sp>
         <p:nvSpPr>
-          <p:cNvPr id="79" name="PlaceHolder 1"/>
+          <p:cNvPr id="78" name="PlaceHolder 1"/>
           <p:cNvSpPr>
             <a:spLocks noGrp="1"/>
           </p:cNvSpPr>
@@ -12814,7 +13037,7 @@
         <p:spPr>
           <a:xfrm>
             <a:off x="504000" y="226080"/>
-            <a:ext cx="9070560" cy="945360"/>
+            <a:ext cx="9069480" cy="944280"/>
           </a:xfrm>
           <a:prstGeom prst="rect">
             <a:avLst/>
@@ -12841,6 +13064,29 @@
           </a:p>
         </p:txBody>
       </p:sp>
+      <p:pic>
+        <p:nvPicPr>
+          <p:cNvPr id="79" name="" descr=""/>
+          <p:cNvPicPr/>
+          <p:nvPr/>
+        </p:nvPicPr>
+        <p:blipFill>
+          <a:blip r:embed="rId1"/>
+          <a:stretch/>
+        </p:blipFill>
+        <p:spPr>
+          <a:xfrm>
+            <a:off x="360" y="1889640"/>
+            <a:ext cx="10078560" cy="1888920"/>
+          </a:xfrm>
+          <a:prstGeom prst="rect">
+            <a:avLst/>
+          </a:prstGeom>
+          <a:ln w="0">
+            <a:noFill/>
+          </a:ln>
+        </p:spPr>
+      </p:pic>
       <p:pic>
         <p:nvPicPr>
           <p:cNvPr id="80" name="" descr=""/>
@@ -12848,13 +13094,13 @@
           <p:nvPr/>
         </p:nvPicPr>
         <p:blipFill>
-          <a:blip r:embed="rId1"/>
+          <a:blip r:embed="rId2"/>
           <a:stretch/>
         </p:blipFill>
         <p:spPr>
           <a:xfrm>
-            <a:off x="360" y="1889640"/>
-            <a:ext cx="10079640" cy="1890000"/>
+            <a:off x="-360" y="3871080"/>
+            <a:ext cx="10078560" cy="1797840"/>
           </a:xfrm>
           <a:prstGeom prst="rect">
             <a:avLst/>
@@ -12866,30 +13112,7 @@
       </p:pic>
       <p:pic>
         <p:nvPicPr>
-          <p:cNvPr id="81" name="" descr=""/>
-          <p:cNvPicPr/>
-          <p:nvPr/>
-        </p:nvPicPr>
-        <p:blipFill>
-          <a:blip r:embed="rId2"/>
-          <a:stretch/>
-        </p:blipFill>
-        <p:spPr>
-          <a:xfrm>
-            <a:off x="-360" y="3871080"/>
-            <a:ext cx="10079640" cy="1798920"/>
-          </a:xfrm>
-          <a:prstGeom prst="rect">
-            <a:avLst/>
-          </a:prstGeom>
-          <a:ln w="0">
-            <a:noFill/>
-          </a:ln>
-        </p:spPr>
-      </p:pic>
-      <p:pic>
-        <p:nvPicPr>
-          <p:cNvPr id="82" name="" descr="">
+          <p:cNvPr id="81" name="" descr="">
             <a:hlinkClick r:id="rId3"/>
           </p:cNvPr>
           <p:cNvPicPr/>
@@ -12902,7 +13125,7 @@
         <p:spPr>
           <a:xfrm>
             <a:off x="9489240" y="0"/>
-            <a:ext cx="590760" cy="590760"/>
+            <a:ext cx="589680" cy="589680"/>
           </a:xfrm>
           <a:prstGeom prst="rect">
             <a:avLst/>
@@ -12914,7 +13137,7 @@
       </p:pic>
       <p:pic>
         <p:nvPicPr>
-          <p:cNvPr id="83" name="" descr=""/>
+          <p:cNvPr id="82" name="" descr=""/>
           <p:cNvPicPr/>
           <p:nvPr/>
         </p:nvPicPr>
@@ -12925,7 +13148,7 @@
         <p:spPr>
           <a:xfrm>
             <a:off x="6480000" y="842400"/>
-            <a:ext cx="2628000" cy="1046520"/>
+            <a:ext cx="2626920" cy="1045440"/>
           </a:xfrm>
           <a:prstGeom prst="rect">
             <a:avLst/>
@@ -12937,7 +13160,7 @@
       </p:pic>
       <p:pic>
         <p:nvPicPr>
-          <p:cNvPr id="84" name="" descr="">
+          <p:cNvPr id="83" name="" descr="">
             <a:hlinkClick r:id="rId6"/>
           </p:cNvPr>
           <p:cNvPicPr/>
@@ -12950,7 +13173,7 @@
         <p:spPr>
           <a:xfrm>
             <a:off x="9489240" y="848520"/>
-            <a:ext cx="590760" cy="590760"/>
+            <a:ext cx="589680" cy="589680"/>
           </a:xfrm>
           <a:prstGeom prst="rect">
             <a:avLst/>
@@ -12962,7 +13185,7 @@
       </p:pic>
       <p:pic>
         <p:nvPicPr>
-          <p:cNvPr id="85" name="" descr=""/>
+          <p:cNvPr id="84" name="" descr=""/>
           <p:cNvPicPr/>
           <p:nvPr/>
         </p:nvPicPr>
@@ -12973,7 +13196,7 @@
         <p:spPr>
           <a:xfrm>
             <a:off x="0" y="0"/>
-            <a:ext cx="5939280" cy="1888920"/>
+            <a:ext cx="5938200" cy="1887840"/>
           </a:xfrm>
           <a:prstGeom prst="rect">
             <a:avLst/>
